--- a/Storyboard완성_이민교.pptx
+++ b/Storyboard완성_이민교.pptx
@@ -7,7 +7,7 @@
     <p:sldMasterId id="2147483656" r:id="rId3"/>
   </p:sldMasterIdLst>
   <p:notesMasterIdLst>
-    <p:notesMasterId r:id="rId26"/>
+    <p:notesMasterId r:id="rId29"/>
   </p:notesMasterIdLst>
   <p:sldIdLst>
     <p:sldId id="256" r:id="rId4"/>
@@ -32,6 +32,9 @@
     <p:sldId id="280" r:id="rId23"/>
     <p:sldId id="281" r:id="rId24"/>
     <p:sldId id="282" r:id="rId25"/>
+    <p:sldId id="284" r:id="rId26"/>
+    <p:sldId id="285" r:id="rId27"/>
+    <p:sldId id="286" r:id="rId28"/>
   </p:sldIdLst>
   <p:sldSz cx="9144000" cy="5143500" type="screen16x9"/>
   <p:notesSz cx="6858000" cy="9144000"/>
@@ -266,7 +269,7 @@
   </p:defaultTextStyle>
   <p:extLst>
     <p:ext uri="{EFAFB233-063F-42B5-8137-9DF3F51BA10A}">
-      <p15:sldGuideLst xmlns:p15="http://schemas.microsoft.com/office/powerpoint/2012/main" xmlns="">
+      <p15:sldGuideLst xmlns="" xmlns:p15="http://schemas.microsoft.com/office/powerpoint/2012/main">
         <p15:guide id="1" orient="horz" pos="1620">
           <p15:clr>
             <a:srgbClr val="000000"/>
@@ -2194,7 +2197,7 @@
               </a:spcAft>
               <a:buNone/>
             </a:pPr>
-            <a:endParaRPr/>
+            <a:endParaRPr dirty="0"/>
           </a:p>
         </p:txBody>
       </p:sp>
@@ -2980,7 +2983,7 @@
               </a:spcAft>
               <a:buNone/>
             </a:pPr>
-            <a:endParaRPr/>
+            <a:endParaRPr dirty="0"/>
           </a:p>
         </p:txBody>
       </p:sp>
@@ -3029,6 +3032,232 @@
     <p:extLst>
       <p:ext uri="{BB962C8B-B14F-4D97-AF65-F5344CB8AC3E}">
         <p14:creationId xmlns:p14="http://schemas.microsoft.com/office/powerpoint/2010/main" val="3683243372"/>
+      </p:ext>
+    </p:extLst>
+  </p:cSld>
+  <p:clrMapOvr>
+    <a:masterClrMapping/>
+  </p:clrMapOvr>
+</p:notes>
+</file>
+
+<file path=ppt/notesSlides/notesSlide22.xml><?xml version="1.0" encoding="utf-8"?>
+<p:notes xmlns:a="http://schemas.openxmlformats.org/drawingml/2006/main" xmlns:r="http://schemas.openxmlformats.org/officeDocument/2006/relationships" xmlns:p="http://schemas.openxmlformats.org/presentationml/2006/main" showMasterSp="0" showMasterPhAnim="0">
+  <p:cSld>
+    <p:spTree>
+      <p:nvGrpSpPr>
+        <p:cNvPr id="1" name="Shape 143"/>
+        <p:cNvGrpSpPr/>
+        <p:nvPr/>
+      </p:nvGrpSpPr>
+      <p:grpSpPr>
+        <a:xfrm>
+          <a:off x="0" y="0"/>
+          <a:ext cx="0" cy="0"/>
+          <a:chOff x="0" y="0"/>
+          <a:chExt cx="0" cy="0"/>
+        </a:xfrm>
+      </p:grpSpPr>
+      <p:sp>
+        <p:nvSpPr>
+          <p:cNvPr id="144" name="Google Shape;144;p12:notes"/>
+          <p:cNvSpPr txBox="1">
+            <a:spLocks noGrp="1"/>
+          </p:cNvSpPr>
+          <p:nvPr>
+            <p:ph type="body" idx="1"/>
+          </p:nvPr>
+        </p:nvSpPr>
+        <p:spPr>
+          <a:xfrm>
+            <a:off x="685800" y="4343400"/>
+            <a:ext cx="5486400" cy="4114800"/>
+          </a:xfrm>
+          <a:prstGeom prst="rect">
+            <a:avLst/>
+          </a:prstGeom>
+          <a:noFill/>
+          <a:ln>
+            <a:noFill/>
+          </a:ln>
+        </p:spPr>
+        <p:txBody>
+          <a:bodyPr spcFirstLastPara="1" wrap="square" lIns="91425" tIns="91425" rIns="91425" bIns="91425" anchor="ctr" anchorCtr="0">
+            <a:noAutofit/>
+          </a:bodyPr>
+          <a:lstStyle/>
+          <a:p>
+            <a:pPr marL="0" lvl="0" indent="0" algn="l" rtl="0">
+              <a:spcBef>
+                <a:spcPts val="0"/>
+              </a:spcBef>
+              <a:spcAft>
+                <a:spcPts val="0"/>
+              </a:spcAft>
+              <a:buNone/>
+            </a:pPr>
+            <a:endParaRPr/>
+          </a:p>
+        </p:txBody>
+      </p:sp>
+      <p:sp>
+        <p:nvSpPr>
+          <p:cNvPr id="145" name="Google Shape;145;p12:notes"/>
+          <p:cNvSpPr>
+            <a:spLocks noGrp="1" noRot="1" noChangeAspect="1"/>
+          </p:cNvSpPr>
+          <p:nvPr>
+            <p:ph type="sldImg" idx="2"/>
+          </p:nvPr>
+        </p:nvSpPr>
+        <p:spPr>
+          <a:xfrm>
+            <a:off x="381000" y="685800"/>
+            <a:ext cx="6096000" cy="3429000"/>
+          </a:xfrm>
+          <a:custGeom>
+            <a:avLst/>
+            <a:gdLst/>
+            <a:ahLst/>
+            <a:cxnLst/>
+            <a:rect l="l" t="t" r="r" b="b"/>
+            <a:pathLst>
+              <a:path w="120000" h="120000" extrusionOk="0">
+                <a:moveTo>
+                  <a:pt x="0" y="0"/>
+                </a:moveTo>
+                <a:lnTo>
+                  <a:pt x="120000" y="0"/>
+                </a:lnTo>
+                <a:lnTo>
+                  <a:pt x="120000" y="120000"/>
+                </a:lnTo>
+                <a:lnTo>
+                  <a:pt x="0" y="120000"/>
+                </a:lnTo>
+                <a:close/>
+              </a:path>
+            </a:pathLst>
+          </a:custGeom>
+        </p:spPr>
+      </p:sp>
+    </p:spTree>
+    <p:extLst>
+      <p:ext uri="{BB962C8B-B14F-4D97-AF65-F5344CB8AC3E}">
+        <p14:creationId xmlns:p14="http://schemas.microsoft.com/office/powerpoint/2010/main" val="2081111854"/>
+      </p:ext>
+    </p:extLst>
+  </p:cSld>
+  <p:clrMapOvr>
+    <a:masterClrMapping/>
+  </p:clrMapOvr>
+</p:notes>
+</file>
+
+<file path=ppt/notesSlides/notesSlide23.xml><?xml version="1.0" encoding="utf-8"?>
+<p:notes xmlns:a="http://schemas.openxmlformats.org/drawingml/2006/main" xmlns:r="http://schemas.openxmlformats.org/officeDocument/2006/relationships" xmlns:p="http://schemas.openxmlformats.org/presentationml/2006/main" showMasterSp="0" showMasterPhAnim="0">
+  <p:cSld>
+    <p:spTree>
+      <p:nvGrpSpPr>
+        <p:cNvPr id="1" name="Shape 143"/>
+        <p:cNvGrpSpPr/>
+        <p:nvPr/>
+      </p:nvGrpSpPr>
+      <p:grpSpPr>
+        <a:xfrm>
+          <a:off x="0" y="0"/>
+          <a:ext cx="0" cy="0"/>
+          <a:chOff x="0" y="0"/>
+          <a:chExt cx="0" cy="0"/>
+        </a:xfrm>
+      </p:grpSpPr>
+      <p:sp>
+        <p:nvSpPr>
+          <p:cNvPr id="144" name="Google Shape;144;p12:notes"/>
+          <p:cNvSpPr txBox="1">
+            <a:spLocks noGrp="1"/>
+          </p:cNvSpPr>
+          <p:nvPr>
+            <p:ph type="body" idx="1"/>
+          </p:nvPr>
+        </p:nvSpPr>
+        <p:spPr>
+          <a:xfrm>
+            <a:off x="685800" y="4343400"/>
+            <a:ext cx="5486400" cy="4114800"/>
+          </a:xfrm>
+          <a:prstGeom prst="rect">
+            <a:avLst/>
+          </a:prstGeom>
+          <a:noFill/>
+          <a:ln>
+            <a:noFill/>
+          </a:ln>
+        </p:spPr>
+        <p:txBody>
+          <a:bodyPr spcFirstLastPara="1" wrap="square" lIns="91425" tIns="91425" rIns="91425" bIns="91425" anchor="ctr" anchorCtr="0">
+            <a:noAutofit/>
+          </a:bodyPr>
+          <a:lstStyle/>
+          <a:p>
+            <a:pPr marL="0" lvl="0" indent="0" algn="l" rtl="0">
+              <a:spcBef>
+                <a:spcPts val="0"/>
+              </a:spcBef>
+              <a:spcAft>
+                <a:spcPts val="0"/>
+              </a:spcAft>
+              <a:buNone/>
+            </a:pPr>
+            <a:endParaRPr/>
+          </a:p>
+        </p:txBody>
+      </p:sp>
+      <p:sp>
+        <p:nvSpPr>
+          <p:cNvPr id="145" name="Google Shape;145;p12:notes"/>
+          <p:cNvSpPr>
+            <a:spLocks noGrp="1" noRot="1" noChangeAspect="1"/>
+          </p:cNvSpPr>
+          <p:nvPr>
+            <p:ph type="sldImg" idx="2"/>
+          </p:nvPr>
+        </p:nvSpPr>
+        <p:spPr>
+          <a:xfrm>
+            <a:off x="381000" y="685800"/>
+            <a:ext cx="6096000" cy="3429000"/>
+          </a:xfrm>
+          <a:custGeom>
+            <a:avLst/>
+            <a:gdLst/>
+            <a:ahLst/>
+            <a:cxnLst/>
+            <a:rect l="l" t="t" r="r" b="b"/>
+            <a:pathLst>
+              <a:path w="120000" h="120000" extrusionOk="0">
+                <a:moveTo>
+                  <a:pt x="0" y="0"/>
+                </a:moveTo>
+                <a:lnTo>
+                  <a:pt x="120000" y="0"/>
+                </a:lnTo>
+                <a:lnTo>
+                  <a:pt x="120000" y="120000"/>
+                </a:lnTo>
+                <a:lnTo>
+                  <a:pt x="0" y="120000"/>
+                </a:lnTo>
+                <a:close/>
+              </a:path>
+            </a:pathLst>
+          </a:custGeom>
+        </p:spPr>
+      </p:sp>
+    </p:spTree>
+    <p:extLst>
+      <p:ext uri="{BB962C8B-B14F-4D97-AF65-F5344CB8AC3E}">
+        <p14:creationId xmlns:p14="http://schemas.microsoft.com/office/powerpoint/2010/main" val="2081111854"/>
       </p:ext>
     </p:extLst>
   </p:cSld>
@@ -4141,28 +4370,28 @@
                 <a:gridCol w="2052625">
                   <a:extLst>
                     <a:ext uri="{9D8B030D-6E8A-4147-A177-3AD203B41FA5}">
-                      <a16:colId xmlns:a16="http://schemas.microsoft.com/office/drawing/2014/main" xmlns="" val="20000"/>
+                      <a16:colId xmlns="" xmlns:a16="http://schemas.microsoft.com/office/drawing/2014/main" val="20000"/>
                     </a:ext>
                   </a:extLst>
                 </a:gridCol>
                 <a:gridCol w="2052625">
                   <a:extLst>
                     <a:ext uri="{9D8B030D-6E8A-4147-A177-3AD203B41FA5}">
-                      <a16:colId xmlns:a16="http://schemas.microsoft.com/office/drawing/2014/main" xmlns="" val="20001"/>
+                      <a16:colId xmlns="" xmlns:a16="http://schemas.microsoft.com/office/drawing/2014/main" val="20001"/>
                     </a:ext>
                   </a:extLst>
                 </a:gridCol>
                 <a:gridCol w="2052625">
                   <a:extLst>
                     <a:ext uri="{9D8B030D-6E8A-4147-A177-3AD203B41FA5}">
-                      <a16:colId xmlns:a16="http://schemas.microsoft.com/office/drawing/2014/main" xmlns="" val="20002"/>
+                      <a16:colId xmlns="" xmlns:a16="http://schemas.microsoft.com/office/drawing/2014/main" val="20002"/>
                     </a:ext>
                   </a:extLst>
                 </a:gridCol>
                 <a:gridCol w="2052625">
                   <a:extLst>
                     <a:ext uri="{9D8B030D-6E8A-4147-A177-3AD203B41FA5}">
-                      <a16:colId xmlns:a16="http://schemas.microsoft.com/office/drawing/2014/main" xmlns="" val="20003"/>
+                      <a16:colId xmlns="" xmlns:a16="http://schemas.microsoft.com/office/drawing/2014/main" val="20003"/>
                     </a:ext>
                   </a:extLst>
                 </a:gridCol>
@@ -4456,7 +4685,7 @@
                 </a:tc>
                 <a:extLst>
                   <a:ext uri="{0D108BD9-81ED-4DB2-BD59-A6C34878D82A}">
-                    <a16:rowId xmlns:a16="http://schemas.microsoft.com/office/drawing/2014/main" xmlns="" val="10000"/>
+                    <a16:rowId xmlns="" xmlns:a16="http://schemas.microsoft.com/office/drawing/2014/main" val="10000"/>
                   </a:ext>
                 </a:extLst>
               </a:tr>
@@ -4733,7 +4962,7 @@
                 </a:tc>
                 <a:extLst>
                   <a:ext uri="{0D108BD9-81ED-4DB2-BD59-A6C34878D82A}">
-                    <a16:rowId xmlns:a16="http://schemas.microsoft.com/office/drawing/2014/main" xmlns="" val="10001"/>
+                    <a16:rowId xmlns="" xmlns:a16="http://schemas.microsoft.com/office/drawing/2014/main" val="10001"/>
                   </a:ext>
                 </a:extLst>
               </a:tr>
@@ -11811,7 +12040,7 @@
           <p:cNvPr id="91" name="직사각형 90">
             <a:extLst>
               <a:ext uri="{FF2B5EF4-FFF2-40B4-BE49-F238E27FC236}">
-                <a16:creationId xmlns:a16="http://schemas.microsoft.com/office/drawing/2014/main" xmlns="" id="{CA788993-801F-47F2-A5CF-7C18AE07BCA6}"/>
+                <a16:creationId xmlns="" xmlns:a16="http://schemas.microsoft.com/office/drawing/2014/main" id="{CA788993-801F-47F2-A5CF-7C18AE07BCA6}"/>
               </a:ext>
             </a:extLst>
           </p:cNvPr>
@@ -11863,7 +12092,7 @@
           <p:cNvPr id="92" name="직선 연결선 91">
             <a:extLst>
               <a:ext uri="{FF2B5EF4-FFF2-40B4-BE49-F238E27FC236}">
-                <a16:creationId xmlns:a16="http://schemas.microsoft.com/office/drawing/2014/main" xmlns="" id="{44240779-76E1-4B27-9B94-FC998804FCE6}"/>
+                <a16:creationId xmlns="" xmlns:a16="http://schemas.microsoft.com/office/drawing/2014/main" id="{44240779-76E1-4B27-9B94-FC998804FCE6}"/>
               </a:ext>
             </a:extLst>
           </p:cNvPr>
@@ -11899,7 +12128,7 @@
           <p:cNvPr id="93" name="직사각형 92">
             <a:extLst>
               <a:ext uri="{FF2B5EF4-FFF2-40B4-BE49-F238E27FC236}">
-                <a16:creationId xmlns:a16="http://schemas.microsoft.com/office/drawing/2014/main" xmlns="" id="{CA788993-801F-47F2-A5CF-7C18AE07BCA6}"/>
+                <a16:creationId xmlns="" xmlns:a16="http://schemas.microsoft.com/office/drawing/2014/main" id="{CA788993-801F-47F2-A5CF-7C18AE07BCA6}"/>
               </a:ext>
             </a:extLst>
           </p:cNvPr>
@@ -12200,7 +12429,7 @@
           <p:cNvPr id="76" name="직사각형 75">
             <a:extLst>
               <a:ext uri="{FF2B5EF4-FFF2-40B4-BE49-F238E27FC236}">
-                <a16:creationId xmlns:a16="http://schemas.microsoft.com/office/drawing/2014/main" xmlns="" id="{CA788993-801F-47F2-A5CF-7C18AE07BCA6}"/>
+                <a16:creationId xmlns="" xmlns:a16="http://schemas.microsoft.com/office/drawing/2014/main" id="{CA788993-801F-47F2-A5CF-7C18AE07BCA6}"/>
               </a:ext>
             </a:extLst>
           </p:cNvPr>
@@ -12252,7 +12481,7 @@
           <p:cNvPr id="97" name="직선 연결선 96">
             <a:extLst>
               <a:ext uri="{FF2B5EF4-FFF2-40B4-BE49-F238E27FC236}">
-                <a16:creationId xmlns:a16="http://schemas.microsoft.com/office/drawing/2014/main" xmlns="" id="{44240779-76E1-4B27-9B94-FC998804FCE6}"/>
+                <a16:creationId xmlns="" xmlns:a16="http://schemas.microsoft.com/office/drawing/2014/main" id="{44240779-76E1-4B27-9B94-FC998804FCE6}"/>
               </a:ext>
             </a:extLst>
           </p:cNvPr>
@@ -13262,11 +13491,7 @@
             </a:r>
             <a:r>
               <a:rPr lang="en-US" altLang="ko-KR" sz="800" dirty="0" smtClean="0"/>
-              <a:t>(</a:t>
-            </a:r>
-            <a:r>
-              <a:rPr lang="en-US" altLang="ko-KR" sz="800" dirty="0" smtClean="0"/>
-              <a:t>transition </a:t>
+              <a:t>(transition </a:t>
             </a:r>
             <a:r>
               <a:rPr lang="ko-KR" altLang="en-US" sz="800" dirty="0" err="1" smtClean="0"/>
@@ -13802,7 +14027,7 @@
           <p:cNvPr id="65" name="직사각형 64">
             <a:extLst>
               <a:ext uri="{FF2B5EF4-FFF2-40B4-BE49-F238E27FC236}">
-                <a16:creationId xmlns:a16="http://schemas.microsoft.com/office/drawing/2014/main" xmlns="" id="{CA788993-801F-47F2-A5CF-7C18AE07BCA6}"/>
+                <a16:creationId xmlns="" xmlns:a16="http://schemas.microsoft.com/office/drawing/2014/main" id="{CA788993-801F-47F2-A5CF-7C18AE07BCA6}"/>
               </a:ext>
             </a:extLst>
           </p:cNvPr>
@@ -13854,7 +14079,7 @@
           <p:cNvPr id="66" name="직선 연결선 65">
             <a:extLst>
               <a:ext uri="{FF2B5EF4-FFF2-40B4-BE49-F238E27FC236}">
-                <a16:creationId xmlns:a16="http://schemas.microsoft.com/office/drawing/2014/main" xmlns="" id="{44240779-76E1-4B27-9B94-FC998804FCE6}"/>
+                <a16:creationId xmlns="" xmlns:a16="http://schemas.microsoft.com/office/drawing/2014/main" id="{44240779-76E1-4B27-9B94-FC998804FCE6}"/>
               </a:ext>
             </a:extLst>
           </p:cNvPr>
@@ -13890,7 +14115,7 @@
           <p:cNvPr id="69" name="직사각형 68">
             <a:extLst>
               <a:ext uri="{FF2B5EF4-FFF2-40B4-BE49-F238E27FC236}">
-                <a16:creationId xmlns:a16="http://schemas.microsoft.com/office/drawing/2014/main" xmlns="" id="{CA788993-801F-47F2-A5CF-7C18AE07BCA6}"/>
+                <a16:creationId xmlns="" xmlns:a16="http://schemas.microsoft.com/office/drawing/2014/main" id="{CA788993-801F-47F2-A5CF-7C18AE07BCA6}"/>
               </a:ext>
             </a:extLst>
           </p:cNvPr>
@@ -13942,7 +14167,7 @@
           <p:cNvPr id="70" name="직선 연결선 69">
             <a:extLst>
               <a:ext uri="{FF2B5EF4-FFF2-40B4-BE49-F238E27FC236}">
-                <a16:creationId xmlns:a16="http://schemas.microsoft.com/office/drawing/2014/main" xmlns="" id="{44240779-76E1-4B27-9B94-FC998804FCE6}"/>
+                <a16:creationId xmlns="" xmlns:a16="http://schemas.microsoft.com/office/drawing/2014/main" id="{44240779-76E1-4B27-9B94-FC998804FCE6}"/>
               </a:ext>
             </a:extLst>
           </p:cNvPr>
@@ -17106,7 +17331,7 @@
           <p:cNvPr id="5" name="TextBox 4">
             <a:extLst>
               <a:ext uri="{FF2B5EF4-FFF2-40B4-BE49-F238E27FC236}">
-                <a16:creationId xmlns:a16="http://schemas.microsoft.com/office/drawing/2014/main" xmlns="" id="{F46ED12F-13C8-4F15-9522-21B9409359E7}"/>
+                <a16:creationId xmlns="" xmlns:a16="http://schemas.microsoft.com/office/drawing/2014/main" id="{F46ED12F-13C8-4F15-9522-21B9409359E7}"/>
               </a:ext>
             </a:extLst>
           </p:cNvPr>
@@ -17962,7 +18187,7 @@
           <p:cNvPr id="2" name="직사각형 1">
             <a:extLst>
               <a:ext uri="{FF2B5EF4-FFF2-40B4-BE49-F238E27FC236}">
-                <a16:creationId xmlns:a16="http://schemas.microsoft.com/office/drawing/2014/main" xmlns="" id="{A0E8A2D5-1F22-4A47-ABF9-77DA20610EC4}"/>
+                <a16:creationId xmlns="" xmlns:a16="http://schemas.microsoft.com/office/drawing/2014/main" id="{A0E8A2D5-1F22-4A47-ABF9-77DA20610EC4}"/>
               </a:ext>
             </a:extLst>
           </p:cNvPr>
@@ -18018,7 +18243,7 @@
           <p:cNvPr id="57" name="직사각형 56">
             <a:extLst>
               <a:ext uri="{FF2B5EF4-FFF2-40B4-BE49-F238E27FC236}">
-                <a16:creationId xmlns:a16="http://schemas.microsoft.com/office/drawing/2014/main" xmlns="" id="{CA788993-801F-47F2-A5CF-7C18AE07BCA6}"/>
+                <a16:creationId xmlns="" xmlns:a16="http://schemas.microsoft.com/office/drawing/2014/main" id="{CA788993-801F-47F2-A5CF-7C18AE07BCA6}"/>
               </a:ext>
             </a:extLst>
           </p:cNvPr>
@@ -18070,7 +18295,7 @@
           <p:cNvPr id="58" name="직사각형 57">
             <a:extLst>
               <a:ext uri="{FF2B5EF4-FFF2-40B4-BE49-F238E27FC236}">
-                <a16:creationId xmlns:a16="http://schemas.microsoft.com/office/drawing/2014/main" xmlns="" id="{AA702FBC-F01D-4396-B044-D75D1EF27BF4}"/>
+                <a16:creationId xmlns="" xmlns:a16="http://schemas.microsoft.com/office/drawing/2014/main" id="{AA702FBC-F01D-4396-B044-D75D1EF27BF4}"/>
               </a:ext>
             </a:extLst>
           </p:cNvPr>
@@ -18126,7 +18351,7 @@
           <p:cNvPr id="59" name="직사각형 58">
             <a:extLst>
               <a:ext uri="{FF2B5EF4-FFF2-40B4-BE49-F238E27FC236}">
-                <a16:creationId xmlns:a16="http://schemas.microsoft.com/office/drawing/2014/main" xmlns="" id="{03F35CDC-3DB2-4A6C-BF01-FE55ECBE1763}"/>
+                <a16:creationId xmlns="" xmlns:a16="http://schemas.microsoft.com/office/drawing/2014/main" id="{03F35CDC-3DB2-4A6C-BF01-FE55ECBE1763}"/>
               </a:ext>
             </a:extLst>
           </p:cNvPr>
@@ -18182,7 +18407,7 @@
           <p:cNvPr id="60" name="직사각형 59">
             <a:extLst>
               <a:ext uri="{FF2B5EF4-FFF2-40B4-BE49-F238E27FC236}">
-                <a16:creationId xmlns:a16="http://schemas.microsoft.com/office/drawing/2014/main" xmlns="" id="{A2593863-066F-4710-8158-E2E7525F6739}"/>
+                <a16:creationId xmlns="" xmlns:a16="http://schemas.microsoft.com/office/drawing/2014/main" id="{A2593863-066F-4710-8158-E2E7525F6739}"/>
               </a:ext>
             </a:extLst>
           </p:cNvPr>
@@ -18809,7 +19034,7 @@
           <p:cNvPr id="3" name="TextBox 2">
             <a:extLst>
               <a:ext uri="{FF2B5EF4-FFF2-40B4-BE49-F238E27FC236}">
-                <a16:creationId xmlns:a16="http://schemas.microsoft.com/office/drawing/2014/main" xmlns="" id="{34EF3B01-E684-4273-8A09-28E2378DD7B0}"/>
+                <a16:creationId xmlns="" xmlns:a16="http://schemas.microsoft.com/office/drawing/2014/main" id="{34EF3B01-E684-4273-8A09-28E2378DD7B0}"/>
               </a:ext>
             </a:extLst>
           </p:cNvPr>
@@ -18818,8 +19043,8 @@
         </p:nvSpPr>
         <p:spPr>
           <a:xfrm>
-            <a:off x="2952398" y="4231754"/>
-            <a:ext cx="1236236" cy="246221"/>
+            <a:off x="3127813" y="4231754"/>
+            <a:ext cx="761747" cy="400110"/>
           </a:xfrm>
           <a:prstGeom prst="rect">
             <a:avLst/>
@@ -18833,140 +19058,19 @@
           <a:lstStyle/>
           <a:p>
             <a:r>
-              <a:rPr lang="en-US" altLang="ko-KR" sz="1000" dirty="0"/>
-              <a:t>3.01</a:t>
-            </a:r>
-            <a:r>
-              <a:rPr lang="ko-KR" altLang="en-US" sz="1000" dirty="0"/>
-              <a:t>버전 업데이트</a:t>
-            </a:r>
-          </a:p>
-        </p:txBody>
-      </p:sp>
-      <p:sp>
-        <p:nvSpPr>
-          <p:cNvPr id="5" name="직사각형 4">
-            <a:extLst>
-              <a:ext uri="{FF2B5EF4-FFF2-40B4-BE49-F238E27FC236}">
-                <a16:creationId xmlns:a16="http://schemas.microsoft.com/office/drawing/2014/main" xmlns="" id="{36B4330B-BB24-482F-BA43-89BB4D547F01}"/>
-              </a:ext>
-            </a:extLst>
-          </p:cNvPr>
-          <p:cNvSpPr/>
-          <p:nvPr/>
-        </p:nvSpPr>
-        <p:spPr>
-          <a:xfrm>
-            <a:off x="2901596" y="3716744"/>
-            <a:ext cx="1197298" cy="489457"/>
-          </a:xfrm>
-          <a:prstGeom prst="rect">
-            <a:avLst/>
-          </a:prstGeom>
-          <a:noFill/>
-          <a:ln>
-            <a:solidFill>
-              <a:schemeClr val="tx1"/>
-            </a:solidFill>
-          </a:ln>
-        </p:spPr>
-        <p:style>
-          <a:lnRef idx="2">
-            <a:schemeClr val="accent1">
-              <a:shade val="50000"/>
-            </a:schemeClr>
-          </a:lnRef>
-          <a:fillRef idx="1">
-            <a:schemeClr val="accent1"/>
-          </a:fillRef>
-          <a:effectRef idx="0">
-            <a:schemeClr val="accent1"/>
-          </a:effectRef>
-          <a:fontRef idx="minor">
-            <a:schemeClr val="lt1"/>
-          </a:fontRef>
-        </p:style>
-        <p:txBody>
-          <a:bodyPr rtlCol="0" anchor="ctr"/>
-          <a:lstStyle/>
-          <a:p>
-            <a:pPr algn="ctr"/>
-            <a:endParaRPr lang="ko-KR" altLang="en-US"/>
-          </a:p>
-        </p:txBody>
-      </p:sp>
-      <p:cxnSp>
-        <p:nvCxnSpPr>
-          <p:cNvPr id="12" name="직선 연결선 11">
-            <a:extLst>
-              <a:ext uri="{FF2B5EF4-FFF2-40B4-BE49-F238E27FC236}">
-                <a16:creationId xmlns:a16="http://schemas.microsoft.com/office/drawing/2014/main" xmlns="" id="{7B9A58C8-FEE8-49C0-91BE-5E13A52AFF89}"/>
-              </a:ext>
-            </a:extLst>
-          </p:cNvPr>
-          <p:cNvCxnSpPr/>
-          <p:nvPr/>
-        </p:nvCxnSpPr>
-        <p:spPr>
-          <a:xfrm>
-            <a:off x="2901596" y="3716744"/>
-            <a:ext cx="1197298" cy="489457"/>
-          </a:xfrm>
-          <a:prstGeom prst="line">
-            <a:avLst/>
-          </a:prstGeom>
-        </p:spPr>
-        <p:style>
-          <a:lnRef idx="1">
-            <a:schemeClr val="dk1"/>
-          </a:lnRef>
-          <a:fillRef idx="0">
-            <a:schemeClr val="dk1"/>
-          </a:fillRef>
-          <a:effectRef idx="0">
-            <a:schemeClr val="dk1"/>
-          </a:effectRef>
-          <a:fontRef idx="minor">
-            <a:schemeClr val="tx1"/>
-          </a:fontRef>
-        </p:style>
-      </p:cxnSp>
-      <p:cxnSp>
-        <p:nvCxnSpPr>
-          <p:cNvPr id="16" name="직선 연결선 15">
-            <a:extLst>
-              <a:ext uri="{FF2B5EF4-FFF2-40B4-BE49-F238E27FC236}">
-                <a16:creationId xmlns:a16="http://schemas.microsoft.com/office/drawing/2014/main" xmlns="" id="{36E59692-2BE7-4FAC-B65F-1AEC36C7227F}"/>
-              </a:ext>
-            </a:extLst>
-          </p:cNvPr>
-          <p:cNvCxnSpPr/>
-          <p:nvPr/>
-        </p:nvCxnSpPr>
-        <p:spPr>
-          <a:xfrm flipH="1">
-            <a:off x="2901596" y="3716744"/>
-            <a:ext cx="1197298" cy="489457"/>
-          </a:xfrm>
-          <a:prstGeom prst="line">
-            <a:avLst/>
-          </a:prstGeom>
-        </p:spPr>
-        <p:style>
-          <a:lnRef idx="1">
-            <a:schemeClr val="dk1"/>
-          </a:lnRef>
-          <a:fillRef idx="0">
-            <a:schemeClr val="dk1"/>
-          </a:fillRef>
-          <a:effectRef idx="0">
-            <a:schemeClr val="dk1"/>
-          </a:effectRef>
-          <a:fontRef idx="minor">
-            <a:schemeClr val="tx1"/>
-          </a:fontRef>
-        </p:style>
-      </p:cxnSp>
+              <a:rPr lang="en-US" altLang="ko-KR" sz="1000" dirty="0" smtClean="0"/>
+              <a:t>INFERNO</a:t>
+            </a:r>
+          </a:p>
+          <a:p>
+            <a:r>
+              <a:rPr lang="ko-KR" altLang="en-US" sz="1000" dirty="0" smtClean="0"/>
+              <a:t>업데이트</a:t>
+            </a:r>
+            <a:endParaRPr lang="ko-KR" altLang="en-US" sz="1000" dirty="0"/>
+          </a:p>
+        </p:txBody>
+      </p:sp>
       <p:sp>
         <p:nvSpPr>
           <p:cNvPr id="4" name="TextBox 3"/>
@@ -18998,6 +19102,383 @@
           </a:p>
         </p:txBody>
       </p:sp>
+      <p:sp>
+        <p:nvSpPr>
+          <p:cNvPr id="38" name="TextBox 37"/>
+          <p:cNvSpPr txBox="1"/>
+          <p:nvPr/>
+        </p:nvSpPr>
+        <p:spPr>
+          <a:xfrm>
+            <a:off x="920355" y="1810044"/>
+            <a:ext cx="894285" cy="215444"/>
+          </a:xfrm>
+          <a:prstGeom prst="rect">
+            <a:avLst/>
+          </a:prstGeom>
+          <a:noFill/>
+        </p:spPr>
+        <p:txBody>
+          <a:bodyPr wrap="square" rtlCol="0">
+            <a:spAutoFit/>
+          </a:bodyPr>
+          <a:lstStyle/>
+          <a:p>
+            <a:r>
+              <a:rPr lang="en-US" altLang="ko-KR" sz="800" dirty="0"/>
+              <a:t>(</a:t>
+            </a:r>
+            <a:r>
+              <a:rPr lang="ko-KR" altLang="en-US" sz="800" dirty="0"/>
+              <a:t>캐릭터 이미지</a:t>
+            </a:r>
+            <a:r>
+              <a:rPr lang="en-US" altLang="ko-KR" sz="800" dirty="0"/>
+              <a:t>)</a:t>
+            </a:r>
+            <a:endParaRPr lang="ko-KR" altLang="en-US" sz="800" dirty="0"/>
+          </a:p>
+        </p:txBody>
+      </p:sp>
+      <p:sp>
+        <p:nvSpPr>
+          <p:cNvPr id="39" name="TextBox 38"/>
+          <p:cNvSpPr txBox="1"/>
+          <p:nvPr/>
+        </p:nvSpPr>
+        <p:spPr>
+          <a:xfrm>
+            <a:off x="3813419" y="1765366"/>
+            <a:ext cx="894285" cy="215444"/>
+          </a:xfrm>
+          <a:prstGeom prst="rect">
+            <a:avLst/>
+          </a:prstGeom>
+          <a:noFill/>
+        </p:spPr>
+        <p:txBody>
+          <a:bodyPr wrap="square" rtlCol="0">
+            <a:spAutoFit/>
+          </a:bodyPr>
+          <a:lstStyle/>
+          <a:p>
+            <a:r>
+              <a:rPr lang="en-US" altLang="ko-KR" sz="800" dirty="0"/>
+              <a:t>(</a:t>
+            </a:r>
+            <a:r>
+              <a:rPr lang="ko-KR" altLang="en-US" sz="800" dirty="0"/>
+              <a:t>캐릭터 이미지</a:t>
+            </a:r>
+            <a:r>
+              <a:rPr lang="en-US" altLang="ko-KR" sz="800" dirty="0"/>
+              <a:t>)</a:t>
+            </a:r>
+            <a:endParaRPr lang="ko-KR" altLang="en-US" sz="800" dirty="0"/>
+          </a:p>
+        </p:txBody>
+      </p:sp>
+      <p:sp>
+        <p:nvSpPr>
+          <p:cNvPr id="40" name="TextBox 39"/>
+          <p:cNvSpPr txBox="1"/>
+          <p:nvPr/>
+        </p:nvSpPr>
+        <p:spPr>
+          <a:xfrm>
+            <a:off x="5170979" y="1784267"/>
+            <a:ext cx="894285" cy="215444"/>
+          </a:xfrm>
+          <a:prstGeom prst="rect">
+            <a:avLst/>
+          </a:prstGeom>
+          <a:noFill/>
+        </p:spPr>
+        <p:txBody>
+          <a:bodyPr wrap="square" rtlCol="0">
+            <a:spAutoFit/>
+          </a:bodyPr>
+          <a:lstStyle/>
+          <a:p>
+            <a:r>
+              <a:rPr lang="en-US" altLang="ko-KR" sz="800" dirty="0"/>
+              <a:t>(</a:t>
+            </a:r>
+            <a:r>
+              <a:rPr lang="ko-KR" altLang="en-US" sz="800" dirty="0"/>
+              <a:t>캐릭터 이미지</a:t>
+            </a:r>
+            <a:r>
+              <a:rPr lang="en-US" altLang="ko-KR" sz="800" dirty="0"/>
+              <a:t>)</a:t>
+            </a:r>
+            <a:endParaRPr lang="ko-KR" altLang="en-US" sz="800" dirty="0"/>
+          </a:p>
+        </p:txBody>
+      </p:sp>
+      <p:sp>
+        <p:nvSpPr>
+          <p:cNvPr id="41" name="TextBox 40"/>
+          <p:cNvSpPr txBox="1"/>
+          <p:nvPr/>
+        </p:nvSpPr>
+        <p:spPr>
+          <a:xfrm>
+            <a:off x="777760" y="2285983"/>
+            <a:ext cx="1165704" cy="215444"/>
+          </a:xfrm>
+          <a:prstGeom prst="rect">
+            <a:avLst/>
+          </a:prstGeom>
+          <a:noFill/>
+        </p:spPr>
+        <p:txBody>
+          <a:bodyPr wrap="none" rtlCol="0">
+            <a:spAutoFit/>
+          </a:bodyPr>
+          <a:lstStyle/>
+          <a:p>
+            <a:r>
+              <a:rPr lang="ko-KR" altLang="en-US" sz="800" dirty="0"/>
+              <a:t>간략한 이미지 </a:t>
+            </a:r>
+            <a:r>
+              <a:rPr lang="ko-KR" altLang="en-US" sz="800" dirty="0" err="1"/>
+              <a:t>소개글</a:t>
+            </a:r>
+            <a:endParaRPr lang="ko-KR" altLang="en-US" sz="800" dirty="0"/>
+          </a:p>
+        </p:txBody>
+      </p:sp>
+      <p:sp>
+        <p:nvSpPr>
+          <p:cNvPr id="42" name="TextBox 41"/>
+          <p:cNvSpPr txBox="1"/>
+          <p:nvPr/>
+        </p:nvSpPr>
+        <p:spPr>
+          <a:xfrm>
+            <a:off x="3621035" y="2288750"/>
+            <a:ext cx="1165704" cy="215444"/>
+          </a:xfrm>
+          <a:prstGeom prst="rect">
+            <a:avLst/>
+          </a:prstGeom>
+          <a:noFill/>
+        </p:spPr>
+        <p:txBody>
+          <a:bodyPr wrap="none" rtlCol="0">
+            <a:spAutoFit/>
+          </a:bodyPr>
+          <a:lstStyle/>
+          <a:p>
+            <a:r>
+              <a:rPr lang="ko-KR" altLang="en-US" sz="800" dirty="0"/>
+              <a:t>간략한 이미지 </a:t>
+            </a:r>
+            <a:r>
+              <a:rPr lang="ko-KR" altLang="en-US" sz="800" dirty="0" err="1"/>
+              <a:t>소개글</a:t>
+            </a:r>
+            <a:endParaRPr lang="ko-KR" altLang="en-US" sz="800" dirty="0"/>
+          </a:p>
+        </p:txBody>
+      </p:sp>
+      <p:sp>
+        <p:nvSpPr>
+          <p:cNvPr id="43" name="TextBox 42"/>
+          <p:cNvSpPr txBox="1"/>
+          <p:nvPr/>
+        </p:nvSpPr>
+        <p:spPr>
+          <a:xfrm>
+            <a:off x="5035269" y="2294128"/>
+            <a:ext cx="1165704" cy="215444"/>
+          </a:xfrm>
+          <a:prstGeom prst="rect">
+            <a:avLst/>
+          </a:prstGeom>
+          <a:noFill/>
+        </p:spPr>
+        <p:txBody>
+          <a:bodyPr wrap="none" rtlCol="0">
+            <a:spAutoFit/>
+          </a:bodyPr>
+          <a:lstStyle/>
+          <a:p>
+            <a:r>
+              <a:rPr lang="ko-KR" altLang="en-US" sz="800" dirty="0"/>
+              <a:t>간략한 이미지 </a:t>
+            </a:r>
+            <a:r>
+              <a:rPr lang="ko-KR" altLang="en-US" sz="800" dirty="0" err="1"/>
+              <a:t>소개글</a:t>
+            </a:r>
+            <a:endParaRPr lang="ko-KR" altLang="en-US" sz="800" dirty="0"/>
+          </a:p>
+        </p:txBody>
+      </p:sp>
+      <p:sp>
+        <p:nvSpPr>
+          <p:cNvPr id="44" name="TextBox 43"/>
+          <p:cNvSpPr txBox="1"/>
+          <p:nvPr/>
+        </p:nvSpPr>
+        <p:spPr>
+          <a:xfrm>
+            <a:off x="1201539" y="4016310"/>
+            <a:ext cx="1165704" cy="215444"/>
+          </a:xfrm>
+          <a:prstGeom prst="rect">
+            <a:avLst/>
+          </a:prstGeom>
+          <a:noFill/>
+        </p:spPr>
+        <p:txBody>
+          <a:bodyPr wrap="none" rtlCol="0">
+            <a:spAutoFit/>
+          </a:bodyPr>
+          <a:lstStyle/>
+          <a:p>
+            <a:r>
+              <a:rPr lang="ko-KR" altLang="en-US" sz="800" smtClean="0"/>
+              <a:t>공지사항 또는 이벤트</a:t>
+            </a:r>
+            <a:endParaRPr lang="ko-KR" altLang="en-US" sz="800"/>
+          </a:p>
+        </p:txBody>
+      </p:sp>
+      <p:sp>
+        <p:nvSpPr>
+          <p:cNvPr id="45" name="TextBox 44"/>
+          <p:cNvSpPr txBox="1"/>
+          <p:nvPr/>
+        </p:nvSpPr>
+        <p:spPr>
+          <a:xfrm>
+            <a:off x="4629513" y="4017915"/>
+            <a:ext cx="1165704" cy="215444"/>
+          </a:xfrm>
+          <a:prstGeom prst="rect">
+            <a:avLst/>
+          </a:prstGeom>
+          <a:noFill/>
+        </p:spPr>
+        <p:txBody>
+          <a:bodyPr wrap="none" rtlCol="0">
+            <a:spAutoFit/>
+          </a:bodyPr>
+          <a:lstStyle/>
+          <a:p>
+            <a:r>
+              <a:rPr lang="ko-KR" altLang="en-US" sz="800" smtClean="0"/>
+              <a:t>공지사항 또는 이벤트</a:t>
+            </a:r>
+            <a:endParaRPr lang="ko-KR" altLang="en-US" sz="800"/>
+          </a:p>
+        </p:txBody>
+      </p:sp>
+      <p:sp>
+        <p:nvSpPr>
+          <p:cNvPr id="46" name="TextBox 45"/>
+          <p:cNvSpPr txBox="1"/>
+          <p:nvPr/>
+        </p:nvSpPr>
+        <p:spPr>
+          <a:xfrm>
+            <a:off x="6124031" y="3899670"/>
+            <a:ext cx="689821" cy="461665"/>
+          </a:xfrm>
+          <a:prstGeom prst="rect">
+            <a:avLst/>
+          </a:prstGeom>
+          <a:noFill/>
+        </p:spPr>
+        <p:txBody>
+          <a:bodyPr wrap="square" rtlCol="0">
+            <a:spAutoFit/>
+          </a:bodyPr>
+          <a:lstStyle/>
+          <a:p>
+            <a:r>
+              <a:rPr lang="ko-KR" altLang="en-US" sz="800" dirty="0" smtClean="0"/>
+              <a:t>공지사항 또는 이벤트</a:t>
+            </a:r>
+            <a:endParaRPr lang="ko-KR" altLang="en-US" sz="800" dirty="0"/>
+          </a:p>
+        </p:txBody>
+      </p:sp>
+      <p:sp>
+        <p:nvSpPr>
+          <p:cNvPr id="47" name="TextBox 46"/>
+          <p:cNvSpPr txBox="1"/>
+          <p:nvPr/>
+        </p:nvSpPr>
+        <p:spPr>
+          <a:xfrm>
+            <a:off x="144389" y="3939085"/>
+            <a:ext cx="744601" cy="338554"/>
+          </a:xfrm>
+          <a:prstGeom prst="rect">
+            <a:avLst/>
+          </a:prstGeom>
+          <a:noFill/>
+        </p:spPr>
+        <p:txBody>
+          <a:bodyPr wrap="square" rtlCol="0">
+            <a:spAutoFit/>
+          </a:bodyPr>
+          <a:lstStyle/>
+          <a:p>
+            <a:r>
+              <a:rPr lang="ko-KR" altLang="en-US" sz="800" dirty="0" smtClean="0"/>
+              <a:t>공지사항 또는 이벤트</a:t>
+            </a:r>
+            <a:endParaRPr lang="ko-KR" altLang="en-US" sz="800" dirty="0"/>
+          </a:p>
+        </p:txBody>
+      </p:sp>
+      <p:pic>
+        <p:nvPicPr>
+          <p:cNvPr id="1026" name="Picture 2" descr="C:\Users\Administrator.Sc-201912031509\Desktop\hallhand\Portfolio\img\images (1).jpg"/>
+          <p:cNvPicPr>
+            <a:picLocks noChangeAspect="1" noChangeArrowheads="1"/>
+          </p:cNvPicPr>
+          <p:nvPr/>
+        </p:nvPicPr>
+        <p:blipFill>
+          <a:blip r:embed="rId3">
+            <a:extLst>
+              <a:ext uri="{28A0092B-C50C-407E-A947-70E740481C1C}">
+                <a14:useLocalDpi xmlns:a14="http://schemas.microsoft.com/office/drawing/2010/main" val="0"/>
+              </a:ext>
+            </a:extLst>
+          </a:blip>
+          <a:srcRect/>
+          <a:stretch>
+            <a:fillRect/>
+          </a:stretch>
+        </p:blipFill>
+        <p:spPr bwMode="auto">
+          <a:xfrm>
+            <a:off x="3048099" y="3677492"/>
+            <a:ext cx="904292" cy="563590"/>
+          </a:xfrm>
+          <a:prstGeom prst="rect">
+            <a:avLst/>
+          </a:prstGeom>
+          <a:noFill/>
+          <a:extLst>
+            <a:ext uri="{909E8E84-426E-40DD-AFC4-6F175D3DCCD1}">
+              <a14:hiddenFill xmlns:a14="http://schemas.microsoft.com/office/drawing/2010/main">
+                <a:solidFill>
+                  <a:srgbClr val="FFFFFF"/>
+                </a:solidFill>
+              </a14:hiddenFill>
+            </a:ext>
+          </a:extLst>
+        </p:spPr>
+      </p:pic>
     </p:spTree>
     <p:extLst>
       <p:ext uri="{BB962C8B-B14F-4D97-AF65-F5344CB8AC3E}">
@@ -19461,7 +19942,7 @@
           <p:cNvPr id="2" name="직사각형 1">
             <a:extLst>
               <a:ext uri="{FF2B5EF4-FFF2-40B4-BE49-F238E27FC236}">
-                <a16:creationId xmlns:a16="http://schemas.microsoft.com/office/drawing/2014/main" xmlns="" id="{A0E8A2D5-1F22-4A47-ABF9-77DA20610EC4}"/>
+                <a16:creationId xmlns="" xmlns:a16="http://schemas.microsoft.com/office/drawing/2014/main" id="{A0E8A2D5-1F22-4A47-ABF9-77DA20610EC4}"/>
               </a:ext>
             </a:extLst>
           </p:cNvPr>
@@ -19517,7 +19998,7 @@
           <p:cNvPr id="57" name="직사각형 56">
             <a:extLst>
               <a:ext uri="{FF2B5EF4-FFF2-40B4-BE49-F238E27FC236}">
-                <a16:creationId xmlns:a16="http://schemas.microsoft.com/office/drawing/2014/main" xmlns="" id="{CA788993-801F-47F2-A5CF-7C18AE07BCA6}"/>
+                <a16:creationId xmlns="" xmlns:a16="http://schemas.microsoft.com/office/drawing/2014/main" id="{CA788993-801F-47F2-A5CF-7C18AE07BCA6}"/>
               </a:ext>
             </a:extLst>
           </p:cNvPr>
@@ -19569,7 +20050,7 @@
           <p:cNvPr id="58" name="직사각형 57">
             <a:extLst>
               <a:ext uri="{FF2B5EF4-FFF2-40B4-BE49-F238E27FC236}">
-                <a16:creationId xmlns:a16="http://schemas.microsoft.com/office/drawing/2014/main" xmlns="" id="{AA702FBC-F01D-4396-B044-D75D1EF27BF4}"/>
+                <a16:creationId xmlns="" xmlns:a16="http://schemas.microsoft.com/office/drawing/2014/main" id="{AA702FBC-F01D-4396-B044-D75D1EF27BF4}"/>
               </a:ext>
             </a:extLst>
           </p:cNvPr>
@@ -19621,7 +20102,7 @@
           <p:cNvPr id="68" name="직선 연결선 67">
             <a:extLst>
               <a:ext uri="{FF2B5EF4-FFF2-40B4-BE49-F238E27FC236}">
-                <a16:creationId xmlns:a16="http://schemas.microsoft.com/office/drawing/2014/main" xmlns="" id="{28B9F037-3021-414D-8885-0C40BCBFBC9E}"/>
+                <a16:creationId xmlns="" xmlns:a16="http://schemas.microsoft.com/office/drawing/2014/main" id="{28B9F037-3021-414D-8885-0C40BCBFBC9E}"/>
               </a:ext>
             </a:extLst>
           </p:cNvPr>
@@ -19659,7 +20140,7 @@
           <p:cNvPr id="56" name="직사각형 55">
             <a:extLst>
               <a:ext uri="{FF2B5EF4-FFF2-40B4-BE49-F238E27FC236}">
-                <a16:creationId xmlns:a16="http://schemas.microsoft.com/office/drawing/2014/main" xmlns="" id="{AA702FBC-F01D-4396-B044-D75D1EF27BF4}"/>
+                <a16:creationId xmlns="" xmlns:a16="http://schemas.microsoft.com/office/drawing/2014/main" id="{AA702FBC-F01D-4396-B044-D75D1EF27BF4}"/>
               </a:ext>
             </a:extLst>
           </p:cNvPr>
@@ -20557,7 +21038,7 @@
           <p:cNvPr id="3" name="TextBox 2">
             <a:extLst>
               <a:ext uri="{FF2B5EF4-FFF2-40B4-BE49-F238E27FC236}">
-                <a16:creationId xmlns:a16="http://schemas.microsoft.com/office/drawing/2014/main" xmlns="" id="{EFBBABB9-0B2F-4404-A709-1116E3BF02FF}"/>
+                <a16:creationId xmlns="" xmlns:a16="http://schemas.microsoft.com/office/drawing/2014/main" id="{EFBBABB9-0B2F-4404-A709-1116E3BF02FF}"/>
               </a:ext>
             </a:extLst>
           </p:cNvPr>
@@ -20597,7 +21078,7 @@
           <p:cNvPr id="62" name="TextBox 61">
             <a:extLst>
               <a:ext uri="{FF2B5EF4-FFF2-40B4-BE49-F238E27FC236}">
-                <a16:creationId xmlns:a16="http://schemas.microsoft.com/office/drawing/2014/main" xmlns="" id="{31122081-9461-43E2-A424-0C8C6D5EFED6}"/>
+                <a16:creationId xmlns="" xmlns:a16="http://schemas.microsoft.com/office/drawing/2014/main" id="{31122081-9461-43E2-A424-0C8C6D5EFED6}"/>
               </a:ext>
             </a:extLst>
           </p:cNvPr>
@@ -20637,7 +21118,7 @@
           <p:cNvPr id="63" name="TextBox 62">
             <a:extLst>
               <a:ext uri="{FF2B5EF4-FFF2-40B4-BE49-F238E27FC236}">
-                <a16:creationId xmlns:a16="http://schemas.microsoft.com/office/drawing/2014/main" xmlns="" id="{F7AC26E4-F5E4-4404-9D23-FACD09FDFC06}"/>
+                <a16:creationId xmlns="" xmlns:a16="http://schemas.microsoft.com/office/drawing/2014/main" id="{F7AC26E4-F5E4-4404-9D23-FACD09FDFC06}"/>
               </a:ext>
             </a:extLst>
           </p:cNvPr>
@@ -20677,7 +21158,7 @@
           <p:cNvPr id="4" name="TextBox 3">
             <a:extLst>
               <a:ext uri="{FF2B5EF4-FFF2-40B4-BE49-F238E27FC236}">
-                <a16:creationId xmlns:a16="http://schemas.microsoft.com/office/drawing/2014/main" xmlns="" id="{4AB84936-BA03-4B57-9FF9-7CA4F8C92D7A}"/>
+                <a16:creationId xmlns="" xmlns:a16="http://schemas.microsoft.com/office/drawing/2014/main" id="{4AB84936-BA03-4B57-9FF9-7CA4F8C92D7A}"/>
               </a:ext>
             </a:extLst>
           </p:cNvPr>
@@ -20713,7 +21194,7 @@
           <p:cNvPr id="7" name="직선 연결선 6">
             <a:extLst>
               <a:ext uri="{FF2B5EF4-FFF2-40B4-BE49-F238E27FC236}">
-                <a16:creationId xmlns:a16="http://schemas.microsoft.com/office/drawing/2014/main" xmlns="" id="{19D3DF40-66FF-4481-B364-C25423C2747E}"/>
+                <a16:creationId xmlns="" xmlns:a16="http://schemas.microsoft.com/office/drawing/2014/main" id="{19D3DF40-66FF-4481-B364-C25423C2747E}"/>
               </a:ext>
             </a:extLst>
           </p:cNvPr>
@@ -20751,7 +21232,7 @@
           <p:cNvPr id="72" name="직선 연결선 71">
             <a:extLst>
               <a:ext uri="{FF2B5EF4-FFF2-40B4-BE49-F238E27FC236}">
-                <a16:creationId xmlns:a16="http://schemas.microsoft.com/office/drawing/2014/main" xmlns="" id="{207B9035-1D03-429C-9CC2-EC1B6D030C16}"/>
+                <a16:creationId xmlns="" xmlns:a16="http://schemas.microsoft.com/office/drawing/2014/main" id="{207B9035-1D03-429C-9CC2-EC1B6D030C16}"/>
               </a:ext>
             </a:extLst>
           </p:cNvPr>
@@ -20789,7 +21270,7 @@
           <p:cNvPr id="77" name="직선 연결선 76">
             <a:extLst>
               <a:ext uri="{FF2B5EF4-FFF2-40B4-BE49-F238E27FC236}">
-                <a16:creationId xmlns:a16="http://schemas.microsoft.com/office/drawing/2014/main" xmlns="" id="{87419E04-3A2A-4C49-BB50-1590EBB0D54A}"/>
+                <a16:creationId xmlns="" xmlns:a16="http://schemas.microsoft.com/office/drawing/2014/main" id="{87419E04-3A2A-4C49-BB50-1590EBB0D54A}"/>
               </a:ext>
             </a:extLst>
           </p:cNvPr>
@@ -20827,7 +21308,7 @@
           <p:cNvPr id="105" name="직선 연결선 104">
             <a:extLst>
               <a:ext uri="{FF2B5EF4-FFF2-40B4-BE49-F238E27FC236}">
-                <a16:creationId xmlns:a16="http://schemas.microsoft.com/office/drawing/2014/main" xmlns="" id="{45B49F1E-36CC-4BDA-8697-7774440191F4}"/>
+                <a16:creationId xmlns="" xmlns:a16="http://schemas.microsoft.com/office/drawing/2014/main" id="{45B49F1E-36CC-4BDA-8697-7774440191F4}"/>
               </a:ext>
             </a:extLst>
           </p:cNvPr>
@@ -20920,6 +21401,240 @@
           </a:p>
         </p:txBody>
       </p:sp>
+      <p:cxnSp>
+        <p:nvCxnSpPr>
+          <p:cNvPr id="42" name="직선 연결선 41">
+            <a:extLst>
+              <a:ext uri="{FF2B5EF4-FFF2-40B4-BE49-F238E27FC236}">
+                <a16:creationId xmlns="" xmlns:a16="http://schemas.microsoft.com/office/drawing/2014/main" id="{19D3DF40-66FF-4481-B364-C25423C2747E}"/>
+              </a:ext>
+            </a:extLst>
+          </p:cNvPr>
+          <p:cNvCxnSpPr>
+            <a:cxnSpLocks/>
+          </p:cNvCxnSpPr>
+          <p:nvPr/>
+        </p:nvCxnSpPr>
+        <p:spPr>
+          <a:xfrm>
+            <a:off x="1018539" y="2733764"/>
+            <a:ext cx="1257385" cy="817786"/>
+          </a:xfrm>
+          <a:prstGeom prst="line">
+            <a:avLst/>
+          </a:prstGeom>
+        </p:spPr>
+        <p:style>
+          <a:lnRef idx="1">
+            <a:schemeClr val="dk1"/>
+          </a:lnRef>
+          <a:fillRef idx="0">
+            <a:schemeClr val="dk1"/>
+          </a:fillRef>
+          <a:effectRef idx="0">
+            <a:schemeClr val="dk1"/>
+          </a:effectRef>
+          <a:fontRef idx="minor">
+            <a:schemeClr val="tx1"/>
+          </a:fontRef>
+        </p:style>
+      </p:cxnSp>
+      <p:cxnSp>
+        <p:nvCxnSpPr>
+          <p:cNvPr id="44" name="직선 연결선 43">
+            <a:extLst>
+              <a:ext uri="{FF2B5EF4-FFF2-40B4-BE49-F238E27FC236}">
+                <a16:creationId xmlns="" xmlns:a16="http://schemas.microsoft.com/office/drawing/2014/main" id="{19D3DF40-66FF-4481-B364-C25423C2747E}"/>
+              </a:ext>
+            </a:extLst>
+          </p:cNvPr>
+          <p:cNvCxnSpPr>
+            <a:cxnSpLocks/>
+          </p:cNvCxnSpPr>
+          <p:nvPr/>
+        </p:nvCxnSpPr>
+        <p:spPr>
+          <a:xfrm flipH="1">
+            <a:off x="1018539" y="2733764"/>
+            <a:ext cx="1257385" cy="817786"/>
+          </a:xfrm>
+          <a:prstGeom prst="line">
+            <a:avLst/>
+          </a:prstGeom>
+        </p:spPr>
+        <p:style>
+          <a:lnRef idx="1">
+            <a:schemeClr val="dk1"/>
+          </a:lnRef>
+          <a:fillRef idx="0">
+            <a:schemeClr val="dk1"/>
+          </a:fillRef>
+          <a:effectRef idx="0">
+            <a:schemeClr val="dk1"/>
+          </a:effectRef>
+          <a:fontRef idx="minor">
+            <a:schemeClr val="tx1"/>
+          </a:fontRef>
+        </p:style>
+      </p:cxnSp>
+      <p:cxnSp>
+        <p:nvCxnSpPr>
+          <p:cNvPr id="47" name="직선 연결선 46">
+            <a:extLst>
+              <a:ext uri="{FF2B5EF4-FFF2-40B4-BE49-F238E27FC236}">
+                <a16:creationId xmlns="" xmlns:a16="http://schemas.microsoft.com/office/drawing/2014/main" id="{19D3DF40-66FF-4481-B364-C25423C2747E}"/>
+              </a:ext>
+            </a:extLst>
+          </p:cNvPr>
+          <p:cNvCxnSpPr>
+            <a:cxnSpLocks/>
+          </p:cNvCxnSpPr>
+          <p:nvPr/>
+        </p:nvCxnSpPr>
+        <p:spPr>
+          <a:xfrm>
+            <a:off x="4603223" y="2742326"/>
+            <a:ext cx="1257385" cy="817786"/>
+          </a:xfrm>
+          <a:prstGeom prst="line">
+            <a:avLst/>
+          </a:prstGeom>
+        </p:spPr>
+        <p:style>
+          <a:lnRef idx="1">
+            <a:schemeClr val="dk1"/>
+          </a:lnRef>
+          <a:fillRef idx="0">
+            <a:schemeClr val="dk1"/>
+          </a:fillRef>
+          <a:effectRef idx="0">
+            <a:schemeClr val="dk1"/>
+          </a:effectRef>
+          <a:fontRef idx="minor">
+            <a:schemeClr val="tx1"/>
+          </a:fontRef>
+        </p:style>
+      </p:cxnSp>
+      <p:cxnSp>
+        <p:nvCxnSpPr>
+          <p:cNvPr id="48" name="직선 연결선 47">
+            <a:extLst>
+              <a:ext uri="{FF2B5EF4-FFF2-40B4-BE49-F238E27FC236}">
+                <a16:creationId xmlns="" xmlns:a16="http://schemas.microsoft.com/office/drawing/2014/main" id="{19D3DF40-66FF-4481-B364-C25423C2747E}"/>
+              </a:ext>
+            </a:extLst>
+          </p:cNvPr>
+          <p:cNvCxnSpPr>
+            <a:cxnSpLocks/>
+          </p:cNvCxnSpPr>
+          <p:nvPr/>
+        </p:nvCxnSpPr>
+        <p:spPr>
+          <a:xfrm flipH="1">
+            <a:off x="4603223" y="2742326"/>
+            <a:ext cx="1257385" cy="817786"/>
+          </a:xfrm>
+          <a:prstGeom prst="line">
+            <a:avLst/>
+          </a:prstGeom>
+        </p:spPr>
+        <p:style>
+          <a:lnRef idx="1">
+            <a:schemeClr val="dk1"/>
+          </a:lnRef>
+          <a:fillRef idx="0">
+            <a:schemeClr val="dk1"/>
+          </a:fillRef>
+          <a:effectRef idx="0">
+            <a:schemeClr val="dk1"/>
+          </a:effectRef>
+          <a:fontRef idx="minor">
+            <a:schemeClr val="tx1"/>
+          </a:fontRef>
+        </p:style>
+      </p:cxnSp>
+      <p:pic>
+        <p:nvPicPr>
+          <p:cNvPr id="4098" name="Picture 2" descr="C:\Users\Administrator.Sc-201912031509\Desktop\hallhand\Portfolio\img\3fdc9e0d5c84efae53229f1e62e53330.jpg"/>
+          <p:cNvPicPr>
+            <a:picLocks noChangeAspect="1" noChangeArrowheads="1"/>
+          </p:cNvPicPr>
+          <p:nvPr/>
+        </p:nvPicPr>
+        <p:blipFill>
+          <a:blip r:embed="rId4">
+            <a:extLst>
+              <a:ext uri="{28A0092B-C50C-407E-A947-70E740481C1C}">
+                <a14:useLocalDpi xmlns:a14="http://schemas.microsoft.com/office/drawing/2010/main" val="0"/>
+              </a:ext>
+            </a:extLst>
+          </a:blip>
+          <a:srcRect/>
+          <a:stretch>
+            <a:fillRect/>
+          </a:stretch>
+        </p:blipFill>
+        <p:spPr bwMode="auto">
+          <a:xfrm>
+            <a:off x="1018539" y="2717066"/>
+            <a:ext cx="1257385" cy="843045"/>
+          </a:xfrm>
+          <a:prstGeom prst="rect">
+            <a:avLst/>
+          </a:prstGeom>
+          <a:noFill/>
+          <a:extLst>
+            <a:ext uri="{909E8E84-426E-40DD-AFC4-6F175D3DCCD1}">
+              <a14:hiddenFill xmlns:a14="http://schemas.microsoft.com/office/drawing/2010/main">
+                <a:solidFill>
+                  <a:srgbClr val="FFFFFF"/>
+                </a:solidFill>
+              </a14:hiddenFill>
+            </a:ext>
+          </a:extLst>
+        </p:spPr>
+      </p:pic>
+      <p:pic>
+        <p:nvPicPr>
+          <p:cNvPr id="4099" name="Picture 3" descr="C:\Users\Administrator.Sc-201912031509\Desktop\hallhand\Portfolio\img\다운로드 (2).jpg"/>
+          <p:cNvPicPr>
+            <a:picLocks noChangeAspect="1" noChangeArrowheads="1"/>
+          </p:cNvPicPr>
+          <p:nvPr/>
+        </p:nvPicPr>
+        <p:blipFill>
+          <a:blip r:embed="rId5">
+            <a:extLst>
+              <a:ext uri="{28A0092B-C50C-407E-A947-70E740481C1C}">
+                <a14:useLocalDpi xmlns:a14="http://schemas.microsoft.com/office/drawing/2010/main" val="0"/>
+              </a:ext>
+            </a:extLst>
+          </a:blip>
+          <a:srcRect/>
+          <a:stretch>
+            <a:fillRect/>
+          </a:stretch>
+        </p:blipFill>
+        <p:spPr bwMode="auto">
+          <a:xfrm>
+            <a:off x="1240382" y="1162560"/>
+            <a:ext cx="1476376" cy="966098"/>
+          </a:xfrm>
+          <a:prstGeom prst="rect">
+            <a:avLst/>
+          </a:prstGeom>
+          <a:noFill/>
+          <a:extLst>
+            <a:ext uri="{909E8E84-426E-40DD-AFC4-6F175D3DCCD1}">
+              <a14:hiddenFill xmlns:a14="http://schemas.microsoft.com/office/drawing/2010/main">
+                <a:solidFill>
+                  <a:srgbClr val="FFFFFF"/>
+                </a:solidFill>
+              </a14:hiddenFill>
+            </a:ext>
+          </a:extLst>
+        </p:spPr>
+      </p:pic>
       <p:sp>
         <p:nvSpPr>
           <p:cNvPr id="8" name="TextBox 7"/>
@@ -20944,10 +21659,18 @@
           <a:p>
             <a:pPr algn="ctr"/>
             <a:r>
-              <a:rPr lang="en-US" altLang="ko-KR" sz="900" dirty="0" smtClean="0"/>
+              <a:rPr lang="en-US" altLang="ko-KR" sz="900" dirty="0" smtClean="0">
+                <a:solidFill>
+                  <a:schemeClr val="bg1"/>
+                </a:solidFill>
+              </a:rPr>
               <a:t>New Eden package</a:t>
             </a:r>
-            <a:endParaRPr lang="ko-KR" altLang="en-US" sz="900" dirty="0"/>
+            <a:endParaRPr lang="ko-KR" altLang="en-US" sz="900" dirty="0">
+              <a:solidFill>
+                <a:schemeClr val="bg1"/>
+              </a:solidFill>
+            </a:endParaRPr>
           </a:p>
         </p:txBody>
       </p:sp>
@@ -21049,6 +21772,37 @@
           </a:p>
         </p:txBody>
       </p:sp>
+      <p:pic>
+        <p:nvPicPr>
+          <p:cNvPr id="6146" name="Picture 2" descr="C:\Users\Administrator.Sc-201912031509\Desktop\hallhand\Portfolio\img\f4d7d82e327ce2618c5e727238c8ee1a.jpg"/>
+          <p:cNvPicPr>
+            <a:picLocks noChangeAspect="1" noChangeArrowheads="1"/>
+          </p:cNvPicPr>
+          <p:nvPr/>
+        </p:nvPicPr>
+        <p:blipFill>
+          <a:blip r:embed="rId3">
+            <a:extLst>
+              <a:ext uri="{28A0092B-C50C-407E-A947-70E740481C1C}">
+                <a14:useLocalDpi xmlns:a14="http://schemas.microsoft.com/office/drawing/2010/main" val="0"/>
+              </a:ext>
+            </a:extLst>
+          </a:blip>
+          <a:srcRect/>
+          <a:stretch>
+            <a:fillRect/>
+          </a:stretch>
+        </p:blipFill>
+        <p:spPr bwMode="auto">
+          <a:xfrm>
+            <a:off x="125270" y="895999"/>
+            <a:ext cx="6690608" cy="4247501"/>
+          </a:xfrm>
+          <a:prstGeom prst="rect">
+            <a:avLst/>
+          </a:prstGeom>
+        </p:spPr>
+      </p:pic>
       <p:sp>
         <p:nvSpPr>
           <p:cNvPr id="150" name="Google Shape;150;p14"/>
@@ -21625,7 +22379,7 @@
           <p:cNvPr id="65" name="직사각형 64">
             <a:extLst>
               <a:ext uri="{FF2B5EF4-FFF2-40B4-BE49-F238E27FC236}">
-                <a16:creationId xmlns:a16="http://schemas.microsoft.com/office/drawing/2014/main" xmlns="" id="{CA788993-801F-47F2-A5CF-7C18AE07BCA6}"/>
+                <a16:creationId xmlns="" xmlns:a16="http://schemas.microsoft.com/office/drawing/2014/main" id="{CA788993-801F-47F2-A5CF-7C18AE07BCA6}"/>
               </a:ext>
             </a:extLst>
           </p:cNvPr>
@@ -21677,7 +22431,7 @@
           <p:cNvPr id="69" name="직사각형 68">
             <a:extLst>
               <a:ext uri="{FF2B5EF4-FFF2-40B4-BE49-F238E27FC236}">
-                <a16:creationId xmlns:a16="http://schemas.microsoft.com/office/drawing/2014/main" xmlns="" id="{CA788993-801F-47F2-A5CF-7C18AE07BCA6}"/>
+                <a16:creationId xmlns="" xmlns:a16="http://schemas.microsoft.com/office/drawing/2014/main" id="{CA788993-801F-47F2-A5CF-7C18AE07BCA6}"/>
               </a:ext>
             </a:extLst>
           </p:cNvPr>
@@ -21985,7 +22739,7 @@
           <p:cNvPr id="91" name="직사각형 90">
             <a:extLst>
               <a:ext uri="{FF2B5EF4-FFF2-40B4-BE49-F238E27FC236}">
-                <a16:creationId xmlns:a16="http://schemas.microsoft.com/office/drawing/2014/main" xmlns="" id="{CA788993-801F-47F2-A5CF-7C18AE07BCA6}"/>
+                <a16:creationId xmlns="" xmlns:a16="http://schemas.microsoft.com/office/drawing/2014/main" id="{CA788993-801F-47F2-A5CF-7C18AE07BCA6}"/>
               </a:ext>
             </a:extLst>
           </p:cNvPr>
@@ -22037,7 +22791,7 @@
           <p:cNvPr id="93" name="직사각형 92">
             <a:extLst>
               <a:ext uri="{FF2B5EF4-FFF2-40B4-BE49-F238E27FC236}">
-                <a16:creationId xmlns:a16="http://schemas.microsoft.com/office/drawing/2014/main" xmlns="" id="{CA788993-801F-47F2-A5CF-7C18AE07BCA6}"/>
+                <a16:creationId xmlns="" xmlns:a16="http://schemas.microsoft.com/office/drawing/2014/main" id="{CA788993-801F-47F2-A5CF-7C18AE07BCA6}"/>
               </a:ext>
             </a:extLst>
           </p:cNvPr>
@@ -22206,20 +22960,14 @@
       </p:sp>
       <p:sp>
         <p:nvSpPr>
-          <p:cNvPr id="57" name="직사각형 56">
-            <a:extLst>
-              <a:ext uri="{FF2B5EF4-FFF2-40B4-BE49-F238E27FC236}">
-                <a16:creationId xmlns:a16="http://schemas.microsoft.com/office/drawing/2014/main" xmlns="" id="{CA788993-801F-47F2-A5CF-7C18AE07BCA6}"/>
-              </a:ext>
-            </a:extLst>
-          </p:cNvPr>
+          <p:cNvPr id="12" name="직사각형 11"/>
           <p:cNvSpPr/>
           <p:nvPr/>
         </p:nvSpPr>
         <p:spPr>
           <a:xfrm>
-            <a:off x="1166620" y="1280582"/>
-            <a:ext cx="1079748" cy="702254"/>
+            <a:off x="1216171" y="3033283"/>
+            <a:ext cx="819835" cy="212530"/>
           </a:xfrm>
           <a:prstGeom prst="rect">
             <a:avLst/>
@@ -22227,7 +22975,7 @@
           <a:solidFill>
             <a:schemeClr val="accent6"/>
           </a:solidFill>
-          <a:ln w="12700">
+          <a:ln>
             <a:solidFill>
               <a:schemeClr val="tx1"/>
             </a:solidFill>
@@ -22260,84 +23008,6 @@
       </p:sp>
       <p:sp>
         <p:nvSpPr>
-          <p:cNvPr id="2" name="TextBox 1"/>
-          <p:cNvSpPr txBox="1"/>
-          <p:nvPr/>
-        </p:nvSpPr>
-        <p:spPr>
-          <a:xfrm>
-            <a:off x="1469661" y="1486547"/>
-            <a:ext cx="473206" cy="307777"/>
-          </a:xfrm>
-          <a:prstGeom prst="rect">
-            <a:avLst/>
-          </a:prstGeom>
-          <a:noFill/>
-        </p:spPr>
-        <p:txBody>
-          <a:bodyPr wrap="none" rtlCol="0">
-            <a:spAutoFit/>
-          </a:bodyPr>
-          <a:lstStyle/>
-          <a:p>
-            <a:r>
-              <a:rPr lang="en-US" altLang="ko-KR" dirty="0" err="1"/>
-              <a:t>img</a:t>
-            </a:r>
-            <a:endParaRPr lang="ko-KR" altLang="en-US" dirty="0"/>
-          </a:p>
-        </p:txBody>
-      </p:sp>
-      <p:sp>
-        <p:nvSpPr>
-          <p:cNvPr id="12" name="직사각형 11"/>
-          <p:cNvSpPr/>
-          <p:nvPr/>
-        </p:nvSpPr>
-        <p:spPr>
-          <a:xfrm>
-            <a:off x="1216171" y="3033283"/>
-            <a:ext cx="819835" cy="212530"/>
-          </a:xfrm>
-          <a:prstGeom prst="rect">
-            <a:avLst/>
-          </a:prstGeom>
-          <a:solidFill>
-            <a:schemeClr val="accent6"/>
-          </a:solidFill>
-          <a:ln>
-            <a:solidFill>
-              <a:schemeClr val="tx1"/>
-            </a:solidFill>
-          </a:ln>
-        </p:spPr>
-        <p:style>
-          <a:lnRef idx="2">
-            <a:schemeClr val="accent1">
-              <a:shade val="50000"/>
-            </a:schemeClr>
-          </a:lnRef>
-          <a:fillRef idx="1">
-            <a:schemeClr val="accent1"/>
-          </a:fillRef>
-          <a:effectRef idx="0">
-            <a:schemeClr val="accent1"/>
-          </a:effectRef>
-          <a:fontRef idx="minor">
-            <a:schemeClr val="lt1"/>
-          </a:fontRef>
-        </p:style>
-        <p:txBody>
-          <a:bodyPr rtlCol="0" anchor="ctr"/>
-          <a:lstStyle/>
-          <a:p>
-            <a:pPr algn="ctr"/>
-            <a:endParaRPr lang="ko-KR" altLang="en-US"/>
-          </a:p>
-        </p:txBody>
-      </p:sp>
-      <p:sp>
-        <p:nvSpPr>
           <p:cNvPr id="123" name="Google Shape;160;p14"/>
           <p:cNvSpPr txBox="1"/>
           <p:nvPr/>
@@ -22363,12 +23033,12 @@
           <a:p>
             <a:pPr lvl="0"/>
             <a:r>
-              <a:rPr lang="ko-KR" altLang="en-US" sz="800" dirty="0">
+              <a:rPr lang="en-US" altLang="ko-KR" sz="800" dirty="0" smtClean="0">
                 <a:solidFill>
                   <a:schemeClr val="dk1"/>
                 </a:solidFill>
               </a:rPr>
-              <a:t>전체</a:t>
+              <a:t>All category</a:t>
             </a:r>
             <a:r>
               <a:rPr lang="en-US" sz="800" dirty="0">
@@ -22376,15 +23046,15 @@
                   <a:schemeClr val="dk1"/>
                 </a:solidFill>
               </a:rPr>
-              <a:t> 	</a:t>
-            </a:r>
-            <a:r>
-              <a:rPr lang="ko-KR" altLang="en-US" sz="800" dirty="0">
+              <a:t>	</a:t>
+            </a:r>
+            <a:r>
+              <a:rPr lang="en-US" sz="800" dirty="0" smtClean="0">
                 <a:solidFill>
                   <a:schemeClr val="dk1"/>
                 </a:solidFill>
               </a:rPr>
-              <a:t>공지사항</a:t>
+              <a:t>Notice</a:t>
             </a:r>
             <a:r>
               <a:rPr lang="en-US" sz="800" dirty="0">
@@ -22393,16 +23063,16 @@
                 </a:solidFill>
                 <a:sym typeface="Arial"/>
               </a:rPr>
-              <a:t>	     </a:t>
-            </a:r>
-            <a:r>
-              <a:rPr lang="ko-KR" altLang="en-US" sz="800" dirty="0">
+              <a:t>	</a:t>
+            </a:r>
+            <a:r>
+              <a:rPr lang="en-US" sz="800" dirty="0" smtClean="0">
                 <a:solidFill>
                   <a:schemeClr val="dk1"/>
                 </a:solidFill>
                 <a:sym typeface="Arial"/>
               </a:rPr>
-              <a:t>이벤트</a:t>
+              <a:t>Event</a:t>
             </a:r>
             <a:r>
               <a:rPr lang="en-US" sz="800" dirty="0">
@@ -22411,7 +23081,7 @@
                 </a:solidFill>
                 <a:sym typeface="Arial"/>
               </a:rPr>
-              <a:t> 	       </a:t>
+              <a:t>	       </a:t>
             </a:r>
             <a:r>
               <a:rPr lang="en-US" altLang="ko-KR" sz="800" dirty="0">
@@ -22435,7 +23105,7 @@
           <p:cNvPr id="3" name="TextBox 2">
             <a:extLst>
               <a:ext uri="{FF2B5EF4-FFF2-40B4-BE49-F238E27FC236}">
-                <a16:creationId xmlns:a16="http://schemas.microsoft.com/office/drawing/2014/main" xmlns="" id="{F6EC8B24-B4B3-40C1-A8E7-B11C79C23380}"/>
+                <a16:creationId xmlns="" xmlns:a16="http://schemas.microsoft.com/office/drawing/2014/main" id="{F6EC8B24-B4B3-40C1-A8E7-B11C79C23380}"/>
               </a:ext>
             </a:extLst>
           </p:cNvPr>
@@ -22491,7 +23161,7 @@
           <p:cNvPr id="125" name="TextBox 124">
             <a:extLst>
               <a:ext uri="{FF2B5EF4-FFF2-40B4-BE49-F238E27FC236}">
-                <a16:creationId xmlns:a16="http://schemas.microsoft.com/office/drawing/2014/main" xmlns="" id="{FDE1D89D-D6F6-4417-8895-E1DE547A17E5}"/>
+                <a16:creationId xmlns="" xmlns:a16="http://schemas.microsoft.com/office/drawing/2014/main" id="{FDE1D89D-D6F6-4417-8895-E1DE547A17E5}"/>
               </a:ext>
             </a:extLst>
           </p:cNvPr>
@@ -22547,7 +23217,7 @@
           <p:cNvPr id="9" name="직사각형 8">
             <a:extLst>
               <a:ext uri="{FF2B5EF4-FFF2-40B4-BE49-F238E27FC236}">
-                <a16:creationId xmlns:a16="http://schemas.microsoft.com/office/drawing/2014/main" xmlns="" id="{833E8FE5-5E25-46A8-8489-71EA79C73CB4}"/>
+                <a16:creationId xmlns="" xmlns:a16="http://schemas.microsoft.com/office/drawing/2014/main" id="{833E8FE5-5E25-46A8-8489-71EA79C73CB4}"/>
               </a:ext>
             </a:extLst>
           </p:cNvPr>
@@ -22572,7 +23242,7 @@
             <a:r>
               <a:rPr lang="en-US" altLang="ko-KR" sz="800" dirty="0">
                 <a:latin typeface="Shentox"/>
-                <a:hlinkClick r:id="rId3"/>
+                <a:hlinkClick r:id="rId4"/>
               </a:rPr>
               <a:t>New Value Packs now available!</a:t>
             </a:r>
@@ -22584,7 +23254,7 @@
           <p:cNvPr id="126" name="직사각형 125">
             <a:extLst>
               <a:ext uri="{FF2B5EF4-FFF2-40B4-BE49-F238E27FC236}">
-                <a16:creationId xmlns:a16="http://schemas.microsoft.com/office/drawing/2014/main" xmlns="" id="{19C48A7F-2464-4EAA-8F43-5FA51C76E68C}"/>
+                <a16:creationId xmlns="" xmlns:a16="http://schemas.microsoft.com/office/drawing/2014/main" id="{19C48A7F-2464-4EAA-8F43-5FA51C76E68C}"/>
               </a:ext>
             </a:extLst>
           </p:cNvPr>
@@ -22609,7 +23279,7 @@
             <a:r>
               <a:rPr lang="en-US" altLang="ko-KR" sz="800" dirty="0">
                 <a:latin typeface="Shentox"/>
-                <a:hlinkClick r:id="rId3"/>
+                <a:hlinkClick r:id="rId4"/>
               </a:rPr>
               <a:t>New Value Packs now available!</a:t>
             </a:r>
@@ -22621,7 +23291,7 @@
           <p:cNvPr id="13" name="직선 연결선 12">
             <a:extLst>
               <a:ext uri="{FF2B5EF4-FFF2-40B4-BE49-F238E27FC236}">
-                <a16:creationId xmlns:a16="http://schemas.microsoft.com/office/drawing/2014/main" xmlns="" id="{077604AA-B43D-4567-8A19-7CAA61E8D74C}"/>
+                <a16:creationId xmlns="" xmlns:a16="http://schemas.microsoft.com/office/drawing/2014/main" id="{077604AA-B43D-4567-8A19-7CAA61E8D74C}"/>
               </a:ext>
             </a:extLst>
           </p:cNvPr>
@@ -22657,7 +23327,7 @@
           <p:cNvPr id="128" name="직선 연결선 127">
             <a:extLst>
               <a:ext uri="{FF2B5EF4-FFF2-40B4-BE49-F238E27FC236}">
-                <a16:creationId xmlns:a16="http://schemas.microsoft.com/office/drawing/2014/main" xmlns="" id="{8A4931BC-5022-4FE2-92C1-D4D8B3EE55AF}"/>
+                <a16:creationId xmlns="" xmlns:a16="http://schemas.microsoft.com/office/drawing/2014/main" id="{8A4931BC-5022-4FE2-92C1-D4D8B3EE55AF}"/>
               </a:ext>
             </a:extLst>
           </p:cNvPr>
@@ -22695,7 +23365,7 @@
           <p:cNvPr id="129" name="직선 연결선 128">
             <a:extLst>
               <a:ext uri="{FF2B5EF4-FFF2-40B4-BE49-F238E27FC236}">
-                <a16:creationId xmlns:a16="http://schemas.microsoft.com/office/drawing/2014/main" xmlns="" id="{B599ACA1-6A0E-48A5-91C5-F6AC8615147A}"/>
+                <a16:creationId xmlns="" xmlns:a16="http://schemas.microsoft.com/office/drawing/2014/main" id="{B599ACA1-6A0E-48A5-91C5-F6AC8615147A}"/>
               </a:ext>
             </a:extLst>
           </p:cNvPr>
@@ -22726,12 +23396,49 @@
           </a:fontRef>
         </p:style>
       </p:cxnSp>
+      <p:sp>
+        <p:nvSpPr>
+          <p:cNvPr id="38" name="직사각형 37">
+            <a:extLst>
+              <a:ext uri="{FF2B5EF4-FFF2-40B4-BE49-F238E27FC236}">
+                <a16:creationId xmlns="" xmlns:a16="http://schemas.microsoft.com/office/drawing/2014/main" id="{833E8FE5-5E25-46A8-8489-71EA79C73CB4}"/>
+              </a:ext>
+            </a:extLst>
+          </p:cNvPr>
+          <p:cNvSpPr/>
+          <p:nvPr/>
+        </p:nvSpPr>
+        <p:spPr>
+          <a:xfrm>
+            <a:off x="1166620" y="1877755"/>
+            <a:ext cx="1149161" cy="338554"/>
+          </a:xfrm>
+          <a:prstGeom prst="rect">
+            <a:avLst/>
+          </a:prstGeom>
+        </p:spPr>
+        <p:txBody>
+          <a:bodyPr wrap="square">
+            <a:spAutoFit/>
+          </a:bodyPr>
+          <a:lstStyle/>
+          <a:p>
+            <a:r>
+              <a:rPr lang="en-US" altLang="ko-KR" sz="800" dirty="0">
+                <a:latin typeface="Shentox"/>
+                <a:hlinkClick r:id="rId4"/>
+              </a:rPr>
+              <a:t>New Value Packs now available!</a:t>
+            </a:r>
+          </a:p>
+        </p:txBody>
+      </p:sp>
       <p:cxnSp>
         <p:nvCxnSpPr>
           <p:cNvPr id="130" name="직선 연결선 129">
             <a:extLst>
               <a:ext uri="{FF2B5EF4-FFF2-40B4-BE49-F238E27FC236}">
-                <a16:creationId xmlns:a16="http://schemas.microsoft.com/office/drawing/2014/main" xmlns="" id="{C56237C7-0B98-49BB-8F7B-3FEA7C616747}"/>
+                <a16:creationId xmlns="" xmlns:a16="http://schemas.microsoft.com/office/drawing/2014/main" id="{C56237C7-0B98-49BB-8F7B-3FEA7C616747}"/>
               </a:ext>
             </a:extLst>
           </p:cNvPr>
@@ -22764,6 +23471,90 @@
           </a:fontRef>
         </p:style>
       </p:cxnSp>
+      <p:sp>
+        <p:nvSpPr>
+          <p:cNvPr id="57" name="직사각형 56">
+            <a:extLst>
+              <a:ext uri="{FF2B5EF4-FFF2-40B4-BE49-F238E27FC236}">
+                <a16:creationId xmlns="" xmlns:a16="http://schemas.microsoft.com/office/drawing/2014/main" id="{CA788993-801F-47F2-A5CF-7C18AE07BCA6}"/>
+              </a:ext>
+            </a:extLst>
+          </p:cNvPr>
+          <p:cNvSpPr/>
+          <p:nvPr/>
+        </p:nvSpPr>
+        <p:spPr>
+          <a:xfrm>
+            <a:off x="1166620" y="1280582"/>
+            <a:ext cx="1079748" cy="702254"/>
+          </a:xfrm>
+          <a:prstGeom prst="rect">
+            <a:avLst/>
+          </a:prstGeom>
+          <a:solidFill>
+            <a:schemeClr val="accent6"/>
+          </a:solidFill>
+          <a:ln w="12700">
+            <a:solidFill>
+              <a:schemeClr val="tx1"/>
+            </a:solidFill>
+          </a:ln>
+        </p:spPr>
+        <p:style>
+          <a:lnRef idx="2">
+            <a:schemeClr val="accent1">
+              <a:shade val="50000"/>
+            </a:schemeClr>
+          </a:lnRef>
+          <a:fillRef idx="1">
+            <a:schemeClr val="accent1"/>
+          </a:fillRef>
+          <a:effectRef idx="0">
+            <a:schemeClr val="accent1"/>
+          </a:effectRef>
+          <a:fontRef idx="minor">
+            <a:schemeClr val="lt1"/>
+          </a:fontRef>
+        </p:style>
+        <p:txBody>
+          <a:bodyPr rtlCol="0" anchor="ctr"/>
+          <a:lstStyle/>
+          <a:p>
+            <a:pPr algn="ctr"/>
+            <a:endParaRPr lang="ko-KR" altLang="en-US"/>
+          </a:p>
+        </p:txBody>
+      </p:sp>
+      <p:sp>
+        <p:nvSpPr>
+          <p:cNvPr id="2" name="TextBox 1"/>
+          <p:cNvSpPr txBox="1"/>
+          <p:nvPr/>
+        </p:nvSpPr>
+        <p:spPr>
+          <a:xfrm>
+            <a:off x="1469661" y="1486547"/>
+            <a:ext cx="473206" cy="307777"/>
+          </a:xfrm>
+          <a:prstGeom prst="rect">
+            <a:avLst/>
+          </a:prstGeom>
+          <a:noFill/>
+        </p:spPr>
+        <p:txBody>
+          <a:bodyPr wrap="none" rtlCol="0">
+            <a:spAutoFit/>
+          </a:bodyPr>
+          <a:lstStyle/>
+          <a:p>
+            <a:r>
+              <a:rPr lang="en-US" altLang="ko-KR" dirty="0" err="1"/>
+              <a:t>img</a:t>
+            </a:r>
+            <a:endParaRPr lang="ko-KR" altLang="en-US" dirty="0"/>
+          </a:p>
+        </p:txBody>
+      </p:sp>
     </p:spTree>
     <p:extLst>
       <p:ext uri="{BB962C8B-B14F-4D97-AF65-F5344CB8AC3E}">
@@ -23438,7 +24229,7 @@
           <p:cNvPr id="65" name="직사각형 64">
             <a:extLst>
               <a:ext uri="{FF2B5EF4-FFF2-40B4-BE49-F238E27FC236}">
-                <a16:creationId xmlns:a16="http://schemas.microsoft.com/office/drawing/2014/main" xmlns="" id="{CA788993-801F-47F2-A5CF-7C18AE07BCA6}"/>
+                <a16:creationId xmlns="" xmlns:a16="http://schemas.microsoft.com/office/drawing/2014/main" id="{CA788993-801F-47F2-A5CF-7C18AE07BCA6}"/>
               </a:ext>
             </a:extLst>
           </p:cNvPr>
@@ -23490,7 +24281,7 @@
           <p:cNvPr id="69" name="직사각형 68">
             <a:extLst>
               <a:ext uri="{FF2B5EF4-FFF2-40B4-BE49-F238E27FC236}">
-                <a16:creationId xmlns:a16="http://schemas.microsoft.com/office/drawing/2014/main" xmlns="" id="{CA788993-801F-47F2-A5CF-7C18AE07BCA6}"/>
+                <a16:creationId xmlns="" xmlns:a16="http://schemas.microsoft.com/office/drawing/2014/main" id="{CA788993-801F-47F2-A5CF-7C18AE07BCA6}"/>
               </a:ext>
             </a:extLst>
           </p:cNvPr>
@@ -23637,7 +24428,7 @@
           <p:cNvPr id="57" name="직사각형 56">
             <a:extLst>
               <a:ext uri="{FF2B5EF4-FFF2-40B4-BE49-F238E27FC236}">
-                <a16:creationId xmlns:a16="http://schemas.microsoft.com/office/drawing/2014/main" xmlns="" id="{CA788993-801F-47F2-A5CF-7C18AE07BCA6}"/>
+                <a16:creationId xmlns="" xmlns:a16="http://schemas.microsoft.com/office/drawing/2014/main" id="{CA788993-801F-47F2-A5CF-7C18AE07BCA6}"/>
               </a:ext>
             </a:extLst>
           </p:cNvPr>
@@ -23693,7 +24484,7 @@
           <p:cNvPr id="98" name="직사각형 97">
             <a:extLst>
               <a:ext uri="{FF2B5EF4-FFF2-40B4-BE49-F238E27FC236}">
-                <a16:creationId xmlns:a16="http://schemas.microsoft.com/office/drawing/2014/main" xmlns="" id="{CA788993-801F-47F2-A5CF-7C18AE07BCA6}"/>
+                <a16:creationId xmlns="" xmlns:a16="http://schemas.microsoft.com/office/drawing/2014/main" id="{CA788993-801F-47F2-A5CF-7C18AE07BCA6}"/>
               </a:ext>
             </a:extLst>
           </p:cNvPr>
@@ -23745,7 +24536,7 @@
           <p:cNvPr id="100" name="직사각형 99">
             <a:extLst>
               <a:ext uri="{FF2B5EF4-FFF2-40B4-BE49-F238E27FC236}">
-                <a16:creationId xmlns:a16="http://schemas.microsoft.com/office/drawing/2014/main" xmlns="" id="{CA788993-801F-47F2-A5CF-7C18AE07BCA6}"/>
+                <a16:creationId xmlns="" xmlns:a16="http://schemas.microsoft.com/office/drawing/2014/main" id="{CA788993-801F-47F2-A5CF-7C18AE07BCA6}"/>
               </a:ext>
             </a:extLst>
           </p:cNvPr>
@@ -23797,7 +24588,7 @@
           <p:cNvPr id="102" name="직사각형 101">
             <a:extLst>
               <a:ext uri="{FF2B5EF4-FFF2-40B4-BE49-F238E27FC236}">
-                <a16:creationId xmlns:a16="http://schemas.microsoft.com/office/drawing/2014/main" xmlns="" id="{CA788993-801F-47F2-A5CF-7C18AE07BCA6}"/>
+                <a16:creationId xmlns="" xmlns:a16="http://schemas.microsoft.com/office/drawing/2014/main" id="{CA788993-801F-47F2-A5CF-7C18AE07BCA6}"/>
               </a:ext>
             </a:extLst>
           </p:cNvPr>
@@ -23849,7 +24640,7 @@
           <p:cNvPr id="104" name="직사각형 103">
             <a:extLst>
               <a:ext uri="{FF2B5EF4-FFF2-40B4-BE49-F238E27FC236}">
-                <a16:creationId xmlns:a16="http://schemas.microsoft.com/office/drawing/2014/main" xmlns="" id="{CA788993-801F-47F2-A5CF-7C18AE07BCA6}"/>
+                <a16:creationId xmlns="" xmlns:a16="http://schemas.microsoft.com/office/drawing/2014/main" id="{CA788993-801F-47F2-A5CF-7C18AE07BCA6}"/>
               </a:ext>
             </a:extLst>
           </p:cNvPr>
@@ -23901,7 +24692,7 @@
           <p:cNvPr id="107" name="직사각형 106">
             <a:extLst>
               <a:ext uri="{FF2B5EF4-FFF2-40B4-BE49-F238E27FC236}">
-                <a16:creationId xmlns:a16="http://schemas.microsoft.com/office/drawing/2014/main" xmlns="" id="{CA788993-801F-47F2-A5CF-7C18AE07BCA6}"/>
+                <a16:creationId xmlns="" xmlns:a16="http://schemas.microsoft.com/office/drawing/2014/main" id="{CA788993-801F-47F2-A5CF-7C18AE07BCA6}"/>
               </a:ext>
             </a:extLst>
           </p:cNvPr>
@@ -23953,7 +24744,7 @@
           <p:cNvPr id="126" name="직사각형 125">
             <a:extLst>
               <a:ext uri="{FF2B5EF4-FFF2-40B4-BE49-F238E27FC236}">
-                <a16:creationId xmlns:a16="http://schemas.microsoft.com/office/drawing/2014/main" xmlns="" id="{CA788993-801F-47F2-A5CF-7C18AE07BCA6}"/>
+                <a16:creationId xmlns="" xmlns:a16="http://schemas.microsoft.com/office/drawing/2014/main" id="{CA788993-801F-47F2-A5CF-7C18AE07BCA6}"/>
               </a:ext>
             </a:extLst>
           </p:cNvPr>
@@ -24287,7 +25078,7 @@
           <p:cNvPr id="3" name="TextBox 2">
             <a:extLst>
               <a:ext uri="{FF2B5EF4-FFF2-40B4-BE49-F238E27FC236}">
-                <a16:creationId xmlns:a16="http://schemas.microsoft.com/office/drawing/2014/main" xmlns="" id="{BCFDD4B8-43A6-47D5-A079-028A94137ACA}"/>
+                <a16:creationId xmlns="" xmlns:a16="http://schemas.microsoft.com/office/drawing/2014/main" id="{BCFDD4B8-43A6-47D5-A079-028A94137ACA}"/>
               </a:ext>
             </a:extLst>
           </p:cNvPr>
@@ -24323,7 +25114,7 @@
           <p:cNvPr id="12" name="직선 연결선 11">
             <a:extLst>
               <a:ext uri="{FF2B5EF4-FFF2-40B4-BE49-F238E27FC236}">
-                <a16:creationId xmlns:a16="http://schemas.microsoft.com/office/drawing/2014/main" xmlns="" id="{F353D8A3-3DEA-483B-9669-FF7F22793692}"/>
+                <a16:creationId xmlns="" xmlns:a16="http://schemas.microsoft.com/office/drawing/2014/main" id="{F353D8A3-3DEA-483B-9669-FF7F22793692}"/>
               </a:ext>
             </a:extLst>
           </p:cNvPr>
@@ -24361,7 +25152,7 @@
           <p:cNvPr id="15" name="직선 연결선 14">
             <a:extLst>
               <a:ext uri="{FF2B5EF4-FFF2-40B4-BE49-F238E27FC236}">
-                <a16:creationId xmlns:a16="http://schemas.microsoft.com/office/drawing/2014/main" xmlns="" id="{EE95EF2F-20C4-4303-8533-6F827944E0E6}"/>
+                <a16:creationId xmlns="" xmlns:a16="http://schemas.microsoft.com/office/drawing/2014/main" id="{EE95EF2F-20C4-4303-8533-6F827944E0E6}"/>
               </a:ext>
             </a:extLst>
           </p:cNvPr>
@@ -24400,7 +25191,7 @@
           <p:cNvPr id="23" name="직선 연결선 22">
             <a:extLst>
               <a:ext uri="{FF2B5EF4-FFF2-40B4-BE49-F238E27FC236}">
-                <a16:creationId xmlns:a16="http://schemas.microsoft.com/office/drawing/2014/main" xmlns="" id="{0AB53D81-C086-4E2C-AC04-509EDCDEDA4B}"/>
+                <a16:creationId xmlns="" xmlns:a16="http://schemas.microsoft.com/office/drawing/2014/main" id="{0AB53D81-C086-4E2C-AC04-509EDCDEDA4B}"/>
               </a:ext>
             </a:extLst>
           </p:cNvPr>
@@ -24434,6 +25225,607 @@
           </a:fontRef>
         </p:style>
       </p:cxnSp>
+      <p:cxnSp>
+        <p:nvCxnSpPr>
+          <p:cNvPr id="4" name="직선 연결선 3"/>
+          <p:cNvCxnSpPr/>
+          <p:nvPr/>
+        </p:nvCxnSpPr>
+        <p:spPr>
+          <a:xfrm>
+            <a:off x="2839869" y="1759911"/>
+            <a:ext cx="1065888" cy="702254"/>
+          </a:xfrm>
+          <a:prstGeom prst="line">
+            <a:avLst/>
+          </a:prstGeom>
+          <a:ln>
+            <a:solidFill>
+              <a:schemeClr val="tx1"/>
+            </a:solidFill>
+          </a:ln>
+        </p:spPr>
+        <p:style>
+          <a:lnRef idx="1">
+            <a:schemeClr val="accent1"/>
+          </a:lnRef>
+          <a:fillRef idx="0">
+            <a:schemeClr val="accent1"/>
+          </a:fillRef>
+          <a:effectRef idx="0">
+            <a:schemeClr val="accent1"/>
+          </a:effectRef>
+          <a:fontRef idx="minor">
+            <a:schemeClr val="tx1"/>
+          </a:fontRef>
+        </p:style>
+      </p:cxnSp>
+      <p:cxnSp>
+        <p:nvCxnSpPr>
+          <p:cNvPr id="10" name="직선 연결선 9"/>
+          <p:cNvCxnSpPr/>
+          <p:nvPr/>
+        </p:nvCxnSpPr>
+        <p:spPr>
+          <a:xfrm flipH="1">
+            <a:off x="2839869" y="1759911"/>
+            <a:ext cx="1065888" cy="702646"/>
+          </a:xfrm>
+          <a:prstGeom prst="line">
+            <a:avLst/>
+          </a:prstGeom>
+          <a:ln>
+            <a:solidFill>
+              <a:schemeClr val="tx1"/>
+            </a:solidFill>
+          </a:ln>
+        </p:spPr>
+        <p:style>
+          <a:lnRef idx="1">
+            <a:schemeClr val="accent1"/>
+          </a:lnRef>
+          <a:fillRef idx="0">
+            <a:schemeClr val="accent1"/>
+          </a:fillRef>
+          <a:effectRef idx="0">
+            <a:schemeClr val="accent1"/>
+          </a:effectRef>
+          <a:fontRef idx="minor">
+            <a:schemeClr val="tx1"/>
+          </a:fontRef>
+        </p:style>
+      </p:cxnSp>
+      <p:cxnSp>
+        <p:nvCxnSpPr>
+          <p:cNvPr id="38" name="직선 연결선 37"/>
+          <p:cNvCxnSpPr/>
+          <p:nvPr/>
+        </p:nvCxnSpPr>
+        <p:spPr>
+          <a:xfrm>
+            <a:off x="4474013" y="1753562"/>
+            <a:ext cx="1065888" cy="702254"/>
+          </a:xfrm>
+          <a:prstGeom prst="line">
+            <a:avLst/>
+          </a:prstGeom>
+          <a:ln>
+            <a:solidFill>
+              <a:schemeClr val="tx1"/>
+            </a:solidFill>
+          </a:ln>
+        </p:spPr>
+        <p:style>
+          <a:lnRef idx="1">
+            <a:schemeClr val="accent1"/>
+          </a:lnRef>
+          <a:fillRef idx="0">
+            <a:schemeClr val="accent1"/>
+          </a:fillRef>
+          <a:effectRef idx="0">
+            <a:schemeClr val="accent1"/>
+          </a:effectRef>
+          <a:fontRef idx="minor">
+            <a:schemeClr val="tx1"/>
+          </a:fontRef>
+        </p:style>
+      </p:cxnSp>
+      <p:cxnSp>
+        <p:nvCxnSpPr>
+          <p:cNvPr id="39" name="직선 연결선 38"/>
+          <p:cNvCxnSpPr/>
+          <p:nvPr/>
+        </p:nvCxnSpPr>
+        <p:spPr>
+          <a:xfrm flipH="1">
+            <a:off x="4474013" y="1753562"/>
+            <a:ext cx="1065888" cy="702646"/>
+          </a:xfrm>
+          <a:prstGeom prst="line">
+            <a:avLst/>
+          </a:prstGeom>
+          <a:ln>
+            <a:solidFill>
+              <a:schemeClr val="tx1"/>
+            </a:solidFill>
+          </a:ln>
+        </p:spPr>
+        <p:style>
+          <a:lnRef idx="1">
+            <a:schemeClr val="accent1"/>
+          </a:lnRef>
+          <a:fillRef idx="0">
+            <a:schemeClr val="accent1"/>
+          </a:fillRef>
+          <a:effectRef idx="0">
+            <a:schemeClr val="accent1"/>
+          </a:effectRef>
+          <a:fontRef idx="minor">
+            <a:schemeClr val="tx1"/>
+          </a:fontRef>
+        </p:style>
+      </p:cxnSp>
+      <p:cxnSp>
+        <p:nvCxnSpPr>
+          <p:cNvPr id="40" name="직선 연결선 39"/>
+          <p:cNvCxnSpPr/>
+          <p:nvPr/>
+        </p:nvCxnSpPr>
+        <p:spPr>
+          <a:xfrm>
+            <a:off x="4487873" y="2680401"/>
+            <a:ext cx="1065888" cy="702254"/>
+          </a:xfrm>
+          <a:prstGeom prst="line">
+            <a:avLst/>
+          </a:prstGeom>
+          <a:ln>
+            <a:solidFill>
+              <a:schemeClr val="tx1"/>
+            </a:solidFill>
+          </a:ln>
+        </p:spPr>
+        <p:style>
+          <a:lnRef idx="1">
+            <a:schemeClr val="accent1"/>
+          </a:lnRef>
+          <a:fillRef idx="0">
+            <a:schemeClr val="accent1"/>
+          </a:fillRef>
+          <a:effectRef idx="0">
+            <a:schemeClr val="accent1"/>
+          </a:effectRef>
+          <a:fontRef idx="minor">
+            <a:schemeClr val="tx1"/>
+          </a:fontRef>
+        </p:style>
+      </p:cxnSp>
+      <p:cxnSp>
+        <p:nvCxnSpPr>
+          <p:cNvPr id="41" name="직선 연결선 40"/>
+          <p:cNvCxnSpPr/>
+          <p:nvPr/>
+        </p:nvCxnSpPr>
+        <p:spPr>
+          <a:xfrm flipH="1">
+            <a:off x="4487873" y="2680401"/>
+            <a:ext cx="1065888" cy="702646"/>
+          </a:xfrm>
+          <a:prstGeom prst="line">
+            <a:avLst/>
+          </a:prstGeom>
+          <a:ln>
+            <a:solidFill>
+              <a:schemeClr val="tx1"/>
+            </a:solidFill>
+          </a:ln>
+        </p:spPr>
+        <p:style>
+          <a:lnRef idx="1">
+            <a:schemeClr val="accent1"/>
+          </a:lnRef>
+          <a:fillRef idx="0">
+            <a:schemeClr val="accent1"/>
+          </a:fillRef>
+          <a:effectRef idx="0">
+            <a:schemeClr val="accent1"/>
+          </a:effectRef>
+          <a:fontRef idx="minor">
+            <a:schemeClr val="tx1"/>
+          </a:fontRef>
+        </p:style>
+      </p:cxnSp>
+      <p:cxnSp>
+        <p:nvCxnSpPr>
+          <p:cNvPr id="42" name="직선 연결선 41"/>
+          <p:cNvCxnSpPr/>
+          <p:nvPr/>
+        </p:nvCxnSpPr>
+        <p:spPr>
+          <a:xfrm>
+            <a:off x="4480943" y="3666879"/>
+            <a:ext cx="1065888" cy="702254"/>
+          </a:xfrm>
+          <a:prstGeom prst="line">
+            <a:avLst/>
+          </a:prstGeom>
+          <a:ln>
+            <a:solidFill>
+              <a:schemeClr val="tx1"/>
+            </a:solidFill>
+          </a:ln>
+        </p:spPr>
+        <p:style>
+          <a:lnRef idx="1">
+            <a:schemeClr val="accent1"/>
+          </a:lnRef>
+          <a:fillRef idx="0">
+            <a:schemeClr val="accent1"/>
+          </a:fillRef>
+          <a:effectRef idx="0">
+            <a:schemeClr val="accent1"/>
+          </a:effectRef>
+          <a:fontRef idx="minor">
+            <a:schemeClr val="tx1"/>
+          </a:fontRef>
+        </p:style>
+      </p:cxnSp>
+      <p:cxnSp>
+        <p:nvCxnSpPr>
+          <p:cNvPr id="43" name="직선 연결선 42"/>
+          <p:cNvCxnSpPr/>
+          <p:nvPr/>
+        </p:nvCxnSpPr>
+        <p:spPr>
+          <a:xfrm flipH="1">
+            <a:off x="4480943" y="3666879"/>
+            <a:ext cx="1065888" cy="702646"/>
+          </a:xfrm>
+          <a:prstGeom prst="line">
+            <a:avLst/>
+          </a:prstGeom>
+          <a:ln>
+            <a:solidFill>
+              <a:schemeClr val="tx1"/>
+            </a:solidFill>
+          </a:ln>
+        </p:spPr>
+        <p:style>
+          <a:lnRef idx="1">
+            <a:schemeClr val="accent1"/>
+          </a:lnRef>
+          <a:fillRef idx="0">
+            <a:schemeClr val="accent1"/>
+          </a:fillRef>
+          <a:effectRef idx="0">
+            <a:schemeClr val="accent1"/>
+          </a:effectRef>
+          <a:fontRef idx="minor">
+            <a:schemeClr val="tx1"/>
+          </a:fontRef>
+        </p:style>
+      </p:cxnSp>
+      <p:cxnSp>
+        <p:nvCxnSpPr>
+          <p:cNvPr id="44" name="직선 연결선 43"/>
+          <p:cNvCxnSpPr/>
+          <p:nvPr/>
+        </p:nvCxnSpPr>
+        <p:spPr>
+          <a:xfrm>
+            <a:off x="2834561" y="3645993"/>
+            <a:ext cx="1065888" cy="702254"/>
+          </a:xfrm>
+          <a:prstGeom prst="line">
+            <a:avLst/>
+          </a:prstGeom>
+          <a:ln>
+            <a:solidFill>
+              <a:schemeClr val="tx1"/>
+            </a:solidFill>
+          </a:ln>
+        </p:spPr>
+        <p:style>
+          <a:lnRef idx="1">
+            <a:schemeClr val="accent1"/>
+          </a:lnRef>
+          <a:fillRef idx="0">
+            <a:schemeClr val="accent1"/>
+          </a:fillRef>
+          <a:effectRef idx="0">
+            <a:schemeClr val="accent1"/>
+          </a:effectRef>
+          <a:fontRef idx="minor">
+            <a:schemeClr val="tx1"/>
+          </a:fontRef>
+        </p:style>
+      </p:cxnSp>
+      <p:cxnSp>
+        <p:nvCxnSpPr>
+          <p:cNvPr id="45" name="직선 연결선 44"/>
+          <p:cNvCxnSpPr/>
+          <p:nvPr/>
+        </p:nvCxnSpPr>
+        <p:spPr>
+          <a:xfrm flipH="1">
+            <a:off x="2834561" y="3645993"/>
+            <a:ext cx="1065888" cy="702646"/>
+          </a:xfrm>
+          <a:prstGeom prst="line">
+            <a:avLst/>
+          </a:prstGeom>
+          <a:ln>
+            <a:solidFill>
+              <a:schemeClr val="tx1"/>
+            </a:solidFill>
+          </a:ln>
+        </p:spPr>
+        <p:style>
+          <a:lnRef idx="1">
+            <a:schemeClr val="accent1"/>
+          </a:lnRef>
+          <a:fillRef idx="0">
+            <a:schemeClr val="accent1"/>
+          </a:fillRef>
+          <a:effectRef idx="0">
+            <a:schemeClr val="accent1"/>
+          </a:effectRef>
+          <a:fontRef idx="minor">
+            <a:schemeClr val="tx1"/>
+          </a:fontRef>
+        </p:style>
+      </p:cxnSp>
+      <p:cxnSp>
+        <p:nvCxnSpPr>
+          <p:cNvPr id="46" name="직선 연결선 45"/>
+          <p:cNvCxnSpPr/>
+          <p:nvPr/>
+        </p:nvCxnSpPr>
+        <p:spPr>
+          <a:xfrm>
+            <a:off x="2846798" y="2693640"/>
+            <a:ext cx="1065888" cy="702254"/>
+          </a:xfrm>
+          <a:prstGeom prst="line">
+            <a:avLst/>
+          </a:prstGeom>
+          <a:ln>
+            <a:solidFill>
+              <a:schemeClr val="tx1"/>
+            </a:solidFill>
+          </a:ln>
+        </p:spPr>
+        <p:style>
+          <a:lnRef idx="1">
+            <a:schemeClr val="accent1"/>
+          </a:lnRef>
+          <a:fillRef idx="0">
+            <a:schemeClr val="accent1"/>
+          </a:fillRef>
+          <a:effectRef idx="0">
+            <a:schemeClr val="accent1"/>
+          </a:effectRef>
+          <a:fontRef idx="minor">
+            <a:schemeClr val="tx1"/>
+          </a:fontRef>
+        </p:style>
+      </p:cxnSp>
+      <p:cxnSp>
+        <p:nvCxnSpPr>
+          <p:cNvPr id="47" name="직선 연결선 46"/>
+          <p:cNvCxnSpPr/>
+          <p:nvPr/>
+        </p:nvCxnSpPr>
+        <p:spPr>
+          <a:xfrm flipH="1">
+            <a:off x="2846798" y="2693640"/>
+            <a:ext cx="1065888" cy="702646"/>
+          </a:xfrm>
+          <a:prstGeom prst="line">
+            <a:avLst/>
+          </a:prstGeom>
+          <a:ln>
+            <a:solidFill>
+              <a:schemeClr val="tx1"/>
+            </a:solidFill>
+          </a:ln>
+        </p:spPr>
+        <p:style>
+          <a:lnRef idx="1">
+            <a:schemeClr val="accent1"/>
+          </a:lnRef>
+          <a:fillRef idx="0">
+            <a:schemeClr val="accent1"/>
+          </a:fillRef>
+          <a:effectRef idx="0">
+            <a:schemeClr val="accent1"/>
+          </a:effectRef>
+          <a:fontRef idx="minor">
+            <a:schemeClr val="tx1"/>
+          </a:fontRef>
+        </p:style>
+      </p:cxnSp>
+      <p:cxnSp>
+        <p:nvCxnSpPr>
+          <p:cNvPr id="48" name="직선 연결선 47"/>
+          <p:cNvCxnSpPr/>
+          <p:nvPr/>
+        </p:nvCxnSpPr>
+        <p:spPr>
+          <a:xfrm>
+            <a:off x="1163652" y="2694032"/>
+            <a:ext cx="1065888" cy="702254"/>
+          </a:xfrm>
+          <a:prstGeom prst="line">
+            <a:avLst/>
+          </a:prstGeom>
+          <a:ln>
+            <a:solidFill>
+              <a:schemeClr val="tx1"/>
+            </a:solidFill>
+          </a:ln>
+        </p:spPr>
+        <p:style>
+          <a:lnRef idx="1">
+            <a:schemeClr val="accent1"/>
+          </a:lnRef>
+          <a:fillRef idx="0">
+            <a:schemeClr val="accent1"/>
+          </a:fillRef>
+          <a:effectRef idx="0">
+            <a:schemeClr val="accent1"/>
+          </a:effectRef>
+          <a:fontRef idx="minor">
+            <a:schemeClr val="tx1"/>
+          </a:fontRef>
+        </p:style>
+      </p:cxnSp>
+      <p:cxnSp>
+        <p:nvCxnSpPr>
+          <p:cNvPr id="49" name="직선 연결선 48"/>
+          <p:cNvCxnSpPr/>
+          <p:nvPr/>
+        </p:nvCxnSpPr>
+        <p:spPr>
+          <a:xfrm flipH="1">
+            <a:off x="1163652" y="2694032"/>
+            <a:ext cx="1065888" cy="702646"/>
+          </a:xfrm>
+          <a:prstGeom prst="line">
+            <a:avLst/>
+          </a:prstGeom>
+          <a:ln>
+            <a:solidFill>
+              <a:schemeClr val="tx1"/>
+            </a:solidFill>
+          </a:ln>
+        </p:spPr>
+        <p:style>
+          <a:lnRef idx="1">
+            <a:schemeClr val="accent1"/>
+          </a:lnRef>
+          <a:fillRef idx="0">
+            <a:schemeClr val="accent1"/>
+          </a:fillRef>
+          <a:effectRef idx="0">
+            <a:schemeClr val="accent1"/>
+          </a:effectRef>
+          <a:fontRef idx="minor">
+            <a:schemeClr val="tx1"/>
+          </a:fontRef>
+        </p:style>
+      </p:cxnSp>
+      <p:cxnSp>
+        <p:nvCxnSpPr>
+          <p:cNvPr id="50" name="직선 연결선 49"/>
+          <p:cNvCxnSpPr/>
+          <p:nvPr/>
+        </p:nvCxnSpPr>
+        <p:spPr>
+          <a:xfrm>
+            <a:off x="1160759" y="3645601"/>
+            <a:ext cx="1065888" cy="702254"/>
+          </a:xfrm>
+          <a:prstGeom prst="line">
+            <a:avLst/>
+          </a:prstGeom>
+          <a:ln>
+            <a:solidFill>
+              <a:schemeClr val="tx1"/>
+            </a:solidFill>
+          </a:ln>
+        </p:spPr>
+        <p:style>
+          <a:lnRef idx="1">
+            <a:schemeClr val="accent1"/>
+          </a:lnRef>
+          <a:fillRef idx="0">
+            <a:schemeClr val="accent1"/>
+          </a:fillRef>
+          <a:effectRef idx="0">
+            <a:schemeClr val="accent1"/>
+          </a:effectRef>
+          <a:fontRef idx="minor">
+            <a:schemeClr val="tx1"/>
+          </a:fontRef>
+        </p:style>
+      </p:cxnSp>
+      <p:cxnSp>
+        <p:nvCxnSpPr>
+          <p:cNvPr id="51" name="직선 연결선 50"/>
+          <p:cNvCxnSpPr/>
+          <p:nvPr/>
+        </p:nvCxnSpPr>
+        <p:spPr>
+          <a:xfrm flipH="1">
+            <a:off x="1160759" y="3645601"/>
+            <a:ext cx="1065888" cy="702646"/>
+          </a:xfrm>
+          <a:prstGeom prst="line">
+            <a:avLst/>
+          </a:prstGeom>
+          <a:ln>
+            <a:solidFill>
+              <a:schemeClr val="tx1"/>
+            </a:solidFill>
+          </a:ln>
+        </p:spPr>
+        <p:style>
+          <a:lnRef idx="1">
+            <a:schemeClr val="accent1"/>
+          </a:lnRef>
+          <a:fillRef idx="0">
+            <a:schemeClr val="accent1"/>
+          </a:fillRef>
+          <a:effectRef idx="0">
+            <a:schemeClr val="accent1"/>
+          </a:effectRef>
+          <a:fontRef idx="minor">
+            <a:schemeClr val="tx1"/>
+          </a:fontRef>
+        </p:style>
+      </p:cxnSp>
+      <p:pic>
+        <p:nvPicPr>
+          <p:cNvPr id="5122" name="Picture 2" descr="C:\Users\Administrator.Sc-201912031509\Desktop\hallhand\Portfolio\img\images (6).jpg"/>
+          <p:cNvPicPr>
+            <a:picLocks noChangeAspect="1" noChangeArrowheads="1"/>
+          </p:cNvPicPr>
+          <p:nvPr/>
+        </p:nvPicPr>
+        <p:blipFill>
+          <a:blip r:embed="rId3">
+            <a:extLst>
+              <a:ext uri="{28A0092B-C50C-407E-A947-70E740481C1C}">
+                <a14:useLocalDpi xmlns:a14="http://schemas.microsoft.com/office/drawing/2010/main" val="0"/>
+              </a:ext>
+            </a:extLst>
+          </a:blip>
+          <a:srcRect/>
+          <a:stretch>
+            <a:fillRect/>
+          </a:stretch>
+        </p:blipFill>
+        <p:spPr bwMode="auto">
+          <a:xfrm>
+            <a:off x="2886582" y="1806166"/>
+            <a:ext cx="958601" cy="597438"/>
+          </a:xfrm>
+          <a:prstGeom prst="rect">
+            <a:avLst/>
+          </a:prstGeom>
+          <a:noFill/>
+          <a:extLst>
+            <a:ext uri="{909E8E84-426E-40DD-AFC4-6F175D3DCCD1}">
+              <a14:hiddenFill xmlns:a14="http://schemas.microsoft.com/office/drawing/2010/main">
+                <a:solidFill>
+                  <a:srgbClr val="FFFFFF"/>
+                </a:solidFill>
+              </a14:hiddenFill>
+            </a:ext>
+          </a:extLst>
+        </p:spPr>
+      </p:pic>
     </p:spTree>
     <p:extLst>
       <p:ext uri="{BB962C8B-B14F-4D97-AF65-F5344CB8AC3E}">
@@ -24941,7 +26333,7 @@
           <p:cNvPr id="57" name="직사각형 56">
             <a:extLst>
               <a:ext uri="{FF2B5EF4-FFF2-40B4-BE49-F238E27FC236}">
-                <a16:creationId xmlns:a16="http://schemas.microsoft.com/office/drawing/2014/main" xmlns="" id="{CA788993-801F-47F2-A5CF-7C18AE07BCA6}"/>
+                <a16:creationId xmlns="" xmlns:a16="http://schemas.microsoft.com/office/drawing/2014/main" id="{CA788993-801F-47F2-A5CF-7C18AE07BCA6}"/>
               </a:ext>
             </a:extLst>
           </p:cNvPr>
@@ -25160,7 +26552,7 @@
           <p:cNvPr id="65" name="직사각형 64">
             <a:extLst>
               <a:ext uri="{FF2B5EF4-FFF2-40B4-BE49-F238E27FC236}">
-                <a16:creationId xmlns:a16="http://schemas.microsoft.com/office/drawing/2014/main" xmlns="" id="{CA788993-801F-47F2-A5CF-7C18AE07BCA6}"/>
+                <a16:creationId xmlns="" xmlns:a16="http://schemas.microsoft.com/office/drawing/2014/main" id="{CA788993-801F-47F2-A5CF-7C18AE07BCA6}"/>
               </a:ext>
             </a:extLst>
           </p:cNvPr>
@@ -25476,7 +26868,7 @@
           <p:cNvPr id="33" name="직사각형 32">
             <a:extLst>
               <a:ext uri="{FF2B5EF4-FFF2-40B4-BE49-F238E27FC236}">
-                <a16:creationId xmlns:a16="http://schemas.microsoft.com/office/drawing/2014/main" xmlns="" id="{CA788993-801F-47F2-A5CF-7C18AE07BCA6}"/>
+                <a16:creationId xmlns="" xmlns:a16="http://schemas.microsoft.com/office/drawing/2014/main" id="{CA788993-801F-47F2-A5CF-7C18AE07BCA6}"/>
               </a:ext>
             </a:extLst>
           </p:cNvPr>
@@ -25596,11 +26988,11 @@
               <a:buChar char="•"/>
             </a:pPr>
             <a:r>
-              <a:rPr lang="ko-KR" altLang="en-US" sz="900" dirty="0" err="1"/>
+              <a:rPr lang="ko-KR" altLang="en-US" sz="900" dirty="0" err="1" smtClean="0"/>
               <a:t>구성품에</a:t>
             </a:r>
             <a:r>
-              <a:rPr lang="ko-KR" altLang="en-US" sz="900" dirty="0"/>
+              <a:rPr lang="ko-KR" altLang="en-US" sz="900" dirty="0" smtClean="0"/>
               <a:t> 대한 소개 텍스트 수록</a:t>
             </a:r>
             <a:endParaRPr lang="en-US" altLang="ko-KR" sz="900" dirty="0"/>
@@ -25610,7 +27002,7 @@
               <a:buFont typeface="Arial" pitchFamily="34" charset="0"/>
               <a:buChar char="•"/>
             </a:pPr>
-            <a:endParaRPr lang="en-US" altLang="ko-KR" sz="900" dirty="0"/>
+            <a:endParaRPr lang="en-US" altLang="ko-KR" sz="900" dirty="0" smtClean="0"/>
           </a:p>
           <a:p>
             <a:pPr marL="171450" indent="-171450">
@@ -25618,13 +27010,14 @@
               <a:buChar char="•"/>
             </a:pPr>
             <a:r>
-              <a:rPr lang="ko-KR" altLang="en-US" sz="900" dirty="0"/>
+              <a:rPr lang="ko-KR" altLang="en-US" sz="900" dirty="0" smtClean="0"/>
               <a:t>구성품의 상세 정보가 수록되어 있습니다</a:t>
             </a:r>
             <a:r>
-              <a:rPr lang="en-US" altLang="ko-KR" sz="900" dirty="0"/>
+              <a:rPr lang="en-US" altLang="ko-KR" sz="900" dirty="0" smtClean="0"/>
               <a:t>.</a:t>
             </a:r>
+            <a:endParaRPr lang="en-US" altLang="ko-KR" sz="900" dirty="0"/>
           </a:p>
           <a:p>
             <a:endParaRPr lang="en-US" altLang="ko-KR" sz="900" dirty="0"/>
@@ -25803,6 +27196,88 @@
           </a:fontRef>
         </p:style>
       </p:cxnSp>
+      <p:pic>
+        <p:nvPicPr>
+          <p:cNvPr id="3074" name="Picture 2" descr="C:\Users\Administrator.Sc-201912031509\Desktop\hallhand\Portfolio\img\다운로드 (3).jpg"/>
+          <p:cNvPicPr>
+            <a:picLocks noChangeAspect="1" noChangeArrowheads="1"/>
+          </p:cNvPicPr>
+          <p:nvPr/>
+        </p:nvPicPr>
+        <p:blipFill>
+          <a:blip r:embed="rId3">
+            <a:extLst>
+              <a:ext uri="{28A0092B-C50C-407E-A947-70E740481C1C}">
+                <a14:useLocalDpi xmlns:a14="http://schemas.microsoft.com/office/drawing/2010/main" val="0"/>
+              </a:ext>
+            </a:extLst>
+          </a:blip>
+          <a:srcRect/>
+          <a:stretch>
+            <a:fillRect/>
+          </a:stretch>
+        </p:blipFill>
+        <p:spPr bwMode="auto">
+          <a:xfrm>
+            <a:off x="1169607" y="2583374"/>
+            <a:ext cx="1681832" cy="941826"/>
+          </a:xfrm>
+          <a:prstGeom prst="rect">
+            <a:avLst/>
+          </a:prstGeom>
+          <a:noFill/>
+          <a:extLst>
+            <a:ext uri="{909E8E84-426E-40DD-AFC4-6F175D3DCCD1}">
+              <a14:hiddenFill xmlns:a14="http://schemas.microsoft.com/office/drawing/2010/main">
+                <a:solidFill>
+                  <a:srgbClr val="FFFFFF"/>
+                </a:solidFill>
+              </a14:hiddenFill>
+            </a:ext>
+          </a:extLst>
+        </p:spPr>
+      </p:pic>
+      <p:pic>
+        <p:nvPicPr>
+          <p:cNvPr id="27" name="Picture 2" descr="C:\Users\Administrator.Sc-201912031509\Desktop\hallhand\Portfolio\img\다운로드 (3).jpg"/>
+          <p:cNvPicPr>
+            <a:picLocks noChangeAspect="1" noChangeArrowheads="1"/>
+          </p:cNvPicPr>
+          <p:nvPr/>
+        </p:nvPicPr>
+        <p:blipFill>
+          <a:blip r:embed="rId3">
+            <a:extLst>
+              <a:ext uri="{28A0092B-C50C-407E-A947-70E740481C1C}">
+                <a14:useLocalDpi xmlns:a14="http://schemas.microsoft.com/office/drawing/2010/main" val="0"/>
+              </a:ext>
+            </a:extLst>
+          </a:blip>
+          <a:srcRect/>
+          <a:stretch>
+            <a:fillRect/>
+          </a:stretch>
+        </p:blipFill>
+        <p:spPr bwMode="auto">
+          <a:xfrm>
+            <a:off x="4066359" y="3828487"/>
+            <a:ext cx="1681832" cy="941826"/>
+          </a:xfrm>
+          <a:prstGeom prst="rect">
+            <a:avLst/>
+          </a:prstGeom>
+          <a:noFill/>
+          <a:extLst>
+            <a:ext uri="{909E8E84-426E-40DD-AFC4-6F175D3DCCD1}">
+              <a14:hiddenFill xmlns:a14="http://schemas.microsoft.com/office/drawing/2010/main">
+                <a:solidFill>
+                  <a:srgbClr val="FFFFFF"/>
+                </a:solidFill>
+              </a14:hiddenFill>
+            </a:ext>
+          </a:extLst>
+        </p:spPr>
+      </p:pic>
     </p:spTree>
     <p:extLst>
       <p:ext uri="{BB962C8B-B14F-4D97-AF65-F5344CB8AC3E}">
@@ -26310,7 +27785,7 @@
           <p:cNvPr id="57" name="직사각형 56">
             <a:extLst>
               <a:ext uri="{FF2B5EF4-FFF2-40B4-BE49-F238E27FC236}">
-                <a16:creationId xmlns:a16="http://schemas.microsoft.com/office/drawing/2014/main" xmlns="" id="{CA788993-801F-47F2-A5CF-7C18AE07BCA6}"/>
+                <a16:creationId xmlns="" xmlns:a16="http://schemas.microsoft.com/office/drawing/2014/main" id="{CA788993-801F-47F2-A5CF-7C18AE07BCA6}"/>
               </a:ext>
             </a:extLst>
           </p:cNvPr>
@@ -26529,7 +28004,7 @@
           <p:cNvPr id="65" name="직사각형 64">
             <a:extLst>
               <a:ext uri="{FF2B5EF4-FFF2-40B4-BE49-F238E27FC236}">
-                <a16:creationId xmlns:a16="http://schemas.microsoft.com/office/drawing/2014/main" xmlns="" id="{CA788993-801F-47F2-A5CF-7C18AE07BCA6}"/>
+                <a16:creationId xmlns="" xmlns:a16="http://schemas.microsoft.com/office/drawing/2014/main" id="{CA788993-801F-47F2-A5CF-7C18AE07BCA6}"/>
               </a:ext>
             </a:extLst>
           </p:cNvPr>
@@ -26805,7 +28280,7 @@
           <p:cNvPr id="171" name="직사각형 170">
             <a:extLst>
               <a:ext uri="{FF2B5EF4-FFF2-40B4-BE49-F238E27FC236}">
-                <a16:creationId xmlns:a16="http://schemas.microsoft.com/office/drawing/2014/main" xmlns="" id="{CA788993-801F-47F2-A5CF-7C18AE07BCA6}"/>
+                <a16:creationId xmlns="" xmlns:a16="http://schemas.microsoft.com/office/drawing/2014/main" id="{CA788993-801F-47F2-A5CF-7C18AE07BCA6}"/>
               </a:ext>
             </a:extLst>
           </p:cNvPr>
@@ -26849,95 +28324,6 @@
           <a:p>
             <a:pPr algn="ctr"/>
             <a:endParaRPr lang="ko-KR" altLang="en-US"/>
-          </a:p>
-        </p:txBody>
-      </p:sp>
-      <p:sp>
-        <p:nvSpPr>
-          <p:cNvPr id="172" name="실행 단추: 앞으로 또는 다음 171">
-            <a:hlinkClick r:id="" action="ppaction://hlinkshowjump?jump=nextslide" highlightClick="1"/>
-          </p:cNvPr>
-          <p:cNvSpPr/>
-          <p:nvPr/>
-        </p:nvSpPr>
-        <p:spPr>
-          <a:xfrm>
-            <a:off x="3296618" y="4210230"/>
-            <a:ext cx="230850" cy="215503"/>
-          </a:xfrm>
-          <a:prstGeom prst="actionButtonForwardNext">
-            <a:avLst/>
-          </a:prstGeom>
-          <a:noFill/>
-          <a:ln>
-            <a:solidFill>
-              <a:schemeClr val="tx1"/>
-            </a:solidFill>
-          </a:ln>
-        </p:spPr>
-        <p:style>
-          <a:lnRef idx="2">
-            <a:schemeClr val="accent1">
-              <a:shade val="50000"/>
-            </a:schemeClr>
-          </a:lnRef>
-          <a:fillRef idx="1">
-            <a:schemeClr val="accent1"/>
-          </a:fillRef>
-          <a:effectRef idx="0">
-            <a:schemeClr val="accent1"/>
-          </a:effectRef>
-          <a:fontRef idx="minor">
-            <a:schemeClr val="lt1"/>
-          </a:fontRef>
-        </p:style>
-        <p:txBody>
-          <a:bodyPr rtlCol="0" anchor="ctr"/>
-          <a:lstStyle/>
-          <a:p>
-            <a:pPr algn="ctr"/>
-            <a:endParaRPr lang="ko-KR" altLang="en-US"/>
-          </a:p>
-        </p:txBody>
-      </p:sp>
-      <p:sp>
-        <p:nvSpPr>
-          <p:cNvPr id="174" name="TextBox 173"/>
-          <p:cNvSpPr txBox="1"/>
-          <p:nvPr/>
-        </p:nvSpPr>
-        <p:spPr>
-          <a:xfrm>
-            <a:off x="3622908" y="4064066"/>
-            <a:ext cx="2922595" cy="369332"/>
-          </a:xfrm>
-          <a:prstGeom prst="rect">
-            <a:avLst/>
-          </a:prstGeom>
-          <a:noFill/>
-        </p:spPr>
-        <p:txBody>
-          <a:bodyPr wrap="none" rtlCol="0">
-            <a:spAutoFit/>
-          </a:bodyPr>
-          <a:lstStyle/>
-          <a:p>
-            <a:endParaRPr lang="en-US" altLang="ko-KR" sz="900" dirty="0"/>
-          </a:p>
-          <a:p>
-            <a:pPr marL="171450" indent="-171450">
-              <a:buFont typeface="Arial" pitchFamily="34" charset="0"/>
-              <a:buChar char="•"/>
-            </a:pPr>
-            <a:r>
-              <a:rPr lang="ko-KR" altLang="en-US" sz="900" dirty="0"/>
-              <a:t>재생 및 재생 일시 정지 기능이 포함되어 있습니다</a:t>
-            </a:r>
-            <a:r>
-              <a:rPr lang="en-US" altLang="ko-KR" sz="900" dirty="0"/>
-              <a:t>.</a:t>
-            </a:r>
-            <a:endParaRPr lang="ko-KR" altLang="en-US" sz="900" dirty="0"/>
           </a:p>
         </p:txBody>
       </p:sp>
@@ -27016,7 +28402,7 @@
           <p:cNvPr id="157" name="직사각형 156">
             <a:extLst>
               <a:ext uri="{FF2B5EF4-FFF2-40B4-BE49-F238E27FC236}">
-                <a16:creationId xmlns:a16="http://schemas.microsoft.com/office/drawing/2014/main" xmlns="" id="{CA788993-801F-47F2-A5CF-7C18AE07BCA6}"/>
+                <a16:creationId xmlns="" xmlns:a16="http://schemas.microsoft.com/office/drawing/2014/main" id="{CA788993-801F-47F2-A5CF-7C18AE07BCA6}"/>
               </a:ext>
             </a:extLst>
           </p:cNvPr>
@@ -27062,55 +28448,6 @@
           <a:p>
             <a:pPr algn="ctr"/>
             <a:endParaRPr lang="ko-KR" altLang="en-US"/>
-          </a:p>
-        </p:txBody>
-      </p:sp>
-      <p:sp>
-        <p:nvSpPr>
-          <p:cNvPr id="108" name="TextBox 107"/>
-          <p:cNvSpPr txBox="1"/>
-          <p:nvPr/>
-        </p:nvSpPr>
-        <p:spPr>
-          <a:xfrm>
-            <a:off x="2719346" y="1369447"/>
-            <a:ext cx="1361270" cy="523220"/>
-          </a:xfrm>
-          <a:prstGeom prst="rect">
-            <a:avLst/>
-          </a:prstGeom>
-          <a:noFill/>
-        </p:spPr>
-        <p:txBody>
-          <a:bodyPr wrap="none" rtlCol="0">
-            <a:spAutoFit/>
-          </a:bodyPr>
-          <a:lstStyle/>
-          <a:p>
-            <a:r>
-              <a:rPr lang="ko-KR" altLang="en-US" dirty="0"/>
-              <a:t>제품 이름 및 </a:t>
-            </a:r>
-            <a:endParaRPr lang="en-US" altLang="ko-KR" dirty="0"/>
-          </a:p>
-          <a:p>
-            <a:r>
-              <a:rPr lang="ko-KR" altLang="en-US" dirty="0"/>
-              <a:t>이미지</a:t>
-            </a:r>
-            <a:r>
-              <a:rPr lang="en-US" altLang="ko-KR" dirty="0"/>
-              <a:t> </a:t>
-            </a:r>
-            <a:r>
-              <a:rPr lang="ko-KR" altLang="en-US" dirty="0"/>
-              <a:t>입니다</a:t>
-            </a:r>
-            <a:r>
-              <a:rPr lang="en-US" altLang="ko-KR" dirty="0"/>
-              <a:t>.</a:t>
-            </a:r>
-            <a:endParaRPr lang="ko-KR" altLang="en-US" dirty="0"/>
           </a:p>
         </p:txBody>
       </p:sp>
@@ -27256,6 +28593,271 @@
           </a:fontRef>
         </p:style>
       </p:cxnSp>
+      <p:pic>
+        <p:nvPicPr>
+          <p:cNvPr id="2050" name="Picture 2" descr="C:\Users\Administrator.Sc-201912031509\Desktop\hallhand\Portfolio\img\eve-online-gameplay-2019-video-thumb.jpg"/>
+          <p:cNvPicPr>
+            <a:picLocks noChangeAspect="1" noChangeArrowheads="1"/>
+          </p:cNvPicPr>
+          <p:nvPr/>
+        </p:nvPicPr>
+        <p:blipFill>
+          <a:blip r:embed="rId3">
+            <a:extLst>
+              <a:ext uri="{28A0092B-C50C-407E-A947-70E740481C1C}">
+                <a14:useLocalDpi xmlns:a14="http://schemas.microsoft.com/office/drawing/2010/main" val="0"/>
+              </a:ext>
+            </a:extLst>
+          </a:blip>
+          <a:srcRect/>
+          <a:stretch>
+            <a:fillRect/>
+          </a:stretch>
+        </p:blipFill>
+        <p:spPr bwMode="auto">
+          <a:xfrm>
+            <a:off x="1485035" y="3783806"/>
+            <a:ext cx="3976500" cy="1068352"/>
+          </a:xfrm>
+          <a:prstGeom prst="rect">
+            <a:avLst/>
+          </a:prstGeom>
+          <a:noFill/>
+          <a:extLst>
+            <a:ext uri="{909E8E84-426E-40DD-AFC4-6F175D3DCCD1}">
+              <a14:hiddenFill xmlns:a14="http://schemas.microsoft.com/office/drawing/2010/main">
+                <a:solidFill>
+                  <a:srgbClr val="FFFFFF"/>
+                </a:solidFill>
+              </a14:hiddenFill>
+            </a:ext>
+          </a:extLst>
+        </p:spPr>
+      </p:pic>
+      <p:sp>
+        <p:nvSpPr>
+          <p:cNvPr id="172" name="실행 단추: 앞으로 또는 다음 171">
+            <a:hlinkClick r:id="" action="ppaction://hlinkshowjump?jump=nextslide" highlightClick="1"/>
+          </p:cNvPr>
+          <p:cNvSpPr/>
+          <p:nvPr/>
+        </p:nvSpPr>
+        <p:spPr>
+          <a:xfrm>
+            <a:off x="3296618" y="4210230"/>
+            <a:ext cx="230850" cy="215503"/>
+          </a:xfrm>
+          <a:prstGeom prst="actionButtonForwardNext">
+            <a:avLst/>
+          </a:prstGeom>
+          <a:noFill/>
+          <a:ln>
+            <a:solidFill>
+              <a:schemeClr val="tx1"/>
+            </a:solidFill>
+          </a:ln>
+        </p:spPr>
+        <p:style>
+          <a:lnRef idx="2">
+            <a:schemeClr val="accent1">
+              <a:shade val="50000"/>
+            </a:schemeClr>
+          </a:lnRef>
+          <a:fillRef idx="1">
+            <a:schemeClr val="accent1"/>
+          </a:fillRef>
+          <a:effectRef idx="0">
+            <a:schemeClr val="accent1"/>
+          </a:effectRef>
+          <a:fontRef idx="minor">
+            <a:schemeClr val="lt1"/>
+          </a:fontRef>
+        </p:style>
+        <p:txBody>
+          <a:bodyPr rtlCol="0" anchor="ctr"/>
+          <a:lstStyle/>
+          <a:p>
+            <a:pPr algn="ctr"/>
+            <a:endParaRPr lang="ko-KR" altLang="en-US"/>
+          </a:p>
+        </p:txBody>
+      </p:sp>
+      <p:sp>
+        <p:nvSpPr>
+          <p:cNvPr id="174" name="TextBox 173"/>
+          <p:cNvSpPr txBox="1"/>
+          <p:nvPr/>
+        </p:nvSpPr>
+        <p:spPr>
+          <a:xfrm>
+            <a:off x="1942862" y="4211388"/>
+            <a:ext cx="2922595" cy="230832"/>
+          </a:xfrm>
+          <a:prstGeom prst="rect">
+            <a:avLst/>
+          </a:prstGeom>
+          <a:noFill/>
+        </p:spPr>
+        <p:txBody>
+          <a:bodyPr wrap="none" rtlCol="0">
+            <a:spAutoFit/>
+          </a:bodyPr>
+          <a:lstStyle/>
+          <a:p>
+            <a:pPr marL="171450" indent="-171450">
+              <a:buFont typeface="Arial" pitchFamily="34" charset="0"/>
+              <a:buChar char="•"/>
+            </a:pPr>
+            <a:r>
+              <a:rPr lang="ko-KR" altLang="en-US" sz="900" b="1" dirty="0" smtClean="0">
+                <a:solidFill>
+                  <a:schemeClr val="bg1"/>
+                </a:solidFill>
+              </a:rPr>
+              <a:t>재생 </a:t>
+            </a:r>
+            <a:r>
+              <a:rPr lang="ko-KR" altLang="en-US" sz="900" b="1" dirty="0">
+                <a:solidFill>
+                  <a:schemeClr val="bg1"/>
+                </a:solidFill>
+              </a:rPr>
+              <a:t>및 재생 일시 정지 기능이 포함되어 있습니다</a:t>
+            </a:r>
+            <a:r>
+              <a:rPr lang="en-US" altLang="ko-KR" sz="900" b="1" dirty="0">
+                <a:solidFill>
+                  <a:schemeClr val="bg1"/>
+                </a:solidFill>
+              </a:rPr>
+              <a:t>.</a:t>
+            </a:r>
+            <a:endParaRPr lang="ko-KR" altLang="en-US" sz="900" b="1" dirty="0">
+              <a:solidFill>
+                <a:schemeClr val="bg1"/>
+              </a:solidFill>
+            </a:endParaRPr>
+          </a:p>
+        </p:txBody>
+      </p:sp>
+      <p:pic>
+        <p:nvPicPr>
+          <p:cNvPr id="2051" name="Picture 3" descr="C:\Users\Administrator.Sc-201912031509\Desktop\hallhand\Portfolio\img\다운로드 (3).jpg"/>
+          <p:cNvPicPr>
+            <a:picLocks noChangeAspect="1" noChangeArrowheads="1"/>
+          </p:cNvPicPr>
+          <p:nvPr/>
+        </p:nvPicPr>
+        <p:blipFill>
+          <a:blip r:embed="rId4">
+            <a:extLst>
+              <a:ext uri="{28A0092B-C50C-407E-A947-70E740481C1C}">
+                <a14:useLocalDpi xmlns:a14="http://schemas.microsoft.com/office/drawing/2010/main" val="0"/>
+              </a:ext>
+            </a:extLst>
+          </a:blip>
+          <a:srcRect/>
+          <a:stretch>
+            <a:fillRect/>
+          </a:stretch>
+        </p:blipFill>
+        <p:spPr bwMode="auto">
+          <a:xfrm>
+            <a:off x="2606418" y="1179907"/>
+            <a:ext cx="1611249" cy="902299"/>
+          </a:xfrm>
+          <a:prstGeom prst="rect">
+            <a:avLst/>
+          </a:prstGeom>
+          <a:noFill/>
+          <a:extLst>
+            <a:ext uri="{909E8E84-426E-40DD-AFC4-6F175D3DCCD1}">
+              <a14:hiddenFill xmlns:a14="http://schemas.microsoft.com/office/drawing/2010/main">
+                <a:solidFill>
+                  <a:srgbClr val="FFFFFF"/>
+                </a:solidFill>
+              </a14:hiddenFill>
+            </a:ext>
+          </a:extLst>
+        </p:spPr>
+      </p:pic>
+      <p:sp>
+        <p:nvSpPr>
+          <p:cNvPr id="108" name="TextBox 107"/>
+          <p:cNvSpPr txBox="1"/>
+          <p:nvPr/>
+        </p:nvSpPr>
+        <p:spPr>
+          <a:xfrm>
+            <a:off x="2719346" y="1369447"/>
+            <a:ext cx="1361270" cy="523220"/>
+          </a:xfrm>
+          <a:prstGeom prst="rect">
+            <a:avLst/>
+          </a:prstGeom>
+          <a:noFill/>
+        </p:spPr>
+        <p:txBody>
+          <a:bodyPr wrap="none" rtlCol="0">
+            <a:spAutoFit/>
+          </a:bodyPr>
+          <a:lstStyle/>
+          <a:p>
+            <a:r>
+              <a:rPr lang="ko-KR" altLang="en-US" dirty="0">
+                <a:solidFill>
+                  <a:schemeClr val="bg1"/>
+                </a:solidFill>
+              </a:rPr>
+              <a:t>제품 이름 및 </a:t>
+            </a:r>
+            <a:endParaRPr lang="en-US" altLang="ko-KR" dirty="0">
+              <a:solidFill>
+                <a:schemeClr val="bg1"/>
+              </a:solidFill>
+            </a:endParaRPr>
+          </a:p>
+          <a:p>
+            <a:r>
+              <a:rPr lang="ko-KR" altLang="en-US" dirty="0">
+                <a:solidFill>
+                  <a:schemeClr val="bg1"/>
+                </a:solidFill>
+              </a:rPr>
+              <a:t>이미지</a:t>
+            </a:r>
+            <a:r>
+              <a:rPr lang="en-US" altLang="ko-KR" dirty="0">
+                <a:solidFill>
+                  <a:schemeClr val="bg1"/>
+                </a:solidFill>
+              </a:rPr>
+              <a:t> </a:t>
+            </a:r>
+            <a:r>
+              <a:rPr lang="ko-KR" altLang="en-US" dirty="0">
+                <a:solidFill>
+                  <a:schemeClr val="bg1"/>
+                </a:solidFill>
+              </a:rPr>
+              <a:t>입니다</a:t>
+            </a:r>
+            <a:r>
+              <a:rPr lang="en-US" altLang="ko-KR" dirty="0">
+                <a:solidFill>
+                  <a:schemeClr val="bg1"/>
+                </a:solidFill>
+              </a:rPr>
+              <a:t>.</a:t>
+            </a:r>
+            <a:endParaRPr lang="ko-KR" altLang="en-US" dirty="0">
+              <a:solidFill>
+                <a:schemeClr val="bg1"/>
+              </a:solidFill>
+            </a:endParaRPr>
+          </a:p>
+        </p:txBody>
+      </p:sp>
     </p:spTree>
     <p:extLst>
       <p:ext uri="{BB962C8B-B14F-4D97-AF65-F5344CB8AC3E}">
@@ -28547,7 +30149,7 @@
           <p:cNvPr id="91" name="직사각형 90">
             <a:extLst>
               <a:ext uri="{FF2B5EF4-FFF2-40B4-BE49-F238E27FC236}">
-                <a16:creationId xmlns:a16="http://schemas.microsoft.com/office/drawing/2014/main" xmlns="" id="{CA788993-801F-47F2-A5CF-7C18AE07BCA6}"/>
+                <a16:creationId xmlns="" xmlns:a16="http://schemas.microsoft.com/office/drawing/2014/main" id="{CA788993-801F-47F2-A5CF-7C18AE07BCA6}"/>
               </a:ext>
             </a:extLst>
           </p:cNvPr>
@@ -28599,7 +30201,7 @@
           <p:cNvPr id="93" name="직사각형 92">
             <a:extLst>
               <a:ext uri="{FF2B5EF4-FFF2-40B4-BE49-F238E27FC236}">
-                <a16:creationId xmlns:a16="http://schemas.microsoft.com/office/drawing/2014/main" xmlns="" id="{CA788993-801F-47F2-A5CF-7C18AE07BCA6}"/>
+                <a16:creationId xmlns="" xmlns:a16="http://schemas.microsoft.com/office/drawing/2014/main" id="{CA788993-801F-47F2-A5CF-7C18AE07BCA6}"/>
               </a:ext>
             </a:extLst>
           </p:cNvPr>
@@ -28868,7 +30470,7 @@
           <p:cNvPr id="76" name="직사각형 75">
             <a:extLst>
               <a:ext uri="{FF2B5EF4-FFF2-40B4-BE49-F238E27FC236}">
-                <a16:creationId xmlns:a16="http://schemas.microsoft.com/office/drawing/2014/main" xmlns="" id="{CA788993-801F-47F2-A5CF-7C18AE07BCA6}"/>
+                <a16:creationId xmlns="" xmlns:a16="http://schemas.microsoft.com/office/drawing/2014/main" id="{CA788993-801F-47F2-A5CF-7C18AE07BCA6}"/>
               </a:ext>
             </a:extLst>
           </p:cNvPr>
@@ -29964,7 +31566,7 @@
           <p:cNvPr id="65" name="직사각형 64">
             <a:extLst>
               <a:ext uri="{FF2B5EF4-FFF2-40B4-BE49-F238E27FC236}">
-                <a16:creationId xmlns:a16="http://schemas.microsoft.com/office/drawing/2014/main" xmlns="" id="{CA788993-801F-47F2-A5CF-7C18AE07BCA6}"/>
+                <a16:creationId xmlns="" xmlns:a16="http://schemas.microsoft.com/office/drawing/2014/main" id="{CA788993-801F-47F2-A5CF-7C18AE07BCA6}"/>
               </a:ext>
             </a:extLst>
           </p:cNvPr>
@@ -30016,7 +31618,7 @@
           <p:cNvPr id="66" name="직선 연결선 65">
             <a:extLst>
               <a:ext uri="{FF2B5EF4-FFF2-40B4-BE49-F238E27FC236}">
-                <a16:creationId xmlns:a16="http://schemas.microsoft.com/office/drawing/2014/main" xmlns="" id="{44240779-76E1-4B27-9B94-FC998804FCE6}"/>
+                <a16:creationId xmlns="" xmlns:a16="http://schemas.microsoft.com/office/drawing/2014/main" id="{44240779-76E1-4B27-9B94-FC998804FCE6}"/>
               </a:ext>
             </a:extLst>
           </p:cNvPr>
@@ -30052,7 +31654,7 @@
           <p:cNvPr id="69" name="직사각형 68">
             <a:extLst>
               <a:ext uri="{FF2B5EF4-FFF2-40B4-BE49-F238E27FC236}">
-                <a16:creationId xmlns:a16="http://schemas.microsoft.com/office/drawing/2014/main" xmlns="" id="{CA788993-801F-47F2-A5CF-7C18AE07BCA6}"/>
+                <a16:creationId xmlns="" xmlns:a16="http://schemas.microsoft.com/office/drawing/2014/main" id="{CA788993-801F-47F2-A5CF-7C18AE07BCA6}"/>
               </a:ext>
             </a:extLst>
           </p:cNvPr>
@@ -30104,7 +31706,7 @@
           <p:cNvPr id="70" name="직선 연결선 69">
             <a:extLst>
               <a:ext uri="{FF2B5EF4-FFF2-40B4-BE49-F238E27FC236}">
-                <a16:creationId xmlns:a16="http://schemas.microsoft.com/office/drawing/2014/main" xmlns="" id="{44240779-76E1-4B27-9B94-FC998804FCE6}"/>
+                <a16:creationId xmlns="" xmlns:a16="http://schemas.microsoft.com/office/drawing/2014/main" id="{44240779-76E1-4B27-9B94-FC998804FCE6}"/>
               </a:ext>
             </a:extLst>
           </p:cNvPr>
@@ -30994,7 +32596,7 @@
         </p:nvSpPr>
         <p:spPr>
           <a:xfrm>
-            <a:off x="954080" y="4608010"/>
+            <a:off x="946197" y="4608010"/>
             <a:ext cx="1152880" cy="246221"/>
           </a:xfrm>
           <a:prstGeom prst="rect">
@@ -31004,6 +32606,40 @@
         </p:spPr>
         <p:txBody>
           <a:bodyPr wrap="none" rtlCol="0">
+            <a:spAutoFit/>
+          </a:bodyPr>
+          <a:lstStyle/>
+          <a:p>
+            <a:r>
+              <a:rPr lang="ko-KR" altLang="en-US" sz="1000" dirty="0"/>
+              <a:t>질문이 있습니다</a:t>
+            </a:r>
+            <a:r>
+              <a:rPr lang="en-US" altLang="ko-KR" sz="1000" dirty="0"/>
+              <a:t>.</a:t>
+            </a:r>
+            <a:endParaRPr lang="ko-KR" altLang="en-US" sz="1000" dirty="0"/>
+          </a:p>
+        </p:txBody>
+      </p:sp>
+      <p:sp>
+        <p:nvSpPr>
+          <p:cNvPr id="38" name="TextBox 37"/>
+          <p:cNvSpPr txBox="1"/>
+          <p:nvPr/>
+        </p:nvSpPr>
+        <p:spPr>
+          <a:xfrm>
+            <a:off x="974776" y="3883956"/>
+            <a:ext cx="4953058" cy="246221"/>
+          </a:xfrm>
+          <a:prstGeom prst="rect">
+            <a:avLst/>
+          </a:prstGeom>
+          <a:noFill/>
+        </p:spPr>
+        <p:txBody>
+          <a:bodyPr wrap="square" rtlCol="0">
             <a:spAutoFit/>
           </a:bodyPr>
           <a:lstStyle/>
@@ -31050,6 +32686,47 @@
           <a:chExt cx="0" cy="0"/>
         </a:xfrm>
       </p:grpSpPr>
+      <p:pic>
+        <p:nvPicPr>
+          <p:cNvPr id="7171" name="Picture 3" descr="C:\Users\Administrator.Sc-201912031509\Desktop\hallhand\Portfolio\img\images (2).jpg"/>
+          <p:cNvPicPr>
+            <a:picLocks noChangeAspect="1" noChangeArrowheads="1"/>
+          </p:cNvPicPr>
+          <p:nvPr/>
+        </p:nvPicPr>
+        <p:blipFill>
+          <a:blip r:embed="rId3">
+            <a:extLst>
+              <a:ext uri="{28A0092B-C50C-407E-A947-70E740481C1C}">
+                <a14:useLocalDpi xmlns:a14="http://schemas.microsoft.com/office/drawing/2010/main" val="0"/>
+              </a:ext>
+            </a:extLst>
+          </a:blip>
+          <a:srcRect/>
+          <a:stretch>
+            <a:fillRect/>
+          </a:stretch>
+        </p:blipFill>
+        <p:spPr bwMode="auto">
+          <a:xfrm>
+            <a:off x="99751" y="896000"/>
+            <a:ext cx="6708373" cy="952144"/>
+          </a:xfrm>
+          <a:prstGeom prst="rect">
+            <a:avLst/>
+          </a:prstGeom>
+          <a:noFill/>
+          <a:extLst>
+            <a:ext uri="{909E8E84-426E-40DD-AFC4-6F175D3DCCD1}">
+              <a14:hiddenFill xmlns:a14="http://schemas.microsoft.com/office/drawing/2010/main">
+                <a:solidFill>
+                  <a:srgbClr val="FFFFFF"/>
+                </a:solidFill>
+              </a14:hiddenFill>
+            </a:ext>
+          </a:extLst>
+        </p:spPr>
+      </p:pic>
       <p:sp>
         <p:nvSpPr>
           <p:cNvPr id="152" name="Google Shape;152;p14"/>
@@ -31924,10 +33601,3666 @@
           </a:p>
         </p:txBody>
       </p:sp>
+      <p:pic>
+        <p:nvPicPr>
+          <p:cNvPr id="7170" name="Picture 2" descr="C:\Users\Administrator.Sc-201912031509\Desktop\hallhand\Portfolio\img\images (7).jpg"/>
+          <p:cNvPicPr>
+            <a:picLocks noChangeAspect="1" noChangeArrowheads="1"/>
+          </p:cNvPicPr>
+          <p:nvPr/>
+        </p:nvPicPr>
+        <p:blipFill>
+          <a:blip r:embed="rId4">
+            <a:extLst>
+              <a:ext uri="{28A0092B-C50C-407E-A947-70E740481C1C}">
+                <a14:useLocalDpi xmlns:a14="http://schemas.microsoft.com/office/drawing/2010/main" val="0"/>
+              </a:ext>
+            </a:extLst>
+          </a:blip>
+          <a:srcRect/>
+          <a:stretch>
+            <a:fillRect/>
+          </a:stretch>
+        </p:blipFill>
+        <p:spPr bwMode="auto">
+          <a:xfrm>
+            <a:off x="3097924" y="1848143"/>
+            <a:ext cx="3710200" cy="971249"/>
+          </a:xfrm>
+          <a:prstGeom prst="rect">
+            <a:avLst/>
+          </a:prstGeom>
+          <a:noFill/>
+          <a:extLst>
+            <a:ext uri="{909E8E84-426E-40DD-AFC4-6F175D3DCCD1}">
+              <a14:hiddenFill xmlns:a14="http://schemas.microsoft.com/office/drawing/2010/main">
+                <a:solidFill>
+                  <a:srgbClr val="FFFFFF"/>
+                </a:solidFill>
+              </a14:hiddenFill>
+            </a:ext>
+          </a:extLst>
+        </p:spPr>
+      </p:pic>
     </p:spTree>
     <p:extLst>
       <p:ext uri="{BB962C8B-B14F-4D97-AF65-F5344CB8AC3E}">
         <p14:creationId xmlns:p14="http://schemas.microsoft.com/office/powerpoint/2010/main" val="3643985250"/>
+      </p:ext>
+    </p:extLst>
+  </p:cSld>
+  <p:clrMapOvr>
+    <a:masterClrMapping/>
+  </p:clrMapOvr>
+</p:sld>
+</file>
+
+<file path=ppt/slides/slide23.xml><?xml version="1.0" encoding="utf-8"?>
+<p:sld xmlns:a="http://schemas.openxmlformats.org/drawingml/2006/main" xmlns:r="http://schemas.openxmlformats.org/officeDocument/2006/relationships" xmlns:p="http://schemas.openxmlformats.org/presentationml/2006/main">
+  <p:cSld>
+    <p:spTree>
+      <p:nvGrpSpPr>
+        <p:cNvPr id="1" name=""/>
+        <p:cNvGrpSpPr/>
+        <p:nvPr/>
+      </p:nvGrpSpPr>
+      <p:grpSpPr>
+        <a:xfrm>
+          <a:off x="0" y="0"/>
+          <a:ext cx="0" cy="0"/>
+          <a:chOff x="0" y="0"/>
+          <a:chExt cx="0" cy="0"/>
+        </a:xfrm>
+      </p:grpSpPr>
+      <p:sp>
+        <p:nvSpPr>
+          <p:cNvPr id="5" name="TextBox 4">
+            <a:extLst>
+              <a:ext uri="{FF2B5EF4-FFF2-40B4-BE49-F238E27FC236}">
+                <a16:creationId xmlns="" xmlns:a16="http://schemas.microsoft.com/office/drawing/2014/main" id="{F46ED12F-13C8-4F15-9522-21B9409359E7}"/>
+              </a:ext>
+            </a:extLst>
+          </p:cNvPr>
+          <p:cNvSpPr txBox="1"/>
+          <p:nvPr/>
+        </p:nvSpPr>
+        <p:spPr>
+          <a:xfrm>
+            <a:off x="1233496" y="1811866"/>
+            <a:ext cx="4596131" cy="646331"/>
+          </a:xfrm>
+          <a:prstGeom prst="rect">
+            <a:avLst/>
+          </a:prstGeom>
+          <a:noFill/>
+        </p:spPr>
+        <p:txBody>
+          <a:bodyPr wrap="none" rtlCol="0">
+            <a:spAutoFit/>
+          </a:bodyPr>
+          <a:lstStyle/>
+          <a:p>
+            <a:r>
+              <a:rPr lang="ko-KR" altLang="en-US" sz="3600" dirty="0" err="1" smtClean="0"/>
+              <a:t>모바일</a:t>
+            </a:r>
+            <a:r>
+              <a:rPr lang="ko-KR" altLang="en-US" sz="3600" dirty="0" smtClean="0"/>
+              <a:t> </a:t>
+            </a:r>
+            <a:r>
+              <a:rPr lang="ko-KR" altLang="en-US" sz="3600" dirty="0" smtClean="0"/>
+              <a:t>와이어 </a:t>
+            </a:r>
+            <a:r>
+              <a:rPr lang="ko-KR" altLang="en-US" sz="3600" dirty="0"/>
+              <a:t>프레임</a:t>
+            </a:r>
+          </a:p>
+        </p:txBody>
+      </p:sp>
+    </p:spTree>
+    <p:extLst>
+      <p:ext uri="{BB962C8B-B14F-4D97-AF65-F5344CB8AC3E}">
+        <p14:creationId xmlns:p14="http://schemas.microsoft.com/office/powerpoint/2010/main" val="3094224619"/>
+      </p:ext>
+    </p:extLst>
+  </p:cSld>
+  <p:clrMapOvr>
+    <a:masterClrMapping/>
+  </p:clrMapOvr>
+</p:sld>
+</file>
+
+<file path=ppt/slides/slide24.xml><?xml version="1.0" encoding="utf-8"?>
+<p:sld xmlns:a="http://schemas.openxmlformats.org/drawingml/2006/main" xmlns:r="http://schemas.openxmlformats.org/officeDocument/2006/relationships" xmlns:p="http://schemas.openxmlformats.org/presentationml/2006/main">
+  <p:cSld>
+    <p:spTree>
+      <p:nvGrpSpPr>
+        <p:cNvPr id="1" name="Shape 146"/>
+        <p:cNvGrpSpPr/>
+        <p:nvPr/>
+      </p:nvGrpSpPr>
+      <p:grpSpPr>
+        <a:xfrm>
+          <a:off x="0" y="0"/>
+          <a:ext cx="0" cy="0"/>
+          <a:chOff x="0" y="0"/>
+          <a:chExt cx="0" cy="0"/>
+        </a:xfrm>
+      </p:grpSpPr>
+      <p:sp>
+        <p:nvSpPr>
+          <p:cNvPr id="152" name="Google Shape;152;p14"/>
+          <p:cNvSpPr txBox="1">
+            <a:spLocks noGrp="1"/>
+          </p:cNvSpPr>
+          <p:nvPr>
+            <p:ph type="sldNum" idx="12"/>
+          </p:nvPr>
+        </p:nvSpPr>
+        <p:spPr>
+          <a:xfrm>
+            <a:off x="8594576" y="0"/>
+            <a:ext cx="549424" cy="274637"/>
+          </a:xfrm>
+          <a:prstGeom prst="rect">
+            <a:avLst/>
+          </a:prstGeom>
+          <a:noFill/>
+          <a:ln>
+            <a:noFill/>
+          </a:ln>
+        </p:spPr>
+        <p:txBody>
+          <a:bodyPr spcFirstLastPara="1" wrap="square" lIns="91425" tIns="45700" rIns="91425" bIns="45700" anchor="ctr" anchorCtr="0">
+            <a:noAutofit/>
+          </a:bodyPr>
+          <a:lstStyle/>
+          <a:p>
+            <a:pPr marL="0" marR="0" lvl="0" indent="0" algn="r" rtl="0">
+              <a:spcBef>
+                <a:spcPts val="0"/>
+              </a:spcBef>
+              <a:spcAft>
+                <a:spcPts val="0"/>
+              </a:spcAft>
+              <a:buNone/>
+            </a:pPr>
+            <a:fld id="{00000000-1234-1234-1234-123412341234}" type="slidenum">
+              <a:rPr lang="en-US" sz="1000">
+                <a:solidFill>
+                  <a:srgbClr val="7F7F7F"/>
+                </a:solidFill>
+                <a:latin typeface="Arial"/>
+                <a:ea typeface="Arial"/>
+                <a:cs typeface="Arial"/>
+                <a:sym typeface="Arial"/>
+              </a:rPr>
+              <a:t>24</a:t>
+            </a:fld>
+            <a:endParaRPr sz="1000">
+              <a:solidFill>
+                <a:srgbClr val="7F7F7F"/>
+              </a:solidFill>
+              <a:latin typeface="Arial"/>
+              <a:ea typeface="Arial"/>
+              <a:cs typeface="Arial"/>
+              <a:sym typeface="Arial"/>
+            </a:endParaRPr>
+          </a:p>
+        </p:txBody>
+      </p:sp>
+      <p:sp>
+        <p:nvSpPr>
+          <p:cNvPr id="154" name="Google Shape;154;p14"/>
+          <p:cNvSpPr txBox="1">
+            <a:spLocks noGrp="1"/>
+          </p:cNvSpPr>
+          <p:nvPr>
+            <p:ph type="title"/>
+          </p:nvPr>
+        </p:nvSpPr>
+        <p:spPr>
+          <a:xfrm>
+            <a:off x="1403650" y="16225"/>
+            <a:ext cx="5133300" cy="292200"/>
+          </a:xfrm>
+          <a:prstGeom prst="rect">
+            <a:avLst/>
+          </a:prstGeom>
+          <a:noFill/>
+          <a:ln>
+            <a:noFill/>
+          </a:ln>
+        </p:spPr>
+        <p:txBody>
+          <a:bodyPr spcFirstLastPara="1" wrap="square" lIns="91425" tIns="45700" rIns="91425" bIns="45700" anchor="t" anchorCtr="0">
+            <a:noAutofit/>
+          </a:bodyPr>
+          <a:lstStyle/>
+          <a:p>
+            <a:pPr marL="0" marR="0" lvl="0" indent="0" algn="l" rtl="0">
+              <a:spcBef>
+                <a:spcPts val="0"/>
+              </a:spcBef>
+              <a:spcAft>
+                <a:spcPts val="0"/>
+              </a:spcAft>
+              <a:buClr>
+                <a:srgbClr val="7F7F7F"/>
+              </a:buClr>
+              <a:buSzPts val="900"/>
+              <a:buFont typeface="Arial"/>
+              <a:buNone/>
+            </a:pPr>
+            <a:r>
+              <a:rPr lang="en-US" sz="900" b="0" i="0" u="none" strike="noStrike" cap="none" dirty="0">
+                <a:solidFill>
+                  <a:srgbClr val="7F7F7F"/>
+                </a:solidFill>
+                <a:latin typeface="Arial"/>
+                <a:ea typeface="Arial"/>
+                <a:cs typeface="Arial"/>
+                <a:sym typeface="Arial"/>
+              </a:rPr>
+              <a:t>Contents (Support)</a:t>
+            </a:r>
+            <a:endParaRPr sz="900" b="0" i="0" u="none" strike="noStrike" cap="none" dirty="0">
+              <a:solidFill>
+                <a:srgbClr val="7F7F7F"/>
+              </a:solidFill>
+              <a:latin typeface="Arial"/>
+              <a:ea typeface="Arial"/>
+              <a:cs typeface="Arial"/>
+              <a:sym typeface="Arial"/>
+            </a:endParaRPr>
+          </a:p>
+        </p:txBody>
+      </p:sp>
+      <p:sp>
+        <p:nvSpPr>
+          <p:cNvPr id="155" name="Google Shape;155;p14"/>
+          <p:cNvSpPr txBox="1">
+            <a:spLocks noGrp="1"/>
+          </p:cNvSpPr>
+          <p:nvPr>
+            <p:ph type="body" idx="1"/>
+          </p:nvPr>
+        </p:nvSpPr>
+        <p:spPr>
+          <a:xfrm>
+            <a:off x="395858" y="12700"/>
+            <a:ext cx="1007790" cy="287486"/>
+          </a:xfrm>
+          <a:prstGeom prst="rect">
+            <a:avLst/>
+          </a:prstGeom>
+          <a:noFill/>
+          <a:ln>
+            <a:noFill/>
+          </a:ln>
+        </p:spPr>
+        <p:txBody>
+          <a:bodyPr spcFirstLastPara="1" wrap="square" lIns="0" tIns="45700" rIns="0" bIns="45700" anchor="t" anchorCtr="0">
+            <a:noAutofit/>
+          </a:bodyPr>
+          <a:lstStyle/>
+          <a:p>
+            <a:pPr marL="342900" marR="0" lvl="0" indent="-342900" algn="l" rtl="0">
+              <a:spcBef>
+                <a:spcPts val="0"/>
+              </a:spcBef>
+              <a:spcAft>
+                <a:spcPts val="0"/>
+              </a:spcAft>
+              <a:buClr>
+                <a:schemeClr val="lt1"/>
+              </a:buClr>
+              <a:buSzPts val="1000"/>
+              <a:buFont typeface="Arial"/>
+              <a:buNone/>
+            </a:pPr>
+            <a:r>
+              <a:rPr lang="en-US" sz="1000" b="1" i="0" u="none" strike="noStrike" cap="none" dirty="0">
+                <a:solidFill>
+                  <a:schemeClr val="lt1"/>
+                </a:solidFill>
+                <a:latin typeface="Arial"/>
+                <a:ea typeface="Arial"/>
+                <a:cs typeface="Arial"/>
+                <a:sym typeface="Arial"/>
+              </a:rPr>
+              <a:t>2.0</a:t>
+            </a:r>
+            <a:endParaRPr sz="1000" b="1" i="0" u="none" strike="noStrike" cap="none" dirty="0">
+              <a:solidFill>
+                <a:schemeClr val="lt1"/>
+              </a:solidFill>
+              <a:latin typeface="Arial"/>
+              <a:ea typeface="Arial"/>
+              <a:cs typeface="Arial"/>
+              <a:sym typeface="Arial"/>
+            </a:endParaRPr>
+          </a:p>
+        </p:txBody>
+      </p:sp>
+      <p:sp>
+        <p:nvSpPr>
+          <p:cNvPr id="158" name="Google Shape;158;p14"/>
+          <p:cNvSpPr/>
+          <p:nvPr/>
+        </p:nvSpPr>
+        <p:spPr>
+          <a:xfrm>
+            <a:off x="2135548" y="319936"/>
+            <a:ext cx="2978319" cy="576064"/>
+          </a:xfrm>
+          <a:prstGeom prst="rect">
+            <a:avLst/>
+          </a:prstGeom>
+          <a:solidFill>
+            <a:schemeClr val="lt1">
+              <a:alpha val="69803"/>
+            </a:schemeClr>
+          </a:solidFill>
+          <a:ln w="9525" cap="flat" cmpd="sng">
+            <a:solidFill>
+              <a:srgbClr val="A5A5A5"/>
+            </a:solidFill>
+            <a:prstDash val="solid"/>
+            <a:round/>
+            <a:headEnd type="none" w="sm" len="sm"/>
+            <a:tailEnd type="none" w="sm" len="sm"/>
+          </a:ln>
+        </p:spPr>
+        <p:txBody>
+          <a:bodyPr spcFirstLastPara="1" wrap="square" lIns="91425" tIns="45700" rIns="91425" bIns="45700" anchor="ctr" anchorCtr="0">
+            <a:noAutofit/>
+          </a:bodyPr>
+          <a:lstStyle/>
+          <a:p>
+            <a:pPr marL="0" marR="0" lvl="0" indent="0" algn="ctr" rtl="0">
+              <a:spcBef>
+                <a:spcPts val="0"/>
+              </a:spcBef>
+              <a:spcAft>
+                <a:spcPts val="0"/>
+              </a:spcAft>
+              <a:buNone/>
+            </a:pPr>
+            <a:endParaRPr sz="1800">
+              <a:solidFill>
+                <a:srgbClr val="FFFFFF"/>
+              </a:solidFill>
+              <a:latin typeface="Arial"/>
+              <a:ea typeface="Arial"/>
+              <a:cs typeface="Arial"/>
+              <a:sym typeface="Arial"/>
+            </a:endParaRPr>
+          </a:p>
+        </p:txBody>
+      </p:sp>
+      <p:sp>
+        <p:nvSpPr>
+          <p:cNvPr id="159" name="Google Shape;159;p14"/>
+          <p:cNvSpPr/>
+          <p:nvPr/>
+        </p:nvSpPr>
+        <p:spPr>
+          <a:xfrm>
+            <a:off x="2135548" y="319936"/>
+            <a:ext cx="2978319" cy="576064"/>
+          </a:xfrm>
+          <a:prstGeom prst="rect">
+            <a:avLst/>
+          </a:prstGeom>
+          <a:solidFill>
+            <a:schemeClr val="lt1">
+              <a:alpha val="69803"/>
+            </a:schemeClr>
+          </a:solidFill>
+          <a:ln w="9525" cap="flat" cmpd="sng">
+            <a:solidFill>
+              <a:srgbClr val="A5A5A5"/>
+            </a:solidFill>
+            <a:prstDash val="solid"/>
+            <a:round/>
+            <a:headEnd type="none" w="sm" len="sm"/>
+            <a:tailEnd type="none" w="sm" len="sm"/>
+          </a:ln>
+        </p:spPr>
+        <p:txBody>
+          <a:bodyPr spcFirstLastPara="1" wrap="square" lIns="91425" tIns="45700" rIns="91425" bIns="45700" anchor="ctr" anchorCtr="0">
+            <a:noAutofit/>
+          </a:bodyPr>
+          <a:lstStyle/>
+          <a:p>
+            <a:pPr marL="0" marR="0" lvl="0" indent="0" algn="ctr" rtl="0">
+              <a:spcBef>
+                <a:spcPts val="0"/>
+              </a:spcBef>
+              <a:spcAft>
+                <a:spcPts val="0"/>
+              </a:spcAft>
+              <a:buNone/>
+            </a:pPr>
+            <a:r>
+              <a:rPr lang="en-US" sz="1800">
+                <a:solidFill>
+                  <a:srgbClr val="FFFFFF"/>
+                </a:solidFill>
+                <a:latin typeface="Arial"/>
+                <a:ea typeface="Arial"/>
+                <a:cs typeface="Arial"/>
+                <a:sym typeface="Arial"/>
+              </a:rPr>
+              <a:t>`</a:t>
+            </a:r>
+            <a:endParaRPr sz="1800">
+              <a:solidFill>
+                <a:srgbClr val="FFFFFF"/>
+              </a:solidFill>
+              <a:latin typeface="Arial"/>
+              <a:ea typeface="Arial"/>
+              <a:cs typeface="Arial"/>
+              <a:sym typeface="Arial"/>
+            </a:endParaRPr>
+          </a:p>
+        </p:txBody>
+      </p:sp>
+      <p:grpSp>
+        <p:nvGrpSpPr>
+          <p:cNvPr id="61" name="Google Shape;162;p14"/>
+          <p:cNvGrpSpPr/>
+          <p:nvPr/>
+        </p:nvGrpSpPr>
+        <p:grpSpPr>
+          <a:xfrm>
+            <a:off x="2205689" y="380806"/>
+            <a:ext cx="852801" cy="432049"/>
+            <a:chOff x="179512" y="411510"/>
+            <a:chExt cx="1296144" cy="432049"/>
+          </a:xfrm>
+        </p:grpSpPr>
+        <p:sp>
+          <p:nvSpPr>
+            <p:cNvPr id="62" name="Google Shape;163;p14"/>
+            <p:cNvSpPr/>
+            <p:nvPr/>
+          </p:nvSpPr>
+          <p:spPr>
+            <a:xfrm>
+              <a:off x="179512" y="411511"/>
+              <a:ext cx="1296144" cy="432048"/>
+            </a:xfrm>
+            <a:prstGeom prst="rect">
+              <a:avLst/>
+            </a:prstGeom>
+            <a:solidFill>
+              <a:srgbClr val="F2F2F2">
+                <a:alpha val="69803"/>
+              </a:srgbClr>
+            </a:solidFill>
+            <a:ln w="9525" cap="flat" cmpd="sng">
+              <a:solidFill>
+                <a:srgbClr val="A5A5A5"/>
+              </a:solidFill>
+              <a:prstDash val="solid"/>
+              <a:round/>
+              <a:headEnd type="none" w="sm" len="sm"/>
+              <a:tailEnd type="none" w="sm" len="sm"/>
+            </a:ln>
+          </p:spPr>
+          <p:txBody>
+            <a:bodyPr spcFirstLastPara="1" wrap="square" lIns="91425" tIns="45700" rIns="91425" bIns="45700" anchor="ctr" anchorCtr="0">
+              <a:noAutofit/>
+            </a:bodyPr>
+            <a:lstStyle/>
+            <a:p>
+              <a:pPr marL="0" marR="0" lvl="0" indent="0" algn="ctr" rtl="0">
+                <a:spcBef>
+                  <a:spcPts val="0"/>
+                </a:spcBef>
+                <a:spcAft>
+                  <a:spcPts val="0"/>
+                </a:spcAft>
+                <a:buNone/>
+              </a:pPr>
+              <a:r>
+                <a:rPr lang="en-US" sz="1800">
+                  <a:solidFill>
+                    <a:srgbClr val="FFFFFF"/>
+                  </a:solidFill>
+                  <a:latin typeface="Arial"/>
+                  <a:ea typeface="Arial"/>
+                  <a:cs typeface="Arial"/>
+                  <a:sym typeface="Arial"/>
+                </a:rPr>
+                <a:t>`</a:t>
+              </a:r>
+              <a:endParaRPr sz="1800">
+                <a:solidFill>
+                  <a:srgbClr val="FFFFFF"/>
+                </a:solidFill>
+                <a:latin typeface="Arial"/>
+                <a:ea typeface="Arial"/>
+                <a:cs typeface="Arial"/>
+                <a:sym typeface="Arial"/>
+              </a:endParaRPr>
+            </a:p>
+          </p:txBody>
+        </p:sp>
+        <p:cxnSp>
+          <p:nvCxnSpPr>
+            <p:cNvPr id="63" name="Google Shape;164;p14"/>
+            <p:cNvCxnSpPr/>
+            <p:nvPr/>
+          </p:nvCxnSpPr>
+          <p:spPr>
+            <a:xfrm flipH="1">
+              <a:off x="179512" y="411510"/>
+              <a:ext cx="1296144" cy="432048"/>
+            </a:xfrm>
+            <a:prstGeom prst="straightConnector1">
+              <a:avLst/>
+            </a:prstGeom>
+            <a:noFill/>
+            <a:ln w="9525" cap="flat" cmpd="sng">
+              <a:solidFill>
+                <a:srgbClr val="7F7F7F"/>
+              </a:solidFill>
+              <a:prstDash val="solid"/>
+              <a:round/>
+              <a:headEnd type="none" w="sm" len="sm"/>
+              <a:tailEnd type="none" w="sm" len="sm"/>
+            </a:ln>
+          </p:spPr>
+        </p:cxnSp>
+      </p:grpSp>
+      <p:sp>
+        <p:nvSpPr>
+          <p:cNvPr id="64" name="Google Shape;165;p14"/>
+          <p:cNvSpPr txBox="1"/>
+          <p:nvPr/>
+        </p:nvSpPr>
+        <p:spPr>
+          <a:xfrm>
+            <a:off x="2363872" y="463446"/>
+            <a:ext cx="663085" cy="307800"/>
+          </a:xfrm>
+          <a:prstGeom prst="rect">
+            <a:avLst/>
+          </a:prstGeom>
+          <a:noFill/>
+          <a:ln>
+            <a:noFill/>
+          </a:ln>
+        </p:spPr>
+        <p:txBody>
+          <a:bodyPr spcFirstLastPara="1" wrap="square" lIns="91425" tIns="45700" rIns="91425" bIns="45700" anchor="t" anchorCtr="0">
+            <a:noAutofit/>
+          </a:bodyPr>
+          <a:lstStyle/>
+          <a:p>
+            <a:pPr marL="0" marR="0" lvl="0" indent="0" algn="l" rtl="0">
+              <a:spcBef>
+                <a:spcPts val="0"/>
+              </a:spcBef>
+              <a:spcAft>
+                <a:spcPts val="0"/>
+              </a:spcAft>
+              <a:buNone/>
+            </a:pPr>
+            <a:r>
+              <a:rPr lang="en-US" sz="1000" b="1" dirty="0">
+                <a:solidFill>
+                  <a:schemeClr val="dk1"/>
+                </a:solidFill>
+                <a:latin typeface="Arial"/>
+                <a:ea typeface="Arial"/>
+                <a:cs typeface="Arial"/>
+                <a:sym typeface="Arial"/>
+              </a:rPr>
+              <a:t>LOGO</a:t>
+            </a:r>
+            <a:endParaRPr sz="1000" b="1" dirty="0">
+              <a:solidFill>
+                <a:schemeClr val="dk1"/>
+              </a:solidFill>
+              <a:latin typeface="Arial"/>
+              <a:ea typeface="Arial"/>
+              <a:cs typeface="Arial"/>
+              <a:sym typeface="Arial"/>
+            </a:endParaRPr>
+          </a:p>
+        </p:txBody>
+      </p:sp>
+      <p:sp>
+        <p:nvSpPr>
+          <p:cNvPr id="39" name="Google Shape;159;p14"/>
+          <p:cNvSpPr/>
+          <p:nvPr/>
+        </p:nvSpPr>
+        <p:spPr>
+          <a:xfrm>
+            <a:off x="2135548" y="896000"/>
+            <a:ext cx="2978319" cy="3944014"/>
+          </a:xfrm>
+          <a:prstGeom prst="rect">
+            <a:avLst/>
+          </a:prstGeom>
+          <a:solidFill>
+            <a:schemeClr val="lt1">
+              <a:alpha val="69803"/>
+            </a:schemeClr>
+          </a:solidFill>
+          <a:ln w="9525" cap="flat" cmpd="sng">
+            <a:solidFill>
+              <a:srgbClr val="A5A5A5"/>
+            </a:solidFill>
+            <a:prstDash val="solid"/>
+            <a:round/>
+            <a:headEnd type="none" w="sm" len="sm"/>
+            <a:tailEnd type="none" w="sm" len="sm"/>
+          </a:ln>
+        </p:spPr>
+        <p:txBody>
+          <a:bodyPr spcFirstLastPara="1" wrap="square" lIns="91425" tIns="45700" rIns="91425" bIns="45700" anchor="ctr" anchorCtr="0">
+            <a:noAutofit/>
+          </a:bodyPr>
+          <a:lstStyle/>
+          <a:p>
+            <a:pPr marL="0" marR="0" lvl="0" indent="0" algn="ctr" rtl="0">
+              <a:spcBef>
+                <a:spcPts val="0"/>
+              </a:spcBef>
+              <a:spcAft>
+                <a:spcPts val="0"/>
+              </a:spcAft>
+              <a:buNone/>
+            </a:pPr>
+            <a:r>
+              <a:rPr lang="en-US" sz="1800">
+                <a:solidFill>
+                  <a:srgbClr val="FFFFFF"/>
+                </a:solidFill>
+                <a:latin typeface="Arial"/>
+                <a:ea typeface="Arial"/>
+                <a:cs typeface="Arial"/>
+                <a:sym typeface="Arial"/>
+              </a:rPr>
+              <a:t>`</a:t>
+            </a:r>
+            <a:endParaRPr sz="1800">
+              <a:solidFill>
+                <a:srgbClr val="FFFFFF"/>
+              </a:solidFill>
+              <a:latin typeface="Arial"/>
+              <a:ea typeface="Arial"/>
+              <a:cs typeface="Arial"/>
+              <a:sym typeface="Arial"/>
+            </a:endParaRPr>
+          </a:p>
+        </p:txBody>
+      </p:sp>
+      <p:cxnSp>
+        <p:nvCxnSpPr>
+          <p:cNvPr id="3" name="직선 연결선 2"/>
+          <p:cNvCxnSpPr/>
+          <p:nvPr/>
+        </p:nvCxnSpPr>
+        <p:spPr>
+          <a:xfrm>
+            <a:off x="4706004" y="506117"/>
+            <a:ext cx="268014" cy="0"/>
+          </a:xfrm>
+          <a:prstGeom prst="line">
+            <a:avLst/>
+          </a:prstGeom>
+          <a:ln>
+            <a:solidFill>
+              <a:schemeClr val="tx1"/>
+            </a:solidFill>
+          </a:ln>
+        </p:spPr>
+        <p:style>
+          <a:lnRef idx="1">
+            <a:schemeClr val="accent1"/>
+          </a:lnRef>
+          <a:fillRef idx="0">
+            <a:schemeClr val="accent1"/>
+          </a:fillRef>
+          <a:effectRef idx="0">
+            <a:schemeClr val="accent1"/>
+          </a:effectRef>
+          <a:fontRef idx="minor">
+            <a:schemeClr val="tx1"/>
+          </a:fontRef>
+        </p:style>
+      </p:cxnSp>
+      <p:cxnSp>
+        <p:nvCxnSpPr>
+          <p:cNvPr id="42" name="직선 연결선 41"/>
+          <p:cNvCxnSpPr/>
+          <p:nvPr/>
+        </p:nvCxnSpPr>
+        <p:spPr>
+          <a:xfrm>
+            <a:off x="4706004" y="584319"/>
+            <a:ext cx="268014" cy="0"/>
+          </a:xfrm>
+          <a:prstGeom prst="line">
+            <a:avLst/>
+          </a:prstGeom>
+          <a:ln>
+            <a:solidFill>
+              <a:schemeClr val="tx1"/>
+            </a:solidFill>
+          </a:ln>
+        </p:spPr>
+        <p:style>
+          <a:lnRef idx="1">
+            <a:schemeClr val="accent1"/>
+          </a:lnRef>
+          <a:fillRef idx="0">
+            <a:schemeClr val="accent1"/>
+          </a:fillRef>
+          <a:effectRef idx="0">
+            <a:schemeClr val="accent1"/>
+          </a:effectRef>
+          <a:fontRef idx="minor">
+            <a:schemeClr val="tx1"/>
+          </a:fontRef>
+        </p:style>
+      </p:cxnSp>
+      <p:cxnSp>
+        <p:nvCxnSpPr>
+          <p:cNvPr id="43" name="직선 연결선 42"/>
+          <p:cNvCxnSpPr/>
+          <p:nvPr/>
+        </p:nvCxnSpPr>
+        <p:spPr>
+          <a:xfrm>
+            <a:off x="4709371" y="661513"/>
+            <a:ext cx="268014" cy="0"/>
+          </a:xfrm>
+          <a:prstGeom prst="line">
+            <a:avLst/>
+          </a:prstGeom>
+          <a:ln>
+            <a:solidFill>
+              <a:schemeClr val="tx1"/>
+            </a:solidFill>
+          </a:ln>
+        </p:spPr>
+        <p:style>
+          <a:lnRef idx="1">
+            <a:schemeClr val="accent1"/>
+          </a:lnRef>
+          <a:fillRef idx="0">
+            <a:schemeClr val="accent1"/>
+          </a:fillRef>
+          <a:effectRef idx="0">
+            <a:schemeClr val="accent1"/>
+          </a:effectRef>
+          <a:fontRef idx="minor">
+            <a:schemeClr val="tx1"/>
+          </a:fontRef>
+        </p:style>
+      </p:cxnSp>
+      <p:pic>
+        <p:nvPicPr>
+          <p:cNvPr id="44" name="Picture 2" descr="C:\Users\Administrator.Sc-201912031509\Desktop\hallhand\Portfolio\img\images (1).jpg"/>
+          <p:cNvPicPr>
+            <a:picLocks noChangeAspect="1" noChangeArrowheads="1"/>
+          </p:cNvPicPr>
+          <p:nvPr/>
+        </p:nvPicPr>
+        <p:blipFill>
+          <a:blip r:embed="rId3">
+            <a:extLst>
+              <a:ext uri="{28A0092B-C50C-407E-A947-70E740481C1C}">
+                <a14:useLocalDpi xmlns:a14="http://schemas.microsoft.com/office/drawing/2010/main" val="0"/>
+              </a:ext>
+            </a:extLst>
+          </a:blip>
+          <a:srcRect/>
+          <a:stretch>
+            <a:fillRect/>
+          </a:stretch>
+        </p:blipFill>
+        <p:spPr bwMode="auto">
+          <a:xfrm>
+            <a:off x="2135549" y="917207"/>
+            <a:ext cx="2978318" cy="1856204"/>
+          </a:xfrm>
+          <a:prstGeom prst="rect">
+            <a:avLst/>
+          </a:prstGeom>
+          <a:noFill/>
+          <a:extLst>
+            <a:ext uri="{909E8E84-426E-40DD-AFC4-6F175D3DCCD1}">
+              <a14:hiddenFill xmlns:a14="http://schemas.microsoft.com/office/drawing/2010/main">
+                <a:solidFill>
+                  <a:srgbClr val="FFFFFF"/>
+                </a:solidFill>
+              </a14:hiddenFill>
+            </a:ext>
+          </a:extLst>
+        </p:spPr>
+      </p:pic>
+      <p:sp>
+        <p:nvSpPr>
+          <p:cNvPr id="8" name="타원 7"/>
+          <p:cNvSpPr/>
+          <p:nvPr/>
+        </p:nvSpPr>
+        <p:spPr>
+          <a:xfrm>
+            <a:off x="3384671" y="2556994"/>
+            <a:ext cx="80775" cy="80775"/>
+          </a:xfrm>
+          <a:prstGeom prst="ellipse">
+            <a:avLst/>
+          </a:prstGeom>
+          <a:solidFill>
+            <a:schemeClr val="bg1"/>
+          </a:solidFill>
+        </p:spPr>
+        <p:style>
+          <a:lnRef idx="2">
+            <a:schemeClr val="accent1">
+              <a:shade val="50000"/>
+            </a:schemeClr>
+          </a:lnRef>
+          <a:fillRef idx="1">
+            <a:schemeClr val="accent1"/>
+          </a:fillRef>
+          <a:effectRef idx="0">
+            <a:schemeClr val="accent1"/>
+          </a:effectRef>
+          <a:fontRef idx="minor">
+            <a:schemeClr val="lt1"/>
+          </a:fontRef>
+        </p:style>
+        <p:txBody>
+          <a:bodyPr rtlCol="0" anchor="ctr"/>
+          <a:lstStyle/>
+          <a:p>
+            <a:pPr algn="ctr"/>
+            <a:endParaRPr lang="ko-KR" altLang="en-US"/>
+          </a:p>
+        </p:txBody>
+      </p:sp>
+      <p:sp>
+        <p:nvSpPr>
+          <p:cNvPr id="46" name="타원 45"/>
+          <p:cNvSpPr/>
+          <p:nvPr/>
+        </p:nvSpPr>
+        <p:spPr>
+          <a:xfrm>
+            <a:off x="3561090" y="2528455"/>
+            <a:ext cx="143098" cy="143098"/>
+          </a:xfrm>
+          <a:prstGeom prst="ellipse">
+            <a:avLst/>
+          </a:prstGeom>
+          <a:solidFill>
+            <a:schemeClr val="bg1"/>
+          </a:solidFill>
+        </p:spPr>
+        <p:style>
+          <a:lnRef idx="2">
+            <a:schemeClr val="accent1">
+              <a:shade val="50000"/>
+            </a:schemeClr>
+          </a:lnRef>
+          <a:fillRef idx="1">
+            <a:schemeClr val="accent1"/>
+          </a:fillRef>
+          <a:effectRef idx="0">
+            <a:schemeClr val="accent1"/>
+          </a:effectRef>
+          <a:fontRef idx="minor">
+            <a:schemeClr val="lt1"/>
+          </a:fontRef>
+        </p:style>
+        <p:txBody>
+          <a:bodyPr rtlCol="0" anchor="ctr"/>
+          <a:lstStyle/>
+          <a:p>
+            <a:pPr algn="ctr"/>
+            <a:endParaRPr lang="ko-KR" altLang="en-US"/>
+          </a:p>
+        </p:txBody>
+      </p:sp>
+      <p:sp>
+        <p:nvSpPr>
+          <p:cNvPr id="47" name="타원 46"/>
+          <p:cNvSpPr/>
+          <p:nvPr/>
+        </p:nvSpPr>
+        <p:spPr>
+          <a:xfrm>
+            <a:off x="3799833" y="2554357"/>
+            <a:ext cx="80775" cy="80775"/>
+          </a:xfrm>
+          <a:prstGeom prst="ellipse">
+            <a:avLst/>
+          </a:prstGeom>
+          <a:solidFill>
+            <a:schemeClr val="bg1"/>
+          </a:solidFill>
+        </p:spPr>
+        <p:style>
+          <a:lnRef idx="2">
+            <a:schemeClr val="accent1">
+              <a:shade val="50000"/>
+            </a:schemeClr>
+          </a:lnRef>
+          <a:fillRef idx="1">
+            <a:schemeClr val="accent1"/>
+          </a:fillRef>
+          <a:effectRef idx="0">
+            <a:schemeClr val="accent1"/>
+          </a:effectRef>
+          <a:fontRef idx="minor">
+            <a:schemeClr val="lt1"/>
+          </a:fontRef>
+        </p:style>
+        <p:txBody>
+          <a:bodyPr rtlCol="0" anchor="ctr"/>
+          <a:lstStyle/>
+          <a:p>
+            <a:pPr algn="ctr"/>
+            <a:endParaRPr lang="ko-KR" altLang="en-US"/>
+          </a:p>
+        </p:txBody>
+      </p:sp>
+      <p:sp>
+        <p:nvSpPr>
+          <p:cNvPr id="9" name="직사각형 8"/>
+          <p:cNvSpPr/>
+          <p:nvPr/>
+        </p:nvSpPr>
+        <p:spPr>
+          <a:xfrm>
+            <a:off x="2135548" y="2913727"/>
+            <a:ext cx="2978319" cy="423833"/>
+          </a:xfrm>
+          <a:prstGeom prst="rect">
+            <a:avLst/>
+          </a:prstGeom>
+          <a:solidFill>
+            <a:schemeClr val="bg1">
+              <a:lumMod val="85000"/>
+            </a:schemeClr>
+          </a:solidFill>
+          <a:ln>
+            <a:noFill/>
+          </a:ln>
+        </p:spPr>
+        <p:style>
+          <a:lnRef idx="2">
+            <a:schemeClr val="accent1">
+              <a:shade val="50000"/>
+            </a:schemeClr>
+          </a:lnRef>
+          <a:fillRef idx="1">
+            <a:schemeClr val="accent1"/>
+          </a:fillRef>
+          <a:effectRef idx="0">
+            <a:schemeClr val="accent1"/>
+          </a:effectRef>
+          <a:fontRef idx="minor">
+            <a:schemeClr val="lt1"/>
+          </a:fontRef>
+        </p:style>
+        <p:txBody>
+          <a:bodyPr rtlCol="0" anchor="ctr"/>
+          <a:lstStyle/>
+          <a:p>
+            <a:pPr algn="ctr"/>
+            <a:endParaRPr lang="ko-KR" altLang="en-US"/>
+          </a:p>
+        </p:txBody>
+      </p:sp>
+      <p:sp>
+        <p:nvSpPr>
+          <p:cNvPr id="49" name="직사각형 48"/>
+          <p:cNvSpPr/>
+          <p:nvPr/>
+        </p:nvSpPr>
+        <p:spPr>
+          <a:xfrm>
+            <a:off x="2135548" y="3409026"/>
+            <a:ext cx="2978319" cy="423833"/>
+          </a:xfrm>
+          <a:prstGeom prst="rect">
+            <a:avLst/>
+          </a:prstGeom>
+          <a:solidFill>
+            <a:schemeClr val="bg1">
+              <a:lumMod val="85000"/>
+            </a:schemeClr>
+          </a:solidFill>
+          <a:ln>
+            <a:noFill/>
+          </a:ln>
+        </p:spPr>
+        <p:style>
+          <a:lnRef idx="2">
+            <a:schemeClr val="accent1">
+              <a:shade val="50000"/>
+            </a:schemeClr>
+          </a:lnRef>
+          <a:fillRef idx="1">
+            <a:schemeClr val="accent1"/>
+          </a:fillRef>
+          <a:effectRef idx="0">
+            <a:schemeClr val="accent1"/>
+          </a:effectRef>
+          <a:fontRef idx="minor">
+            <a:schemeClr val="lt1"/>
+          </a:fontRef>
+        </p:style>
+        <p:txBody>
+          <a:bodyPr rtlCol="0" anchor="ctr"/>
+          <a:lstStyle/>
+          <a:p>
+            <a:pPr algn="ctr"/>
+            <a:endParaRPr lang="ko-KR" altLang="en-US"/>
+          </a:p>
+        </p:txBody>
+      </p:sp>
+      <p:sp>
+        <p:nvSpPr>
+          <p:cNvPr id="50" name="직사각형 49"/>
+          <p:cNvSpPr/>
+          <p:nvPr/>
+        </p:nvSpPr>
+        <p:spPr>
+          <a:xfrm>
+            <a:off x="2138409" y="3909059"/>
+            <a:ext cx="2978319" cy="423833"/>
+          </a:xfrm>
+          <a:prstGeom prst="rect">
+            <a:avLst/>
+          </a:prstGeom>
+          <a:solidFill>
+            <a:schemeClr val="bg1">
+              <a:lumMod val="85000"/>
+            </a:schemeClr>
+          </a:solidFill>
+          <a:ln>
+            <a:noFill/>
+          </a:ln>
+        </p:spPr>
+        <p:style>
+          <a:lnRef idx="2">
+            <a:schemeClr val="accent1">
+              <a:shade val="50000"/>
+            </a:schemeClr>
+          </a:lnRef>
+          <a:fillRef idx="1">
+            <a:schemeClr val="accent1"/>
+          </a:fillRef>
+          <a:effectRef idx="0">
+            <a:schemeClr val="accent1"/>
+          </a:effectRef>
+          <a:fontRef idx="minor">
+            <a:schemeClr val="lt1"/>
+          </a:fontRef>
+        </p:style>
+        <p:txBody>
+          <a:bodyPr rtlCol="0" anchor="ctr"/>
+          <a:lstStyle/>
+          <a:p>
+            <a:pPr algn="ctr"/>
+            <a:endParaRPr lang="ko-KR" altLang="en-US"/>
+          </a:p>
+        </p:txBody>
+      </p:sp>
+      <p:sp>
+        <p:nvSpPr>
+          <p:cNvPr id="51" name="직사각형 50"/>
+          <p:cNvSpPr/>
+          <p:nvPr/>
+        </p:nvSpPr>
+        <p:spPr>
+          <a:xfrm>
+            <a:off x="2141066" y="4408561"/>
+            <a:ext cx="2978319" cy="423833"/>
+          </a:xfrm>
+          <a:prstGeom prst="rect">
+            <a:avLst/>
+          </a:prstGeom>
+          <a:solidFill>
+            <a:schemeClr val="bg1">
+              <a:lumMod val="85000"/>
+            </a:schemeClr>
+          </a:solidFill>
+          <a:ln>
+            <a:noFill/>
+          </a:ln>
+        </p:spPr>
+        <p:style>
+          <a:lnRef idx="2">
+            <a:schemeClr val="accent1">
+              <a:shade val="50000"/>
+            </a:schemeClr>
+          </a:lnRef>
+          <a:fillRef idx="1">
+            <a:schemeClr val="accent1"/>
+          </a:fillRef>
+          <a:effectRef idx="0">
+            <a:schemeClr val="accent1"/>
+          </a:effectRef>
+          <a:fontRef idx="minor">
+            <a:schemeClr val="lt1"/>
+          </a:fontRef>
+        </p:style>
+        <p:txBody>
+          <a:bodyPr rtlCol="0" anchor="ctr"/>
+          <a:lstStyle/>
+          <a:p>
+            <a:pPr algn="ctr"/>
+            <a:endParaRPr lang="ko-KR" altLang="en-US"/>
+          </a:p>
+        </p:txBody>
+      </p:sp>
+      <p:sp>
+        <p:nvSpPr>
+          <p:cNvPr id="10" name="직사각형 9"/>
+          <p:cNvSpPr/>
+          <p:nvPr/>
+        </p:nvSpPr>
+        <p:spPr>
+          <a:xfrm>
+            <a:off x="2336741" y="2987040"/>
+            <a:ext cx="426400" cy="259080"/>
+          </a:xfrm>
+          <a:prstGeom prst="rect">
+            <a:avLst/>
+          </a:prstGeom>
+          <a:solidFill>
+            <a:schemeClr val="bg1">
+              <a:lumMod val="65000"/>
+            </a:schemeClr>
+          </a:solidFill>
+          <a:ln>
+            <a:solidFill>
+              <a:schemeClr val="tx1">
+                <a:lumMod val="50000"/>
+                <a:lumOff val="50000"/>
+              </a:schemeClr>
+            </a:solidFill>
+          </a:ln>
+        </p:spPr>
+        <p:style>
+          <a:lnRef idx="2">
+            <a:schemeClr val="accent1">
+              <a:shade val="50000"/>
+            </a:schemeClr>
+          </a:lnRef>
+          <a:fillRef idx="1">
+            <a:schemeClr val="accent1"/>
+          </a:fillRef>
+          <a:effectRef idx="0">
+            <a:schemeClr val="accent1"/>
+          </a:effectRef>
+          <a:fontRef idx="minor">
+            <a:schemeClr val="lt1"/>
+          </a:fontRef>
+        </p:style>
+        <p:txBody>
+          <a:bodyPr rtlCol="0" anchor="ctr"/>
+          <a:lstStyle/>
+          <a:p>
+            <a:pPr algn="ctr"/>
+            <a:endParaRPr lang="ko-KR" altLang="en-US"/>
+          </a:p>
+        </p:txBody>
+      </p:sp>
+      <p:sp>
+        <p:nvSpPr>
+          <p:cNvPr id="53" name="직사각형 52"/>
+          <p:cNvSpPr/>
+          <p:nvPr/>
+        </p:nvSpPr>
+        <p:spPr>
+          <a:xfrm>
+            <a:off x="2349222" y="3491402"/>
+            <a:ext cx="426400" cy="259080"/>
+          </a:xfrm>
+          <a:prstGeom prst="rect">
+            <a:avLst/>
+          </a:prstGeom>
+          <a:solidFill>
+            <a:schemeClr val="bg1">
+              <a:lumMod val="65000"/>
+            </a:schemeClr>
+          </a:solidFill>
+          <a:ln>
+            <a:solidFill>
+              <a:schemeClr val="tx1">
+                <a:lumMod val="50000"/>
+                <a:lumOff val="50000"/>
+              </a:schemeClr>
+            </a:solidFill>
+          </a:ln>
+        </p:spPr>
+        <p:style>
+          <a:lnRef idx="2">
+            <a:schemeClr val="accent1">
+              <a:shade val="50000"/>
+            </a:schemeClr>
+          </a:lnRef>
+          <a:fillRef idx="1">
+            <a:schemeClr val="accent1"/>
+          </a:fillRef>
+          <a:effectRef idx="0">
+            <a:schemeClr val="accent1"/>
+          </a:effectRef>
+          <a:fontRef idx="minor">
+            <a:schemeClr val="lt1"/>
+          </a:fontRef>
+        </p:style>
+        <p:txBody>
+          <a:bodyPr rtlCol="0" anchor="ctr"/>
+          <a:lstStyle/>
+          <a:p>
+            <a:pPr algn="ctr"/>
+            <a:endParaRPr lang="ko-KR" altLang="en-US"/>
+          </a:p>
+        </p:txBody>
+      </p:sp>
+      <p:sp>
+        <p:nvSpPr>
+          <p:cNvPr id="54" name="직사각형 53"/>
+          <p:cNvSpPr/>
+          <p:nvPr/>
+        </p:nvSpPr>
+        <p:spPr>
+          <a:xfrm>
+            <a:off x="2356842" y="3991435"/>
+            <a:ext cx="426400" cy="259080"/>
+          </a:xfrm>
+          <a:prstGeom prst="rect">
+            <a:avLst/>
+          </a:prstGeom>
+          <a:solidFill>
+            <a:schemeClr val="bg1">
+              <a:lumMod val="65000"/>
+            </a:schemeClr>
+          </a:solidFill>
+          <a:ln>
+            <a:solidFill>
+              <a:schemeClr val="tx1">
+                <a:lumMod val="50000"/>
+                <a:lumOff val="50000"/>
+              </a:schemeClr>
+            </a:solidFill>
+          </a:ln>
+        </p:spPr>
+        <p:style>
+          <a:lnRef idx="2">
+            <a:schemeClr val="accent1">
+              <a:shade val="50000"/>
+            </a:schemeClr>
+          </a:lnRef>
+          <a:fillRef idx="1">
+            <a:schemeClr val="accent1"/>
+          </a:fillRef>
+          <a:effectRef idx="0">
+            <a:schemeClr val="accent1"/>
+          </a:effectRef>
+          <a:fontRef idx="minor">
+            <a:schemeClr val="lt1"/>
+          </a:fontRef>
+        </p:style>
+        <p:txBody>
+          <a:bodyPr rtlCol="0" anchor="ctr"/>
+          <a:lstStyle/>
+          <a:p>
+            <a:pPr algn="ctr"/>
+            <a:endParaRPr lang="ko-KR" altLang="en-US" dirty="0"/>
+          </a:p>
+        </p:txBody>
+      </p:sp>
+      <p:sp>
+        <p:nvSpPr>
+          <p:cNvPr id="55" name="직사각형 54"/>
+          <p:cNvSpPr/>
+          <p:nvPr/>
+        </p:nvSpPr>
+        <p:spPr>
+          <a:xfrm>
+            <a:off x="2363872" y="4490937"/>
+            <a:ext cx="426400" cy="259080"/>
+          </a:xfrm>
+          <a:prstGeom prst="rect">
+            <a:avLst/>
+          </a:prstGeom>
+          <a:solidFill>
+            <a:schemeClr val="bg1">
+              <a:lumMod val="65000"/>
+            </a:schemeClr>
+          </a:solidFill>
+          <a:ln>
+            <a:solidFill>
+              <a:schemeClr val="tx1">
+                <a:lumMod val="50000"/>
+                <a:lumOff val="50000"/>
+              </a:schemeClr>
+            </a:solidFill>
+          </a:ln>
+        </p:spPr>
+        <p:style>
+          <a:lnRef idx="2">
+            <a:schemeClr val="accent1">
+              <a:shade val="50000"/>
+            </a:schemeClr>
+          </a:lnRef>
+          <a:fillRef idx="1">
+            <a:schemeClr val="accent1"/>
+          </a:fillRef>
+          <a:effectRef idx="0">
+            <a:schemeClr val="accent1"/>
+          </a:effectRef>
+          <a:fontRef idx="minor">
+            <a:schemeClr val="lt1"/>
+          </a:fontRef>
+        </p:style>
+        <p:txBody>
+          <a:bodyPr rtlCol="0" anchor="ctr"/>
+          <a:lstStyle/>
+          <a:p>
+            <a:pPr algn="ctr"/>
+            <a:endParaRPr lang="ko-KR" altLang="en-US"/>
+          </a:p>
+        </p:txBody>
+      </p:sp>
+      <p:sp>
+        <p:nvSpPr>
+          <p:cNvPr id="11" name="TextBox 10"/>
+          <p:cNvSpPr txBox="1"/>
+          <p:nvPr/>
+        </p:nvSpPr>
+        <p:spPr>
+          <a:xfrm>
+            <a:off x="2291137" y="3025541"/>
+            <a:ext cx="524503" cy="184666"/>
+          </a:xfrm>
+          <a:prstGeom prst="rect">
+            <a:avLst/>
+          </a:prstGeom>
+          <a:noFill/>
+        </p:spPr>
+        <p:txBody>
+          <a:bodyPr wrap="none" rtlCol="0">
+            <a:spAutoFit/>
+          </a:bodyPr>
+          <a:lstStyle/>
+          <a:p>
+            <a:r>
+              <a:rPr lang="en-US" altLang="ko-KR" sz="600" dirty="0" smtClean="0"/>
+              <a:t>Character</a:t>
+            </a:r>
+            <a:endParaRPr lang="ko-KR" altLang="en-US" sz="600" dirty="0"/>
+          </a:p>
+        </p:txBody>
+      </p:sp>
+      <p:sp>
+        <p:nvSpPr>
+          <p:cNvPr id="57" name="TextBox 56"/>
+          <p:cNvSpPr txBox="1"/>
+          <p:nvPr/>
+        </p:nvSpPr>
+        <p:spPr>
+          <a:xfrm>
+            <a:off x="2399230" y="3528609"/>
+            <a:ext cx="314510" cy="184666"/>
+          </a:xfrm>
+          <a:prstGeom prst="rect">
+            <a:avLst/>
+          </a:prstGeom>
+          <a:noFill/>
+        </p:spPr>
+        <p:txBody>
+          <a:bodyPr wrap="none" rtlCol="0">
+            <a:spAutoFit/>
+          </a:bodyPr>
+          <a:lstStyle/>
+          <a:p>
+            <a:r>
+              <a:rPr lang="en-US" altLang="ko-KR" sz="600" dirty="0" smtClean="0"/>
+              <a:t>skill</a:t>
+            </a:r>
+            <a:endParaRPr lang="ko-KR" altLang="en-US" sz="600" dirty="0"/>
+          </a:p>
+        </p:txBody>
+      </p:sp>
+      <p:sp>
+        <p:nvSpPr>
+          <p:cNvPr id="58" name="TextBox 57"/>
+          <p:cNvSpPr txBox="1"/>
+          <p:nvPr/>
+        </p:nvSpPr>
+        <p:spPr>
+          <a:xfrm>
+            <a:off x="2315410" y="4028642"/>
+            <a:ext cx="487634" cy="184666"/>
+          </a:xfrm>
+          <a:prstGeom prst="rect">
+            <a:avLst/>
+          </a:prstGeom>
+          <a:noFill/>
+        </p:spPr>
+        <p:txBody>
+          <a:bodyPr wrap="none" rtlCol="0">
+            <a:spAutoFit/>
+          </a:bodyPr>
+          <a:lstStyle/>
+          <a:p>
+            <a:r>
+              <a:rPr lang="en-US" altLang="ko-KR" sz="600" dirty="0" err="1" smtClean="0"/>
+              <a:t>Killboard</a:t>
+            </a:r>
+            <a:endParaRPr lang="ko-KR" altLang="en-US" sz="600" dirty="0"/>
+          </a:p>
+        </p:txBody>
+      </p:sp>
+      <p:sp>
+        <p:nvSpPr>
+          <p:cNvPr id="59" name="TextBox 58"/>
+          <p:cNvSpPr txBox="1"/>
+          <p:nvPr/>
+        </p:nvSpPr>
+        <p:spPr>
+          <a:xfrm>
+            <a:off x="2390081" y="4528144"/>
+            <a:ext cx="377026" cy="184666"/>
+          </a:xfrm>
+          <a:prstGeom prst="rect">
+            <a:avLst/>
+          </a:prstGeom>
+          <a:noFill/>
+        </p:spPr>
+        <p:txBody>
+          <a:bodyPr wrap="none" rtlCol="0">
+            <a:spAutoFit/>
+          </a:bodyPr>
+          <a:lstStyle/>
+          <a:p>
+            <a:r>
+              <a:rPr lang="en-US" altLang="ko-KR" sz="600" dirty="0" smtClean="0"/>
+              <a:t>Asset</a:t>
+            </a:r>
+            <a:endParaRPr lang="ko-KR" altLang="en-US" sz="600" dirty="0"/>
+          </a:p>
+        </p:txBody>
+      </p:sp>
+      <p:sp>
+        <p:nvSpPr>
+          <p:cNvPr id="12" name="TextBox 11"/>
+          <p:cNvSpPr txBox="1"/>
+          <p:nvPr/>
+        </p:nvSpPr>
+        <p:spPr>
+          <a:xfrm>
+            <a:off x="3673708" y="2987040"/>
+            <a:ext cx="1055097" cy="261610"/>
+          </a:xfrm>
+          <a:prstGeom prst="rect">
+            <a:avLst/>
+          </a:prstGeom>
+          <a:noFill/>
+        </p:spPr>
+        <p:txBody>
+          <a:bodyPr wrap="none" rtlCol="0">
+            <a:spAutoFit/>
+          </a:bodyPr>
+          <a:lstStyle/>
+          <a:p>
+            <a:r>
+              <a:rPr lang="en-US" altLang="ko-KR" sz="1100" dirty="0" smtClean="0"/>
+              <a:t>Eric </a:t>
+            </a:r>
+            <a:r>
+              <a:rPr lang="en-US" altLang="ko-KR" sz="1100" dirty="0" err="1" smtClean="0"/>
+              <a:t>Albatorss</a:t>
+            </a:r>
+            <a:endParaRPr lang="ko-KR" altLang="en-US" sz="1100" dirty="0"/>
+          </a:p>
+        </p:txBody>
+      </p:sp>
+      <p:sp>
+        <p:nvSpPr>
+          <p:cNvPr id="13" name="직사각형 12"/>
+          <p:cNvSpPr/>
+          <p:nvPr/>
+        </p:nvSpPr>
+        <p:spPr>
+          <a:xfrm>
+            <a:off x="2948940" y="2987040"/>
+            <a:ext cx="612150" cy="259080"/>
+          </a:xfrm>
+          <a:prstGeom prst="rect">
+            <a:avLst/>
+          </a:prstGeom>
+          <a:noFill/>
+          <a:ln>
+            <a:solidFill>
+              <a:schemeClr val="tx1"/>
+            </a:solidFill>
+          </a:ln>
+        </p:spPr>
+        <p:style>
+          <a:lnRef idx="2">
+            <a:schemeClr val="accent1">
+              <a:shade val="50000"/>
+            </a:schemeClr>
+          </a:lnRef>
+          <a:fillRef idx="1">
+            <a:schemeClr val="accent1"/>
+          </a:fillRef>
+          <a:effectRef idx="0">
+            <a:schemeClr val="accent1"/>
+          </a:effectRef>
+          <a:fontRef idx="minor">
+            <a:schemeClr val="lt1"/>
+          </a:fontRef>
+        </p:style>
+        <p:txBody>
+          <a:bodyPr rtlCol="0" anchor="ctr"/>
+          <a:lstStyle/>
+          <a:p>
+            <a:pPr algn="ctr"/>
+            <a:endParaRPr lang="ko-KR" altLang="en-US"/>
+          </a:p>
+        </p:txBody>
+      </p:sp>
+      <p:cxnSp>
+        <p:nvCxnSpPr>
+          <p:cNvPr id="15" name="직선 연결선 14"/>
+          <p:cNvCxnSpPr/>
+          <p:nvPr/>
+        </p:nvCxnSpPr>
+        <p:spPr>
+          <a:xfrm>
+            <a:off x="2948940" y="2987040"/>
+            <a:ext cx="612150" cy="259080"/>
+          </a:xfrm>
+          <a:prstGeom prst="line">
+            <a:avLst/>
+          </a:prstGeom>
+          <a:ln>
+            <a:solidFill>
+              <a:schemeClr val="tx1"/>
+            </a:solidFill>
+          </a:ln>
+        </p:spPr>
+        <p:style>
+          <a:lnRef idx="1">
+            <a:schemeClr val="accent1"/>
+          </a:lnRef>
+          <a:fillRef idx="0">
+            <a:schemeClr val="accent1"/>
+          </a:fillRef>
+          <a:effectRef idx="0">
+            <a:schemeClr val="accent1"/>
+          </a:effectRef>
+          <a:fontRef idx="minor">
+            <a:schemeClr val="tx1"/>
+          </a:fontRef>
+        </p:style>
+      </p:cxnSp>
+      <p:cxnSp>
+        <p:nvCxnSpPr>
+          <p:cNvPr id="17" name="직선 연결선 16"/>
+          <p:cNvCxnSpPr/>
+          <p:nvPr/>
+        </p:nvCxnSpPr>
+        <p:spPr>
+          <a:xfrm flipH="1">
+            <a:off x="2948940" y="2987040"/>
+            <a:ext cx="612150" cy="259080"/>
+          </a:xfrm>
+          <a:prstGeom prst="line">
+            <a:avLst/>
+          </a:prstGeom>
+          <a:ln>
+            <a:solidFill>
+              <a:schemeClr val="tx1"/>
+            </a:solidFill>
+          </a:ln>
+        </p:spPr>
+        <p:style>
+          <a:lnRef idx="1">
+            <a:schemeClr val="accent1"/>
+          </a:lnRef>
+          <a:fillRef idx="0">
+            <a:schemeClr val="accent1"/>
+          </a:fillRef>
+          <a:effectRef idx="0">
+            <a:schemeClr val="accent1"/>
+          </a:effectRef>
+          <a:fontRef idx="minor">
+            <a:schemeClr val="tx1"/>
+          </a:fontRef>
+        </p:style>
+      </p:cxnSp>
+      <p:sp>
+        <p:nvSpPr>
+          <p:cNvPr id="67" name="TextBox 66"/>
+          <p:cNvSpPr txBox="1"/>
+          <p:nvPr/>
+        </p:nvSpPr>
+        <p:spPr>
+          <a:xfrm>
+            <a:off x="2949151" y="3491402"/>
+            <a:ext cx="1760220" cy="261610"/>
+          </a:xfrm>
+          <a:prstGeom prst="rect">
+            <a:avLst/>
+          </a:prstGeom>
+          <a:noFill/>
+        </p:spPr>
+        <p:txBody>
+          <a:bodyPr wrap="square" rtlCol="0">
+            <a:spAutoFit/>
+          </a:bodyPr>
+          <a:lstStyle/>
+          <a:p>
+            <a:r>
+              <a:rPr lang="en-US" altLang="ko-KR" sz="1100" dirty="0" smtClean="0"/>
+              <a:t>5,000,000,000 </a:t>
+            </a:r>
+            <a:r>
+              <a:rPr lang="en-US" altLang="ko-KR" sz="1100" dirty="0" err="1" smtClean="0"/>
+              <a:t>sp</a:t>
+            </a:r>
+            <a:endParaRPr lang="ko-KR" altLang="en-US" sz="1100" dirty="0"/>
+          </a:p>
+        </p:txBody>
+      </p:sp>
+      <p:sp>
+        <p:nvSpPr>
+          <p:cNvPr id="68" name="TextBox 67"/>
+          <p:cNvSpPr txBox="1"/>
+          <p:nvPr/>
+        </p:nvSpPr>
+        <p:spPr>
+          <a:xfrm>
+            <a:off x="2953345" y="3991435"/>
+            <a:ext cx="1760220" cy="261610"/>
+          </a:xfrm>
+          <a:prstGeom prst="rect">
+            <a:avLst/>
+          </a:prstGeom>
+          <a:noFill/>
+        </p:spPr>
+        <p:txBody>
+          <a:bodyPr wrap="square" rtlCol="0">
+            <a:spAutoFit/>
+          </a:bodyPr>
+          <a:lstStyle/>
+          <a:p>
+            <a:r>
+              <a:rPr lang="en-US" altLang="ko-KR" sz="1100" dirty="0" smtClean="0"/>
+              <a:t>1 unread mail </a:t>
+            </a:r>
+            <a:r>
+              <a:rPr lang="en-US" altLang="ko-KR" sz="1100" dirty="0" err="1" smtClean="0"/>
+              <a:t>deliverd</a:t>
+            </a:r>
+            <a:endParaRPr lang="ko-KR" altLang="en-US" sz="1100" dirty="0"/>
+          </a:p>
+        </p:txBody>
+      </p:sp>
+      <p:sp>
+        <p:nvSpPr>
+          <p:cNvPr id="73" name="TextBox 72"/>
+          <p:cNvSpPr txBox="1"/>
+          <p:nvPr/>
+        </p:nvSpPr>
+        <p:spPr>
+          <a:xfrm>
+            <a:off x="2973617" y="4486962"/>
+            <a:ext cx="1760220" cy="261610"/>
+          </a:xfrm>
+          <a:prstGeom prst="rect">
+            <a:avLst/>
+          </a:prstGeom>
+          <a:noFill/>
+        </p:spPr>
+        <p:txBody>
+          <a:bodyPr wrap="square" rtlCol="0">
+            <a:spAutoFit/>
+          </a:bodyPr>
+          <a:lstStyle/>
+          <a:p>
+            <a:r>
+              <a:rPr lang="en-US" altLang="ko-KR" sz="1100" dirty="0" smtClean="0"/>
+              <a:t>80,000,000,000 </a:t>
+            </a:r>
+            <a:r>
+              <a:rPr lang="en-US" altLang="ko-KR" sz="1100" dirty="0" err="1" smtClean="0"/>
+              <a:t>isk</a:t>
+            </a:r>
+            <a:r>
+              <a:rPr lang="en-US" altLang="ko-KR" sz="1100" dirty="0" smtClean="0"/>
+              <a:t> (80bil)</a:t>
+            </a:r>
+            <a:endParaRPr lang="ko-KR" altLang="en-US" sz="1100" dirty="0"/>
+          </a:p>
+        </p:txBody>
+      </p:sp>
+    </p:spTree>
+    <p:extLst>
+      <p:ext uri="{BB962C8B-B14F-4D97-AF65-F5344CB8AC3E}">
+        <p14:creationId xmlns:p14="http://schemas.microsoft.com/office/powerpoint/2010/main" val="2412575241"/>
+      </p:ext>
+    </p:extLst>
+  </p:cSld>
+  <p:clrMapOvr>
+    <a:masterClrMapping/>
+  </p:clrMapOvr>
+</p:sld>
+</file>
+
+<file path=ppt/slides/slide25.xml><?xml version="1.0" encoding="utf-8"?>
+<p:sld xmlns:a="http://schemas.openxmlformats.org/drawingml/2006/main" xmlns:r="http://schemas.openxmlformats.org/officeDocument/2006/relationships" xmlns:p="http://schemas.openxmlformats.org/presentationml/2006/main">
+  <p:cSld>
+    <p:spTree>
+      <p:nvGrpSpPr>
+        <p:cNvPr id="1" name="Shape 146"/>
+        <p:cNvGrpSpPr/>
+        <p:nvPr/>
+      </p:nvGrpSpPr>
+      <p:grpSpPr>
+        <a:xfrm>
+          <a:off x="0" y="0"/>
+          <a:ext cx="0" cy="0"/>
+          <a:chOff x="0" y="0"/>
+          <a:chExt cx="0" cy="0"/>
+        </a:xfrm>
+      </p:grpSpPr>
+      <p:sp>
+        <p:nvSpPr>
+          <p:cNvPr id="152" name="Google Shape;152;p14"/>
+          <p:cNvSpPr txBox="1">
+            <a:spLocks noGrp="1"/>
+          </p:cNvSpPr>
+          <p:nvPr>
+            <p:ph type="sldNum" idx="12"/>
+          </p:nvPr>
+        </p:nvSpPr>
+        <p:spPr>
+          <a:xfrm>
+            <a:off x="8594576" y="0"/>
+            <a:ext cx="549424" cy="274637"/>
+          </a:xfrm>
+          <a:prstGeom prst="rect">
+            <a:avLst/>
+          </a:prstGeom>
+          <a:noFill/>
+          <a:ln>
+            <a:noFill/>
+          </a:ln>
+        </p:spPr>
+        <p:txBody>
+          <a:bodyPr spcFirstLastPara="1" wrap="square" lIns="91425" tIns="45700" rIns="91425" bIns="45700" anchor="ctr" anchorCtr="0">
+            <a:noAutofit/>
+          </a:bodyPr>
+          <a:lstStyle/>
+          <a:p>
+            <a:pPr marL="0" marR="0" lvl="0" indent="0" algn="r" rtl="0">
+              <a:spcBef>
+                <a:spcPts val="0"/>
+              </a:spcBef>
+              <a:spcAft>
+                <a:spcPts val="0"/>
+              </a:spcAft>
+              <a:buNone/>
+            </a:pPr>
+            <a:fld id="{00000000-1234-1234-1234-123412341234}" type="slidenum">
+              <a:rPr lang="en-US" sz="1000">
+                <a:solidFill>
+                  <a:srgbClr val="7F7F7F"/>
+                </a:solidFill>
+                <a:latin typeface="Arial"/>
+                <a:ea typeface="Arial"/>
+                <a:cs typeface="Arial"/>
+                <a:sym typeface="Arial"/>
+              </a:rPr>
+              <a:t>25</a:t>
+            </a:fld>
+            <a:endParaRPr sz="1000">
+              <a:solidFill>
+                <a:srgbClr val="7F7F7F"/>
+              </a:solidFill>
+              <a:latin typeface="Arial"/>
+              <a:ea typeface="Arial"/>
+              <a:cs typeface="Arial"/>
+              <a:sym typeface="Arial"/>
+            </a:endParaRPr>
+          </a:p>
+        </p:txBody>
+      </p:sp>
+      <p:sp>
+        <p:nvSpPr>
+          <p:cNvPr id="154" name="Google Shape;154;p14"/>
+          <p:cNvSpPr txBox="1">
+            <a:spLocks noGrp="1"/>
+          </p:cNvSpPr>
+          <p:nvPr>
+            <p:ph type="title"/>
+          </p:nvPr>
+        </p:nvSpPr>
+        <p:spPr>
+          <a:xfrm>
+            <a:off x="1403650" y="16225"/>
+            <a:ext cx="5133300" cy="292200"/>
+          </a:xfrm>
+          <a:prstGeom prst="rect">
+            <a:avLst/>
+          </a:prstGeom>
+          <a:noFill/>
+          <a:ln>
+            <a:noFill/>
+          </a:ln>
+        </p:spPr>
+        <p:txBody>
+          <a:bodyPr spcFirstLastPara="1" wrap="square" lIns="91425" tIns="45700" rIns="91425" bIns="45700" anchor="t" anchorCtr="0">
+            <a:noAutofit/>
+          </a:bodyPr>
+          <a:lstStyle/>
+          <a:p>
+            <a:pPr marL="0" marR="0" lvl="0" indent="0" algn="l" rtl="0">
+              <a:spcBef>
+                <a:spcPts val="0"/>
+              </a:spcBef>
+              <a:spcAft>
+                <a:spcPts val="0"/>
+              </a:spcAft>
+              <a:buClr>
+                <a:srgbClr val="7F7F7F"/>
+              </a:buClr>
+              <a:buSzPts val="900"/>
+              <a:buFont typeface="Arial"/>
+              <a:buNone/>
+            </a:pPr>
+            <a:r>
+              <a:rPr lang="en-US" sz="900" b="0" i="0" u="none" strike="noStrike" cap="none" dirty="0">
+                <a:solidFill>
+                  <a:srgbClr val="7F7F7F"/>
+                </a:solidFill>
+                <a:latin typeface="Arial"/>
+                <a:ea typeface="Arial"/>
+                <a:cs typeface="Arial"/>
+                <a:sym typeface="Arial"/>
+              </a:rPr>
+              <a:t>Contents (Support)</a:t>
+            </a:r>
+            <a:endParaRPr sz="900" b="0" i="0" u="none" strike="noStrike" cap="none" dirty="0">
+              <a:solidFill>
+                <a:srgbClr val="7F7F7F"/>
+              </a:solidFill>
+              <a:latin typeface="Arial"/>
+              <a:ea typeface="Arial"/>
+              <a:cs typeface="Arial"/>
+              <a:sym typeface="Arial"/>
+            </a:endParaRPr>
+          </a:p>
+        </p:txBody>
+      </p:sp>
+      <p:sp>
+        <p:nvSpPr>
+          <p:cNvPr id="155" name="Google Shape;155;p14"/>
+          <p:cNvSpPr txBox="1">
+            <a:spLocks noGrp="1"/>
+          </p:cNvSpPr>
+          <p:nvPr>
+            <p:ph type="body" idx="1"/>
+          </p:nvPr>
+        </p:nvSpPr>
+        <p:spPr>
+          <a:xfrm>
+            <a:off x="395858" y="12700"/>
+            <a:ext cx="1007790" cy="287486"/>
+          </a:xfrm>
+          <a:prstGeom prst="rect">
+            <a:avLst/>
+          </a:prstGeom>
+          <a:noFill/>
+          <a:ln>
+            <a:noFill/>
+          </a:ln>
+        </p:spPr>
+        <p:txBody>
+          <a:bodyPr spcFirstLastPara="1" wrap="square" lIns="0" tIns="45700" rIns="0" bIns="45700" anchor="t" anchorCtr="0">
+            <a:noAutofit/>
+          </a:bodyPr>
+          <a:lstStyle/>
+          <a:p>
+            <a:pPr marL="342900" marR="0" lvl="0" indent="-342900" algn="l" rtl="0">
+              <a:spcBef>
+                <a:spcPts val="0"/>
+              </a:spcBef>
+              <a:spcAft>
+                <a:spcPts val="0"/>
+              </a:spcAft>
+              <a:buClr>
+                <a:schemeClr val="lt1"/>
+              </a:buClr>
+              <a:buSzPts val="1000"/>
+              <a:buFont typeface="Arial"/>
+              <a:buNone/>
+            </a:pPr>
+            <a:r>
+              <a:rPr lang="en-US" sz="1000" b="1" i="0" u="none" strike="noStrike" cap="none" dirty="0">
+                <a:solidFill>
+                  <a:schemeClr val="lt1"/>
+                </a:solidFill>
+                <a:latin typeface="Arial"/>
+                <a:ea typeface="Arial"/>
+                <a:cs typeface="Arial"/>
+                <a:sym typeface="Arial"/>
+              </a:rPr>
+              <a:t>2.0</a:t>
+            </a:r>
+            <a:endParaRPr sz="1000" b="1" i="0" u="none" strike="noStrike" cap="none" dirty="0">
+              <a:solidFill>
+                <a:schemeClr val="lt1"/>
+              </a:solidFill>
+              <a:latin typeface="Arial"/>
+              <a:ea typeface="Arial"/>
+              <a:cs typeface="Arial"/>
+              <a:sym typeface="Arial"/>
+            </a:endParaRPr>
+          </a:p>
+        </p:txBody>
+      </p:sp>
+      <p:sp>
+        <p:nvSpPr>
+          <p:cNvPr id="158" name="Google Shape;158;p14"/>
+          <p:cNvSpPr/>
+          <p:nvPr/>
+        </p:nvSpPr>
+        <p:spPr>
+          <a:xfrm>
+            <a:off x="2135548" y="319936"/>
+            <a:ext cx="2978319" cy="576064"/>
+          </a:xfrm>
+          <a:prstGeom prst="rect">
+            <a:avLst/>
+          </a:prstGeom>
+          <a:solidFill>
+            <a:schemeClr val="lt1">
+              <a:alpha val="69803"/>
+            </a:schemeClr>
+          </a:solidFill>
+          <a:ln w="9525" cap="flat" cmpd="sng">
+            <a:solidFill>
+              <a:srgbClr val="A5A5A5"/>
+            </a:solidFill>
+            <a:prstDash val="solid"/>
+            <a:round/>
+            <a:headEnd type="none" w="sm" len="sm"/>
+            <a:tailEnd type="none" w="sm" len="sm"/>
+          </a:ln>
+        </p:spPr>
+        <p:txBody>
+          <a:bodyPr spcFirstLastPara="1" wrap="square" lIns="91425" tIns="45700" rIns="91425" bIns="45700" anchor="ctr" anchorCtr="0">
+            <a:noAutofit/>
+          </a:bodyPr>
+          <a:lstStyle/>
+          <a:p>
+            <a:pPr marL="0" marR="0" lvl="0" indent="0" algn="ctr" rtl="0">
+              <a:spcBef>
+                <a:spcPts val="0"/>
+              </a:spcBef>
+              <a:spcAft>
+                <a:spcPts val="0"/>
+              </a:spcAft>
+              <a:buNone/>
+            </a:pPr>
+            <a:endParaRPr sz="1800">
+              <a:solidFill>
+                <a:srgbClr val="FFFFFF"/>
+              </a:solidFill>
+              <a:latin typeface="Arial"/>
+              <a:ea typeface="Arial"/>
+              <a:cs typeface="Arial"/>
+              <a:sym typeface="Arial"/>
+            </a:endParaRPr>
+          </a:p>
+        </p:txBody>
+      </p:sp>
+      <p:sp>
+        <p:nvSpPr>
+          <p:cNvPr id="159" name="Google Shape;159;p14"/>
+          <p:cNvSpPr/>
+          <p:nvPr/>
+        </p:nvSpPr>
+        <p:spPr>
+          <a:xfrm>
+            <a:off x="2135548" y="319936"/>
+            <a:ext cx="2978319" cy="576064"/>
+          </a:xfrm>
+          <a:prstGeom prst="rect">
+            <a:avLst/>
+          </a:prstGeom>
+          <a:solidFill>
+            <a:schemeClr val="lt1">
+              <a:alpha val="69803"/>
+            </a:schemeClr>
+          </a:solidFill>
+          <a:ln w="9525" cap="flat" cmpd="sng">
+            <a:solidFill>
+              <a:srgbClr val="A5A5A5"/>
+            </a:solidFill>
+            <a:prstDash val="solid"/>
+            <a:round/>
+            <a:headEnd type="none" w="sm" len="sm"/>
+            <a:tailEnd type="none" w="sm" len="sm"/>
+          </a:ln>
+        </p:spPr>
+        <p:txBody>
+          <a:bodyPr spcFirstLastPara="1" wrap="square" lIns="91425" tIns="45700" rIns="91425" bIns="45700" anchor="ctr" anchorCtr="0">
+            <a:noAutofit/>
+          </a:bodyPr>
+          <a:lstStyle/>
+          <a:p>
+            <a:pPr marL="0" marR="0" lvl="0" indent="0" algn="ctr" rtl="0">
+              <a:spcBef>
+                <a:spcPts val="0"/>
+              </a:spcBef>
+              <a:spcAft>
+                <a:spcPts val="0"/>
+              </a:spcAft>
+              <a:buNone/>
+            </a:pPr>
+            <a:r>
+              <a:rPr lang="en-US" sz="1800">
+                <a:solidFill>
+                  <a:srgbClr val="FFFFFF"/>
+                </a:solidFill>
+                <a:latin typeface="Arial"/>
+                <a:ea typeface="Arial"/>
+                <a:cs typeface="Arial"/>
+                <a:sym typeface="Arial"/>
+              </a:rPr>
+              <a:t>`</a:t>
+            </a:r>
+            <a:endParaRPr sz="1800">
+              <a:solidFill>
+                <a:srgbClr val="FFFFFF"/>
+              </a:solidFill>
+              <a:latin typeface="Arial"/>
+              <a:ea typeface="Arial"/>
+              <a:cs typeface="Arial"/>
+              <a:sym typeface="Arial"/>
+            </a:endParaRPr>
+          </a:p>
+        </p:txBody>
+      </p:sp>
+      <p:grpSp>
+        <p:nvGrpSpPr>
+          <p:cNvPr id="61" name="Google Shape;162;p14"/>
+          <p:cNvGrpSpPr/>
+          <p:nvPr/>
+        </p:nvGrpSpPr>
+        <p:grpSpPr>
+          <a:xfrm>
+            <a:off x="2205689" y="380806"/>
+            <a:ext cx="852801" cy="432049"/>
+            <a:chOff x="179512" y="411510"/>
+            <a:chExt cx="1296144" cy="432049"/>
+          </a:xfrm>
+        </p:grpSpPr>
+        <p:sp>
+          <p:nvSpPr>
+            <p:cNvPr id="62" name="Google Shape;163;p14"/>
+            <p:cNvSpPr/>
+            <p:nvPr/>
+          </p:nvSpPr>
+          <p:spPr>
+            <a:xfrm>
+              <a:off x="179512" y="411511"/>
+              <a:ext cx="1296144" cy="432048"/>
+            </a:xfrm>
+            <a:prstGeom prst="rect">
+              <a:avLst/>
+            </a:prstGeom>
+            <a:solidFill>
+              <a:srgbClr val="F2F2F2">
+                <a:alpha val="69803"/>
+              </a:srgbClr>
+            </a:solidFill>
+            <a:ln w="9525" cap="flat" cmpd="sng">
+              <a:solidFill>
+                <a:srgbClr val="A5A5A5"/>
+              </a:solidFill>
+              <a:prstDash val="solid"/>
+              <a:round/>
+              <a:headEnd type="none" w="sm" len="sm"/>
+              <a:tailEnd type="none" w="sm" len="sm"/>
+            </a:ln>
+          </p:spPr>
+          <p:txBody>
+            <a:bodyPr spcFirstLastPara="1" wrap="square" lIns="91425" tIns="45700" rIns="91425" bIns="45700" anchor="ctr" anchorCtr="0">
+              <a:noAutofit/>
+            </a:bodyPr>
+            <a:lstStyle/>
+            <a:p>
+              <a:pPr marL="0" marR="0" lvl="0" indent="0" algn="ctr" rtl="0">
+                <a:spcBef>
+                  <a:spcPts val="0"/>
+                </a:spcBef>
+                <a:spcAft>
+                  <a:spcPts val="0"/>
+                </a:spcAft>
+                <a:buNone/>
+              </a:pPr>
+              <a:r>
+                <a:rPr lang="en-US" sz="1800">
+                  <a:solidFill>
+                    <a:srgbClr val="FFFFFF"/>
+                  </a:solidFill>
+                  <a:latin typeface="Arial"/>
+                  <a:ea typeface="Arial"/>
+                  <a:cs typeface="Arial"/>
+                  <a:sym typeface="Arial"/>
+                </a:rPr>
+                <a:t>`</a:t>
+              </a:r>
+              <a:endParaRPr sz="1800">
+                <a:solidFill>
+                  <a:srgbClr val="FFFFFF"/>
+                </a:solidFill>
+                <a:latin typeface="Arial"/>
+                <a:ea typeface="Arial"/>
+                <a:cs typeface="Arial"/>
+                <a:sym typeface="Arial"/>
+              </a:endParaRPr>
+            </a:p>
+          </p:txBody>
+        </p:sp>
+        <p:cxnSp>
+          <p:nvCxnSpPr>
+            <p:cNvPr id="63" name="Google Shape;164;p14"/>
+            <p:cNvCxnSpPr/>
+            <p:nvPr/>
+          </p:nvCxnSpPr>
+          <p:spPr>
+            <a:xfrm flipH="1">
+              <a:off x="179512" y="411510"/>
+              <a:ext cx="1296144" cy="432048"/>
+            </a:xfrm>
+            <a:prstGeom prst="straightConnector1">
+              <a:avLst/>
+            </a:prstGeom>
+            <a:noFill/>
+            <a:ln w="9525" cap="flat" cmpd="sng">
+              <a:solidFill>
+                <a:srgbClr val="7F7F7F"/>
+              </a:solidFill>
+              <a:prstDash val="solid"/>
+              <a:round/>
+              <a:headEnd type="none" w="sm" len="sm"/>
+              <a:tailEnd type="none" w="sm" len="sm"/>
+            </a:ln>
+          </p:spPr>
+        </p:cxnSp>
+      </p:grpSp>
+      <p:sp>
+        <p:nvSpPr>
+          <p:cNvPr id="64" name="Google Shape;165;p14"/>
+          <p:cNvSpPr txBox="1"/>
+          <p:nvPr/>
+        </p:nvSpPr>
+        <p:spPr>
+          <a:xfrm>
+            <a:off x="2363872" y="463446"/>
+            <a:ext cx="663085" cy="307800"/>
+          </a:xfrm>
+          <a:prstGeom prst="rect">
+            <a:avLst/>
+          </a:prstGeom>
+          <a:noFill/>
+          <a:ln>
+            <a:noFill/>
+          </a:ln>
+        </p:spPr>
+        <p:txBody>
+          <a:bodyPr spcFirstLastPara="1" wrap="square" lIns="91425" tIns="45700" rIns="91425" bIns="45700" anchor="t" anchorCtr="0">
+            <a:noAutofit/>
+          </a:bodyPr>
+          <a:lstStyle/>
+          <a:p>
+            <a:pPr marL="0" marR="0" lvl="0" indent="0" algn="l" rtl="0">
+              <a:spcBef>
+                <a:spcPts val="0"/>
+              </a:spcBef>
+              <a:spcAft>
+                <a:spcPts val="0"/>
+              </a:spcAft>
+              <a:buNone/>
+            </a:pPr>
+            <a:r>
+              <a:rPr lang="en-US" sz="1000" b="1" dirty="0">
+                <a:solidFill>
+                  <a:schemeClr val="dk1"/>
+                </a:solidFill>
+                <a:latin typeface="Arial"/>
+                <a:ea typeface="Arial"/>
+                <a:cs typeface="Arial"/>
+                <a:sym typeface="Arial"/>
+              </a:rPr>
+              <a:t>LOGO</a:t>
+            </a:r>
+            <a:endParaRPr sz="1000" b="1" dirty="0">
+              <a:solidFill>
+                <a:schemeClr val="dk1"/>
+              </a:solidFill>
+              <a:latin typeface="Arial"/>
+              <a:ea typeface="Arial"/>
+              <a:cs typeface="Arial"/>
+              <a:sym typeface="Arial"/>
+            </a:endParaRPr>
+          </a:p>
+        </p:txBody>
+      </p:sp>
+      <p:sp>
+        <p:nvSpPr>
+          <p:cNvPr id="39" name="Google Shape;159;p14"/>
+          <p:cNvSpPr/>
+          <p:nvPr/>
+        </p:nvSpPr>
+        <p:spPr>
+          <a:xfrm>
+            <a:off x="2135548" y="896000"/>
+            <a:ext cx="2978319" cy="3944014"/>
+          </a:xfrm>
+          <a:prstGeom prst="rect">
+            <a:avLst/>
+          </a:prstGeom>
+          <a:solidFill>
+            <a:schemeClr val="lt1">
+              <a:alpha val="69803"/>
+            </a:schemeClr>
+          </a:solidFill>
+          <a:ln w="9525" cap="flat" cmpd="sng">
+            <a:solidFill>
+              <a:srgbClr val="A5A5A5"/>
+            </a:solidFill>
+            <a:prstDash val="solid"/>
+            <a:round/>
+            <a:headEnd type="none" w="sm" len="sm"/>
+            <a:tailEnd type="none" w="sm" len="sm"/>
+          </a:ln>
+        </p:spPr>
+        <p:txBody>
+          <a:bodyPr spcFirstLastPara="1" wrap="square" lIns="91425" tIns="45700" rIns="91425" bIns="45700" anchor="ctr" anchorCtr="0">
+            <a:noAutofit/>
+          </a:bodyPr>
+          <a:lstStyle/>
+          <a:p>
+            <a:pPr marL="0" marR="0" lvl="0" indent="0" algn="ctr" rtl="0">
+              <a:spcBef>
+                <a:spcPts val="0"/>
+              </a:spcBef>
+              <a:spcAft>
+                <a:spcPts val="0"/>
+              </a:spcAft>
+              <a:buNone/>
+            </a:pPr>
+            <a:r>
+              <a:rPr lang="en-US" sz="1800">
+                <a:solidFill>
+                  <a:srgbClr val="FFFFFF"/>
+                </a:solidFill>
+                <a:latin typeface="Arial"/>
+                <a:ea typeface="Arial"/>
+                <a:cs typeface="Arial"/>
+                <a:sym typeface="Arial"/>
+              </a:rPr>
+              <a:t>`</a:t>
+            </a:r>
+            <a:endParaRPr sz="1800">
+              <a:solidFill>
+                <a:srgbClr val="FFFFFF"/>
+              </a:solidFill>
+              <a:latin typeface="Arial"/>
+              <a:ea typeface="Arial"/>
+              <a:cs typeface="Arial"/>
+              <a:sym typeface="Arial"/>
+            </a:endParaRPr>
+          </a:p>
+        </p:txBody>
+      </p:sp>
+      <p:pic>
+        <p:nvPicPr>
+          <p:cNvPr id="44" name="Picture 2" descr="C:\Users\Administrator.Sc-201912031509\Desktop\hallhand\Portfolio\img\images (1).jpg"/>
+          <p:cNvPicPr>
+            <a:picLocks noChangeAspect="1" noChangeArrowheads="1"/>
+          </p:cNvPicPr>
+          <p:nvPr/>
+        </p:nvPicPr>
+        <p:blipFill>
+          <a:blip r:embed="rId3">
+            <a:extLst>
+              <a:ext uri="{28A0092B-C50C-407E-A947-70E740481C1C}">
+                <a14:useLocalDpi xmlns:a14="http://schemas.microsoft.com/office/drawing/2010/main" val="0"/>
+              </a:ext>
+            </a:extLst>
+          </a:blip>
+          <a:srcRect/>
+          <a:stretch>
+            <a:fillRect/>
+          </a:stretch>
+        </p:blipFill>
+        <p:spPr bwMode="auto">
+          <a:xfrm>
+            <a:off x="2135549" y="917207"/>
+            <a:ext cx="2978318" cy="1856204"/>
+          </a:xfrm>
+          <a:prstGeom prst="rect">
+            <a:avLst/>
+          </a:prstGeom>
+          <a:noFill/>
+          <a:extLst>
+            <a:ext uri="{909E8E84-426E-40DD-AFC4-6F175D3DCCD1}">
+              <a14:hiddenFill xmlns:a14="http://schemas.microsoft.com/office/drawing/2010/main">
+                <a:solidFill>
+                  <a:srgbClr val="FFFFFF"/>
+                </a:solidFill>
+              </a14:hiddenFill>
+            </a:ext>
+          </a:extLst>
+        </p:spPr>
+      </p:pic>
+      <p:sp>
+        <p:nvSpPr>
+          <p:cNvPr id="8" name="타원 7"/>
+          <p:cNvSpPr/>
+          <p:nvPr/>
+        </p:nvSpPr>
+        <p:spPr>
+          <a:xfrm>
+            <a:off x="3384671" y="2556994"/>
+            <a:ext cx="80775" cy="80775"/>
+          </a:xfrm>
+          <a:prstGeom prst="ellipse">
+            <a:avLst/>
+          </a:prstGeom>
+          <a:solidFill>
+            <a:schemeClr val="bg1"/>
+          </a:solidFill>
+        </p:spPr>
+        <p:style>
+          <a:lnRef idx="2">
+            <a:schemeClr val="accent1">
+              <a:shade val="50000"/>
+            </a:schemeClr>
+          </a:lnRef>
+          <a:fillRef idx="1">
+            <a:schemeClr val="accent1"/>
+          </a:fillRef>
+          <a:effectRef idx="0">
+            <a:schemeClr val="accent1"/>
+          </a:effectRef>
+          <a:fontRef idx="minor">
+            <a:schemeClr val="lt1"/>
+          </a:fontRef>
+        </p:style>
+        <p:txBody>
+          <a:bodyPr rtlCol="0" anchor="ctr"/>
+          <a:lstStyle/>
+          <a:p>
+            <a:pPr algn="ctr"/>
+            <a:endParaRPr lang="ko-KR" altLang="en-US"/>
+          </a:p>
+        </p:txBody>
+      </p:sp>
+      <p:sp>
+        <p:nvSpPr>
+          <p:cNvPr id="46" name="타원 45"/>
+          <p:cNvSpPr/>
+          <p:nvPr/>
+        </p:nvSpPr>
+        <p:spPr>
+          <a:xfrm>
+            <a:off x="3561090" y="2528455"/>
+            <a:ext cx="143098" cy="143098"/>
+          </a:xfrm>
+          <a:prstGeom prst="ellipse">
+            <a:avLst/>
+          </a:prstGeom>
+          <a:solidFill>
+            <a:schemeClr val="bg1"/>
+          </a:solidFill>
+        </p:spPr>
+        <p:style>
+          <a:lnRef idx="2">
+            <a:schemeClr val="accent1">
+              <a:shade val="50000"/>
+            </a:schemeClr>
+          </a:lnRef>
+          <a:fillRef idx="1">
+            <a:schemeClr val="accent1"/>
+          </a:fillRef>
+          <a:effectRef idx="0">
+            <a:schemeClr val="accent1"/>
+          </a:effectRef>
+          <a:fontRef idx="minor">
+            <a:schemeClr val="lt1"/>
+          </a:fontRef>
+        </p:style>
+        <p:txBody>
+          <a:bodyPr rtlCol="0" anchor="ctr"/>
+          <a:lstStyle/>
+          <a:p>
+            <a:pPr algn="ctr"/>
+            <a:endParaRPr lang="ko-KR" altLang="en-US"/>
+          </a:p>
+        </p:txBody>
+      </p:sp>
+      <p:sp>
+        <p:nvSpPr>
+          <p:cNvPr id="47" name="타원 46"/>
+          <p:cNvSpPr/>
+          <p:nvPr/>
+        </p:nvSpPr>
+        <p:spPr>
+          <a:xfrm>
+            <a:off x="3799833" y="2554357"/>
+            <a:ext cx="80775" cy="80775"/>
+          </a:xfrm>
+          <a:prstGeom prst="ellipse">
+            <a:avLst/>
+          </a:prstGeom>
+          <a:solidFill>
+            <a:schemeClr val="bg1"/>
+          </a:solidFill>
+        </p:spPr>
+        <p:style>
+          <a:lnRef idx="2">
+            <a:schemeClr val="accent1">
+              <a:shade val="50000"/>
+            </a:schemeClr>
+          </a:lnRef>
+          <a:fillRef idx="1">
+            <a:schemeClr val="accent1"/>
+          </a:fillRef>
+          <a:effectRef idx="0">
+            <a:schemeClr val="accent1"/>
+          </a:effectRef>
+          <a:fontRef idx="minor">
+            <a:schemeClr val="lt1"/>
+          </a:fontRef>
+        </p:style>
+        <p:txBody>
+          <a:bodyPr rtlCol="0" anchor="ctr"/>
+          <a:lstStyle/>
+          <a:p>
+            <a:pPr algn="ctr"/>
+            <a:endParaRPr lang="ko-KR" altLang="en-US"/>
+          </a:p>
+        </p:txBody>
+      </p:sp>
+      <p:sp>
+        <p:nvSpPr>
+          <p:cNvPr id="9" name="직사각형 8"/>
+          <p:cNvSpPr/>
+          <p:nvPr/>
+        </p:nvSpPr>
+        <p:spPr>
+          <a:xfrm>
+            <a:off x="2135548" y="2913727"/>
+            <a:ext cx="2978319" cy="423833"/>
+          </a:xfrm>
+          <a:prstGeom prst="rect">
+            <a:avLst/>
+          </a:prstGeom>
+          <a:solidFill>
+            <a:schemeClr val="bg1">
+              <a:lumMod val="85000"/>
+            </a:schemeClr>
+          </a:solidFill>
+          <a:ln>
+            <a:noFill/>
+          </a:ln>
+        </p:spPr>
+        <p:style>
+          <a:lnRef idx="2">
+            <a:schemeClr val="accent1">
+              <a:shade val="50000"/>
+            </a:schemeClr>
+          </a:lnRef>
+          <a:fillRef idx="1">
+            <a:schemeClr val="accent1"/>
+          </a:fillRef>
+          <a:effectRef idx="0">
+            <a:schemeClr val="accent1"/>
+          </a:effectRef>
+          <a:fontRef idx="minor">
+            <a:schemeClr val="lt1"/>
+          </a:fontRef>
+        </p:style>
+        <p:txBody>
+          <a:bodyPr rtlCol="0" anchor="ctr"/>
+          <a:lstStyle/>
+          <a:p>
+            <a:pPr algn="ctr"/>
+            <a:endParaRPr lang="ko-KR" altLang="en-US"/>
+          </a:p>
+        </p:txBody>
+      </p:sp>
+      <p:sp>
+        <p:nvSpPr>
+          <p:cNvPr id="49" name="직사각형 48"/>
+          <p:cNvSpPr/>
+          <p:nvPr/>
+        </p:nvSpPr>
+        <p:spPr>
+          <a:xfrm>
+            <a:off x="2135548" y="3409026"/>
+            <a:ext cx="2978319" cy="423833"/>
+          </a:xfrm>
+          <a:prstGeom prst="rect">
+            <a:avLst/>
+          </a:prstGeom>
+          <a:solidFill>
+            <a:schemeClr val="bg1">
+              <a:lumMod val="85000"/>
+            </a:schemeClr>
+          </a:solidFill>
+          <a:ln>
+            <a:noFill/>
+          </a:ln>
+        </p:spPr>
+        <p:style>
+          <a:lnRef idx="2">
+            <a:schemeClr val="accent1">
+              <a:shade val="50000"/>
+            </a:schemeClr>
+          </a:lnRef>
+          <a:fillRef idx="1">
+            <a:schemeClr val="accent1"/>
+          </a:fillRef>
+          <a:effectRef idx="0">
+            <a:schemeClr val="accent1"/>
+          </a:effectRef>
+          <a:fontRef idx="minor">
+            <a:schemeClr val="lt1"/>
+          </a:fontRef>
+        </p:style>
+        <p:txBody>
+          <a:bodyPr rtlCol="0" anchor="ctr"/>
+          <a:lstStyle/>
+          <a:p>
+            <a:pPr algn="ctr"/>
+            <a:endParaRPr lang="ko-KR" altLang="en-US"/>
+          </a:p>
+        </p:txBody>
+      </p:sp>
+      <p:sp>
+        <p:nvSpPr>
+          <p:cNvPr id="50" name="직사각형 49"/>
+          <p:cNvSpPr/>
+          <p:nvPr/>
+        </p:nvSpPr>
+        <p:spPr>
+          <a:xfrm>
+            <a:off x="2138409" y="3909059"/>
+            <a:ext cx="2978319" cy="423833"/>
+          </a:xfrm>
+          <a:prstGeom prst="rect">
+            <a:avLst/>
+          </a:prstGeom>
+          <a:solidFill>
+            <a:schemeClr val="bg1">
+              <a:lumMod val="85000"/>
+            </a:schemeClr>
+          </a:solidFill>
+          <a:ln>
+            <a:noFill/>
+          </a:ln>
+        </p:spPr>
+        <p:style>
+          <a:lnRef idx="2">
+            <a:schemeClr val="accent1">
+              <a:shade val="50000"/>
+            </a:schemeClr>
+          </a:lnRef>
+          <a:fillRef idx="1">
+            <a:schemeClr val="accent1"/>
+          </a:fillRef>
+          <a:effectRef idx="0">
+            <a:schemeClr val="accent1"/>
+          </a:effectRef>
+          <a:fontRef idx="minor">
+            <a:schemeClr val="lt1"/>
+          </a:fontRef>
+        </p:style>
+        <p:txBody>
+          <a:bodyPr rtlCol="0" anchor="ctr"/>
+          <a:lstStyle/>
+          <a:p>
+            <a:pPr algn="ctr"/>
+            <a:endParaRPr lang="ko-KR" altLang="en-US"/>
+          </a:p>
+        </p:txBody>
+      </p:sp>
+      <p:sp>
+        <p:nvSpPr>
+          <p:cNvPr id="51" name="직사각형 50"/>
+          <p:cNvSpPr/>
+          <p:nvPr/>
+        </p:nvSpPr>
+        <p:spPr>
+          <a:xfrm>
+            <a:off x="2141066" y="4408561"/>
+            <a:ext cx="2978319" cy="423833"/>
+          </a:xfrm>
+          <a:prstGeom prst="rect">
+            <a:avLst/>
+          </a:prstGeom>
+          <a:solidFill>
+            <a:schemeClr val="bg1">
+              <a:lumMod val="85000"/>
+            </a:schemeClr>
+          </a:solidFill>
+          <a:ln>
+            <a:noFill/>
+          </a:ln>
+        </p:spPr>
+        <p:style>
+          <a:lnRef idx="2">
+            <a:schemeClr val="accent1">
+              <a:shade val="50000"/>
+            </a:schemeClr>
+          </a:lnRef>
+          <a:fillRef idx="1">
+            <a:schemeClr val="accent1"/>
+          </a:fillRef>
+          <a:effectRef idx="0">
+            <a:schemeClr val="accent1"/>
+          </a:effectRef>
+          <a:fontRef idx="minor">
+            <a:schemeClr val="lt1"/>
+          </a:fontRef>
+        </p:style>
+        <p:txBody>
+          <a:bodyPr rtlCol="0" anchor="ctr"/>
+          <a:lstStyle/>
+          <a:p>
+            <a:pPr algn="ctr"/>
+            <a:endParaRPr lang="ko-KR" altLang="en-US"/>
+          </a:p>
+        </p:txBody>
+      </p:sp>
+      <p:sp>
+        <p:nvSpPr>
+          <p:cNvPr id="10" name="직사각형 9"/>
+          <p:cNvSpPr/>
+          <p:nvPr/>
+        </p:nvSpPr>
+        <p:spPr>
+          <a:xfrm>
+            <a:off x="2336741" y="2987040"/>
+            <a:ext cx="426400" cy="259080"/>
+          </a:xfrm>
+          <a:prstGeom prst="rect">
+            <a:avLst/>
+          </a:prstGeom>
+          <a:solidFill>
+            <a:schemeClr val="bg1">
+              <a:lumMod val="65000"/>
+            </a:schemeClr>
+          </a:solidFill>
+          <a:ln>
+            <a:solidFill>
+              <a:schemeClr val="tx1">
+                <a:lumMod val="50000"/>
+                <a:lumOff val="50000"/>
+              </a:schemeClr>
+            </a:solidFill>
+          </a:ln>
+        </p:spPr>
+        <p:style>
+          <a:lnRef idx="2">
+            <a:schemeClr val="accent1">
+              <a:shade val="50000"/>
+            </a:schemeClr>
+          </a:lnRef>
+          <a:fillRef idx="1">
+            <a:schemeClr val="accent1"/>
+          </a:fillRef>
+          <a:effectRef idx="0">
+            <a:schemeClr val="accent1"/>
+          </a:effectRef>
+          <a:fontRef idx="minor">
+            <a:schemeClr val="lt1"/>
+          </a:fontRef>
+        </p:style>
+        <p:txBody>
+          <a:bodyPr rtlCol="0" anchor="ctr"/>
+          <a:lstStyle/>
+          <a:p>
+            <a:pPr algn="ctr"/>
+            <a:endParaRPr lang="ko-KR" altLang="en-US"/>
+          </a:p>
+        </p:txBody>
+      </p:sp>
+      <p:sp>
+        <p:nvSpPr>
+          <p:cNvPr id="53" name="직사각형 52"/>
+          <p:cNvSpPr/>
+          <p:nvPr/>
+        </p:nvSpPr>
+        <p:spPr>
+          <a:xfrm>
+            <a:off x="2349222" y="3491402"/>
+            <a:ext cx="426400" cy="259080"/>
+          </a:xfrm>
+          <a:prstGeom prst="rect">
+            <a:avLst/>
+          </a:prstGeom>
+          <a:solidFill>
+            <a:schemeClr val="bg1">
+              <a:lumMod val="65000"/>
+            </a:schemeClr>
+          </a:solidFill>
+          <a:ln>
+            <a:solidFill>
+              <a:schemeClr val="tx1">
+                <a:lumMod val="50000"/>
+                <a:lumOff val="50000"/>
+              </a:schemeClr>
+            </a:solidFill>
+          </a:ln>
+        </p:spPr>
+        <p:style>
+          <a:lnRef idx="2">
+            <a:schemeClr val="accent1">
+              <a:shade val="50000"/>
+            </a:schemeClr>
+          </a:lnRef>
+          <a:fillRef idx="1">
+            <a:schemeClr val="accent1"/>
+          </a:fillRef>
+          <a:effectRef idx="0">
+            <a:schemeClr val="accent1"/>
+          </a:effectRef>
+          <a:fontRef idx="minor">
+            <a:schemeClr val="lt1"/>
+          </a:fontRef>
+        </p:style>
+        <p:txBody>
+          <a:bodyPr rtlCol="0" anchor="ctr"/>
+          <a:lstStyle/>
+          <a:p>
+            <a:pPr algn="ctr"/>
+            <a:endParaRPr lang="ko-KR" altLang="en-US"/>
+          </a:p>
+        </p:txBody>
+      </p:sp>
+      <p:sp>
+        <p:nvSpPr>
+          <p:cNvPr id="54" name="직사각형 53"/>
+          <p:cNvSpPr/>
+          <p:nvPr/>
+        </p:nvSpPr>
+        <p:spPr>
+          <a:xfrm>
+            <a:off x="2356842" y="3991435"/>
+            <a:ext cx="426400" cy="259080"/>
+          </a:xfrm>
+          <a:prstGeom prst="rect">
+            <a:avLst/>
+          </a:prstGeom>
+          <a:solidFill>
+            <a:schemeClr val="bg1">
+              <a:lumMod val="65000"/>
+            </a:schemeClr>
+          </a:solidFill>
+          <a:ln>
+            <a:solidFill>
+              <a:schemeClr val="tx1">
+                <a:lumMod val="50000"/>
+                <a:lumOff val="50000"/>
+              </a:schemeClr>
+            </a:solidFill>
+          </a:ln>
+        </p:spPr>
+        <p:style>
+          <a:lnRef idx="2">
+            <a:schemeClr val="accent1">
+              <a:shade val="50000"/>
+            </a:schemeClr>
+          </a:lnRef>
+          <a:fillRef idx="1">
+            <a:schemeClr val="accent1"/>
+          </a:fillRef>
+          <a:effectRef idx="0">
+            <a:schemeClr val="accent1"/>
+          </a:effectRef>
+          <a:fontRef idx="minor">
+            <a:schemeClr val="lt1"/>
+          </a:fontRef>
+        </p:style>
+        <p:txBody>
+          <a:bodyPr rtlCol="0" anchor="ctr"/>
+          <a:lstStyle/>
+          <a:p>
+            <a:pPr algn="ctr"/>
+            <a:endParaRPr lang="ko-KR" altLang="en-US" dirty="0"/>
+          </a:p>
+        </p:txBody>
+      </p:sp>
+      <p:sp>
+        <p:nvSpPr>
+          <p:cNvPr id="55" name="직사각형 54"/>
+          <p:cNvSpPr/>
+          <p:nvPr/>
+        </p:nvSpPr>
+        <p:spPr>
+          <a:xfrm>
+            <a:off x="2363872" y="4490937"/>
+            <a:ext cx="426400" cy="259080"/>
+          </a:xfrm>
+          <a:prstGeom prst="rect">
+            <a:avLst/>
+          </a:prstGeom>
+          <a:solidFill>
+            <a:schemeClr val="bg1">
+              <a:lumMod val="65000"/>
+            </a:schemeClr>
+          </a:solidFill>
+          <a:ln>
+            <a:solidFill>
+              <a:schemeClr val="tx1">
+                <a:lumMod val="50000"/>
+                <a:lumOff val="50000"/>
+              </a:schemeClr>
+            </a:solidFill>
+          </a:ln>
+        </p:spPr>
+        <p:style>
+          <a:lnRef idx="2">
+            <a:schemeClr val="accent1">
+              <a:shade val="50000"/>
+            </a:schemeClr>
+          </a:lnRef>
+          <a:fillRef idx="1">
+            <a:schemeClr val="accent1"/>
+          </a:fillRef>
+          <a:effectRef idx="0">
+            <a:schemeClr val="accent1"/>
+          </a:effectRef>
+          <a:fontRef idx="minor">
+            <a:schemeClr val="lt1"/>
+          </a:fontRef>
+        </p:style>
+        <p:txBody>
+          <a:bodyPr rtlCol="0" anchor="ctr"/>
+          <a:lstStyle/>
+          <a:p>
+            <a:pPr algn="ctr"/>
+            <a:endParaRPr lang="ko-KR" altLang="en-US"/>
+          </a:p>
+        </p:txBody>
+      </p:sp>
+      <p:sp>
+        <p:nvSpPr>
+          <p:cNvPr id="11" name="TextBox 10"/>
+          <p:cNvSpPr txBox="1"/>
+          <p:nvPr/>
+        </p:nvSpPr>
+        <p:spPr>
+          <a:xfrm>
+            <a:off x="2291137" y="3025541"/>
+            <a:ext cx="524503" cy="184666"/>
+          </a:xfrm>
+          <a:prstGeom prst="rect">
+            <a:avLst/>
+          </a:prstGeom>
+          <a:noFill/>
+        </p:spPr>
+        <p:txBody>
+          <a:bodyPr wrap="none" rtlCol="0">
+            <a:spAutoFit/>
+          </a:bodyPr>
+          <a:lstStyle/>
+          <a:p>
+            <a:r>
+              <a:rPr lang="en-US" altLang="ko-KR" sz="600" dirty="0" smtClean="0"/>
+              <a:t>Character</a:t>
+            </a:r>
+            <a:endParaRPr lang="ko-KR" altLang="en-US" sz="600" dirty="0"/>
+          </a:p>
+        </p:txBody>
+      </p:sp>
+      <p:sp>
+        <p:nvSpPr>
+          <p:cNvPr id="57" name="TextBox 56"/>
+          <p:cNvSpPr txBox="1"/>
+          <p:nvPr/>
+        </p:nvSpPr>
+        <p:spPr>
+          <a:xfrm>
+            <a:off x="2399230" y="3528609"/>
+            <a:ext cx="314510" cy="184666"/>
+          </a:xfrm>
+          <a:prstGeom prst="rect">
+            <a:avLst/>
+          </a:prstGeom>
+          <a:noFill/>
+        </p:spPr>
+        <p:txBody>
+          <a:bodyPr wrap="none" rtlCol="0">
+            <a:spAutoFit/>
+          </a:bodyPr>
+          <a:lstStyle/>
+          <a:p>
+            <a:r>
+              <a:rPr lang="en-US" altLang="ko-KR" sz="600" dirty="0" smtClean="0"/>
+              <a:t>skill</a:t>
+            </a:r>
+            <a:endParaRPr lang="ko-KR" altLang="en-US" sz="600" dirty="0"/>
+          </a:p>
+        </p:txBody>
+      </p:sp>
+      <p:sp>
+        <p:nvSpPr>
+          <p:cNvPr id="58" name="TextBox 57"/>
+          <p:cNvSpPr txBox="1"/>
+          <p:nvPr/>
+        </p:nvSpPr>
+        <p:spPr>
+          <a:xfrm>
+            <a:off x="2315410" y="4028642"/>
+            <a:ext cx="487634" cy="184666"/>
+          </a:xfrm>
+          <a:prstGeom prst="rect">
+            <a:avLst/>
+          </a:prstGeom>
+          <a:noFill/>
+        </p:spPr>
+        <p:txBody>
+          <a:bodyPr wrap="none" rtlCol="0">
+            <a:spAutoFit/>
+          </a:bodyPr>
+          <a:lstStyle/>
+          <a:p>
+            <a:r>
+              <a:rPr lang="en-US" altLang="ko-KR" sz="600" dirty="0" err="1" smtClean="0"/>
+              <a:t>Killboard</a:t>
+            </a:r>
+            <a:endParaRPr lang="ko-KR" altLang="en-US" sz="600" dirty="0"/>
+          </a:p>
+        </p:txBody>
+      </p:sp>
+      <p:sp>
+        <p:nvSpPr>
+          <p:cNvPr id="59" name="TextBox 58"/>
+          <p:cNvSpPr txBox="1"/>
+          <p:nvPr/>
+        </p:nvSpPr>
+        <p:spPr>
+          <a:xfrm>
+            <a:off x="2390081" y="4528144"/>
+            <a:ext cx="377026" cy="184666"/>
+          </a:xfrm>
+          <a:prstGeom prst="rect">
+            <a:avLst/>
+          </a:prstGeom>
+          <a:noFill/>
+        </p:spPr>
+        <p:txBody>
+          <a:bodyPr wrap="none" rtlCol="0">
+            <a:spAutoFit/>
+          </a:bodyPr>
+          <a:lstStyle/>
+          <a:p>
+            <a:r>
+              <a:rPr lang="en-US" altLang="ko-KR" sz="600" dirty="0" smtClean="0"/>
+              <a:t>Asset</a:t>
+            </a:r>
+            <a:endParaRPr lang="ko-KR" altLang="en-US" sz="600" dirty="0"/>
+          </a:p>
+        </p:txBody>
+      </p:sp>
+      <p:sp>
+        <p:nvSpPr>
+          <p:cNvPr id="12" name="TextBox 11"/>
+          <p:cNvSpPr txBox="1"/>
+          <p:nvPr/>
+        </p:nvSpPr>
+        <p:spPr>
+          <a:xfrm>
+            <a:off x="3673708" y="2987040"/>
+            <a:ext cx="1055097" cy="261610"/>
+          </a:xfrm>
+          <a:prstGeom prst="rect">
+            <a:avLst/>
+          </a:prstGeom>
+          <a:noFill/>
+        </p:spPr>
+        <p:txBody>
+          <a:bodyPr wrap="none" rtlCol="0">
+            <a:spAutoFit/>
+          </a:bodyPr>
+          <a:lstStyle/>
+          <a:p>
+            <a:r>
+              <a:rPr lang="en-US" altLang="ko-KR" sz="1100" dirty="0" smtClean="0"/>
+              <a:t>Eric </a:t>
+            </a:r>
+            <a:r>
+              <a:rPr lang="en-US" altLang="ko-KR" sz="1100" dirty="0" err="1" smtClean="0"/>
+              <a:t>Albatorss</a:t>
+            </a:r>
+            <a:endParaRPr lang="ko-KR" altLang="en-US" sz="1100" dirty="0"/>
+          </a:p>
+        </p:txBody>
+      </p:sp>
+      <p:sp>
+        <p:nvSpPr>
+          <p:cNvPr id="13" name="직사각형 12"/>
+          <p:cNvSpPr/>
+          <p:nvPr/>
+        </p:nvSpPr>
+        <p:spPr>
+          <a:xfrm>
+            <a:off x="2948940" y="2987040"/>
+            <a:ext cx="612150" cy="259080"/>
+          </a:xfrm>
+          <a:prstGeom prst="rect">
+            <a:avLst/>
+          </a:prstGeom>
+          <a:noFill/>
+          <a:ln>
+            <a:solidFill>
+              <a:schemeClr val="tx1"/>
+            </a:solidFill>
+          </a:ln>
+        </p:spPr>
+        <p:style>
+          <a:lnRef idx="2">
+            <a:schemeClr val="accent1">
+              <a:shade val="50000"/>
+            </a:schemeClr>
+          </a:lnRef>
+          <a:fillRef idx="1">
+            <a:schemeClr val="accent1"/>
+          </a:fillRef>
+          <a:effectRef idx="0">
+            <a:schemeClr val="accent1"/>
+          </a:effectRef>
+          <a:fontRef idx="minor">
+            <a:schemeClr val="lt1"/>
+          </a:fontRef>
+        </p:style>
+        <p:txBody>
+          <a:bodyPr rtlCol="0" anchor="ctr"/>
+          <a:lstStyle/>
+          <a:p>
+            <a:pPr algn="ctr"/>
+            <a:endParaRPr lang="ko-KR" altLang="en-US"/>
+          </a:p>
+        </p:txBody>
+      </p:sp>
+      <p:cxnSp>
+        <p:nvCxnSpPr>
+          <p:cNvPr id="15" name="직선 연결선 14"/>
+          <p:cNvCxnSpPr/>
+          <p:nvPr/>
+        </p:nvCxnSpPr>
+        <p:spPr>
+          <a:xfrm>
+            <a:off x="2948940" y="2987040"/>
+            <a:ext cx="612150" cy="259080"/>
+          </a:xfrm>
+          <a:prstGeom prst="line">
+            <a:avLst/>
+          </a:prstGeom>
+          <a:ln>
+            <a:solidFill>
+              <a:schemeClr val="tx1"/>
+            </a:solidFill>
+          </a:ln>
+        </p:spPr>
+        <p:style>
+          <a:lnRef idx="1">
+            <a:schemeClr val="accent1"/>
+          </a:lnRef>
+          <a:fillRef idx="0">
+            <a:schemeClr val="accent1"/>
+          </a:fillRef>
+          <a:effectRef idx="0">
+            <a:schemeClr val="accent1"/>
+          </a:effectRef>
+          <a:fontRef idx="minor">
+            <a:schemeClr val="tx1"/>
+          </a:fontRef>
+        </p:style>
+      </p:cxnSp>
+      <p:cxnSp>
+        <p:nvCxnSpPr>
+          <p:cNvPr id="17" name="직선 연결선 16"/>
+          <p:cNvCxnSpPr/>
+          <p:nvPr/>
+        </p:nvCxnSpPr>
+        <p:spPr>
+          <a:xfrm flipH="1">
+            <a:off x="2948940" y="2987040"/>
+            <a:ext cx="612150" cy="259080"/>
+          </a:xfrm>
+          <a:prstGeom prst="line">
+            <a:avLst/>
+          </a:prstGeom>
+          <a:ln>
+            <a:solidFill>
+              <a:schemeClr val="tx1"/>
+            </a:solidFill>
+          </a:ln>
+        </p:spPr>
+        <p:style>
+          <a:lnRef idx="1">
+            <a:schemeClr val="accent1"/>
+          </a:lnRef>
+          <a:fillRef idx="0">
+            <a:schemeClr val="accent1"/>
+          </a:fillRef>
+          <a:effectRef idx="0">
+            <a:schemeClr val="accent1"/>
+          </a:effectRef>
+          <a:fontRef idx="minor">
+            <a:schemeClr val="tx1"/>
+          </a:fontRef>
+        </p:style>
+      </p:cxnSp>
+      <p:sp>
+        <p:nvSpPr>
+          <p:cNvPr id="67" name="TextBox 66"/>
+          <p:cNvSpPr txBox="1"/>
+          <p:nvPr/>
+        </p:nvSpPr>
+        <p:spPr>
+          <a:xfrm>
+            <a:off x="2949151" y="3491402"/>
+            <a:ext cx="1760220" cy="261610"/>
+          </a:xfrm>
+          <a:prstGeom prst="rect">
+            <a:avLst/>
+          </a:prstGeom>
+          <a:noFill/>
+        </p:spPr>
+        <p:txBody>
+          <a:bodyPr wrap="square" rtlCol="0">
+            <a:spAutoFit/>
+          </a:bodyPr>
+          <a:lstStyle/>
+          <a:p>
+            <a:r>
+              <a:rPr lang="en-US" altLang="ko-KR" sz="1100" dirty="0" smtClean="0"/>
+              <a:t>5,000,000,000 </a:t>
+            </a:r>
+            <a:r>
+              <a:rPr lang="en-US" altLang="ko-KR" sz="1100" dirty="0" err="1" smtClean="0"/>
+              <a:t>sp</a:t>
+            </a:r>
+            <a:endParaRPr lang="ko-KR" altLang="en-US" sz="1100" dirty="0"/>
+          </a:p>
+        </p:txBody>
+      </p:sp>
+      <p:sp>
+        <p:nvSpPr>
+          <p:cNvPr id="68" name="TextBox 67"/>
+          <p:cNvSpPr txBox="1"/>
+          <p:nvPr/>
+        </p:nvSpPr>
+        <p:spPr>
+          <a:xfrm>
+            <a:off x="2953345" y="3991435"/>
+            <a:ext cx="1760220" cy="261610"/>
+          </a:xfrm>
+          <a:prstGeom prst="rect">
+            <a:avLst/>
+          </a:prstGeom>
+          <a:noFill/>
+        </p:spPr>
+        <p:txBody>
+          <a:bodyPr wrap="square" rtlCol="0">
+            <a:spAutoFit/>
+          </a:bodyPr>
+          <a:lstStyle/>
+          <a:p>
+            <a:r>
+              <a:rPr lang="en-US" altLang="ko-KR" sz="1100" dirty="0" smtClean="0"/>
+              <a:t>1 unread mail </a:t>
+            </a:r>
+            <a:r>
+              <a:rPr lang="en-US" altLang="ko-KR" sz="1100" dirty="0" err="1" smtClean="0"/>
+              <a:t>deliverd</a:t>
+            </a:r>
+            <a:endParaRPr lang="ko-KR" altLang="en-US" sz="1100" dirty="0"/>
+          </a:p>
+        </p:txBody>
+      </p:sp>
+      <p:sp>
+        <p:nvSpPr>
+          <p:cNvPr id="73" name="TextBox 72"/>
+          <p:cNvSpPr txBox="1"/>
+          <p:nvPr/>
+        </p:nvSpPr>
+        <p:spPr>
+          <a:xfrm>
+            <a:off x="2973617" y="4486962"/>
+            <a:ext cx="1760220" cy="261610"/>
+          </a:xfrm>
+          <a:prstGeom prst="rect">
+            <a:avLst/>
+          </a:prstGeom>
+          <a:noFill/>
+        </p:spPr>
+        <p:txBody>
+          <a:bodyPr wrap="square" rtlCol="0">
+            <a:spAutoFit/>
+          </a:bodyPr>
+          <a:lstStyle/>
+          <a:p>
+            <a:r>
+              <a:rPr lang="en-US" altLang="ko-KR" sz="1100" dirty="0" smtClean="0"/>
+              <a:t>80,000,000,000 </a:t>
+            </a:r>
+            <a:r>
+              <a:rPr lang="en-US" altLang="ko-KR" sz="1100" dirty="0" err="1" smtClean="0"/>
+              <a:t>isk</a:t>
+            </a:r>
+            <a:r>
+              <a:rPr lang="en-US" altLang="ko-KR" sz="1100" dirty="0" smtClean="0"/>
+              <a:t> (80bil)</a:t>
+            </a:r>
+            <a:endParaRPr lang="ko-KR" altLang="en-US" sz="1100" dirty="0"/>
+          </a:p>
+        </p:txBody>
+      </p:sp>
+      <p:sp>
+        <p:nvSpPr>
+          <p:cNvPr id="2" name="직사각형 1"/>
+          <p:cNvSpPr/>
+          <p:nvPr/>
+        </p:nvSpPr>
+        <p:spPr>
+          <a:xfrm>
+            <a:off x="2158275" y="319936"/>
+            <a:ext cx="2955592" cy="4512457"/>
+          </a:xfrm>
+          <a:prstGeom prst="rect">
+            <a:avLst/>
+          </a:prstGeom>
+          <a:solidFill>
+            <a:schemeClr val="bg1">
+              <a:alpha val="75000"/>
+            </a:schemeClr>
+          </a:solidFill>
+          <a:ln>
+            <a:noFill/>
+          </a:ln>
+        </p:spPr>
+        <p:style>
+          <a:lnRef idx="2">
+            <a:schemeClr val="accent1">
+              <a:shade val="50000"/>
+            </a:schemeClr>
+          </a:lnRef>
+          <a:fillRef idx="1">
+            <a:schemeClr val="accent1"/>
+          </a:fillRef>
+          <a:effectRef idx="0">
+            <a:schemeClr val="accent1"/>
+          </a:effectRef>
+          <a:fontRef idx="minor">
+            <a:schemeClr val="lt1"/>
+          </a:fontRef>
+        </p:style>
+        <p:txBody>
+          <a:bodyPr rtlCol="0" anchor="ctr"/>
+          <a:lstStyle/>
+          <a:p>
+            <a:pPr algn="ctr"/>
+            <a:r>
+              <a:rPr lang="en-US" altLang="ko-KR" dirty="0" smtClean="0">
+                <a:solidFill>
+                  <a:srgbClr val="FF0000"/>
+                </a:solidFill>
+              </a:rPr>
+              <a:t>New Eden Store</a:t>
+            </a:r>
+            <a:endParaRPr lang="ko-KR" altLang="en-US" dirty="0">
+              <a:solidFill>
+                <a:srgbClr val="FF0000"/>
+              </a:solidFill>
+            </a:endParaRPr>
+          </a:p>
+        </p:txBody>
+      </p:sp>
+      <p:sp>
+        <p:nvSpPr>
+          <p:cNvPr id="6" name="TextBox 5"/>
+          <p:cNvSpPr txBox="1"/>
+          <p:nvPr/>
+        </p:nvSpPr>
+        <p:spPr>
+          <a:xfrm>
+            <a:off x="2212767" y="2011758"/>
+            <a:ext cx="653270" cy="246221"/>
+          </a:xfrm>
+          <a:prstGeom prst="rect">
+            <a:avLst/>
+          </a:prstGeom>
+          <a:solidFill>
+            <a:schemeClr val="bg1">
+              <a:lumMod val="95000"/>
+            </a:schemeClr>
+          </a:solidFill>
+        </p:spPr>
+        <p:txBody>
+          <a:bodyPr wrap="square" rtlCol="0">
+            <a:spAutoFit/>
+          </a:bodyPr>
+          <a:lstStyle/>
+          <a:p>
+            <a:pPr algn="ctr"/>
+            <a:r>
+              <a:rPr lang="en-US" altLang="ko-KR" sz="1000" dirty="0" smtClean="0"/>
+              <a:t>News</a:t>
+            </a:r>
+            <a:endParaRPr lang="ko-KR" altLang="en-US" sz="1000" dirty="0"/>
+          </a:p>
+        </p:txBody>
+      </p:sp>
+      <p:sp>
+        <p:nvSpPr>
+          <p:cNvPr id="45" name="TextBox 44"/>
+          <p:cNvSpPr txBox="1"/>
+          <p:nvPr/>
+        </p:nvSpPr>
+        <p:spPr>
+          <a:xfrm>
+            <a:off x="2906401" y="2011758"/>
+            <a:ext cx="645650" cy="246221"/>
+          </a:xfrm>
+          <a:prstGeom prst="rect">
+            <a:avLst/>
+          </a:prstGeom>
+          <a:solidFill>
+            <a:schemeClr val="bg1">
+              <a:lumMod val="95000"/>
+            </a:schemeClr>
+          </a:solidFill>
+        </p:spPr>
+        <p:txBody>
+          <a:bodyPr wrap="square" rtlCol="0">
+            <a:spAutoFit/>
+          </a:bodyPr>
+          <a:lstStyle/>
+          <a:p>
+            <a:pPr algn="ctr"/>
+            <a:r>
+              <a:rPr lang="en-US" altLang="ko-KR" sz="1000" dirty="0" smtClean="0"/>
+              <a:t>Event</a:t>
+            </a:r>
+            <a:endParaRPr lang="ko-KR" altLang="en-US" sz="1000" dirty="0"/>
+          </a:p>
+        </p:txBody>
+      </p:sp>
+      <p:sp>
+        <p:nvSpPr>
+          <p:cNvPr id="48" name="TextBox 47"/>
+          <p:cNvSpPr txBox="1"/>
+          <p:nvPr/>
+        </p:nvSpPr>
+        <p:spPr>
+          <a:xfrm>
+            <a:off x="3563613" y="2011758"/>
+            <a:ext cx="630301" cy="246221"/>
+          </a:xfrm>
+          <a:prstGeom prst="rect">
+            <a:avLst/>
+          </a:prstGeom>
+          <a:solidFill>
+            <a:schemeClr val="bg1">
+              <a:lumMod val="95000"/>
+            </a:schemeClr>
+          </a:solidFill>
+        </p:spPr>
+        <p:txBody>
+          <a:bodyPr wrap="none" rtlCol="0">
+            <a:spAutoFit/>
+          </a:bodyPr>
+          <a:lstStyle/>
+          <a:p>
+            <a:pPr algn="ctr"/>
+            <a:r>
+              <a:rPr lang="en-US" altLang="ko-KR" sz="1000" dirty="0" smtClean="0"/>
+              <a:t>Support</a:t>
+            </a:r>
+            <a:endParaRPr lang="ko-KR" altLang="en-US" sz="1000" dirty="0"/>
+          </a:p>
+        </p:txBody>
+      </p:sp>
+      <p:sp>
+        <p:nvSpPr>
+          <p:cNvPr id="52" name="TextBox 51"/>
+          <p:cNvSpPr txBox="1"/>
+          <p:nvPr/>
+        </p:nvSpPr>
+        <p:spPr>
+          <a:xfrm>
+            <a:off x="4212838" y="2011758"/>
+            <a:ext cx="840069" cy="253916"/>
+          </a:xfrm>
+          <a:prstGeom prst="rect">
+            <a:avLst/>
+          </a:prstGeom>
+          <a:solidFill>
+            <a:schemeClr val="bg1">
+              <a:lumMod val="95000"/>
+            </a:schemeClr>
+          </a:solidFill>
+        </p:spPr>
+        <p:txBody>
+          <a:bodyPr wrap="square" rtlCol="0">
+            <a:spAutoFit/>
+          </a:bodyPr>
+          <a:lstStyle/>
+          <a:p>
+            <a:pPr algn="ctr"/>
+            <a:r>
+              <a:rPr lang="en-US" altLang="ko-KR" sz="1000" dirty="0" smtClean="0"/>
+              <a:t>About</a:t>
+            </a:r>
+            <a:r>
+              <a:rPr lang="en-US" altLang="ko-KR" sz="1050" dirty="0" smtClean="0"/>
+              <a:t> us</a:t>
+            </a:r>
+            <a:endParaRPr lang="ko-KR" altLang="en-US" sz="1050" dirty="0"/>
+          </a:p>
+        </p:txBody>
+      </p:sp>
+      <p:cxnSp>
+        <p:nvCxnSpPr>
+          <p:cNvPr id="3" name="직선 연결선 2"/>
+          <p:cNvCxnSpPr/>
+          <p:nvPr/>
+        </p:nvCxnSpPr>
+        <p:spPr>
+          <a:xfrm>
+            <a:off x="4766964" y="498497"/>
+            <a:ext cx="271381" cy="155396"/>
+          </a:xfrm>
+          <a:prstGeom prst="line">
+            <a:avLst/>
+          </a:prstGeom>
+          <a:ln>
+            <a:solidFill>
+              <a:schemeClr val="tx1"/>
+            </a:solidFill>
+          </a:ln>
+        </p:spPr>
+        <p:style>
+          <a:lnRef idx="1">
+            <a:schemeClr val="accent1"/>
+          </a:lnRef>
+          <a:fillRef idx="0">
+            <a:schemeClr val="accent1"/>
+          </a:fillRef>
+          <a:effectRef idx="0">
+            <a:schemeClr val="accent1"/>
+          </a:effectRef>
+          <a:fontRef idx="minor">
+            <a:schemeClr val="tx1"/>
+          </a:fontRef>
+        </p:style>
+      </p:cxnSp>
+      <p:cxnSp>
+        <p:nvCxnSpPr>
+          <p:cNvPr id="43" name="직선 연결선 42"/>
+          <p:cNvCxnSpPr/>
+          <p:nvPr/>
+        </p:nvCxnSpPr>
+        <p:spPr>
+          <a:xfrm flipV="1">
+            <a:off x="4770331" y="498497"/>
+            <a:ext cx="268014" cy="155396"/>
+          </a:xfrm>
+          <a:prstGeom prst="line">
+            <a:avLst/>
+          </a:prstGeom>
+          <a:ln>
+            <a:solidFill>
+              <a:schemeClr val="tx1"/>
+            </a:solidFill>
+          </a:ln>
+        </p:spPr>
+        <p:style>
+          <a:lnRef idx="1">
+            <a:schemeClr val="accent1"/>
+          </a:lnRef>
+          <a:fillRef idx="0">
+            <a:schemeClr val="accent1"/>
+          </a:fillRef>
+          <a:effectRef idx="0">
+            <a:schemeClr val="accent1"/>
+          </a:effectRef>
+          <a:fontRef idx="minor">
+            <a:schemeClr val="tx1"/>
+          </a:fontRef>
+        </p:style>
+      </p:cxnSp>
+      <p:pic>
+        <p:nvPicPr>
+          <p:cNvPr id="1026" name="Picture 2" descr="C:\Users\Administrator.Sc-201912031509\Desktop\hallhand\Portfolio\img\images (1).jpg"/>
+          <p:cNvPicPr>
+            <a:picLocks noChangeAspect="1" noChangeArrowheads="1"/>
+          </p:cNvPicPr>
+          <p:nvPr/>
+        </p:nvPicPr>
+        <p:blipFill>
+          <a:blip r:embed="rId3">
+            <a:extLst>
+              <a:ext uri="{28A0092B-C50C-407E-A947-70E740481C1C}">
+                <a14:useLocalDpi xmlns:a14="http://schemas.microsoft.com/office/drawing/2010/main" val="0"/>
+              </a:ext>
+            </a:extLst>
+          </a:blip>
+          <a:srcRect/>
+          <a:stretch>
+            <a:fillRect/>
+          </a:stretch>
+        </p:blipFill>
+        <p:spPr bwMode="auto">
+          <a:xfrm>
+            <a:off x="2212767" y="896000"/>
+            <a:ext cx="2825578" cy="1109861"/>
+          </a:xfrm>
+          <a:prstGeom prst="rect">
+            <a:avLst/>
+          </a:prstGeom>
+          <a:noFill/>
+          <a:extLst>
+            <a:ext uri="{909E8E84-426E-40DD-AFC4-6F175D3DCCD1}">
+              <a14:hiddenFill xmlns:a14="http://schemas.microsoft.com/office/drawing/2010/main">
+                <a:solidFill>
+                  <a:srgbClr val="FFFFFF"/>
+                </a:solidFill>
+              </a14:hiddenFill>
+            </a:ext>
+          </a:extLst>
+        </p:spPr>
+      </p:pic>
+      <p:sp>
+        <p:nvSpPr>
+          <p:cNvPr id="14" name="직사각형 13"/>
+          <p:cNvSpPr/>
+          <p:nvPr/>
+        </p:nvSpPr>
+        <p:spPr>
+          <a:xfrm>
+            <a:off x="2212767" y="2773411"/>
+            <a:ext cx="2825578" cy="1446550"/>
+          </a:xfrm>
+          <a:prstGeom prst="rect">
+            <a:avLst/>
+          </a:prstGeom>
+        </p:spPr>
+        <p:txBody>
+          <a:bodyPr wrap="square">
+            <a:spAutoFit/>
+          </a:bodyPr>
+          <a:lstStyle/>
+          <a:p>
+            <a:r>
+              <a:rPr lang="en-US" altLang="ko-KR" sz="1100" dirty="0"/>
+              <a:t>Begin your life as a </a:t>
+            </a:r>
+            <a:r>
+              <a:rPr lang="en-US" altLang="ko-KR" sz="1100" dirty="0" err="1"/>
+              <a:t>Capsuleer</a:t>
+            </a:r>
+            <a:r>
+              <a:rPr lang="en-US" altLang="ko-KR" sz="1100" dirty="0"/>
+              <a:t> in New Eden, </a:t>
+            </a:r>
+          </a:p>
+          <a:p>
+            <a:r>
+              <a:rPr lang="en-US" altLang="ko-KR" sz="1100" dirty="0"/>
+              <a:t>where your destiny amidst hundreds of thousands of others awaits you. Become one with your ship and embark on a story of industry, </a:t>
+            </a:r>
+          </a:p>
+          <a:p>
+            <a:r>
+              <a:rPr lang="en-US" altLang="ko-KR" sz="1100" dirty="0"/>
+              <a:t>exploration and conquest as you weave your legend into the fabric of New Eden.</a:t>
+            </a:r>
+          </a:p>
+        </p:txBody>
+      </p:sp>
+    </p:spTree>
+    <p:extLst>
+      <p:ext uri="{BB962C8B-B14F-4D97-AF65-F5344CB8AC3E}">
+        <p14:creationId xmlns:p14="http://schemas.microsoft.com/office/powerpoint/2010/main" val="46375773"/>
       </p:ext>
     </p:extLst>
   </p:cSld>
@@ -32229,7 +37562,7 @@
                 <a:gridCol w="1357325">
                   <a:extLst>
                     <a:ext uri="{9D8B030D-6E8A-4147-A177-3AD203B41FA5}">
-                      <a16:colId xmlns:a16="http://schemas.microsoft.com/office/drawing/2014/main" xmlns="" val="20000"/>
+                      <a16:colId xmlns="" xmlns:a16="http://schemas.microsoft.com/office/drawing/2014/main" val="20000"/>
                     </a:ext>
                   </a:extLst>
                 </a:gridCol>
@@ -32316,7 +37649,7 @@
                 </a:tc>
                 <a:extLst>
                   <a:ext uri="{0D108BD9-81ED-4DB2-BD59-A6C34878D82A}">
-                    <a16:rowId xmlns:a16="http://schemas.microsoft.com/office/drawing/2014/main" xmlns="" val="10000"/>
+                    <a16:rowId xmlns="" xmlns:a16="http://schemas.microsoft.com/office/drawing/2014/main" val="10000"/>
                   </a:ext>
                 </a:extLst>
               </a:tr>
@@ -32351,7 +37684,7 @@
                 <a:gridCol w="1000125">
                   <a:extLst>
                     <a:ext uri="{9D8B030D-6E8A-4147-A177-3AD203B41FA5}">
-                      <a16:colId xmlns:a16="http://schemas.microsoft.com/office/drawing/2014/main" xmlns="" val="20000"/>
+                      <a16:colId xmlns="" xmlns:a16="http://schemas.microsoft.com/office/drawing/2014/main" val="20000"/>
                     </a:ext>
                   </a:extLst>
                 </a:gridCol>
@@ -32450,7 +37783,7 @@
                 </a:tc>
                 <a:extLst>
                   <a:ext uri="{0D108BD9-81ED-4DB2-BD59-A6C34878D82A}">
-                    <a16:rowId xmlns:a16="http://schemas.microsoft.com/office/drawing/2014/main" xmlns="" val="10000"/>
+                    <a16:rowId xmlns="" xmlns:a16="http://schemas.microsoft.com/office/drawing/2014/main" val="10000"/>
                   </a:ext>
                 </a:extLst>
               </a:tr>
@@ -32485,7 +37818,7 @@
                 <a:gridCol w="1000125">
                   <a:extLst>
                     <a:ext uri="{9D8B030D-6E8A-4147-A177-3AD203B41FA5}">
-                      <a16:colId xmlns:a16="http://schemas.microsoft.com/office/drawing/2014/main" xmlns="" val="20000"/>
+                      <a16:colId xmlns="" xmlns:a16="http://schemas.microsoft.com/office/drawing/2014/main" val="20000"/>
                     </a:ext>
                   </a:extLst>
                 </a:gridCol>
@@ -32596,7 +37929,7 @@
                 </a:tc>
                 <a:extLst>
                   <a:ext uri="{0D108BD9-81ED-4DB2-BD59-A6C34878D82A}">
-                    <a16:rowId xmlns:a16="http://schemas.microsoft.com/office/drawing/2014/main" xmlns="" val="10000"/>
+                    <a16:rowId xmlns="" xmlns:a16="http://schemas.microsoft.com/office/drawing/2014/main" val="10000"/>
                   </a:ext>
                 </a:extLst>
               </a:tr>
@@ -32631,7 +37964,7 @@
                 <a:gridCol w="1000125">
                   <a:extLst>
                     <a:ext uri="{9D8B030D-6E8A-4147-A177-3AD203B41FA5}">
-                      <a16:colId xmlns:a16="http://schemas.microsoft.com/office/drawing/2014/main" xmlns="" val="20000"/>
+                      <a16:colId xmlns="" xmlns:a16="http://schemas.microsoft.com/office/drawing/2014/main" val="20000"/>
                     </a:ext>
                   </a:extLst>
                 </a:gridCol>
@@ -32754,7 +38087,7 @@
                 </a:tc>
                 <a:extLst>
                   <a:ext uri="{0D108BD9-81ED-4DB2-BD59-A6C34878D82A}">
-                    <a16:rowId xmlns:a16="http://schemas.microsoft.com/office/drawing/2014/main" xmlns="" val="10000"/>
+                    <a16:rowId xmlns="" xmlns:a16="http://schemas.microsoft.com/office/drawing/2014/main" val="10000"/>
                   </a:ext>
                 </a:extLst>
               </a:tr>
@@ -32789,7 +38122,7 @@
                 <a:gridCol w="1000125">
                   <a:extLst>
                     <a:ext uri="{9D8B030D-6E8A-4147-A177-3AD203B41FA5}">
-                      <a16:colId xmlns:a16="http://schemas.microsoft.com/office/drawing/2014/main" xmlns="" val="20000"/>
+                      <a16:colId xmlns="" xmlns:a16="http://schemas.microsoft.com/office/drawing/2014/main" val="20000"/>
                     </a:ext>
                   </a:extLst>
                 </a:gridCol>
@@ -32888,7 +38221,7 @@
                 </a:tc>
                 <a:extLst>
                   <a:ext uri="{0D108BD9-81ED-4DB2-BD59-A6C34878D82A}">
-                    <a16:rowId xmlns:a16="http://schemas.microsoft.com/office/drawing/2014/main" xmlns="" val="10000"/>
+                    <a16:rowId xmlns="" xmlns:a16="http://schemas.microsoft.com/office/drawing/2014/main" val="10000"/>
                   </a:ext>
                 </a:extLst>
               </a:tr>
@@ -32923,7 +38256,7 @@
                 <a:gridCol w="1000125">
                   <a:extLst>
                     <a:ext uri="{9D8B030D-6E8A-4147-A177-3AD203B41FA5}">
-                      <a16:colId xmlns:a16="http://schemas.microsoft.com/office/drawing/2014/main" xmlns="" val="20000"/>
+                      <a16:colId xmlns="" xmlns:a16="http://schemas.microsoft.com/office/drawing/2014/main" val="20000"/>
                     </a:ext>
                   </a:extLst>
                 </a:gridCol>
@@ -33034,7 +38367,7 @@
                 </a:tc>
                 <a:extLst>
                   <a:ext uri="{0D108BD9-81ED-4DB2-BD59-A6C34878D82A}">
-                    <a16:rowId xmlns:a16="http://schemas.microsoft.com/office/drawing/2014/main" xmlns="" val="10000"/>
+                    <a16:rowId xmlns="" xmlns:a16="http://schemas.microsoft.com/office/drawing/2014/main" val="10000"/>
                   </a:ext>
                 </a:extLst>
               </a:tr>
@@ -33329,7 +38662,7 @@
                 <a:gridCol w="1000125">
                   <a:extLst>
                     <a:ext uri="{9D8B030D-6E8A-4147-A177-3AD203B41FA5}">
-                      <a16:colId xmlns:a16="http://schemas.microsoft.com/office/drawing/2014/main" xmlns="" val="20000"/>
+                      <a16:colId xmlns="" xmlns:a16="http://schemas.microsoft.com/office/drawing/2014/main" val="20000"/>
                     </a:ext>
                   </a:extLst>
                 </a:gridCol>
@@ -33452,7 +38785,7 @@
                 </a:tc>
                 <a:extLst>
                   <a:ext uri="{0D108BD9-81ED-4DB2-BD59-A6C34878D82A}">
-                    <a16:rowId xmlns:a16="http://schemas.microsoft.com/office/drawing/2014/main" xmlns="" val="10000"/>
+                    <a16:rowId xmlns="" xmlns:a16="http://schemas.microsoft.com/office/drawing/2014/main" val="10000"/>
                   </a:ext>
                 </a:extLst>
               </a:tr>
@@ -33487,7 +38820,7 @@
                 <a:gridCol w="1000125">
                   <a:extLst>
                     <a:ext uri="{9D8B030D-6E8A-4147-A177-3AD203B41FA5}">
-                      <a16:colId xmlns:a16="http://schemas.microsoft.com/office/drawing/2014/main" xmlns="" val="20000"/>
+                      <a16:colId xmlns="" xmlns:a16="http://schemas.microsoft.com/office/drawing/2014/main" val="20000"/>
                     </a:ext>
                   </a:extLst>
                 </a:gridCol>
@@ -33610,7 +38943,7 @@
                 </a:tc>
                 <a:extLst>
                   <a:ext uri="{0D108BD9-81ED-4DB2-BD59-A6C34878D82A}">
-                    <a16:rowId xmlns:a16="http://schemas.microsoft.com/office/drawing/2014/main" xmlns="" val="10000"/>
+                    <a16:rowId xmlns="" xmlns:a16="http://schemas.microsoft.com/office/drawing/2014/main" val="10000"/>
                   </a:ext>
                 </a:extLst>
               </a:tr>
@@ -33645,7 +38978,7 @@
                 <a:gridCol w="1000125">
                   <a:extLst>
                     <a:ext uri="{9D8B030D-6E8A-4147-A177-3AD203B41FA5}">
-                      <a16:colId xmlns:a16="http://schemas.microsoft.com/office/drawing/2014/main" xmlns="" val="20000"/>
+                      <a16:colId xmlns="" xmlns:a16="http://schemas.microsoft.com/office/drawing/2014/main" val="20000"/>
                     </a:ext>
                   </a:extLst>
                 </a:gridCol>
@@ -33756,7 +39089,7 @@
                 </a:tc>
                 <a:extLst>
                   <a:ext uri="{0D108BD9-81ED-4DB2-BD59-A6C34878D82A}">
-                    <a16:rowId xmlns:a16="http://schemas.microsoft.com/office/drawing/2014/main" xmlns="" val="10000"/>
+                    <a16:rowId xmlns="" xmlns:a16="http://schemas.microsoft.com/office/drawing/2014/main" val="10000"/>
                   </a:ext>
                 </a:extLst>
               </a:tr>
@@ -33791,7 +39124,7 @@
                 <a:gridCol w="1000125">
                   <a:extLst>
                     <a:ext uri="{9D8B030D-6E8A-4147-A177-3AD203B41FA5}">
-                      <a16:colId xmlns:a16="http://schemas.microsoft.com/office/drawing/2014/main" xmlns="" val="20000"/>
+                      <a16:colId xmlns="" xmlns:a16="http://schemas.microsoft.com/office/drawing/2014/main" val="20000"/>
                     </a:ext>
                   </a:extLst>
                 </a:gridCol>
@@ -33914,7 +39247,7 @@
                 </a:tc>
                 <a:extLst>
                   <a:ext uri="{0D108BD9-81ED-4DB2-BD59-A6C34878D82A}">
-                    <a16:rowId xmlns:a16="http://schemas.microsoft.com/office/drawing/2014/main" xmlns="" val="10000"/>
+                    <a16:rowId xmlns="" xmlns:a16="http://schemas.microsoft.com/office/drawing/2014/main" val="10000"/>
                   </a:ext>
                 </a:extLst>
               </a:tr>
@@ -33949,7 +39282,7 @@
                 <a:gridCol w="1000125">
                   <a:extLst>
                     <a:ext uri="{9D8B030D-6E8A-4147-A177-3AD203B41FA5}">
-                      <a16:colId xmlns:a16="http://schemas.microsoft.com/office/drawing/2014/main" xmlns="" val="20000"/>
+                      <a16:colId xmlns="" xmlns:a16="http://schemas.microsoft.com/office/drawing/2014/main" val="20000"/>
                     </a:ext>
                   </a:extLst>
                 </a:gridCol>
@@ -34072,7 +39405,7 @@
                 </a:tc>
                 <a:extLst>
                   <a:ext uri="{0D108BD9-81ED-4DB2-BD59-A6C34878D82A}">
-                    <a16:rowId xmlns:a16="http://schemas.microsoft.com/office/drawing/2014/main" xmlns="" val="10000"/>
+                    <a16:rowId xmlns="" xmlns:a16="http://schemas.microsoft.com/office/drawing/2014/main" val="10000"/>
                   </a:ext>
                 </a:extLst>
               </a:tr>
@@ -34107,7 +39440,7 @@
                 <a:gridCol w="1000125">
                   <a:extLst>
                     <a:ext uri="{9D8B030D-6E8A-4147-A177-3AD203B41FA5}">
-                      <a16:colId xmlns:a16="http://schemas.microsoft.com/office/drawing/2014/main" xmlns="" val="20000"/>
+                      <a16:colId xmlns="" xmlns:a16="http://schemas.microsoft.com/office/drawing/2014/main" val="20000"/>
                     </a:ext>
                   </a:extLst>
                 </a:gridCol>
@@ -34206,7 +39539,7 @@
                 </a:tc>
                 <a:extLst>
                   <a:ext uri="{0D108BD9-81ED-4DB2-BD59-A6C34878D82A}">
-                    <a16:rowId xmlns:a16="http://schemas.microsoft.com/office/drawing/2014/main" xmlns="" val="10000"/>
+                    <a16:rowId xmlns="" xmlns:a16="http://schemas.microsoft.com/office/drawing/2014/main" val="10000"/>
                   </a:ext>
                 </a:extLst>
               </a:tr>
@@ -34241,7 +39574,7 @@
                 <a:gridCol w="1133772">
                   <a:extLst>
                     <a:ext uri="{9D8B030D-6E8A-4147-A177-3AD203B41FA5}">
-                      <a16:colId xmlns:a16="http://schemas.microsoft.com/office/drawing/2014/main" xmlns="" val="20000"/>
+                      <a16:colId xmlns="" xmlns:a16="http://schemas.microsoft.com/office/drawing/2014/main" val="20000"/>
                     </a:ext>
                   </a:extLst>
                 </a:gridCol>
@@ -34364,7 +39697,7 @@
                 </a:tc>
                 <a:extLst>
                   <a:ext uri="{0D108BD9-81ED-4DB2-BD59-A6C34878D82A}">
-                    <a16:rowId xmlns:a16="http://schemas.microsoft.com/office/drawing/2014/main" xmlns="" val="10000"/>
+                    <a16:rowId xmlns="" xmlns:a16="http://schemas.microsoft.com/office/drawing/2014/main" val="10000"/>
                   </a:ext>
                 </a:extLst>
               </a:tr>
@@ -34425,7 +39758,7 @@
                 <a:gridCol w="1133772">
                   <a:extLst>
                     <a:ext uri="{9D8B030D-6E8A-4147-A177-3AD203B41FA5}">
-                      <a16:colId xmlns:a16="http://schemas.microsoft.com/office/drawing/2014/main" xmlns="" val="20000"/>
+                      <a16:colId xmlns="" xmlns:a16="http://schemas.microsoft.com/office/drawing/2014/main" val="20000"/>
                     </a:ext>
                   </a:extLst>
                 </a:gridCol>
@@ -34548,7 +39881,7 @@
                 </a:tc>
                 <a:extLst>
                   <a:ext uri="{0D108BD9-81ED-4DB2-BD59-A6C34878D82A}">
-                    <a16:rowId xmlns:a16="http://schemas.microsoft.com/office/drawing/2014/main" xmlns="" val="10000"/>
+                    <a16:rowId xmlns="" xmlns:a16="http://schemas.microsoft.com/office/drawing/2014/main" val="10000"/>
                   </a:ext>
                 </a:extLst>
               </a:tr>
@@ -35497,7 +40830,7 @@
           <p:cNvPr id="2" name="직사각형 1">
             <a:extLst>
               <a:ext uri="{FF2B5EF4-FFF2-40B4-BE49-F238E27FC236}">
-                <a16:creationId xmlns:a16="http://schemas.microsoft.com/office/drawing/2014/main" xmlns="" id="{A0E8A2D5-1F22-4A47-ABF9-77DA20610EC4}"/>
+                <a16:creationId xmlns="" xmlns:a16="http://schemas.microsoft.com/office/drawing/2014/main" id="{A0E8A2D5-1F22-4A47-ABF9-77DA20610EC4}"/>
               </a:ext>
             </a:extLst>
           </p:cNvPr>
@@ -35553,7 +40886,7 @@
           <p:cNvPr id="57" name="직사각형 56">
             <a:extLst>
               <a:ext uri="{FF2B5EF4-FFF2-40B4-BE49-F238E27FC236}">
-                <a16:creationId xmlns:a16="http://schemas.microsoft.com/office/drawing/2014/main" xmlns="" id="{CA788993-801F-47F2-A5CF-7C18AE07BCA6}"/>
+                <a16:creationId xmlns="" xmlns:a16="http://schemas.microsoft.com/office/drawing/2014/main" id="{CA788993-801F-47F2-A5CF-7C18AE07BCA6}"/>
               </a:ext>
             </a:extLst>
           </p:cNvPr>
@@ -35605,7 +40938,7 @@
           <p:cNvPr id="58" name="직사각형 57">
             <a:extLst>
               <a:ext uri="{FF2B5EF4-FFF2-40B4-BE49-F238E27FC236}">
-                <a16:creationId xmlns:a16="http://schemas.microsoft.com/office/drawing/2014/main" xmlns="" id="{AA702FBC-F01D-4396-B044-D75D1EF27BF4}"/>
+                <a16:creationId xmlns="" xmlns:a16="http://schemas.microsoft.com/office/drawing/2014/main" id="{AA702FBC-F01D-4396-B044-D75D1EF27BF4}"/>
               </a:ext>
             </a:extLst>
           </p:cNvPr>
@@ -35661,7 +40994,7 @@
           <p:cNvPr id="59" name="직사각형 58">
             <a:extLst>
               <a:ext uri="{FF2B5EF4-FFF2-40B4-BE49-F238E27FC236}">
-                <a16:creationId xmlns:a16="http://schemas.microsoft.com/office/drawing/2014/main" xmlns="" id="{03F35CDC-3DB2-4A6C-BF01-FE55ECBE1763}"/>
+                <a16:creationId xmlns="" xmlns:a16="http://schemas.microsoft.com/office/drawing/2014/main" id="{03F35CDC-3DB2-4A6C-BF01-FE55ECBE1763}"/>
               </a:ext>
             </a:extLst>
           </p:cNvPr>
@@ -35717,7 +41050,7 @@
           <p:cNvPr id="60" name="직사각형 59">
             <a:extLst>
               <a:ext uri="{FF2B5EF4-FFF2-40B4-BE49-F238E27FC236}">
-                <a16:creationId xmlns:a16="http://schemas.microsoft.com/office/drawing/2014/main" xmlns="" id="{A2593863-066F-4710-8158-E2E7525F6739}"/>
+                <a16:creationId xmlns="" xmlns:a16="http://schemas.microsoft.com/office/drawing/2014/main" id="{A2593863-066F-4710-8158-E2E7525F6739}"/>
               </a:ext>
             </a:extLst>
           </p:cNvPr>
@@ -35773,7 +41106,7 @@
           <p:cNvPr id="4" name="직선 연결선 3">
             <a:extLst>
               <a:ext uri="{FF2B5EF4-FFF2-40B4-BE49-F238E27FC236}">
-                <a16:creationId xmlns:a16="http://schemas.microsoft.com/office/drawing/2014/main" xmlns="" id="{E6D56DFA-1E27-44A9-83B1-20DCC1ED6E87}"/>
+                <a16:creationId xmlns="" xmlns:a16="http://schemas.microsoft.com/office/drawing/2014/main" id="{E6D56DFA-1E27-44A9-83B1-20DCC1ED6E87}"/>
               </a:ext>
             </a:extLst>
           </p:cNvPr>
@@ -35809,7 +41142,7 @@
           <p:cNvPr id="6" name="직선 연결선 5">
             <a:extLst>
               <a:ext uri="{FF2B5EF4-FFF2-40B4-BE49-F238E27FC236}">
-                <a16:creationId xmlns:a16="http://schemas.microsoft.com/office/drawing/2014/main" xmlns="" id="{F02E5B65-20DA-4854-B8AF-B1AE73CFD474}"/>
+                <a16:creationId xmlns="" xmlns:a16="http://schemas.microsoft.com/office/drawing/2014/main" id="{F02E5B65-20DA-4854-B8AF-B1AE73CFD474}"/>
               </a:ext>
             </a:extLst>
           </p:cNvPr>
@@ -35845,7 +41178,7 @@
           <p:cNvPr id="8" name="직선 연결선 7">
             <a:extLst>
               <a:ext uri="{FF2B5EF4-FFF2-40B4-BE49-F238E27FC236}">
-                <a16:creationId xmlns:a16="http://schemas.microsoft.com/office/drawing/2014/main" xmlns="" id="{44240779-76E1-4B27-9B94-FC998804FCE6}"/>
+                <a16:creationId xmlns="" xmlns:a16="http://schemas.microsoft.com/office/drawing/2014/main" id="{44240779-76E1-4B27-9B94-FC998804FCE6}"/>
               </a:ext>
             </a:extLst>
           </p:cNvPr>
@@ -35881,7 +41214,7 @@
           <p:cNvPr id="67" name="직선 연결선 66">
             <a:extLst>
               <a:ext uri="{FF2B5EF4-FFF2-40B4-BE49-F238E27FC236}">
-                <a16:creationId xmlns:a16="http://schemas.microsoft.com/office/drawing/2014/main" xmlns="" id="{E8A1ECCB-A6BA-4886-A8E3-606E72BD275A}"/>
+                <a16:creationId xmlns="" xmlns:a16="http://schemas.microsoft.com/office/drawing/2014/main" id="{E8A1ECCB-A6BA-4886-A8E3-606E72BD275A}"/>
               </a:ext>
             </a:extLst>
           </p:cNvPr>
@@ -35917,7 +41250,7 @@
           <p:cNvPr id="68" name="직선 연결선 67">
             <a:extLst>
               <a:ext uri="{FF2B5EF4-FFF2-40B4-BE49-F238E27FC236}">
-                <a16:creationId xmlns:a16="http://schemas.microsoft.com/office/drawing/2014/main" xmlns="" id="{28B9F037-3021-414D-8885-0C40BCBFBC9E}"/>
+                <a16:creationId xmlns="" xmlns:a16="http://schemas.microsoft.com/office/drawing/2014/main" id="{28B9F037-3021-414D-8885-0C40BCBFBC9E}"/>
               </a:ext>
             </a:extLst>
           </p:cNvPr>
@@ -37228,8 +42561,13 @@
           <a:p>
             <a:r>
               <a:rPr lang="ko-KR" altLang="en-US" sz="800" dirty="0"/>
-              <a:t>및 브라우저 고정</a:t>
-            </a:r>
+              <a:t>및 브라우저 </a:t>
+            </a:r>
+            <a:r>
+              <a:rPr lang="ko-KR" altLang="en-US" sz="800" dirty="0" smtClean="0"/>
+              <a:t>고정</a:t>
+            </a:r>
+            <a:endParaRPr lang="en-US" altLang="ko-KR" sz="800" dirty="0" smtClean="0"/>
           </a:p>
         </p:txBody>
       </p:sp>
@@ -37712,7 +43050,7 @@
           <a:lstStyle/>
           <a:p>
             <a:r>
-              <a:rPr lang="ko-KR" altLang="en-US" sz="800"/>
+              <a:rPr lang="ko-KR" altLang="en-US" sz="800" dirty="0"/>
               <a:t>간략한 이미지 </a:t>
             </a:r>
             <a:r>
@@ -37869,6 +43207,254 @@
           </a:fontRef>
         </p:style>
       </p:cxnSp>
+      <p:sp>
+        <p:nvSpPr>
+          <p:cNvPr id="3" name="TextBox 2"/>
+          <p:cNvSpPr txBox="1"/>
+          <p:nvPr/>
+        </p:nvSpPr>
+        <p:spPr>
+          <a:xfrm>
+            <a:off x="969259" y="2310518"/>
+            <a:ext cx="726481" cy="215444"/>
+          </a:xfrm>
+          <a:prstGeom prst="rect">
+            <a:avLst/>
+          </a:prstGeom>
+          <a:noFill/>
+        </p:spPr>
+        <p:txBody>
+          <a:bodyPr wrap="none" rtlCol="0">
+            <a:spAutoFit/>
+          </a:bodyPr>
+          <a:lstStyle/>
+          <a:p>
+            <a:r>
+              <a:rPr lang="ko-KR" altLang="en-US" sz="800" dirty="0" smtClean="0"/>
+              <a:t>이미지 소개</a:t>
+            </a:r>
+            <a:endParaRPr lang="ko-KR" altLang="en-US" sz="800" dirty="0"/>
+          </a:p>
+        </p:txBody>
+      </p:sp>
+      <p:sp>
+        <p:nvSpPr>
+          <p:cNvPr id="93" name="TextBox 92"/>
+          <p:cNvSpPr txBox="1"/>
+          <p:nvPr/>
+        </p:nvSpPr>
+        <p:spPr>
+          <a:xfrm>
+            <a:off x="3621035" y="2300868"/>
+            <a:ext cx="1165704" cy="215444"/>
+          </a:xfrm>
+          <a:prstGeom prst="rect">
+            <a:avLst/>
+          </a:prstGeom>
+          <a:noFill/>
+        </p:spPr>
+        <p:txBody>
+          <a:bodyPr wrap="none" rtlCol="0">
+            <a:spAutoFit/>
+          </a:bodyPr>
+          <a:lstStyle/>
+          <a:p>
+            <a:r>
+              <a:rPr lang="ko-KR" altLang="en-US" sz="800" dirty="0"/>
+              <a:t>간략한 이미지 </a:t>
+            </a:r>
+            <a:r>
+              <a:rPr lang="ko-KR" altLang="en-US" sz="800" dirty="0" err="1"/>
+              <a:t>소개글</a:t>
+            </a:r>
+            <a:endParaRPr lang="ko-KR" altLang="en-US" sz="800" dirty="0"/>
+          </a:p>
+        </p:txBody>
+      </p:sp>
+      <p:sp>
+        <p:nvSpPr>
+          <p:cNvPr id="94" name="TextBox 93"/>
+          <p:cNvSpPr txBox="1"/>
+          <p:nvPr/>
+        </p:nvSpPr>
+        <p:spPr>
+          <a:xfrm>
+            <a:off x="5035269" y="2300868"/>
+            <a:ext cx="1165704" cy="215444"/>
+          </a:xfrm>
+          <a:prstGeom prst="rect">
+            <a:avLst/>
+          </a:prstGeom>
+          <a:noFill/>
+        </p:spPr>
+        <p:txBody>
+          <a:bodyPr wrap="none" rtlCol="0">
+            <a:spAutoFit/>
+          </a:bodyPr>
+          <a:lstStyle/>
+          <a:p>
+            <a:r>
+              <a:rPr lang="ko-KR" altLang="en-US" sz="800" dirty="0"/>
+              <a:t>간략한 이미지 </a:t>
+            </a:r>
+            <a:r>
+              <a:rPr lang="ko-KR" altLang="en-US" sz="800" dirty="0" err="1"/>
+              <a:t>소개글</a:t>
+            </a:r>
+            <a:endParaRPr lang="ko-KR" altLang="en-US" sz="800" dirty="0"/>
+          </a:p>
+        </p:txBody>
+      </p:sp>
+      <p:sp>
+        <p:nvSpPr>
+          <p:cNvPr id="9" name="TextBox 8"/>
+          <p:cNvSpPr txBox="1"/>
+          <p:nvPr/>
+        </p:nvSpPr>
+        <p:spPr>
+          <a:xfrm>
+            <a:off x="1187708" y="4057503"/>
+            <a:ext cx="1165704" cy="215444"/>
+          </a:xfrm>
+          <a:prstGeom prst="rect">
+            <a:avLst/>
+          </a:prstGeom>
+          <a:noFill/>
+        </p:spPr>
+        <p:txBody>
+          <a:bodyPr wrap="none" rtlCol="0">
+            <a:spAutoFit/>
+          </a:bodyPr>
+          <a:lstStyle/>
+          <a:p>
+            <a:r>
+              <a:rPr lang="ko-KR" altLang="en-US" sz="800" smtClean="0"/>
+              <a:t>공지사항 또는 이벤트</a:t>
+            </a:r>
+            <a:endParaRPr lang="ko-KR" altLang="en-US" sz="800"/>
+          </a:p>
+        </p:txBody>
+      </p:sp>
+      <p:sp>
+        <p:nvSpPr>
+          <p:cNvPr id="95" name="TextBox 94"/>
+          <p:cNvSpPr txBox="1"/>
+          <p:nvPr/>
+        </p:nvSpPr>
+        <p:spPr>
+          <a:xfrm>
+            <a:off x="2882045" y="4050130"/>
+            <a:ext cx="1165704" cy="215444"/>
+          </a:xfrm>
+          <a:prstGeom prst="rect">
+            <a:avLst/>
+          </a:prstGeom>
+          <a:noFill/>
+        </p:spPr>
+        <p:txBody>
+          <a:bodyPr wrap="none" rtlCol="0">
+            <a:spAutoFit/>
+          </a:bodyPr>
+          <a:lstStyle/>
+          <a:p>
+            <a:r>
+              <a:rPr lang="ko-KR" altLang="en-US" sz="800" smtClean="0"/>
+              <a:t>공지사항 또는 이벤트</a:t>
+            </a:r>
+            <a:endParaRPr lang="ko-KR" altLang="en-US" sz="800"/>
+          </a:p>
+        </p:txBody>
+      </p:sp>
+      <p:sp>
+        <p:nvSpPr>
+          <p:cNvPr id="96" name="TextBox 95"/>
+          <p:cNvSpPr txBox="1"/>
+          <p:nvPr/>
+        </p:nvSpPr>
+        <p:spPr>
+          <a:xfrm>
+            <a:off x="4629513" y="4050130"/>
+            <a:ext cx="1165704" cy="215444"/>
+          </a:xfrm>
+          <a:prstGeom prst="rect">
+            <a:avLst/>
+          </a:prstGeom>
+          <a:noFill/>
+        </p:spPr>
+        <p:txBody>
+          <a:bodyPr wrap="none" rtlCol="0">
+            <a:spAutoFit/>
+          </a:bodyPr>
+          <a:lstStyle/>
+          <a:p>
+            <a:r>
+              <a:rPr lang="ko-KR" altLang="en-US" sz="800" smtClean="0"/>
+              <a:t>공지사항 또는 이벤트</a:t>
+            </a:r>
+            <a:endParaRPr lang="ko-KR" altLang="en-US" sz="800"/>
+          </a:p>
+        </p:txBody>
+      </p:sp>
+      <p:sp>
+        <p:nvSpPr>
+          <p:cNvPr id="97" name="TextBox 96"/>
+          <p:cNvSpPr txBox="1"/>
+          <p:nvPr/>
+        </p:nvSpPr>
+        <p:spPr>
+          <a:xfrm>
+            <a:off x="6124032" y="3917118"/>
+            <a:ext cx="676341" cy="461665"/>
+          </a:xfrm>
+          <a:prstGeom prst="rect">
+            <a:avLst/>
+          </a:prstGeom>
+          <a:noFill/>
+        </p:spPr>
+        <p:txBody>
+          <a:bodyPr wrap="square" rtlCol="0">
+            <a:spAutoFit/>
+          </a:bodyPr>
+          <a:lstStyle/>
+          <a:p>
+            <a:r>
+              <a:rPr lang="ko-KR" altLang="en-US" sz="800" smtClean="0"/>
+              <a:t>공지사항 또는 이벤트</a:t>
+            </a:r>
+            <a:endParaRPr lang="ko-KR" altLang="en-US" sz="800"/>
+          </a:p>
+        </p:txBody>
+      </p:sp>
+      <p:sp>
+        <p:nvSpPr>
+          <p:cNvPr id="98" name="TextBox 97"/>
+          <p:cNvSpPr txBox="1"/>
+          <p:nvPr/>
+        </p:nvSpPr>
+        <p:spPr>
+          <a:xfrm>
+            <a:off x="179512" y="3881129"/>
+            <a:ext cx="676341" cy="461665"/>
+          </a:xfrm>
+          <a:prstGeom prst="rect">
+            <a:avLst/>
+          </a:prstGeom>
+          <a:noFill/>
+        </p:spPr>
+        <p:txBody>
+          <a:bodyPr wrap="square" rtlCol="0">
+            <a:spAutoFit/>
+          </a:bodyPr>
+          <a:lstStyle/>
+          <a:p>
+            <a:r>
+              <a:rPr lang="ko-KR" altLang="en-US" sz="800" smtClean="0"/>
+              <a:t>공지사항 또는 이벤트</a:t>
+            </a:r>
+            <a:endParaRPr lang="ko-KR" altLang="en-US" sz="800"/>
+          </a:p>
+        </p:txBody>
+      </p:sp>
     </p:spTree>
     <p:extLst>
       <p:ext uri="{BB962C8B-B14F-4D97-AF65-F5344CB8AC3E}">
@@ -38400,7 +43986,7 @@
           <p:cNvPr id="2" name="직사각형 1">
             <a:extLst>
               <a:ext uri="{FF2B5EF4-FFF2-40B4-BE49-F238E27FC236}">
-                <a16:creationId xmlns:a16="http://schemas.microsoft.com/office/drawing/2014/main" xmlns="" id="{A0E8A2D5-1F22-4A47-ABF9-77DA20610EC4}"/>
+                <a16:creationId xmlns="" xmlns:a16="http://schemas.microsoft.com/office/drawing/2014/main" id="{A0E8A2D5-1F22-4A47-ABF9-77DA20610EC4}"/>
               </a:ext>
             </a:extLst>
           </p:cNvPr>
@@ -38456,7 +44042,7 @@
           <p:cNvPr id="57" name="직사각형 56">
             <a:extLst>
               <a:ext uri="{FF2B5EF4-FFF2-40B4-BE49-F238E27FC236}">
-                <a16:creationId xmlns:a16="http://schemas.microsoft.com/office/drawing/2014/main" xmlns="" id="{CA788993-801F-47F2-A5CF-7C18AE07BCA6}"/>
+                <a16:creationId xmlns="" xmlns:a16="http://schemas.microsoft.com/office/drawing/2014/main" id="{CA788993-801F-47F2-A5CF-7C18AE07BCA6}"/>
               </a:ext>
             </a:extLst>
           </p:cNvPr>
@@ -38508,7 +44094,7 @@
           <p:cNvPr id="58" name="직사각형 57">
             <a:extLst>
               <a:ext uri="{FF2B5EF4-FFF2-40B4-BE49-F238E27FC236}">
-                <a16:creationId xmlns:a16="http://schemas.microsoft.com/office/drawing/2014/main" xmlns="" id="{AA702FBC-F01D-4396-B044-D75D1EF27BF4}"/>
+                <a16:creationId xmlns="" xmlns:a16="http://schemas.microsoft.com/office/drawing/2014/main" id="{AA702FBC-F01D-4396-B044-D75D1EF27BF4}"/>
               </a:ext>
             </a:extLst>
           </p:cNvPr>
@@ -38560,7 +44146,7 @@
           <p:cNvPr id="6" name="직선 연결선 5">
             <a:extLst>
               <a:ext uri="{FF2B5EF4-FFF2-40B4-BE49-F238E27FC236}">
-                <a16:creationId xmlns:a16="http://schemas.microsoft.com/office/drawing/2014/main" xmlns="" id="{F02E5B65-20DA-4854-B8AF-B1AE73CFD474}"/>
+                <a16:creationId xmlns="" xmlns:a16="http://schemas.microsoft.com/office/drawing/2014/main" id="{F02E5B65-20DA-4854-B8AF-B1AE73CFD474}"/>
               </a:ext>
             </a:extLst>
           </p:cNvPr>
@@ -38596,7 +44182,7 @@
           <p:cNvPr id="8" name="직선 연결선 7">
             <a:extLst>
               <a:ext uri="{FF2B5EF4-FFF2-40B4-BE49-F238E27FC236}">
-                <a16:creationId xmlns:a16="http://schemas.microsoft.com/office/drawing/2014/main" xmlns="" id="{44240779-76E1-4B27-9B94-FC998804FCE6}"/>
+                <a16:creationId xmlns="" xmlns:a16="http://schemas.microsoft.com/office/drawing/2014/main" id="{44240779-76E1-4B27-9B94-FC998804FCE6}"/>
               </a:ext>
             </a:extLst>
           </p:cNvPr>
@@ -38632,7 +44218,7 @@
           <p:cNvPr id="67" name="직선 연결선 66">
             <a:extLst>
               <a:ext uri="{FF2B5EF4-FFF2-40B4-BE49-F238E27FC236}">
-                <a16:creationId xmlns:a16="http://schemas.microsoft.com/office/drawing/2014/main" xmlns="" id="{E8A1ECCB-A6BA-4886-A8E3-606E72BD275A}"/>
+                <a16:creationId xmlns="" xmlns:a16="http://schemas.microsoft.com/office/drawing/2014/main" id="{E8A1ECCB-A6BA-4886-A8E3-606E72BD275A}"/>
               </a:ext>
             </a:extLst>
           </p:cNvPr>
@@ -38668,7 +44254,7 @@
           <p:cNvPr id="68" name="직선 연결선 67">
             <a:extLst>
               <a:ext uri="{FF2B5EF4-FFF2-40B4-BE49-F238E27FC236}">
-                <a16:creationId xmlns:a16="http://schemas.microsoft.com/office/drawing/2014/main" xmlns="" id="{28B9F037-3021-414D-8885-0C40BCBFBC9E}"/>
+                <a16:creationId xmlns="" xmlns:a16="http://schemas.microsoft.com/office/drawing/2014/main" id="{28B9F037-3021-414D-8885-0C40BCBFBC9E}"/>
               </a:ext>
             </a:extLst>
           </p:cNvPr>
@@ -38706,7 +44292,7 @@
           <p:cNvPr id="56" name="직사각형 55">
             <a:extLst>
               <a:ext uri="{FF2B5EF4-FFF2-40B4-BE49-F238E27FC236}">
-                <a16:creationId xmlns:a16="http://schemas.microsoft.com/office/drawing/2014/main" xmlns="" id="{AA702FBC-F01D-4396-B044-D75D1EF27BF4}"/>
+                <a16:creationId xmlns="" xmlns:a16="http://schemas.microsoft.com/office/drawing/2014/main" id="{AA702FBC-F01D-4396-B044-D75D1EF27BF4}"/>
               </a:ext>
             </a:extLst>
           </p:cNvPr>
@@ -38762,7 +44348,7 @@
           <p:cNvPr id="61" name="직선 연결선 60">
             <a:extLst>
               <a:ext uri="{FF2B5EF4-FFF2-40B4-BE49-F238E27FC236}">
-                <a16:creationId xmlns:a16="http://schemas.microsoft.com/office/drawing/2014/main" xmlns="" id="{E8A1ECCB-A6BA-4886-A8E3-606E72BD275A}"/>
+                <a16:creationId xmlns="" xmlns:a16="http://schemas.microsoft.com/office/drawing/2014/main" id="{E8A1ECCB-A6BA-4886-A8E3-606E72BD275A}"/>
               </a:ext>
             </a:extLst>
           </p:cNvPr>
@@ -40881,6 +46467,170 @@
           </a:fontRef>
         </p:style>
       </p:cxnSp>
+      <p:sp>
+        <p:nvSpPr>
+          <p:cNvPr id="60" name="TextBox 59"/>
+          <p:cNvSpPr txBox="1"/>
+          <p:nvPr/>
+        </p:nvSpPr>
+        <p:spPr>
+          <a:xfrm>
+            <a:off x="2977886" y="2996343"/>
+            <a:ext cx="1026555" cy="215444"/>
+          </a:xfrm>
+          <a:prstGeom prst="rect">
+            <a:avLst/>
+          </a:prstGeom>
+          <a:noFill/>
+        </p:spPr>
+        <p:txBody>
+          <a:bodyPr wrap="square" rtlCol="0">
+            <a:spAutoFit/>
+          </a:bodyPr>
+          <a:lstStyle/>
+          <a:p>
+            <a:r>
+              <a:rPr lang="en-US" altLang="ko-KR" sz="800" dirty="0"/>
+              <a:t>2</a:t>
+            </a:r>
+            <a:r>
+              <a:rPr lang="ko-KR" altLang="en-US" sz="800" dirty="0" smtClean="0"/>
+              <a:t>번 </a:t>
+            </a:r>
+            <a:r>
+              <a:rPr lang="ko-KR" altLang="en-US" sz="800" dirty="0" err="1" smtClean="0"/>
+              <a:t>제품군</a:t>
+            </a:r>
+            <a:r>
+              <a:rPr lang="ko-KR" altLang="en-US" sz="800" dirty="0" smtClean="0"/>
+              <a:t> 이미지</a:t>
+            </a:r>
+            <a:endParaRPr lang="ko-KR" altLang="en-US" sz="800" dirty="0"/>
+          </a:p>
+        </p:txBody>
+      </p:sp>
+      <p:sp>
+        <p:nvSpPr>
+          <p:cNvPr id="62" name="TextBox 61"/>
+          <p:cNvSpPr txBox="1"/>
+          <p:nvPr/>
+        </p:nvSpPr>
+        <p:spPr>
+          <a:xfrm>
+            <a:off x="1125650" y="3027282"/>
+            <a:ext cx="1026555" cy="215444"/>
+          </a:xfrm>
+          <a:prstGeom prst="rect">
+            <a:avLst/>
+          </a:prstGeom>
+          <a:noFill/>
+        </p:spPr>
+        <p:txBody>
+          <a:bodyPr wrap="square" rtlCol="0">
+            <a:spAutoFit/>
+          </a:bodyPr>
+          <a:lstStyle/>
+          <a:p>
+            <a:r>
+              <a:rPr lang="en-US" altLang="ko-KR" sz="800" dirty="0" smtClean="0"/>
+              <a:t>1</a:t>
+            </a:r>
+            <a:r>
+              <a:rPr lang="ko-KR" altLang="en-US" sz="800" dirty="0" smtClean="0"/>
+              <a:t>번 </a:t>
+            </a:r>
+            <a:r>
+              <a:rPr lang="ko-KR" altLang="en-US" sz="800" dirty="0" err="1" smtClean="0"/>
+              <a:t>제품군</a:t>
+            </a:r>
+            <a:r>
+              <a:rPr lang="ko-KR" altLang="en-US" sz="800" dirty="0" smtClean="0"/>
+              <a:t> 이미지</a:t>
+            </a:r>
+            <a:endParaRPr lang="ko-KR" altLang="en-US" sz="800" dirty="0"/>
+          </a:p>
+        </p:txBody>
+      </p:sp>
+      <p:sp>
+        <p:nvSpPr>
+          <p:cNvPr id="63" name="TextBox 62"/>
+          <p:cNvSpPr txBox="1"/>
+          <p:nvPr/>
+        </p:nvSpPr>
+        <p:spPr>
+          <a:xfrm>
+            <a:off x="4718638" y="2993779"/>
+            <a:ext cx="1026555" cy="215444"/>
+          </a:xfrm>
+          <a:prstGeom prst="rect">
+            <a:avLst/>
+          </a:prstGeom>
+          <a:noFill/>
+        </p:spPr>
+        <p:txBody>
+          <a:bodyPr wrap="square" rtlCol="0">
+            <a:spAutoFit/>
+          </a:bodyPr>
+          <a:lstStyle/>
+          <a:p>
+            <a:r>
+              <a:rPr lang="en-US" altLang="ko-KR" sz="800" dirty="0" smtClean="0"/>
+              <a:t>3</a:t>
+            </a:r>
+            <a:r>
+              <a:rPr lang="ko-KR" altLang="en-US" sz="800" dirty="0" smtClean="0"/>
+              <a:t>번 </a:t>
+            </a:r>
+            <a:r>
+              <a:rPr lang="ko-KR" altLang="en-US" sz="800" dirty="0" err="1" smtClean="0"/>
+              <a:t>제품군</a:t>
+            </a:r>
+            <a:r>
+              <a:rPr lang="ko-KR" altLang="en-US" sz="800" dirty="0" smtClean="0"/>
+              <a:t> 이미지</a:t>
+            </a:r>
+            <a:endParaRPr lang="ko-KR" altLang="en-US" sz="800" dirty="0"/>
+          </a:p>
+        </p:txBody>
+      </p:sp>
+      <p:sp>
+        <p:nvSpPr>
+          <p:cNvPr id="72" name="TextBox 71"/>
+          <p:cNvSpPr txBox="1"/>
+          <p:nvPr/>
+        </p:nvSpPr>
+        <p:spPr>
+          <a:xfrm>
+            <a:off x="1524412" y="1409214"/>
+            <a:ext cx="1026555" cy="338554"/>
+          </a:xfrm>
+          <a:prstGeom prst="rect">
+            <a:avLst/>
+          </a:prstGeom>
+          <a:noFill/>
+        </p:spPr>
+        <p:txBody>
+          <a:bodyPr wrap="square" rtlCol="0">
+            <a:spAutoFit/>
+          </a:bodyPr>
+          <a:lstStyle/>
+          <a:p>
+            <a:r>
+              <a:rPr lang="ko-KR" altLang="en-US" sz="800" dirty="0" smtClean="0"/>
+              <a:t>이벤트 또는 할인 </a:t>
+            </a:r>
+            <a:r>
+              <a:rPr lang="ko-KR" altLang="en-US" sz="800" dirty="0" err="1" smtClean="0"/>
+              <a:t>제품군</a:t>
+            </a:r>
+            <a:r>
+              <a:rPr lang="ko-KR" altLang="en-US" sz="800" dirty="0" smtClean="0"/>
+              <a:t> 이미지</a:t>
+            </a:r>
+            <a:endParaRPr lang="ko-KR" altLang="en-US" sz="800" dirty="0"/>
+          </a:p>
+        </p:txBody>
+      </p:sp>
     </p:spTree>
     <p:extLst>
       <p:ext uri="{BB962C8B-B14F-4D97-AF65-F5344CB8AC3E}">
@@ -41675,7 +47425,7 @@
           <p:cNvPr id="65" name="직사각형 64">
             <a:extLst>
               <a:ext uri="{FF2B5EF4-FFF2-40B4-BE49-F238E27FC236}">
-                <a16:creationId xmlns:a16="http://schemas.microsoft.com/office/drawing/2014/main" xmlns="" id="{CA788993-801F-47F2-A5CF-7C18AE07BCA6}"/>
+                <a16:creationId xmlns="" xmlns:a16="http://schemas.microsoft.com/office/drawing/2014/main" id="{CA788993-801F-47F2-A5CF-7C18AE07BCA6}"/>
               </a:ext>
             </a:extLst>
           </p:cNvPr>
@@ -41731,7 +47481,7 @@
           <p:cNvPr id="66" name="직선 연결선 65">
             <a:extLst>
               <a:ext uri="{FF2B5EF4-FFF2-40B4-BE49-F238E27FC236}">
-                <a16:creationId xmlns:a16="http://schemas.microsoft.com/office/drawing/2014/main" xmlns="" id="{44240779-76E1-4B27-9B94-FC998804FCE6}"/>
+                <a16:creationId xmlns="" xmlns:a16="http://schemas.microsoft.com/office/drawing/2014/main" id="{44240779-76E1-4B27-9B94-FC998804FCE6}"/>
               </a:ext>
             </a:extLst>
           </p:cNvPr>
@@ -41767,7 +47517,7 @@
           <p:cNvPr id="69" name="직사각형 68">
             <a:extLst>
               <a:ext uri="{FF2B5EF4-FFF2-40B4-BE49-F238E27FC236}">
-                <a16:creationId xmlns:a16="http://schemas.microsoft.com/office/drawing/2014/main" xmlns="" id="{CA788993-801F-47F2-A5CF-7C18AE07BCA6}"/>
+                <a16:creationId xmlns="" xmlns:a16="http://schemas.microsoft.com/office/drawing/2014/main" id="{CA788993-801F-47F2-A5CF-7C18AE07BCA6}"/>
               </a:ext>
             </a:extLst>
           </p:cNvPr>
@@ -41823,7 +47573,7 @@
           <p:cNvPr id="70" name="직선 연결선 69">
             <a:extLst>
               <a:ext uri="{FF2B5EF4-FFF2-40B4-BE49-F238E27FC236}">
-                <a16:creationId xmlns:a16="http://schemas.microsoft.com/office/drawing/2014/main" xmlns="" id="{44240779-76E1-4B27-9B94-FC998804FCE6}"/>
+                <a16:creationId xmlns="" xmlns:a16="http://schemas.microsoft.com/office/drawing/2014/main" id="{44240779-76E1-4B27-9B94-FC998804FCE6}"/>
               </a:ext>
             </a:extLst>
           </p:cNvPr>
@@ -42035,496 +47785,6 @@
           </a:fontRef>
         </p:style>
       </p:cxnSp>
-      <p:cxnSp>
-        <p:nvCxnSpPr>
-          <p:cNvPr id="77" name="직선 연결선 76"/>
-          <p:cNvCxnSpPr/>
-          <p:nvPr/>
-        </p:nvCxnSpPr>
-        <p:spPr>
-          <a:xfrm>
-            <a:off x="1249220" y="1984731"/>
-            <a:ext cx="898901" cy="0"/>
-          </a:xfrm>
-          <a:prstGeom prst="line">
-            <a:avLst/>
-          </a:prstGeom>
-          <a:ln>
-            <a:solidFill>
-              <a:schemeClr val="tx1"/>
-            </a:solidFill>
-          </a:ln>
-        </p:spPr>
-        <p:style>
-          <a:lnRef idx="1">
-            <a:schemeClr val="accent1"/>
-          </a:lnRef>
-          <a:fillRef idx="0">
-            <a:schemeClr val="accent1"/>
-          </a:fillRef>
-          <a:effectRef idx="0">
-            <a:schemeClr val="accent1"/>
-          </a:effectRef>
-          <a:fontRef idx="minor">
-            <a:schemeClr val="tx1"/>
-          </a:fontRef>
-        </p:style>
-      </p:cxnSp>
-      <p:cxnSp>
-        <p:nvCxnSpPr>
-          <p:cNvPr id="78" name="직선 연결선 77"/>
-          <p:cNvCxnSpPr/>
-          <p:nvPr/>
-        </p:nvCxnSpPr>
-        <p:spPr>
-          <a:xfrm>
-            <a:off x="1247397" y="2048620"/>
-            <a:ext cx="898901" cy="0"/>
-          </a:xfrm>
-          <a:prstGeom prst="line">
-            <a:avLst/>
-          </a:prstGeom>
-          <a:ln>
-            <a:solidFill>
-              <a:schemeClr val="tx1"/>
-            </a:solidFill>
-          </a:ln>
-        </p:spPr>
-        <p:style>
-          <a:lnRef idx="1">
-            <a:schemeClr val="accent1"/>
-          </a:lnRef>
-          <a:fillRef idx="0">
-            <a:schemeClr val="accent1"/>
-          </a:fillRef>
-          <a:effectRef idx="0">
-            <a:schemeClr val="accent1"/>
-          </a:effectRef>
-          <a:fontRef idx="minor">
-            <a:schemeClr val="tx1"/>
-          </a:fontRef>
-        </p:style>
-      </p:cxnSp>
-      <p:cxnSp>
-        <p:nvCxnSpPr>
-          <p:cNvPr id="79" name="직선 연결선 78"/>
-          <p:cNvCxnSpPr/>
-          <p:nvPr/>
-        </p:nvCxnSpPr>
-        <p:spPr>
-          <a:xfrm>
-            <a:off x="1249794" y="2108161"/>
-            <a:ext cx="898901" cy="0"/>
-          </a:xfrm>
-          <a:prstGeom prst="line">
-            <a:avLst/>
-          </a:prstGeom>
-          <a:ln>
-            <a:solidFill>
-              <a:schemeClr val="tx1"/>
-            </a:solidFill>
-          </a:ln>
-        </p:spPr>
-        <p:style>
-          <a:lnRef idx="1">
-            <a:schemeClr val="accent1"/>
-          </a:lnRef>
-          <a:fillRef idx="0">
-            <a:schemeClr val="accent1"/>
-          </a:fillRef>
-          <a:effectRef idx="0">
-            <a:schemeClr val="accent1"/>
-          </a:effectRef>
-          <a:fontRef idx="minor">
-            <a:schemeClr val="tx1"/>
-          </a:fontRef>
-        </p:style>
-      </p:cxnSp>
-      <p:cxnSp>
-        <p:nvCxnSpPr>
-          <p:cNvPr id="80" name="직선 연결선 79"/>
-          <p:cNvCxnSpPr/>
-          <p:nvPr/>
-        </p:nvCxnSpPr>
-        <p:spPr>
-          <a:xfrm>
-            <a:off x="1254557" y="2174835"/>
-            <a:ext cx="898901" cy="0"/>
-          </a:xfrm>
-          <a:prstGeom prst="line">
-            <a:avLst/>
-          </a:prstGeom>
-          <a:ln>
-            <a:solidFill>
-              <a:schemeClr val="tx1"/>
-            </a:solidFill>
-          </a:ln>
-        </p:spPr>
-        <p:style>
-          <a:lnRef idx="1">
-            <a:schemeClr val="accent1"/>
-          </a:lnRef>
-          <a:fillRef idx="0">
-            <a:schemeClr val="accent1"/>
-          </a:fillRef>
-          <a:effectRef idx="0">
-            <a:schemeClr val="accent1"/>
-          </a:effectRef>
-          <a:fontRef idx="minor">
-            <a:schemeClr val="tx1"/>
-          </a:fontRef>
-        </p:style>
-      </p:cxnSp>
-      <p:cxnSp>
-        <p:nvCxnSpPr>
-          <p:cNvPr id="81" name="직선 연결선 80"/>
-          <p:cNvCxnSpPr/>
-          <p:nvPr/>
-        </p:nvCxnSpPr>
-        <p:spPr>
-          <a:xfrm>
-            <a:off x="2916432" y="2239219"/>
-            <a:ext cx="898901" cy="0"/>
-          </a:xfrm>
-          <a:prstGeom prst="line">
-            <a:avLst/>
-          </a:prstGeom>
-          <a:ln>
-            <a:solidFill>
-              <a:schemeClr val="tx1"/>
-            </a:solidFill>
-          </a:ln>
-        </p:spPr>
-        <p:style>
-          <a:lnRef idx="1">
-            <a:schemeClr val="accent1"/>
-          </a:lnRef>
-          <a:fillRef idx="0">
-            <a:schemeClr val="accent1"/>
-          </a:fillRef>
-          <a:effectRef idx="0">
-            <a:schemeClr val="accent1"/>
-          </a:effectRef>
-          <a:fontRef idx="minor">
-            <a:schemeClr val="tx1"/>
-          </a:fontRef>
-        </p:style>
-      </p:cxnSp>
-      <p:cxnSp>
-        <p:nvCxnSpPr>
-          <p:cNvPr id="82" name="직선 연결선 81"/>
-          <p:cNvCxnSpPr/>
-          <p:nvPr/>
-        </p:nvCxnSpPr>
-        <p:spPr>
-          <a:xfrm>
-            <a:off x="2916488" y="2298755"/>
-            <a:ext cx="898901" cy="0"/>
-          </a:xfrm>
-          <a:prstGeom prst="line">
-            <a:avLst/>
-          </a:prstGeom>
-          <a:ln>
-            <a:solidFill>
-              <a:schemeClr val="tx1"/>
-            </a:solidFill>
-          </a:ln>
-        </p:spPr>
-        <p:style>
-          <a:lnRef idx="1">
-            <a:schemeClr val="accent1"/>
-          </a:lnRef>
-          <a:fillRef idx="0">
-            <a:schemeClr val="accent1"/>
-          </a:fillRef>
-          <a:effectRef idx="0">
-            <a:schemeClr val="accent1"/>
-          </a:effectRef>
-          <a:fontRef idx="minor">
-            <a:schemeClr val="tx1"/>
-          </a:fontRef>
-        </p:style>
-      </p:cxnSp>
-      <p:cxnSp>
-        <p:nvCxnSpPr>
-          <p:cNvPr id="83" name="직선 연결선 82"/>
-          <p:cNvCxnSpPr/>
-          <p:nvPr/>
-        </p:nvCxnSpPr>
-        <p:spPr>
-          <a:xfrm>
-            <a:off x="2914665" y="2362644"/>
-            <a:ext cx="898901" cy="0"/>
-          </a:xfrm>
-          <a:prstGeom prst="line">
-            <a:avLst/>
-          </a:prstGeom>
-          <a:ln>
-            <a:solidFill>
-              <a:schemeClr val="tx1"/>
-            </a:solidFill>
-          </a:ln>
-        </p:spPr>
-        <p:style>
-          <a:lnRef idx="1">
-            <a:schemeClr val="accent1"/>
-          </a:lnRef>
-          <a:fillRef idx="0">
-            <a:schemeClr val="accent1"/>
-          </a:fillRef>
-          <a:effectRef idx="0">
-            <a:schemeClr val="accent1"/>
-          </a:effectRef>
-          <a:fontRef idx="minor">
-            <a:schemeClr val="tx1"/>
-          </a:fontRef>
-        </p:style>
-      </p:cxnSp>
-      <p:cxnSp>
-        <p:nvCxnSpPr>
-          <p:cNvPr id="84" name="직선 연결선 83"/>
-          <p:cNvCxnSpPr/>
-          <p:nvPr/>
-        </p:nvCxnSpPr>
-        <p:spPr>
-          <a:xfrm>
-            <a:off x="2917062" y="2422185"/>
-            <a:ext cx="898901" cy="0"/>
-          </a:xfrm>
-          <a:prstGeom prst="line">
-            <a:avLst/>
-          </a:prstGeom>
-          <a:ln>
-            <a:solidFill>
-              <a:schemeClr val="tx1"/>
-            </a:solidFill>
-          </a:ln>
-        </p:spPr>
-        <p:style>
-          <a:lnRef idx="1">
-            <a:schemeClr val="accent1"/>
-          </a:lnRef>
-          <a:fillRef idx="0">
-            <a:schemeClr val="accent1"/>
-          </a:fillRef>
-          <a:effectRef idx="0">
-            <a:schemeClr val="accent1"/>
-          </a:effectRef>
-          <a:fontRef idx="minor">
-            <a:schemeClr val="tx1"/>
-          </a:fontRef>
-        </p:style>
-      </p:cxnSp>
-      <p:cxnSp>
-        <p:nvCxnSpPr>
-          <p:cNvPr id="85" name="직선 연결선 84"/>
-          <p:cNvCxnSpPr/>
-          <p:nvPr/>
-        </p:nvCxnSpPr>
-        <p:spPr>
-          <a:xfrm>
-            <a:off x="2921825" y="2488859"/>
-            <a:ext cx="898901" cy="0"/>
-          </a:xfrm>
-          <a:prstGeom prst="line">
-            <a:avLst/>
-          </a:prstGeom>
-          <a:ln>
-            <a:solidFill>
-              <a:schemeClr val="tx1"/>
-            </a:solidFill>
-          </a:ln>
-        </p:spPr>
-        <p:style>
-          <a:lnRef idx="1">
-            <a:schemeClr val="accent1"/>
-          </a:lnRef>
-          <a:fillRef idx="0">
-            <a:schemeClr val="accent1"/>
-          </a:fillRef>
-          <a:effectRef idx="0">
-            <a:schemeClr val="accent1"/>
-          </a:effectRef>
-          <a:fontRef idx="minor">
-            <a:schemeClr val="tx1"/>
-          </a:fontRef>
-        </p:style>
-      </p:cxnSp>
-      <p:cxnSp>
-        <p:nvCxnSpPr>
-          <p:cNvPr id="86" name="직선 연결선 85"/>
-          <p:cNvCxnSpPr/>
-          <p:nvPr/>
-        </p:nvCxnSpPr>
-        <p:spPr>
-          <a:xfrm>
-            <a:off x="4564436" y="2239219"/>
-            <a:ext cx="898901" cy="0"/>
-          </a:xfrm>
-          <a:prstGeom prst="line">
-            <a:avLst/>
-          </a:prstGeom>
-          <a:ln>
-            <a:solidFill>
-              <a:schemeClr val="tx1"/>
-            </a:solidFill>
-          </a:ln>
-        </p:spPr>
-        <p:style>
-          <a:lnRef idx="1">
-            <a:schemeClr val="accent1"/>
-          </a:lnRef>
-          <a:fillRef idx="0">
-            <a:schemeClr val="accent1"/>
-          </a:fillRef>
-          <a:effectRef idx="0">
-            <a:schemeClr val="accent1"/>
-          </a:effectRef>
-          <a:fontRef idx="minor">
-            <a:schemeClr val="tx1"/>
-          </a:fontRef>
-        </p:style>
-      </p:cxnSp>
-      <p:cxnSp>
-        <p:nvCxnSpPr>
-          <p:cNvPr id="87" name="직선 연결선 86"/>
-          <p:cNvCxnSpPr/>
-          <p:nvPr/>
-        </p:nvCxnSpPr>
-        <p:spPr>
-          <a:xfrm>
-            <a:off x="4564492" y="2298755"/>
-            <a:ext cx="898901" cy="0"/>
-          </a:xfrm>
-          <a:prstGeom prst="line">
-            <a:avLst/>
-          </a:prstGeom>
-          <a:ln>
-            <a:solidFill>
-              <a:schemeClr val="tx1"/>
-            </a:solidFill>
-          </a:ln>
-        </p:spPr>
-        <p:style>
-          <a:lnRef idx="1">
-            <a:schemeClr val="accent1"/>
-          </a:lnRef>
-          <a:fillRef idx="0">
-            <a:schemeClr val="accent1"/>
-          </a:fillRef>
-          <a:effectRef idx="0">
-            <a:schemeClr val="accent1"/>
-          </a:effectRef>
-          <a:fontRef idx="minor">
-            <a:schemeClr val="tx1"/>
-          </a:fontRef>
-        </p:style>
-      </p:cxnSp>
-      <p:cxnSp>
-        <p:nvCxnSpPr>
-          <p:cNvPr id="88" name="직선 연결선 87"/>
-          <p:cNvCxnSpPr/>
-          <p:nvPr/>
-        </p:nvCxnSpPr>
-        <p:spPr>
-          <a:xfrm>
-            <a:off x="4562669" y="2362644"/>
-            <a:ext cx="898901" cy="0"/>
-          </a:xfrm>
-          <a:prstGeom prst="line">
-            <a:avLst/>
-          </a:prstGeom>
-          <a:ln>
-            <a:solidFill>
-              <a:schemeClr val="tx1"/>
-            </a:solidFill>
-          </a:ln>
-        </p:spPr>
-        <p:style>
-          <a:lnRef idx="1">
-            <a:schemeClr val="accent1"/>
-          </a:lnRef>
-          <a:fillRef idx="0">
-            <a:schemeClr val="accent1"/>
-          </a:fillRef>
-          <a:effectRef idx="0">
-            <a:schemeClr val="accent1"/>
-          </a:effectRef>
-          <a:fontRef idx="minor">
-            <a:schemeClr val="tx1"/>
-          </a:fontRef>
-        </p:style>
-      </p:cxnSp>
-      <p:cxnSp>
-        <p:nvCxnSpPr>
-          <p:cNvPr id="89" name="직선 연결선 88"/>
-          <p:cNvCxnSpPr/>
-          <p:nvPr/>
-        </p:nvCxnSpPr>
-        <p:spPr>
-          <a:xfrm>
-            <a:off x="4565066" y="2422185"/>
-            <a:ext cx="898901" cy="0"/>
-          </a:xfrm>
-          <a:prstGeom prst="line">
-            <a:avLst/>
-          </a:prstGeom>
-          <a:ln>
-            <a:solidFill>
-              <a:schemeClr val="tx1"/>
-            </a:solidFill>
-          </a:ln>
-        </p:spPr>
-        <p:style>
-          <a:lnRef idx="1">
-            <a:schemeClr val="accent1"/>
-          </a:lnRef>
-          <a:fillRef idx="0">
-            <a:schemeClr val="accent1"/>
-          </a:fillRef>
-          <a:effectRef idx="0">
-            <a:schemeClr val="accent1"/>
-          </a:effectRef>
-          <a:fontRef idx="minor">
-            <a:schemeClr val="tx1"/>
-          </a:fontRef>
-        </p:style>
-      </p:cxnSp>
-      <p:cxnSp>
-        <p:nvCxnSpPr>
-          <p:cNvPr id="90" name="직선 연결선 89"/>
-          <p:cNvCxnSpPr/>
-          <p:nvPr/>
-        </p:nvCxnSpPr>
-        <p:spPr>
-          <a:xfrm>
-            <a:off x="4569829" y="2488859"/>
-            <a:ext cx="898901" cy="0"/>
-          </a:xfrm>
-          <a:prstGeom prst="line">
-            <a:avLst/>
-          </a:prstGeom>
-          <a:ln>
-            <a:solidFill>
-              <a:schemeClr val="tx1"/>
-            </a:solidFill>
-          </a:ln>
-        </p:spPr>
-        <p:style>
-          <a:lnRef idx="1">
-            <a:schemeClr val="accent1"/>
-          </a:lnRef>
-          <a:fillRef idx="0">
-            <a:schemeClr val="accent1"/>
-          </a:fillRef>
-          <a:effectRef idx="0">
-            <a:schemeClr val="accent1"/>
-          </a:effectRef>
-          <a:fontRef idx="minor">
-            <a:schemeClr val="tx1"/>
-          </a:fontRef>
-        </p:style>
-      </p:cxnSp>
       <p:sp>
         <p:nvSpPr>
           <p:cNvPr id="148" name="Google Shape;148;p14"/>
@@ -42578,7 +47838,7 @@
           <p:cNvPr id="91" name="직사각형 90">
             <a:extLst>
               <a:ext uri="{FF2B5EF4-FFF2-40B4-BE49-F238E27FC236}">
-                <a16:creationId xmlns:a16="http://schemas.microsoft.com/office/drawing/2014/main" xmlns="" id="{CA788993-801F-47F2-A5CF-7C18AE07BCA6}"/>
+                <a16:creationId xmlns="" xmlns:a16="http://schemas.microsoft.com/office/drawing/2014/main" id="{CA788993-801F-47F2-A5CF-7C18AE07BCA6}"/>
               </a:ext>
             </a:extLst>
           </p:cNvPr>
@@ -42630,7 +47890,7 @@
           <p:cNvPr id="92" name="직선 연결선 91">
             <a:extLst>
               <a:ext uri="{FF2B5EF4-FFF2-40B4-BE49-F238E27FC236}">
-                <a16:creationId xmlns:a16="http://schemas.microsoft.com/office/drawing/2014/main" xmlns="" id="{44240779-76E1-4B27-9B94-FC998804FCE6}"/>
+                <a16:creationId xmlns="" xmlns:a16="http://schemas.microsoft.com/office/drawing/2014/main" id="{44240779-76E1-4B27-9B94-FC998804FCE6}"/>
               </a:ext>
             </a:extLst>
           </p:cNvPr>
@@ -42666,7 +47926,7 @@
           <p:cNvPr id="93" name="직사각형 92">
             <a:extLst>
               <a:ext uri="{FF2B5EF4-FFF2-40B4-BE49-F238E27FC236}">
-                <a16:creationId xmlns:a16="http://schemas.microsoft.com/office/drawing/2014/main" xmlns="" id="{CA788993-801F-47F2-A5CF-7C18AE07BCA6}"/>
+                <a16:creationId xmlns="" xmlns:a16="http://schemas.microsoft.com/office/drawing/2014/main" id="{CA788993-801F-47F2-A5CF-7C18AE07BCA6}"/>
               </a:ext>
             </a:extLst>
           </p:cNvPr>
@@ -42718,7 +47978,7 @@
           <p:cNvPr id="94" name="직선 연결선 93">
             <a:extLst>
               <a:ext uri="{FF2B5EF4-FFF2-40B4-BE49-F238E27FC236}">
-                <a16:creationId xmlns:a16="http://schemas.microsoft.com/office/drawing/2014/main" xmlns="" id="{44240779-76E1-4B27-9B94-FC998804FCE6}"/>
+                <a16:creationId xmlns="" xmlns:a16="http://schemas.microsoft.com/office/drawing/2014/main" id="{44240779-76E1-4B27-9B94-FC998804FCE6}"/>
               </a:ext>
             </a:extLst>
           </p:cNvPr>
@@ -42809,566 +48069,6 @@
           </a:p>
         </p:txBody>
       </p:sp>
-      <p:cxnSp>
-        <p:nvCxnSpPr>
-          <p:cNvPr id="96" name="직선 연결선 95"/>
-          <p:cNvCxnSpPr/>
-          <p:nvPr/>
-        </p:nvCxnSpPr>
-        <p:spPr>
-          <a:xfrm>
-            <a:off x="2502158" y="3419301"/>
-            <a:ext cx="3088547" cy="0"/>
-          </a:xfrm>
-          <a:prstGeom prst="line">
-            <a:avLst/>
-          </a:prstGeom>
-          <a:ln>
-            <a:solidFill>
-              <a:schemeClr val="tx1"/>
-            </a:solidFill>
-          </a:ln>
-        </p:spPr>
-        <p:style>
-          <a:lnRef idx="1">
-            <a:schemeClr val="accent1"/>
-          </a:lnRef>
-          <a:fillRef idx="0">
-            <a:schemeClr val="accent1"/>
-          </a:fillRef>
-          <a:effectRef idx="0">
-            <a:schemeClr val="accent1"/>
-          </a:effectRef>
-          <a:fontRef idx="minor">
-            <a:schemeClr val="tx1"/>
-          </a:fontRef>
-        </p:style>
-      </p:cxnSp>
-      <p:cxnSp>
-        <p:nvCxnSpPr>
-          <p:cNvPr id="106" name="직선 연결선 105"/>
-          <p:cNvCxnSpPr/>
-          <p:nvPr/>
-        </p:nvCxnSpPr>
-        <p:spPr>
-          <a:xfrm>
-            <a:off x="2506921" y="3495500"/>
-            <a:ext cx="3088547" cy="0"/>
-          </a:xfrm>
-          <a:prstGeom prst="line">
-            <a:avLst/>
-          </a:prstGeom>
-          <a:ln>
-            <a:solidFill>
-              <a:schemeClr val="tx1"/>
-            </a:solidFill>
-          </a:ln>
-        </p:spPr>
-        <p:style>
-          <a:lnRef idx="1">
-            <a:schemeClr val="accent1"/>
-          </a:lnRef>
-          <a:fillRef idx="0">
-            <a:schemeClr val="accent1"/>
-          </a:fillRef>
-          <a:effectRef idx="0">
-            <a:schemeClr val="accent1"/>
-          </a:effectRef>
-          <a:fontRef idx="minor">
-            <a:schemeClr val="tx1"/>
-          </a:fontRef>
-        </p:style>
-      </p:cxnSp>
-      <p:cxnSp>
-        <p:nvCxnSpPr>
-          <p:cNvPr id="109" name="직선 연결선 108"/>
-          <p:cNvCxnSpPr/>
-          <p:nvPr/>
-        </p:nvCxnSpPr>
-        <p:spPr>
-          <a:xfrm>
-            <a:off x="2511684" y="3576462"/>
-            <a:ext cx="3088547" cy="0"/>
-          </a:xfrm>
-          <a:prstGeom prst="line">
-            <a:avLst/>
-          </a:prstGeom>
-          <a:ln>
-            <a:solidFill>
-              <a:schemeClr val="tx1"/>
-            </a:solidFill>
-          </a:ln>
-        </p:spPr>
-        <p:style>
-          <a:lnRef idx="1">
-            <a:schemeClr val="accent1"/>
-          </a:lnRef>
-          <a:fillRef idx="0">
-            <a:schemeClr val="accent1"/>
-          </a:fillRef>
-          <a:effectRef idx="0">
-            <a:schemeClr val="accent1"/>
-          </a:effectRef>
-          <a:fontRef idx="minor">
-            <a:schemeClr val="tx1"/>
-          </a:fontRef>
-        </p:style>
-      </p:cxnSp>
-      <p:cxnSp>
-        <p:nvCxnSpPr>
-          <p:cNvPr id="110" name="직선 연결선 109"/>
-          <p:cNvCxnSpPr/>
-          <p:nvPr/>
-        </p:nvCxnSpPr>
-        <p:spPr>
-          <a:xfrm>
-            <a:off x="2506921" y="3664174"/>
-            <a:ext cx="3088547" cy="0"/>
-          </a:xfrm>
-          <a:prstGeom prst="line">
-            <a:avLst/>
-          </a:prstGeom>
-          <a:ln>
-            <a:solidFill>
-              <a:schemeClr val="tx1"/>
-            </a:solidFill>
-          </a:ln>
-        </p:spPr>
-        <p:style>
-          <a:lnRef idx="1">
-            <a:schemeClr val="accent1"/>
-          </a:lnRef>
-          <a:fillRef idx="0">
-            <a:schemeClr val="accent1"/>
-          </a:fillRef>
-          <a:effectRef idx="0">
-            <a:schemeClr val="accent1"/>
-          </a:effectRef>
-          <a:fontRef idx="minor">
-            <a:schemeClr val="tx1"/>
-          </a:fontRef>
-        </p:style>
-      </p:cxnSp>
-      <p:cxnSp>
-        <p:nvCxnSpPr>
-          <p:cNvPr id="111" name="직선 연결선 110"/>
-          <p:cNvCxnSpPr/>
-          <p:nvPr/>
-        </p:nvCxnSpPr>
-        <p:spPr>
-          <a:xfrm>
-            <a:off x="2511684" y="3740373"/>
-            <a:ext cx="3088547" cy="0"/>
-          </a:xfrm>
-          <a:prstGeom prst="line">
-            <a:avLst/>
-          </a:prstGeom>
-          <a:ln>
-            <a:solidFill>
-              <a:schemeClr val="tx1"/>
-            </a:solidFill>
-          </a:ln>
-        </p:spPr>
-        <p:style>
-          <a:lnRef idx="1">
-            <a:schemeClr val="accent1"/>
-          </a:lnRef>
-          <a:fillRef idx="0">
-            <a:schemeClr val="accent1"/>
-          </a:fillRef>
-          <a:effectRef idx="0">
-            <a:schemeClr val="accent1"/>
-          </a:effectRef>
-          <a:fontRef idx="minor">
-            <a:schemeClr val="tx1"/>
-          </a:fontRef>
-        </p:style>
-      </p:cxnSp>
-      <p:cxnSp>
-        <p:nvCxnSpPr>
-          <p:cNvPr id="112" name="직선 연결선 111"/>
-          <p:cNvCxnSpPr/>
-          <p:nvPr/>
-        </p:nvCxnSpPr>
-        <p:spPr>
-          <a:xfrm>
-            <a:off x="2516447" y="3821335"/>
-            <a:ext cx="3088547" cy="0"/>
-          </a:xfrm>
-          <a:prstGeom prst="line">
-            <a:avLst/>
-          </a:prstGeom>
-          <a:ln>
-            <a:solidFill>
-              <a:schemeClr val="tx1"/>
-            </a:solidFill>
-          </a:ln>
-        </p:spPr>
-        <p:style>
-          <a:lnRef idx="1">
-            <a:schemeClr val="accent1"/>
-          </a:lnRef>
-          <a:fillRef idx="0">
-            <a:schemeClr val="accent1"/>
-          </a:fillRef>
-          <a:effectRef idx="0">
-            <a:schemeClr val="accent1"/>
-          </a:effectRef>
-          <a:fontRef idx="minor">
-            <a:schemeClr val="tx1"/>
-          </a:fontRef>
-        </p:style>
-      </p:cxnSp>
-      <p:cxnSp>
-        <p:nvCxnSpPr>
-          <p:cNvPr id="113" name="직선 연결선 112"/>
-          <p:cNvCxnSpPr/>
-          <p:nvPr/>
-        </p:nvCxnSpPr>
-        <p:spPr>
-          <a:xfrm>
-            <a:off x="2511684" y="3907061"/>
-            <a:ext cx="3088547" cy="0"/>
-          </a:xfrm>
-          <a:prstGeom prst="line">
-            <a:avLst/>
-          </a:prstGeom>
-          <a:ln>
-            <a:solidFill>
-              <a:schemeClr val="tx1"/>
-            </a:solidFill>
-          </a:ln>
-        </p:spPr>
-        <p:style>
-          <a:lnRef idx="1">
-            <a:schemeClr val="accent1"/>
-          </a:lnRef>
-          <a:fillRef idx="0">
-            <a:schemeClr val="accent1"/>
-          </a:fillRef>
-          <a:effectRef idx="0">
-            <a:schemeClr val="accent1"/>
-          </a:effectRef>
-          <a:fontRef idx="minor">
-            <a:schemeClr val="tx1"/>
-          </a:fontRef>
-        </p:style>
-      </p:cxnSp>
-      <p:cxnSp>
-        <p:nvCxnSpPr>
-          <p:cNvPr id="114" name="직선 연결선 113"/>
-          <p:cNvCxnSpPr/>
-          <p:nvPr/>
-        </p:nvCxnSpPr>
-        <p:spPr>
-          <a:xfrm>
-            <a:off x="2516447" y="3983260"/>
-            <a:ext cx="3088547" cy="0"/>
-          </a:xfrm>
-          <a:prstGeom prst="line">
-            <a:avLst/>
-          </a:prstGeom>
-          <a:ln>
-            <a:solidFill>
-              <a:schemeClr val="tx1"/>
-            </a:solidFill>
-          </a:ln>
-        </p:spPr>
-        <p:style>
-          <a:lnRef idx="1">
-            <a:schemeClr val="accent1"/>
-          </a:lnRef>
-          <a:fillRef idx="0">
-            <a:schemeClr val="accent1"/>
-          </a:fillRef>
-          <a:effectRef idx="0">
-            <a:schemeClr val="accent1"/>
-          </a:effectRef>
-          <a:fontRef idx="minor">
-            <a:schemeClr val="tx1"/>
-          </a:fontRef>
-        </p:style>
-      </p:cxnSp>
-      <p:cxnSp>
-        <p:nvCxnSpPr>
-          <p:cNvPr id="115" name="직선 연결선 114"/>
-          <p:cNvCxnSpPr/>
-          <p:nvPr/>
-        </p:nvCxnSpPr>
-        <p:spPr>
-          <a:xfrm>
-            <a:off x="2506921" y="4186064"/>
-            <a:ext cx="3088547" cy="0"/>
-          </a:xfrm>
-          <a:prstGeom prst="line">
-            <a:avLst/>
-          </a:prstGeom>
-          <a:ln>
-            <a:solidFill>
-              <a:schemeClr val="tx1"/>
-            </a:solidFill>
-          </a:ln>
-        </p:spPr>
-        <p:style>
-          <a:lnRef idx="1">
-            <a:schemeClr val="accent1"/>
-          </a:lnRef>
-          <a:fillRef idx="0">
-            <a:schemeClr val="accent1"/>
-          </a:fillRef>
-          <a:effectRef idx="0">
-            <a:schemeClr val="accent1"/>
-          </a:effectRef>
-          <a:fontRef idx="minor">
-            <a:schemeClr val="tx1"/>
-          </a:fontRef>
-        </p:style>
-      </p:cxnSp>
-      <p:cxnSp>
-        <p:nvCxnSpPr>
-          <p:cNvPr id="116" name="직선 연결선 115"/>
-          <p:cNvCxnSpPr/>
-          <p:nvPr/>
-        </p:nvCxnSpPr>
-        <p:spPr>
-          <a:xfrm>
-            <a:off x="2511684" y="4262263"/>
-            <a:ext cx="3088547" cy="0"/>
-          </a:xfrm>
-          <a:prstGeom prst="line">
-            <a:avLst/>
-          </a:prstGeom>
-          <a:ln>
-            <a:solidFill>
-              <a:schemeClr val="tx1"/>
-            </a:solidFill>
-          </a:ln>
-        </p:spPr>
-        <p:style>
-          <a:lnRef idx="1">
-            <a:schemeClr val="accent1"/>
-          </a:lnRef>
-          <a:fillRef idx="0">
-            <a:schemeClr val="accent1"/>
-          </a:fillRef>
-          <a:effectRef idx="0">
-            <a:schemeClr val="accent1"/>
-          </a:effectRef>
-          <a:fontRef idx="minor">
-            <a:schemeClr val="tx1"/>
-          </a:fontRef>
-        </p:style>
-      </p:cxnSp>
-      <p:cxnSp>
-        <p:nvCxnSpPr>
-          <p:cNvPr id="117" name="직선 연결선 116"/>
-          <p:cNvCxnSpPr/>
-          <p:nvPr/>
-        </p:nvCxnSpPr>
-        <p:spPr>
-          <a:xfrm>
-            <a:off x="2516447" y="4343225"/>
-            <a:ext cx="3088547" cy="0"/>
-          </a:xfrm>
-          <a:prstGeom prst="line">
-            <a:avLst/>
-          </a:prstGeom>
-          <a:ln>
-            <a:solidFill>
-              <a:schemeClr val="tx1"/>
-            </a:solidFill>
-          </a:ln>
-        </p:spPr>
-        <p:style>
-          <a:lnRef idx="1">
-            <a:schemeClr val="accent1"/>
-          </a:lnRef>
-          <a:fillRef idx="0">
-            <a:schemeClr val="accent1"/>
-          </a:fillRef>
-          <a:effectRef idx="0">
-            <a:schemeClr val="accent1"/>
-          </a:effectRef>
-          <a:fontRef idx="minor">
-            <a:schemeClr val="tx1"/>
-          </a:fontRef>
-        </p:style>
-      </p:cxnSp>
-      <p:cxnSp>
-        <p:nvCxnSpPr>
-          <p:cNvPr id="118" name="직선 연결선 117"/>
-          <p:cNvCxnSpPr/>
-          <p:nvPr/>
-        </p:nvCxnSpPr>
-        <p:spPr>
-          <a:xfrm>
-            <a:off x="2511684" y="4430937"/>
-            <a:ext cx="3088547" cy="0"/>
-          </a:xfrm>
-          <a:prstGeom prst="line">
-            <a:avLst/>
-          </a:prstGeom>
-          <a:ln>
-            <a:solidFill>
-              <a:schemeClr val="tx1"/>
-            </a:solidFill>
-          </a:ln>
-        </p:spPr>
-        <p:style>
-          <a:lnRef idx="1">
-            <a:schemeClr val="accent1"/>
-          </a:lnRef>
-          <a:fillRef idx="0">
-            <a:schemeClr val="accent1"/>
-          </a:fillRef>
-          <a:effectRef idx="0">
-            <a:schemeClr val="accent1"/>
-          </a:effectRef>
-          <a:fontRef idx="minor">
-            <a:schemeClr val="tx1"/>
-          </a:fontRef>
-        </p:style>
-      </p:cxnSp>
-      <p:cxnSp>
-        <p:nvCxnSpPr>
-          <p:cNvPr id="119" name="직선 연결선 118"/>
-          <p:cNvCxnSpPr/>
-          <p:nvPr/>
-        </p:nvCxnSpPr>
-        <p:spPr>
-          <a:xfrm>
-            <a:off x="2516447" y="4507136"/>
-            <a:ext cx="3088547" cy="0"/>
-          </a:xfrm>
-          <a:prstGeom prst="line">
-            <a:avLst/>
-          </a:prstGeom>
-          <a:ln>
-            <a:solidFill>
-              <a:schemeClr val="tx1"/>
-            </a:solidFill>
-          </a:ln>
-        </p:spPr>
-        <p:style>
-          <a:lnRef idx="1">
-            <a:schemeClr val="accent1"/>
-          </a:lnRef>
-          <a:fillRef idx="0">
-            <a:schemeClr val="accent1"/>
-          </a:fillRef>
-          <a:effectRef idx="0">
-            <a:schemeClr val="accent1"/>
-          </a:effectRef>
-          <a:fontRef idx="minor">
-            <a:schemeClr val="tx1"/>
-          </a:fontRef>
-        </p:style>
-      </p:cxnSp>
-      <p:cxnSp>
-        <p:nvCxnSpPr>
-          <p:cNvPr id="120" name="직선 연결선 119"/>
-          <p:cNvCxnSpPr/>
-          <p:nvPr/>
-        </p:nvCxnSpPr>
-        <p:spPr>
-          <a:xfrm>
-            <a:off x="2521210" y="4588098"/>
-            <a:ext cx="3088547" cy="0"/>
-          </a:xfrm>
-          <a:prstGeom prst="line">
-            <a:avLst/>
-          </a:prstGeom>
-          <a:ln>
-            <a:solidFill>
-              <a:schemeClr val="tx1"/>
-            </a:solidFill>
-          </a:ln>
-        </p:spPr>
-        <p:style>
-          <a:lnRef idx="1">
-            <a:schemeClr val="accent1"/>
-          </a:lnRef>
-          <a:fillRef idx="0">
-            <a:schemeClr val="accent1"/>
-          </a:fillRef>
-          <a:effectRef idx="0">
-            <a:schemeClr val="accent1"/>
-          </a:effectRef>
-          <a:fontRef idx="minor">
-            <a:schemeClr val="tx1"/>
-          </a:fontRef>
-        </p:style>
-      </p:cxnSp>
-      <p:cxnSp>
-        <p:nvCxnSpPr>
-          <p:cNvPr id="121" name="직선 연결선 120"/>
-          <p:cNvCxnSpPr/>
-          <p:nvPr/>
-        </p:nvCxnSpPr>
-        <p:spPr>
-          <a:xfrm>
-            <a:off x="2516447" y="4673824"/>
-            <a:ext cx="3088547" cy="0"/>
-          </a:xfrm>
-          <a:prstGeom prst="line">
-            <a:avLst/>
-          </a:prstGeom>
-          <a:ln>
-            <a:solidFill>
-              <a:schemeClr val="tx1"/>
-            </a:solidFill>
-          </a:ln>
-        </p:spPr>
-        <p:style>
-          <a:lnRef idx="1">
-            <a:schemeClr val="accent1"/>
-          </a:lnRef>
-          <a:fillRef idx="0">
-            <a:schemeClr val="accent1"/>
-          </a:fillRef>
-          <a:effectRef idx="0">
-            <a:schemeClr val="accent1"/>
-          </a:effectRef>
-          <a:fontRef idx="minor">
-            <a:schemeClr val="tx1"/>
-          </a:fontRef>
-        </p:style>
-      </p:cxnSp>
-      <p:cxnSp>
-        <p:nvCxnSpPr>
-          <p:cNvPr id="122" name="직선 연결선 121"/>
-          <p:cNvCxnSpPr/>
-          <p:nvPr/>
-        </p:nvCxnSpPr>
-        <p:spPr>
-          <a:xfrm>
-            <a:off x="2521210" y="4750023"/>
-            <a:ext cx="3088547" cy="0"/>
-          </a:xfrm>
-          <a:prstGeom prst="line">
-            <a:avLst/>
-          </a:prstGeom>
-          <a:ln>
-            <a:solidFill>
-              <a:schemeClr val="tx1"/>
-            </a:solidFill>
-          </a:ln>
-        </p:spPr>
-        <p:style>
-          <a:lnRef idx="1">
-            <a:schemeClr val="accent1"/>
-          </a:lnRef>
-          <a:fillRef idx="0">
-            <a:schemeClr val="accent1"/>
-          </a:fillRef>
-          <a:effectRef idx="0">
-            <a:schemeClr val="accent1"/>
-          </a:effectRef>
-          <a:fontRef idx="minor">
-            <a:schemeClr val="tx1"/>
-          </a:fontRef>
-        </p:style>
-      </p:cxnSp>
       <p:sp>
         <p:nvSpPr>
           <p:cNvPr id="188" name="Google Shape;188;p14"/>
@@ -43508,7 +48208,7 @@
           <p:cNvPr id="57" name="직사각형 56">
             <a:extLst>
               <a:ext uri="{FF2B5EF4-FFF2-40B4-BE49-F238E27FC236}">
-                <a16:creationId xmlns:a16="http://schemas.microsoft.com/office/drawing/2014/main" xmlns="" id="{CA788993-801F-47F2-A5CF-7C18AE07BCA6}"/>
+                <a16:creationId xmlns="" xmlns:a16="http://schemas.microsoft.com/office/drawing/2014/main" id="{CA788993-801F-47F2-A5CF-7C18AE07BCA6}"/>
               </a:ext>
             </a:extLst>
           </p:cNvPr>
@@ -43562,7 +48262,7 @@
           <p:cNvPr id="8" name="직선 연결선 7">
             <a:extLst>
               <a:ext uri="{FF2B5EF4-FFF2-40B4-BE49-F238E27FC236}">
-                <a16:creationId xmlns:a16="http://schemas.microsoft.com/office/drawing/2014/main" xmlns="" id="{44240779-76E1-4B27-9B94-FC998804FCE6}"/>
+                <a16:creationId xmlns="" xmlns:a16="http://schemas.microsoft.com/office/drawing/2014/main" id="{44240779-76E1-4B27-9B94-FC998804FCE6}"/>
               </a:ext>
             </a:extLst>
           </p:cNvPr>
@@ -44632,6 +49332,192 @@
           </a:fontRef>
         </p:style>
       </p:cxnSp>
+      <p:sp>
+        <p:nvSpPr>
+          <p:cNvPr id="125" name="직사각형 124">
+            <a:extLst>
+              <a:ext uri="{FF2B5EF4-FFF2-40B4-BE49-F238E27FC236}">
+                <a16:creationId xmlns="" xmlns:a16="http://schemas.microsoft.com/office/drawing/2014/main" id="{833E8FE5-5E25-46A8-8489-71EA79C73CB4}"/>
+              </a:ext>
+            </a:extLst>
+          </p:cNvPr>
+          <p:cNvSpPr/>
+          <p:nvPr/>
+        </p:nvSpPr>
+        <p:spPr>
+          <a:xfrm>
+            <a:off x="2826009" y="2193846"/>
+            <a:ext cx="1149161" cy="338554"/>
+          </a:xfrm>
+          <a:prstGeom prst="rect">
+            <a:avLst/>
+          </a:prstGeom>
+        </p:spPr>
+        <p:txBody>
+          <a:bodyPr wrap="square">
+            <a:spAutoFit/>
+          </a:bodyPr>
+          <a:lstStyle/>
+          <a:p>
+            <a:r>
+              <a:rPr lang="en-US" altLang="ko-KR" sz="800" dirty="0">
+                <a:latin typeface="Shentox"/>
+                <a:hlinkClick r:id="rId3"/>
+              </a:rPr>
+              <a:t>New Value Packs now available!</a:t>
+            </a:r>
+          </a:p>
+        </p:txBody>
+      </p:sp>
+      <p:sp>
+        <p:nvSpPr>
+          <p:cNvPr id="126" name="직사각형 125">
+            <a:extLst>
+              <a:ext uri="{FF2B5EF4-FFF2-40B4-BE49-F238E27FC236}">
+                <a16:creationId xmlns="" xmlns:a16="http://schemas.microsoft.com/office/drawing/2014/main" id="{833E8FE5-5E25-46A8-8489-71EA79C73CB4}"/>
+              </a:ext>
+            </a:extLst>
+          </p:cNvPr>
+          <p:cNvSpPr/>
+          <p:nvPr/>
+        </p:nvSpPr>
+        <p:spPr>
+          <a:xfrm>
+            <a:off x="4485718" y="2182036"/>
+            <a:ext cx="1149161" cy="338554"/>
+          </a:xfrm>
+          <a:prstGeom prst="rect">
+            <a:avLst/>
+          </a:prstGeom>
+        </p:spPr>
+        <p:txBody>
+          <a:bodyPr wrap="square">
+            <a:spAutoFit/>
+          </a:bodyPr>
+          <a:lstStyle/>
+          <a:p>
+            <a:r>
+              <a:rPr lang="en-US" altLang="ko-KR" sz="800" dirty="0">
+                <a:latin typeface="Shentox"/>
+                <a:hlinkClick r:id="rId3"/>
+              </a:rPr>
+              <a:t>New Value Packs now available!</a:t>
+            </a:r>
+          </a:p>
+        </p:txBody>
+      </p:sp>
+      <p:sp>
+        <p:nvSpPr>
+          <p:cNvPr id="128" name="TextBox 127">
+            <a:extLst>
+              <a:ext uri="{FF2B5EF4-FFF2-40B4-BE49-F238E27FC236}">
+                <a16:creationId xmlns="" xmlns:a16="http://schemas.microsoft.com/office/drawing/2014/main" id="{F6EC8B24-B4B3-40C1-A8E7-B11C79C23380}"/>
+              </a:ext>
+            </a:extLst>
+          </p:cNvPr>
+          <p:cNvSpPr txBox="1"/>
+          <p:nvPr/>
+        </p:nvSpPr>
+        <p:spPr>
+          <a:xfrm>
+            <a:off x="2473936" y="3455417"/>
+            <a:ext cx="1928733" cy="461665"/>
+          </a:xfrm>
+          <a:prstGeom prst="rect">
+            <a:avLst/>
+          </a:prstGeom>
+          <a:noFill/>
+        </p:spPr>
+        <p:txBody>
+          <a:bodyPr wrap="none" rtlCol="0">
+            <a:spAutoFit/>
+          </a:bodyPr>
+          <a:lstStyle/>
+          <a:p>
+            <a:r>
+              <a:rPr lang="en-US" altLang="ko-KR" sz="800" dirty="0"/>
+              <a:t>Check out the new </a:t>
+            </a:r>
+            <a:r>
+              <a:rPr lang="en-US" altLang="ko-KR" sz="800" dirty="0" err="1"/>
+              <a:t>Heartsurge</a:t>
+            </a:r>
+            <a:r>
+              <a:rPr lang="en-US" altLang="ko-KR" sz="800" dirty="0"/>
+              <a:t> SKINs </a:t>
+            </a:r>
+          </a:p>
+          <a:p>
+            <a:r>
+              <a:rPr lang="en-US" altLang="ko-KR" sz="800" dirty="0"/>
+              <a:t>in the New Eden Store, </a:t>
+            </a:r>
+          </a:p>
+          <a:p>
+            <a:r>
+              <a:rPr lang="en-US" altLang="ko-KR" sz="800" dirty="0"/>
+              <a:t>but only for a limited time!</a:t>
+            </a:r>
+            <a:endParaRPr lang="ko-KR" altLang="en-US" sz="800" dirty="0"/>
+          </a:p>
+        </p:txBody>
+      </p:sp>
+      <p:sp>
+        <p:nvSpPr>
+          <p:cNvPr id="129" name="TextBox 128">
+            <a:extLst>
+              <a:ext uri="{FF2B5EF4-FFF2-40B4-BE49-F238E27FC236}">
+                <a16:creationId xmlns="" xmlns:a16="http://schemas.microsoft.com/office/drawing/2014/main" id="{F6EC8B24-B4B3-40C1-A8E7-B11C79C23380}"/>
+              </a:ext>
+            </a:extLst>
+          </p:cNvPr>
+          <p:cNvSpPr txBox="1"/>
+          <p:nvPr/>
+        </p:nvSpPr>
+        <p:spPr>
+          <a:xfrm>
+            <a:off x="2475582" y="4251087"/>
+            <a:ext cx="1928733" cy="461665"/>
+          </a:xfrm>
+          <a:prstGeom prst="rect">
+            <a:avLst/>
+          </a:prstGeom>
+          <a:noFill/>
+        </p:spPr>
+        <p:txBody>
+          <a:bodyPr wrap="none" rtlCol="0">
+            <a:spAutoFit/>
+          </a:bodyPr>
+          <a:lstStyle/>
+          <a:p>
+            <a:r>
+              <a:rPr lang="en-US" altLang="ko-KR" sz="800" dirty="0"/>
+              <a:t>Check out the new </a:t>
+            </a:r>
+            <a:r>
+              <a:rPr lang="en-US" altLang="ko-KR" sz="800" dirty="0" err="1"/>
+              <a:t>Heartsurge</a:t>
+            </a:r>
+            <a:r>
+              <a:rPr lang="en-US" altLang="ko-KR" sz="800" dirty="0"/>
+              <a:t> SKINs </a:t>
+            </a:r>
+          </a:p>
+          <a:p>
+            <a:r>
+              <a:rPr lang="en-US" altLang="ko-KR" sz="800" dirty="0"/>
+              <a:t>in the New Eden Store, </a:t>
+            </a:r>
+          </a:p>
+          <a:p>
+            <a:r>
+              <a:rPr lang="en-US" altLang="ko-KR" sz="800" dirty="0"/>
+              <a:t>but only for a limited time!</a:t>
+            </a:r>
+            <a:endParaRPr lang="ko-KR" altLang="en-US" sz="800" dirty="0"/>
+          </a:p>
+        </p:txBody>
+      </p:sp>
     </p:spTree>
     <p:extLst>
       <p:ext uri="{BB962C8B-B14F-4D97-AF65-F5344CB8AC3E}">
@@ -45306,7 +50192,7 @@
           <p:cNvPr id="65" name="직사각형 64">
             <a:extLst>
               <a:ext uri="{FF2B5EF4-FFF2-40B4-BE49-F238E27FC236}">
-                <a16:creationId xmlns:a16="http://schemas.microsoft.com/office/drawing/2014/main" xmlns="" id="{CA788993-801F-47F2-A5CF-7C18AE07BCA6}"/>
+                <a16:creationId xmlns="" xmlns:a16="http://schemas.microsoft.com/office/drawing/2014/main" id="{CA788993-801F-47F2-A5CF-7C18AE07BCA6}"/>
               </a:ext>
             </a:extLst>
           </p:cNvPr>
@@ -45358,7 +50244,7 @@
           <p:cNvPr id="66" name="직선 연결선 65">
             <a:extLst>
               <a:ext uri="{FF2B5EF4-FFF2-40B4-BE49-F238E27FC236}">
-                <a16:creationId xmlns:a16="http://schemas.microsoft.com/office/drawing/2014/main" xmlns="" id="{44240779-76E1-4B27-9B94-FC998804FCE6}"/>
+                <a16:creationId xmlns="" xmlns:a16="http://schemas.microsoft.com/office/drawing/2014/main" id="{44240779-76E1-4B27-9B94-FC998804FCE6}"/>
               </a:ext>
             </a:extLst>
           </p:cNvPr>
@@ -45394,7 +50280,7 @@
           <p:cNvPr id="69" name="직사각형 68">
             <a:extLst>
               <a:ext uri="{FF2B5EF4-FFF2-40B4-BE49-F238E27FC236}">
-                <a16:creationId xmlns:a16="http://schemas.microsoft.com/office/drawing/2014/main" xmlns="" id="{CA788993-801F-47F2-A5CF-7C18AE07BCA6}"/>
+                <a16:creationId xmlns="" xmlns:a16="http://schemas.microsoft.com/office/drawing/2014/main" id="{CA788993-801F-47F2-A5CF-7C18AE07BCA6}"/>
               </a:ext>
             </a:extLst>
           </p:cNvPr>
@@ -45446,7 +50332,7 @@
           <p:cNvPr id="70" name="직선 연결선 69">
             <a:extLst>
               <a:ext uri="{FF2B5EF4-FFF2-40B4-BE49-F238E27FC236}">
-                <a16:creationId xmlns:a16="http://schemas.microsoft.com/office/drawing/2014/main" xmlns="" id="{44240779-76E1-4B27-9B94-FC998804FCE6}"/>
+                <a16:creationId xmlns="" xmlns:a16="http://schemas.microsoft.com/office/drawing/2014/main" id="{44240779-76E1-4B27-9B94-FC998804FCE6}"/>
               </a:ext>
             </a:extLst>
           </p:cNvPr>
@@ -45577,7 +50463,7 @@
           <p:cNvPr id="57" name="직사각형 56">
             <a:extLst>
               <a:ext uri="{FF2B5EF4-FFF2-40B4-BE49-F238E27FC236}">
-                <a16:creationId xmlns:a16="http://schemas.microsoft.com/office/drawing/2014/main" xmlns="" id="{CA788993-801F-47F2-A5CF-7C18AE07BCA6}"/>
+                <a16:creationId xmlns="" xmlns:a16="http://schemas.microsoft.com/office/drawing/2014/main" id="{CA788993-801F-47F2-A5CF-7C18AE07BCA6}"/>
               </a:ext>
             </a:extLst>
           </p:cNvPr>
@@ -45631,7 +50517,7 @@
           <p:cNvPr id="8" name="직선 연결선 7">
             <a:extLst>
               <a:ext uri="{FF2B5EF4-FFF2-40B4-BE49-F238E27FC236}">
-                <a16:creationId xmlns:a16="http://schemas.microsoft.com/office/drawing/2014/main" xmlns="" id="{44240779-76E1-4B27-9B94-FC998804FCE6}"/>
+                <a16:creationId xmlns="" xmlns:a16="http://schemas.microsoft.com/office/drawing/2014/main" id="{44240779-76E1-4B27-9B94-FC998804FCE6}"/>
               </a:ext>
             </a:extLst>
           </p:cNvPr>
@@ -45703,7 +50589,7 @@
           <p:cNvPr id="98" name="직사각형 97">
             <a:extLst>
               <a:ext uri="{FF2B5EF4-FFF2-40B4-BE49-F238E27FC236}">
-                <a16:creationId xmlns:a16="http://schemas.microsoft.com/office/drawing/2014/main" xmlns="" id="{CA788993-801F-47F2-A5CF-7C18AE07BCA6}"/>
+                <a16:creationId xmlns="" xmlns:a16="http://schemas.microsoft.com/office/drawing/2014/main" id="{CA788993-801F-47F2-A5CF-7C18AE07BCA6}"/>
               </a:ext>
             </a:extLst>
           </p:cNvPr>
@@ -45755,7 +50641,7 @@
           <p:cNvPr id="99" name="직선 연결선 98">
             <a:extLst>
               <a:ext uri="{FF2B5EF4-FFF2-40B4-BE49-F238E27FC236}">
-                <a16:creationId xmlns:a16="http://schemas.microsoft.com/office/drawing/2014/main" xmlns="" id="{44240779-76E1-4B27-9B94-FC998804FCE6}"/>
+                <a16:creationId xmlns="" xmlns:a16="http://schemas.microsoft.com/office/drawing/2014/main" id="{44240779-76E1-4B27-9B94-FC998804FCE6}"/>
               </a:ext>
             </a:extLst>
           </p:cNvPr>
@@ -45791,7 +50677,7 @@
           <p:cNvPr id="100" name="직사각형 99">
             <a:extLst>
               <a:ext uri="{FF2B5EF4-FFF2-40B4-BE49-F238E27FC236}">
-                <a16:creationId xmlns:a16="http://schemas.microsoft.com/office/drawing/2014/main" xmlns="" id="{CA788993-801F-47F2-A5CF-7C18AE07BCA6}"/>
+                <a16:creationId xmlns="" xmlns:a16="http://schemas.microsoft.com/office/drawing/2014/main" id="{CA788993-801F-47F2-A5CF-7C18AE07BCA6}"/>
               </a:ext>
             </a:extLst>
           </p:cNvPr>
@@ -45843,7 +50729,7 @@
           <p:cNvPr id="101" name="직선 연결선 100">
             <a:extLst>
               <a:ext uri="{FF2B5EF4-FFF2-40B4-BE49-F238E27FC236}">
-                <a16:creationId xmlns:a16="http://schemas.microsoft.com/office/drawing/2014/main" xmlns="" id="{44240779-76E1-4B27-9B94-FC998804FCE6}"/>
+                <a16:creationId xmlns="" xmlns:a16="http://schemas.microsoft.com/office/drawing/2014/main" id="{44240779-76E1-4B27-9B94-FC998804FCE6}"/>
               </a:ext>
             </a:extLst>
           </p:cNvPr>
@@ -45879,7 +50765,7 @@
           <p:cNvPr id="102" name="직사각형 101">
             <a:extLst>
               <a:ext uri="{FF2B5EF4-FFF2-40B4-BE49-F238E27FC236}">
-                <a16:creationId xmlns:a16="http://schemas.microsoft.com/office/drawing/2014/main" xmlns="" id="{CA788993-801F-47F2-A5CF-7C18AE07BCA6}"/>
+                <a16:creationId xmlns="" xmlns:a16="http://schemas.microsoft.com/office/drawing/2014/main" id="{CA788993-801F-47F2-A5CF-7C18AE07BCA6}"/>
               </a:ext>
             </a:extLst>
           </p:cNvPr>
@@ -45931,7 +50817,7 @@
           <p:cNvPr id="103" name="직선 연결선 102">
             <a:extLst>
               <a:ext uri="{FF2B5EF4-FFF2-40B4-BE49-F238E27FC236}">
-                <a16:creationId xmlns:a16="http://schemas.microsoft.com/office/drawing/2014/main" xmlns="" id="{44240779-76E1-4B27-9B94-FC998804FCE6}"/>
+                <a16:creationId xmlns="" xmlns:a16="http://schemas.microsoft.com/office/drawing/2014/main" id="{44240779-76E1-4B27-9B94-FC998804FCE6}"/>
               </a:ext>
             </a:extLst>
           </p:cNvPr>
@@ -45967,7 +50853,7 @@
           <p:cNvPr id="104" name="직사각형 103">
             <a:extLst>
               <a:ext uri="{FF2B5EF4-FFF2-40B4-BE49-F238E27FC236}">
-                <a16:creationId xmlns:a16="http://schemas.microsoft.com/office/drawing/2014/main" xmlns="" id="{CA788993-801F-47F2-A5CF-7C18AE07BCA6}"/>
+                <a16:creationId xmlns="" xmlns:a16="http://schemas.microsoft.com/office/drawing/2014/main" id="{CA788993-801F-47F2-A5CF-7C18AE07BCA6}"/>
               </a:ext>
             </a:extLst>
           </p:cNvPr>
@@ -46019,7 +50905,7 @@
           <p:cNvPr id="105" name="직선 연결선 104">
             <a:extLst>
               <a:ext uri="{FF2B5EF4-FFF2-40B4-BE49-F238E27FC236}">
-                <a16:creationId xmlns:a16="http://schemas.microsoft.com/office/drawing/2014/main" xmlns="" id="{44240779-76E1-4B27-9B94-FC998804FCE6}"/>
+                <a16:creationId xmlns="" xmlns:a16="http://schemas.microsoft.com/office/drawing/2014/main" id="{44240779-76E1-4B27-9B94-FC998804FCE6}"/>
               </a:ext>
             </a:extLst>
           </p:cNvPr>
@@ -46055,7 +50941,7 @@
           <p:cNvPr id="107" name="직사각형 106">
             <a:extLst>
               <a:ext uri="{FF2B5EF4-FFF2-40B4-BE49-F238E27FC236}">
-                <a16:creationId xmlns:a16="http://schemas.microsoft.com/office/drawing/2014/main" xmlns="" id="{CA788993-801F-47F2-A5CF-7C18AE07BCA6}"/>
+                <a16:creationId xmlns="" xmlns:a16="http://schemas.microsoft.com/office/drawing/2014/main" id="{CA788993-801F-47F2-A5CF-7C18AE07BCA6}"/>
               </a:ext>
             </a:extLst>
           </p:cNvPr>
@@ -46107,7 +50993,7 @@
           <p:cNvPr id="108" name="직선 연결선 107">
             <a:extLst>
               <a:ext uri="{FF2B5EF4-FFF2-40B4-BE49-F238E27FC236}">
-                <a16:creationId xmlns:a16="http://schemas.microsoft.com/office/drawing/2014/main" xmlns="" id="{44240779-76E1-4B27-9B94-FC998804FCE6}"/>
+                <a16:creationId xmlns="" xmlns:a16="http://schemas.microsoft.com/office/drawing/2014/main" id="{44240779-76E1-4B27-9B94-FC998804FCE6}"/>
               </a:ext>
             </a:extLst>
           </p:cNvPr>
@@ -46143,7 +51029,7 @@
           <p:cNvPr id="126" name="직사각형 125">
             <a:extLst>
               <a:ext uri="{FF2B5EF4-FFF2-40B4-BE49-F238E27FC236}">
-                <a16:creationId xmlns:a16="http://schemas.microsoft.com/office/drawing/2014/main" xmlns="" id="{CA788993-801F-47F2-A5CF-7C18AE07BCA6}"/>
+                <a16:creationId xmlns="" xmlns:a16="http://schemas.microsoft.com/office/drawing/2014/main" id="{CA788993-801F-47F2-A5CF-7C18AE07BCA6}"/>
               </a:ext>
             </a:extLst>
           </p:cNvPr>
@@ -46195,7 +51081,7 @@
           <p:cNvPr id="127" name="직선 연결선 126">
             <a:extLst>
               <a:ext uri="{FF2B5EF4-FFF2-40B4-BE49-F238E27FC236}">
-                <a16:creationId xmlns:a16="http://schemas.microsoft.com/office/drawing/2014/main" xmlns="" id="{44240779-76E1-4B27-9B94-FC998804FCE6}"/>
+                <a16:creationId xmlns="" xmlns:a16="http://schemas.microsoft.com/office/drawing/2014/main" id="{44240779-76E1-4B27-9B94-FC998804FCE6}"/>
               </a:ext>
             </a:extLst>
           </p:cNvPr>
@@ -47805,7 +52691,7 @@
           <p:cNvPr id="57" name="직사각형 56">
             <a:extLst>
               <a:ext uri="{FF2B5EF4-FFF2-40B4-BE49-F238E27FC236}">
-                <a16:creationId xmlns:a16="http://schemas.microsoft.com/office/drawing/2014/main" xmlns="" id="{CA788993-801F-47F2-A5CF-7C18AE07BCA6}"/>
+                <a16:creationId xmlns="" xmlns:a16="http://schemas.microsoft.com/office/drawing/2014/main" id="{CA788993-801F-47F2-A5CF-7C18AE07BCA6}"/>
               </a:ext>
             </a:extLst>
           </p:cNvPr>
@@ -47857,7 +52743,7 @@
           <p:cNvPr id="8" name="직선 연결선 7">
             <a:extLst>
               <a:ext uri="{FF2B5EF4-FFF2-40B4-BE49-F238E27FC236}">
-                <a16:creationId xmlns:a16="http://schemas.microsoft.com/office/drawing/2014/main" xmlns="" id="{44240779-76E1-4B27-9B94-FC998804FCE6}"/>
+                <a16:creationId xmlns="" xmlns:a16="http://schemas.microsoft.com/office/drawing/2014/main" id="{44240779-76E1-4B27-9B94-FC998804FCE6}"/>
               </a:ext>
             </a:extLst>
           </p:cNvPr>
@@ -48060,7 +52946,7 @@
           <p:cNvPr id="65" name="직사각형 64">
             <a:extLst>
               <a:ext uri="{FF2B5EF4-FFF2-40B4-BE49-F238E27FC236}">
-                <a16:creationId xmlns:a16="http://schemas.microsoft.com/office/drawing/2014/main" xmlns="" id="{CA788993-801F-47F2-A5CF-7C18AE07BCA6}"/>
+                <a16:creationId xmlns="" xmlns:a16="http://schemas.microsoft.com/office/drawing/2014/main" id="{CA788993-801F-47F2-A5CF-7C18AE07BCA6}"/>
               </a:ext>
             </a:extLst>
           </p:cNvPr>
@@ -48112,7 +52998,7 @@
           <p:cNvPr id="66" name="직선 연결선 65">
             <a:extLst>
               <a:ext uri="{FF2B5EF4-FFF2-40B4-BE49-F238E27FC236}">
-                <a16:creationId xmlns:a16="http://schemas.microsoft.com/office/drawing/2014/main" xmlns="" id="{44240779-76E1-4B27-9B94-FC998804FCE6}"/>
+                <a16:creationId xmlns="" xmlns:a16="http://schemas.microsoft.com/office/drawing/2014/main" id="{44240779-76E1-4B27-9B94-FC998804FCE6}"/>
               </a:ext>
             </a:extLst>
           </p:cNvPr>
@@ -48608,7 +53494,7 @@
           <p:cNvPr id="33" name="직사각형 32">
             <a:extLst>
               <a:ext uri="{FF2B5EF4-FFF2-40B4-BE49-F238E27FC236}">
-                <a16:creationId xmlns:a16="http://schemas.microsoft.com/office/drawing/2014/main" xmlns="" id="{CA788993-801F-47F2-A5CF-7C18AE07BCA6}"/>
+                <a16:creationId xmlns="" xmlns:a16="http://schemas.microsoft.com/office/drawing/2014/main" id="{CA788993-801F-47F2-A5CF-7C18AE07BCA6}"/>
               </a:ext>
             </a:extLst>
           </p:cNvPr>
@@ -48660,7 +53546,7 @@
           <p:cNvPr id="34" name="직선 연결선 33">
             <a:extLst>
               <a:ext uri="{FF2B5EF4-FFF2-40B4-BE49-F238E27FC236}">
-                <a16:creationId xmlns:a16="http://schemas.microsoft.com/office/drawing/2014/main" xmlns="" id="{44240779-76E1-4B27-9B94-FC998804FCE6}"/>
+                <a16:creationId xmlns="" xmlns:a16="http://schemas.microsoft.com/office/drawing/2014/main" id="{44240779-76E1-4B27-9B94-FC998804FCE6}"/>
               </a:ext>
             </a:extLst>
           </p:cNvPr>
@@ -49474,7 +54360,7 @@
         <p:spPr>
           <a:xfrm>
             <a:off x="7284068" y="2024082"/>
-            <a:ext cx="1691489" cy="461665"/>
+            <a:ext cx="1896673" cy="707886"/>
           </a:xfrm>
           <a:prstGeom prst="rect">
             <a:avLst/>
@@ -49514,10 +54400,32 @@
           </a:p>
           <a:p>
             <a:r>
-              <a:rPr lang="ko-KR" altLang="en-US" sz="800" dirty="0"/>
+              <a:rPr lang="ko-KR" altLang="en-US" sz="800" dirty="0" smtClean="0"/>
               <a:t>확대</a:t>
             </a:r>
-            <a:endParaRPr lang="en-US" altLang="ko-KR" sz="800" dirty="0"/>
+            <a:endParaRPr lang="en-US" altLang="ko-KR" sz="800" dirty="0" smtClean="0"/>
+          </a:p>
+          <a:p>
+            <a:r>
+              <a:rPr lang="ko-KR" altLang="en-US" sz="800" dirty="0" smtClean="0"/>
+              <a:t>텍스트 펼쳐지는 방향이 </a:t>
+            </a:r>
+            <a:r>
+              <a:rPr lang="en-US" altLang="ko-KR" sz="800" dirty="0" smtClean="0"/>
+              <a:t>4</a:t>
+            </a:r>
+            <a:r>
+              <a:rPr lang="ko-KR" altLang="en-US" sz="800" dirty="0" smtClean="0"/>
+              <a:t>번과는 다른</a:t>
+            </a:r>
+            <a:endParaRPr lang="en-US" altLang="ko-KR" sz="800" dirty="0" smtClean="0"/>
+          </a:p>
+          <a:p>
+            <a:r>
+              <a:rPr lang="ko-KR" altLang="en-US" sz="800" dirty="0" smtClean="0"/>
+              <a:t>차이 발생</a:t>
+            </a:r>
+            <a:endParaRPr lang="en-US" altLang="ko-KR" sz="800" dirty="0" smtClean="0"/>
           </a:p>
         </p:txBody>
       </p:sp>
@@ -50152,7 +55060,7 @@
           <p:cNvPr id="57" name="직사각형 56">
             <a:extLst>
               <a:ext uri="{FF2B5EF4-FFF2-40B4-BE49-F238E27FC236}">
-                <a16:creationId xmlns:a16="http://schemas.microsoft.com/office/drawing/2014/main" xmlns="" id="{CA788993-801F-47F2-A5CF-7C18AE07BCA6}"/>
+                <a16:creationId xmlns="" xmlns:a16="http://schemas.microsoft.com/office/drawing/2014/main" id="{CA788993-801F-47F2-A5CF-7C18AE07BCA6}"/>
               </a:ext>
             </a:extLst>
           </p:cNvPr>
@@ -50204,7 +55112,7 @@
           <p:cNvPr id="8" name="직선 연결선 7">
             <a:extLst>
               <a:ext uri="{FF2B5EF4-FFF2-40B4-BE49-F238E27FC236}">
-                <a16:creationId xmlns:a16="http://schemas.microsoft.com/office/drawing/2014/main" xmlns="" id="{44240779-76E1-4B27-9B94-FC998804FCE6}"/>
+                <a16:creationId xmlns="" xmlns:a16="http://schemas.microsoft.com/office/drawing/2014/main" id="{44240779-76E1-4B27-9B94-FC998804FCE6}"/>
               </a:ext>
             </a:extLst>
           </p:cNvPr>
@@ -50407,7 +55315,7 @@
           <p:cNvPr id="65" name="직사각형 64">
             <a:extLst>
               <a:ext uri="{FF2B5EF4-FFF2-40B4-BE49-F238E27FC236}">
-                <a16:creationId xmlns:a16="http://schemas.microsoft.com/office/drawing/2014/main" xmlns="" id="{CA788993-801F-47F2-A5CF-7C18AE07BCA6}"/>
+                <a16:creationId xmlns="" xmlns:a16="http://schemas.microsoft.com/office/drawing/2014/main" id="{CA788993-801F-47F2-A5CF-7C18AE07BCA6}"/>
               </a:ext>
             </a:extLst>
           </p:cNvPr>
@@ -50459,7 +55367,7 @@
           <p:cNvPr id="66" name="직선 연결선 65">
             <a:extLst>
               <a:ext uri="{FF2B5EF4-FFF2-40B4-BE49-F238E27FC236}">
-                <a16:creationId xmlns:a16="http://schemas.microsoft.com/office/drawing/2014/main" xmlns="" id="{44240779-76E1-4B27-9B94-FC998804FCE6}"/>
+                <a16:creationId xmlns="" xmlns:a16="http://schemas.microsoft.com/office/drawing/2014/main" id="{44240779-76E1-4B27-9B94-FC998804FCE6}"/>
               </a:ext>
             </a:extLst>
           </p:cNvPr>
@@ -50865,7 +55773,7 @@
           <p:cNvPr id="157" name="직사각형 156">
             <a:extLst>
               <a:ext uri="{FF2B5EF4-FFF2-40B4-BE49-F238E27FC236}">
-                <a16:creationId xmlns:a16="http://schemas.microsoft.com/office/drawing/2014/main" xmlns="" id="{CA788993-801F-47F2-A5CF-7C18AE07BCA6}"/>
+                <a16:creationId xmlns="" xmlns:a16="http://schemas.microsoft.com/office/drawing/2014/main" id="{CA788993-801F-47F2-A5CF-7C18AE07BCA6}"/>
               </a:ext>
             </a:extLst>
           </p:cNvPr>
@@ -50919,7 +55827,7 @@
           <p:cNvPr id="169" name="직선 연결선 168">
             <a:extLst>
               <a:ext uri="{FF2B5EF4-FFF2-40B4-BE49-F238E27FC236}">
-                <a16:creationId xmlns:a16="http://schemas.microsoft.com/office/drawing/2014/main" xmlns="" id="{44240779-76E1-4B27-9B94-FC998804FCE6}"/>
+                <a16:creationId xmlns="" xmlns:a16="http://schemas.microsoft.com/office/drawing/2014/main" id="{44240779-76E1-4B27-9B94-FC998804FCE6}"/>
               </a:ext>
             </a:extLst>
           </p:cNvPr>
@@ -51066,7 +55974,7 @@
           <p:cNvPr id="171" name="직사각형 170">
             <a:extLst>
               <a:ext uri="{FF2B5EF4-FFF2-40B4-BE49-F238E27FC236}">
-                <a16:creationId xmlns:a16="http://schemas.microsoft.com/office/drawing/2014/main" xmlns="" id="{CA788993-801F-47F2-A5CF-7C18AE07BCA6}"/>
+                <a16:creationId xmlns="" xmlns:a16="http://schemas.microsoft.com/office/drawing/2014/main" id="{CA788993-801F-47F2-A5CF-7C18AE07BCA6}"/>
               </a:ext>
             </a:extLst>
           </p:cNvPr>
@@ -51166,7 +56074,7 @@
           <p:cNvPr id="173" name="직선 연결선 172">
             <a:extLst>
               <a:ext uri="{FF2B5EF4-FFF2-40B4-BE49-F238E27FC236}">
-                <a16:creationId xmlns:a16="http://schemas.microsoft.com/office/drawing/2014/main" xmlns="" id="{44240779-76E1-4B27-9B94-FC998804FCE6}"/>
+                <a16:creationId xmlns="" xmlns:a16="http://schemas.microsoft.com/office/drawing/2014/main" id="{44240779-76E1-4B27-9B94-FC998804FCE6}"/>
               </a:ext>
             </a:extLst>
           </p:cNvPr>
@@ -51786,7 +56694,7 @@
         <p:spPr>
           <a:xfrm>
             <a:off x="7263205" y="2126152"/>
-            <a:ext cx="1736373" cy="338554"/>
+            <a:ext cx="1736373" cy="461665"/>
           </a:xfrm>
           <a:prstGeom prst="rect">
             <a:avLst/>
@@ -51808,7 +56716,22 @@
           <a:p>
             <a:r>
               <a:rPr lang="ko-KR" altLang="en-US" sz="800" dirty="0"/>
-              <a:t>박스가 좌에서 우로 전개하며 등장</a:t>
+              <a:t>박스가 좌에서 우로 전개하며 </a:t>
+            </a:r>
+            <a:r>
+              <a:rPr lang="ko-KR" altLang="en-US" sz="800" dirty="0" smtClean="0"/>
+              <a:t>등장</a:t>
+            </a:r>
+            <a:endParaRPr lang="en-US" altLang="ko-KR" sz="800" dirty="0" smtClean="0"/>
+          </a:p>
+          <a:p>
+            <a:r>
+              <a:rPr lang="en-US" altLang="ko-KR" sz="800" dirty="0" smtClean="0"/>
+              <a:t>Width:0 -&gt; width:100%</a:t>
+            </a:r>
+            <a:r>
+              <a:rPr lang="ko-KR" altLang="en-US" sz="800" dirty="0" smtClean="0"/>
+              <a:t>로 전환</a:t>
             </a:r>
             <a:endParaRPr lang="en-US" altLang="ko-KR" sz="800" dirty="0"/>
           </a:p>
